--- a/Brain_Stroke_PP.pptx
+++ b/Brain_Stroke_PP.pptx
@@ -5,31 +5,35 @@
     <p:sldMasterId id="2147483660" r:id="rId1"/>
   </p:sldMasterIdLst>
   <p:notesMasterIdLst>
-    <p:notesMasterId r:id="rId12"/>
+    <p:notesMasterId r:id="rId16"/>
   </p:notesMasterIdLst>
   <p:sldIdLst>
     <p:sldId id="256" r:id="rId2"/>
     <p:sldId id="257" r:id="rId3"/>
-    <p:sldId id="262" r:id="rId4"/>
+    <p:sldId id="266" r:id="rId4"/>
     <p:sldId id="264" r:id="rId5"/>
     <p:sldId id="258" r:id="rId6"/>
-    <p:sldId id="265" r:id="rId7"/>
-    <p:sldId id="263" r:id="rId8"/>
-    <p:sldId id="259" r:id="rId9"/>
-    <p:sldId id="260" r:id="rId10"/>
-    <p:sldId id="261" r:id="rId11"/>
+    <p:sldId id="267" r:id="rId7"/>
+    <p:sldId id="268" r:id="rId8"/>
+    <p:sldId id="269" r:id="rId9"/>
+    <p:sldId id="270" r:id="rId10"/>
+    <p:sldId id="265" r:id="rId11"/>
+    <p:sldId id="263" r:id="rId12"/>
+    <p:sldId id="259" r:id="rId13"/>
+    <p:sldId id="260" r:id="rId14"/>
+    <p:sldId id="261" r:id="rId15"/>
   </p:sldIdLst>
   <p:sldSz cx="12192000" cy="6858000"/>
   <p:notesSz cx="6858000" cy="9144000"/>
   <p:embeddedFontLst>
     <p:embeddedFont>
       <p:font typeface="Gill Sans" panose="020B0604020202020204" charset="0"/>
-      <p:regular r:id="rId13"/>
-      <p:bold r:id="rId14"/>
+      <p:regular r:id="rId17"/>
+      <p:bold r:id="rId18"/>
     </p:embeddedFont>
     <p:embeddedFont>
       <p:font typeface="Wingdings 2" panose="05020102010507070707" pitchFamily="18" charset="2"/>
-      <p:regular r:id="rId15"/>
+      <p:regular r:id="rId19"/>
     </p:embeddedFont>
   </p:embeddedFontLst>
   <p:defaultTextStyle>
@@ -128,8 +132,11 @@
     </a:lvl9pPr>
   </p:defaultTextStyle>
   <p:extLst>
+    <p:ext uri="{EFAFB233-063F-42B5-8137-9DF3F51BA10A}">
+      <p15:sldGuideLst xmlns:p15="http://schemas.microsoft.com/office/powerpoint/2012/main"/>
+    </p:ext>
     <p:ext uri="GoogleSlidesCustomDataVersion2">
-      <go:slidesCustomData xmlns:go="http://customooxmlschemas.google.com/" xmlns:ahyp="http://schemas.microsoft.com/office/drawing/2018/hyperlinkcolor" xmlns:p15="http://schemas.microsoft.com/office/powerpoint/2012/main" xmlns:p14="http://schemas.microsoft.com/office/powerpoint/2010/main" xmlns:com="http://schemas.openxmlformats.org/drawingml/2006/compatibility" xmlns:pvml="urn:schemas-microsoft-com:office:powerpoint" xmlns:v="urn:schemas-microsoft-com:vml" xmlns:o="urn:schemas-microsoft-com:office:office" xmlns:dgm="http://schemas.openxmlformats.org/drawingml/2006/diagram" xmlns:c="http://schemas.openxmlformats.org/drawingml/2006/chart" xmlns:mv="urn:schemas-microsoft-com:mac:vml" xmlns:mc="http://schemas.openxmlformats.org/markup-compatibility/2006" xmlns="" r:id="rId16" roundtripDataSignature="AMtx7mjbGxrVGqeYPl04eDJZvsznUofUZg=="/>
+      <go:slidesCustomData xmlns="" xmlns:mc="http://schemas.openxmlformats.org/markup-compatibility/2006" xmlns:mv="urn:schemas-microsoft-com:mac:vml" xmlns:c="http://schemas.openxmlformats.org/drawingml/2006/chart" xmlns:dgm="http://schemas.openxmlformats.org/drawingml/2006/diagram" xmlns:o="urn:schemas-microsoft-com:office:office" xmlns:v="urn:schemas-microsoft-com:vml" xmlns:pvml="urn:schemas-microsoft-com:office:powerpoint" xmlns:com="http://schemas.openxmlformats.org/drawingml/2006/compatibility" xmlns:p14="http://schemas.microsoft.com/office/powerpoint/2010/main" xmlns:p15="http://schemas.microsoft.com/office/powerpoint/2012/main" xmlns:ahyp="http://schemas.microsoft.com/office/drawing/2018/hyperlinkcolor" xmlns:go="http://customooxmlschemas.google.com/" r:id="rId20" roundtripDataSignature="AMtx7mjbGxrVGqeYPl04eDJZvsznUofUZg=="/>
     </p:ext>
   </p:extLst>
 </p:presentation>
@@ -684,12 +691,12 @@
 </p:notes>
 </file>
 
-<file path=ppt/notesSlides/notesSlide2.xml><?xml version="1.0" encoding="utf-8"?>
+<file path=ppt/notesSlides/notesSlide10.xml><?xml version="1.0" encoding="utf-8"?>
 <p:notes xmlns:a="http://schemas.openxmlformats.org/drawingml/2006/main" xmlns:r="http://schemas.openxmlformats.org/officeDocument/2006/relationships" xmlns:p="http://schemas.openxmlformats.org/presentationml/2006/main" showMasterSp="0" showMasterPhAnim="0">
   <p:cSld>
     <p:spTree>
       <p:nvGrpSpPr>
-        <p:cNvPr id="1" name="Shape 100"/>
+        <p:cNvPr id="1" name="Shape 118"/>
         <p:cNvGrpSpPr/>
         <p:nvPr/>
       </p:nvGrpSpPr>
@@ -703,7 +710,7 @@
       </p:grpSpPr>
       <p:sp>
         <p:nvSpPr>
-          <p:cNvPr id="101" name="Google Shape;101;p2:notes"/>
+          <p:cNvPr id="119" name="Google Shape;119;p3:notes"/>
           <p:cNvSpPr txBox="1">
             <a:spLocks noGrp="1"/>
           </p:cNvSpPr>
@@ -741,7 +748,7 @@
       </p:sp>
       <p:sp>
         <p:nvSpPr>
-          <p:cNvPr id="102" name="Google Shape;102;p2:notes"/>
+          <p:cNvPr id="120" name="Google Shape;120;p3:notes"/>
           <p:cNvSpPr>
             <a:spLocks noGrp="1" noRot="1" noChangeAspect="1"/>
           </p:cNvSpPr>
@@ -788,12 +795,12 @@
 </p:notes>
 </file>
 
-<file path=ppt/notesSlides/notesSlide3.xml><?xml version="1.0" encoding="utf-8"?>
+<file path=ppt/notesSlides/notesSlide11.xml><?xml version="1.0" encoding="utf-8"?>
 <p:notes xmlns:a="http://schemas.openxmlformats.org/drawingml/2006/main" xmlns:r="http://schemas.openxmlformats.org/officeDocument/2006/relationships" xmlns:p="http://schemas.openxmlformats.org/presentationml/2006/main" showMasterSp="0" showMasterPhAnim="0">
   <p:cSld>
     <p:spTree>
       <p:nvGrpSpPr>
-        <p:cNvPr id="1" name="Shape 105"/>
+        <p:cNvPr id="1" name="Shape 124"/>
         <p:cNvGrpSpPr/>
         <p:nvPr/>
       </p:nvGrpSpPr>
@@ -807,7 +814,7 @@
       </p:grpSpPr>
       <p:sp>
         <p:nvSpPr>
-          <p:cNvPr id="106" name="Google Shape;106;g24f2da4f33f_0_0:notes"/>
+          <p:cNvPr id="125" name="Google Shape;125;p4:notes"/>
           <p:cNvSpPr txBox="1">
             <a:spLocks noGrp="1"/>
           </p:cNvSpPr>
@@ -845,7 +852,7 @@
       </p:sp>
       <p:sp>
         <p:nvSpPr>
-          <p:cNvPr id="107" name="Google Shape;107;g24f2da4f33f_0_0:notes"/>
+          <p:cNvPr id="126" name="Google Shape;126;p4:notes"/>
           <p:cNvSpPr>
             <a:spLocks noGrp="1" noRot="1" noChangeAspect="1"/>
           </p:cNvSpPr>
@@ -892,12 +899,12 @@
 </p:notes>
 </file>
 
-<file path=ppt/notesSlides/notesSlide4.xml><?xml version="1.0" encoding="utf-8"?>
+<file path=ppt/notesSlides/notesSlide2.xml><?xml version="1.0" encoding="utf-8"?>
 <p:notes xmlns:a="http://schemas.openxmlformats.org/drawingml/2006/main" xmlns:r="http://schemas.openxmlformats.org/officeDocument/2006/relationships" xmlns:p="http://schemas.openxmlformats.org/presentationml/2006/main" showMasterSp="0" showMasterPhAnim="0">
   <p:cSld>
     <p:spTree>
       <p:nvGrpSpPr>
-        <p:cNvPr id="1" name="Shape 113"/>
+        <p:cNvPr id="1" name="Shape 100"/>
         <p:cNvGrpSpPr/>
         <p:nvPr/>
       </p:nvGrpSpPr>
@@ -911,7 +918,7 @@
       </p:grpSpPr>
       <p:sp>
         <p:nvSpPr>
-          <p:cNvPr id="114" name="Google Shape;114;g24f2da4f33f_0_4:notes"/>
+          <p:cNvPr id="101" name="Google Shape;101;p2:notes"/>
           <p:cNvSpPr txBox="1">
             <a:spLocks noGrp="1"/>
           </p:cNvSpPr>
@@ -949,7 +956,7 @@
       </p:sp>
       <p:sp>
         <p:nvSpPr>
-          <p:cNvPr id="115" name="Google Shape;115;g24f2da4f33f_0_4:notes"/>
+          <p:cNvPr id="102" name="Google Shape;102;p2:notes"/>
           <p:cNvSpPr>
             <a:spLocks noGrp="1" noRot="1" noChangeAspect="1"/>
           </p:cNvSpPr>
@@ -996,12 +1003,12 @@
 </p:notes>
 </file>
 
-<file path=ppt/notesSlides/notesSlide5.xml><?xml version="1.0" encoding="utf-8"?>
+<file path=ppt/notesSlides/notesSlide3.xml><?xml version="1.0" encoding="utf-8"?>
 <p:notes xmlns:a="http://schemas.openxmlformats.org/drawingml/2006/main" xmlns:r="http://schemas.openxmlformats.org/officeDocument/2006/relationships" xmlns:p="http://schemas.openxmlformats.org/presentationml/2006/main" showMasterSp="0" showMasterPhAnim="0">
   <p:cSld>
     <p:spTree>
       <p:nvGrpSpPr>
-        <p:cNvPr id="1" name="Shape 118"/>
+        <p:cNvPr id="1" name="Shape 100"/>
         <p:cNvGrpSpPr/>
         <p:nvPr/>
       </p:nvGrpSpPr>
@@ -1015,7 +1022,7 @@
       </p:grpSpPr>
       <p:sp>
         <p:nvSpPr>
-          <p:cNvPr id="119" name="Google Shape;119;p3:notes"/>
+          <p:cNvPr id="101" name="Google Shape;101;p2:notes"/>
           <p:cNvSpPr txBox="1">
             <a:spLocks noGrp="1"/>
           </p:cNvSpPr>
@@ -1053,7 +1060,7 @@
       </p:sp>
       <p:sp>
         <p:nvSpPr>
-          <p:cNvPr id="120" name="Google Shape;120;p3:notes"/>
+          <p:cNvPr id="102" name="Google Shape;102;p2:notes"/>
           <p:cNvSpPr>
             <a:spLocks noGrp="1" noRot="1" noChangeAspect="1"/>
           </p:cNvSpPr>
@@ -1093,6 +1100,11 @@
         </p:spPr>
       </p:sp>
     </p:spTree>
+    <p:extLst>
+      <p:ext uri="{BB962C8B-B14F-4D97-AF65-F5344CB8AC3E}">
+        <p14:creationId xmlns:p14="http://schemas.microsoft.com/office/powerpoint/2010/main" val="2028790434"/>
+      </p:ext>
+    </p:extLst>
   </p:cSld>
   <p:clrMapOvr>
     <a:masterClrMapping/>
@@ -1100,12 +1112,12 @@
 </p:notes>
 </file>
 
-<file path=ppt/notesSlides/notesSlide6.xml><?xml version="1.0" encoding="utf-8"?>
+<file path=ppt/notesSlides/notesSlide4.xml><?xml version="1.0" encoding="utf-8"?>
 <p:notes xmlns:a="http://schemas.openxmlformats.org/drawingml/2006/main" xmlns:r="http://schemas.openxmlformats.org/officeDocument/2006/relationships" xmlns:p="http://schemas.openxmlformats.org/presentationml/2006/main" showMasterSp="0" showMasterPhAnim="0">
   <p:cSld>
     <p:spTree>
       <p:nvGrpSpPr>
-        <p:cNvPr id="1" name="Shape 124"/>
+        <p:cNvPr id="1" name="Shape 105"/>
         <p:cNvGrpSpPr/>
         <p:nvPr/>
       </p:nvGrpSpPr>
@@ -1119,7 +1131,7 @@
       </p:grpSpPr>
       <p:sp>
         <p:nvSpPr>
-          <p:cNvPr id="125" name="Google Shape;125;p4:notes"/>
+          <p:cNvPr id="106" name="Google Shape;106;g24f2da4f33f_0_0:notes"/>
           <p:cNvSpPr txBox="1">
             <a:spLocks noGrp="1"/>
           </p:cNvSpPr>
@@ -1157,7 +1169,547 @@
       </p:sp>
       <p:sp>
         <p:nvSpPr>
-          <p:cNvPr id="126" name="Google Shape;126;p4:notes"/>
+          <p:cNvPr id="107" name="Google Shape;107;g24f2da4f33f_0_0:notes"/>
+          <p:cNvSpPr>
+            <a:spLocks noGrp="1" noRot="1" noChangeAspect="1"/>
+          </p:cNvSpPr>
+          <p:nvPr>
+            <p:ph type="sldImg" idx="2"/>
+          </p:nvPr>
+        </p:nvSpPr>
+        <p:spPr>
+          <a:xfrm>
+            <a:off x="381000" y="685800"/>
+            <a:ext cx="6096000" cy="3429000"/>
+          </a:xfrm>
+          <a:custGeom>
+            <a:avLst/>
+            <a:gdLst/>
+            <a:ahLst/>
+            <a:cxnLst/>
+            <a:rect l="l" t="t" r="r" b="b"/>
+            <a:pathLst>
+              <a:path w="120000" h="120000" extrusionOk="0">
+                <a:moveTo>
+                  <a:pt x="0" y="0"/>
+                </a:moveTo>
+                <a:lnTo>
+                  <a:pt x="120000" y="0"/>
+                </a:lnTo>
+                <a:lnTo>
+                  <a:pt x="120000" y="120000"/>
+                </a:lnTo>
+                <a:lnTo>
+                  <a:pt x="0" y="120000"/>
+                </a:lnTo>
+                <a:close/>
+              </a:path>
+            </a:pathLst>
+          </a:custGeom>
+        </p:spPr>
+      </p:sp>
+    </p:spTree>
+  </p:cSld>
+  <p:clrMapOvr>
+    <a:masterClrMapping/>
+  </p:clrMapOvr>
+</p:notes>
+</file>
+
+<file path=ppt/notesSlides/notesSlide5.xml><?xml version="1.0" encoding="utf-8"?>
+<p:notes xmlns:a="http://schemas.openxmlformats.org/drawingml/2006/main" xmlns:r="http://schemas.openxmlformats.org/officeDocument/2006/relationships" xmlns:p="http://schemas.openxmlformats.org/presentationml/2006/main" showMasterSp="0" showMasterPhAnim="0">
+  <p:cSld>
+    <p:spTree>
+      <p:nvGrpSpPr>
+        <p:cNvPr id="1" name="Shape 105"/>
+        <p:cNvGrpSpPr/>
+        <p:nvPr/>
+      </p:nvGrpSpPr>
+      <p:grpSpPr>
+        <a:xfrm>
+          <a:off x="0" y="0"/>
+          <a:ext cx="0" cy="0"/>
+          <a:chOff x="0" y="0"/>
+          <a:chExt cx="0" cy="0"/>
+        </a:xfrm>
+      </p:grpSpPr>
+      <p:sp>
+        <p:nvSpPr>
+          <p:cNvPr id="106" name="Google Shape;106;g24f2da4f33f_0_0:notes"/>
+          <p:cNvSpPr txBox="1">
+            <a:spLocks noGrp="1"/>
+          </p:cNvSpPr>
+          <p:nvPr>
+            <p:ph type="body" idx="1"/>
+          </p:nvPr>
+        </p:nvSpPr>
+        <p:spPr>
+          <a:xfrm>
+            <a:off x="685800" y="4343400"/>
+            <a:ext cx="5486400" cy="4114800"/>
+          </a:xfrm>
+          <a:prstGeom prst="rect">
+            <a:avLst/>
+          </a:prstGeom>
+        </p:spPr>
+        <p:txBody>
+          <a:bodyPr spcFirstLastPara="1" wrap="square" lIns="91425" tIns="91425" rIns="91425" bIns="91425" anchor="t" anchorCtr="0">
+            <a:noAutofit/>
+          </a:bodyPr>
+          <a:lstStyle/>
+          <a:p>
+            <a:pPr marL="0" lvl="0" indent="0" algn="l" rtl="0">
+              <a:spcBef>
+                <a:spcPts val="0"/>
+              </a:spcBef>
+              <a:spcAft>
+                <a:spcPts val="0"/>
+              </a:spcAft>
+              <a:buNone/>
+            </a:pPr>
+            <a:endParaRPr/>
+          </a:p>
+        </p:txBody>
+      </p:sp>
+      <p:sp>
+        <p:nvSpPr>
+          <p:cNvPr id="107" name="Google Shape;107;g24f2da4f33f_0_0:notes"/>
+          <p:cNvSpPr>
+            <a:spLocks noGrp="1" noRot="1" noChangeAspect="1"/>
+          </p:cNvSpPr>
+          <p:nvPr>
+            <p:ph type="sldImg" idx="2"/>
+          </p:nvPr>
+        </p:nvSpPr>
+        <p:spPr>
+          <a:xfrm>
+            <a:off x="381000" y="685800"/>
+            <a:ext cx="6096000" cy="3429000"/>
+          </a:xfrm>
+          <a:custGeom>
+            <a:avLst/>
+            <a:gdLst/>
+            <a:ahLst/>
+            <a:cxnLst/>
+            <a:rect l="l" t="t" r="r" b="b"/>
+            <a:pathLst>
+              <a:path w="120000" h="120000" extrusionOk="0">
+                <a:moveTo>
+                  <a:pt x="0" y="0"/>
+                </a:moveTo>
+                <a:lnTo>
+                  <a:pt x="120000" y="0"/>
+                </a:lnTo>
+                <a:lnTo>
+                  <a:pt x="120000" y="120000"/>
+                </a:lnTo>
+                <a:lnTo>
+                  <a:pt x="0" y="120000"/>
+                </a:lnTo>
+                <a:close/>
+              </a:path>
+            </a:pathLst>
+          </a:custGeom>
+        </p:spPr>
+      </p:sp>
+    </p:spTree>
+    <p:extLst>
+      <p:ext uri="{BB962C8B-B14F-4D97-AF65-F5344CB8AC3E}">
+        <p14:creationId xmlns:p14="http://schemas.microsoft.com/office/powerpoint/2010/main" val="84506543"/>
+      </p:ext>
+    </p:extLst>
+  </p:cSld>
+  <p:clrMapOvr>
+    <a:masterClrMapping/>
+  </p:clrMapOvr>
+</p:notes>
+</file>
+
+<file path=ppt/notesSlides/notesSlide6.xml><?xml version="1.0" encoding="utf-8"?>
+<p:notes xmlns:a="http://schemas.openxmlformats.org/drawingml/2006/main" xmlns:r="http://schemas.openxmlformats.org/officeDocument/2006/relationships" xmlns:p="http://schemas.openxmlformats.org/presentationml/2006/main" showMasterSp="0" showMasterPhAnim="0">
+  <p:cSld>
+    <p:spTree>
+      <p:nvGrpSpPr>
+        <p:cNvPr id="1" name="Shape 105"/>
+        <p:cNvGrpSpPr/>
+        <p:nvPr/>
+      </p:nvGrpSpPr>
+      <p:grpSpPr>
+        <a:xfrm>
+          <a:off x="0" y="0"/>
+          <a:ext cx="0" cy="0"/>
+          <a:chOff x="0" y="0"/>
+          <a:chExt cx="0" cy="0"/>
+        </a:xfrm>
+      </p:grpSpPr>
+      <p:sp>
+        <p:nvSpPr>
+          <p:cNvPr id="106" name="Google Shape;106;g24f2da4f33f_0_0:notes"/>
+          <p:cNvSpPr txBox="1">
+            <a:spLocks noGrp="1"/>
+          </p:cNvSpPr>
+          <p:nvPr>
+            <p:ph type="body" idx="1"/>
+          </p:nvPr>
+        </p:nvSpPr>
+        <p:spPr>
+          <a:xfrm>
+            <a:off x="685800" y="4343400"/>
+            <a:ext cx="5486400" cy="4114800"/>
+          </a:xfrm>
+          <a:prstGeom prst="rect">
+            <a:avLst/>
+          </a:prstGeom>
+        </p:spPr>
+        <p:txBody>
+          <a:bodyPr spcFirstLastPara="1" wrap="square" lIns="91425" tIns="91425" rIns="91425" bIns="91425" anchor="t" anchorCtr="0">
+            <a:noAutofit/>
+          </a:bodyPr>
+          <a:lstStyle/>
+          <a:p>
+            <a:pPr marL="0" lvl="0" indent="0" algn="l" rtl="0">
+              <a:spcBef>
+                <a:spcPts val="0"/>
+              </a:spcBef>
+              <a:spcAft>
+                <a:spcPts val="0"/>
+              </a:spcAft>
+              <a:buNone/>
+            </a:pPr>
+            <a:endParaRPr/>
+          </a:p>
+        </p:txBody>
+      </p:sp>
+      <p:sp>
+        <p:nvSpPr>
+          <p:cNvPr id="107" name="Google Shape;107;g24f2da4f33f_0_0:notes"/>
+          <p:cNvSpPr>
+            <a:spLocks noGrp="1" noRot="1" noChangeAspect="1"/>
+          </p:cNvSpPr>
+          <p:nvPr>
+            <p:ph type="sldImg" idx="2"/>
+          </p:nvPr>
+        </p:nvSpPr>
+        <p:spPr>
+          <a:xfrm>
+            <a:off x="381000" y="685800"/>
+            <a:ext cx="6096000" cy="3429000"/>
+          </a:xfrm>
+          <a:custGeom>
+            <a:avLst/>
+            <a:gdLst/>
+            <a:ahLst/>
+            <a:cxnLst/>
+            <a:rect l="l" t="t" r="r" b="b"/>
+            <a:pathLst>
+              <a:path w="120000" h="120000" extrusionOk="0">
+                <a:moveTo>
+                  <a:pt x="0" y="0"/>
+                </a:moveTo>
+                <a:lnTo>
+                  <a:pt x="120000" y="0"/>
+                </a:lnTo>
+                <a:lnTo>
+                  <a:pt x="120000" y="120000"/>
+                </a:lnTo>
+                <a:lnTo>
+                  <a:pt x="0" y="120000"/>
+                </a:lnTo>
+                <a:close/>
+              </a:path>
+            </a:pathLst>
+          </a:custGeom>
+        </p:spPr>
+      </p:sp>
+    </p:spTree>
+    <p:extLst>
+      <p:ext uri="{BB962C8B-B14F-4D97-AF65-F5344CB8AC3E}">
+        <p14:creationId xmlns:p14="http://schemas.microsoft.com/office/powerpoint/2010/main" val="3065598682"/>
+      </p:ext>
+    </p:extLst>
+  </p:cSld>
+  <p:clrMapOvr>
+    <a:masterClrMapping/>
+  </p:clrMapOvr>
+</p:notes>
+</file>
+
+<file path=ppt/notesSlides/notesSlide7.xml><?xml version="1.0" encoding="utf-8"?>
+<p:notes xmlns:a="http://schemas.openxmlformats.org/drawingml/2006/main" xmlns:r="http://schemas.openxmlformats.org/officeDocument/2006/relationships" xmlns:p="http://schemas.openxmlformats.org/presentationml/2006/main" showMasterSp="0" showMasterPhAnim="0">
+  <p:cSld>
+    <p:spTree>
+      <p:nvGrpSpPr>
+        <p:cNvPr id="1" name="Shape 105"/>
+        <p:cNvGrpSpPr/>
+        <p:nvPr/>
+      </p:nvGrpSpPr>
+      <p:grpSpPr>
+        <a:xfrm>
+          <a:off x="0" y="0"/>
+          <a:ext cx="0" cy="0"/>
+          <a:chOff x="0" y="0"/>
+          <a:chExt cx="0" cy="0"/>
+        </a:xfrm>
+      </p:grpSpPr>
+      <p:sp>
+        <p:nvSpPr>
+          <p:cNvPr id="106" name="Google Shape;106;g24f2da4f33f_0_0:notes"/>
+          <p:cNvSpPr txBox="1">
+            <a:spLocks noGrp="1"/>
+          </p:cNvSpPr>
+          <p:nvPr>
+            <p:ph type="body" idx="1"/>
+          </p:nvPr>
+        </p:nvSpPr>
+        <p:spPr>
+          <a:xfrm>
+            <a:off x="685800" y="4343400"/>
+            <a:ext cx="5486400" cy="4114800"/>
+          </a:xfrm>
+          <a:prstGeom prst="rect">
+            <a:avLst/>
+          </a:prstGeom>
+        </p:spPr>
+        <p:txBody>
+          <a:bodyPr spcFirstLastPara="1" wrap="square" lIns="91425" tIns="91425" rIns="91425" bIns="91425" anchor="t" anchorCtr="0">
+            <a:noAutofit/>
+          </a:bodyPr>
+          <a:lstStyle/>
+          <a:p>
+            <a:pPr marL="0" lvl="0" indent="0" algn="l" rtl="0">
+              <a:spcBef>
+                <a:spcPts val="0"/>
+              </a:spcBef>
+              <a:spcAft>
+                <a:spcPts val="0"/>
+              </a:spcAft>
+              <a:buNone/>
+            </a:pPr>
+            <a:endParaRPr/>
+          </a:p>
+        </p:txBody>
+      </p:sp>
+      <p:sp>
+        <p:nvSpPr>
+          <p:cNvPr id="107" name="Google Shape;107;g24f2da4f33f_0_0:notes"/>
+          <p:cNvSpPr>
+            <a:spLocks noGrp="1" noRot="1" noChangeAspect="1"/>
+          </p:cNvSpPr>
+          <p:nvPr>
+            <p:ph type="sldImg" idx="2"/>
+          </p:nvPr>
+        </p:nvSpPr>
+        <p:spPr>
+          <a:xfrm>
+            <a:off x="381000" y="685800"/>
+            <a:ext cx="6096000" cy="3429000"/>
+          </a:xfrm>
+          <a:custGeom>
+            <a:avLst/>
+            <a:gdLst/>
+            <a:ahLst/>
+            <a:cxnLst/>
+            <a:rect l="l" t="t" r="r" b="b"/>
+            <a:pathLst>
+              <a:path w="120000" h="120000" extrusionOk="0">
+                <a:moveTo>
+                  <a:pt x="0" y="0"/>
+                </a:moveTo>
+                <a:lnTo>
+                  <a:pt x="120000" y="0"/>
+                </a:lnTo>
+                <a:lnTo>
+                  <a:pt x="120000" y="120000"/>
+                </a:lnTo>
+                <a:lnTo>
+                  <a:pt x="0" y="120000"/>
+                </a:lnTo>
+                <a:close/>
+              </a:path>
+            </a:pathLst>
+          </a:custGeom>
+        </p:spPr>
+      </p:sp>
+    </p:spTree>
+    <p:extLst>
+      <p:ext uri="{BB962C8B-B14F-4D97-AF65-F5344CB8AC3E}">
+        <p14:creationId xmlns:p14="http://schemas.microsoft.com/office/powerpoint/2010/main" val="3027762177"/>
+      </p:ext>
+    </p:extLst>
+  </p:cSld>
+  <p:clrMapOvr>
+    <a:masterClrMapping/>
+  </p:clrMapOvr>
+</p:notes>
+</file>
+
+<file path=ppt/notesSlides/notesSlide8.xml><?xml version="1.0" encoding="utf-8"?>
+<p:notes xmlns:a="http://schemas.openxmlformats.org/drawingml/2006/main" xmlns:r="http://schemas.openxmlformats.org/officeDocument/2006/relationships" xmlns:p="http://schemas.openxmlformats.org/presentationml/2006/main" showMasterSp="0" showMasterPhAnim="0">
+  <p:cSld>
+    <p:spTree>
+      <p:nvGrpSpPr>
+        <p:cNvPr id="1" name="Shape 105"/>
+        <p:cNvGrpSpPr/>
+        <p:nvPr/>
+      </p:nvGrpSpPr>
+      <p:grpSpPr>
+        <a:xfrm>
+          <a:off x="0" y="0"/>
+          <a:ext cx="0" cy="0"/>
+          <a:chOff x="0" y="0"/>
+          <a:chExt cx="0" cy="0"/>
+        </a:xfrm>
+      </p:grpSpPr>
+      <p:sp>
+        <p:nvSpPr>
+          <p:cNvPr id="106" name="Google Shape;106;g24f2da4f33f_0_0:notes"/>
+          <p:cNvSpPr txBox="1">
+            <a:spLocks noGrp="1"/>
+          </p:cNvSpPr>
+          <p:nvPr>
+            <p:ph type="body" idx="1"/>
+          </p:nvPr>
+        </p:nvSpPr>
+        <p:spPr>
+          <a:xfrm>
+            <a:off x="685800" y="4343400"/>
+            <a:ext cx="5486400" cy="4114800"/>
+          </a:xfrm>
+          <a:prstGeom prst="rect">
+            <a:avLst/>
+          </a:prstGeom>
+        </p:spPr>
+        <p:txBody>
+          <a:bodyPr spcFirstLastPara="1" wrap="square" lIns="91425" tIns="91425" rIns="91425" bIns="91425" anchor="t" anchorCtr="0">
+            <a:noAutofit/>
+          </a:bodyPr>
+          <a:lstStyle/>
+          <a:p>
+            <a:pPr marL="0" lvl="0" indent="0" algn="l" rtl="0">
+              <a:spcBef>
+                <a:spcPts val="0"/>
+              </a:spcBef>
+              <a:spcAft>
+                <a:spcPts val="0"/>
+              </a:spcAft>
+              <a:buNone/>
+            </a:pPr>
+            <a:endParaRPr/>
+          </a:p>
+        </p:txBody>
+      </p:sp>
+      <p:sp>
+        <p:nvSpPr>
+          <p:cNvPr id="107" name="Google Shape;107;g24f2da4f33f_0_0:notes"/>
+          <p:cNvSpPr>
+            <a:spLocks noGrp="1" noRot="1" noChangeAspect="1"/>
+          </p:cNvSpPr>
+          <p:nvPr>
+            <p:ph type="sldImg" idx="2"/>
+          </p:nvPr>
+        </p:nvSpPr>
+        <p:spPr>
+          <a:xfrm>
+            <a:off x="381000" y="685800"/>
+            <a:ext cx="6096000" cy="3429000"/>
+          </a:xfrm>
+          <a:custGeom>
+            <a:avLst/>
+            <a:gdLst/>
+            <a:ahLst/>
+            <a:cxnLst/>
+            <a:rect l="l" t="t" r="r" b="b"/>
+            <a:pathLst>
+              <a:path w="120000" h="120000" extrusionOk="0">
+                <a:moveTo>
+                  <a:pt x="0" y="0"/>
+                </a:moveTo>
+                <a:lnTo>
+                  <a:pt x="120000" y="0"/>
+                </a:lnTo>
+                <a:lnTo>
+                  <a:pt x="120000" y="120000"/>
+                </a:lnTo>
+                <a:lnTo>
+                  <a:pt x="0" y="120000"/>
+                </a:lnTo>
+                <a:close/>
+              </a:path>
+            </a:pathLst>
+          </a:custGeom>
+        </p:spPr>
+      </p:sp>
+    </p:spTree>
+    <p:extLst>
+      <p:ext uri="{BB962C8B-B14F-4D97-AF65-F5344CB8AC3E}">
+        <p14:creationId xmlns:p14="http://schemas.microsoft.com/office/powerpoint/2010/main" val="1833910865"/>
+      </p:ext>
+    </p:extLst>
+  </p:cSld>
+  <p:clrMapOvr>
+    <a:masterClrMapping/>
+  </p:clrMapOvr>
+</p:notes>
+</file>
+
+<file path=ppt/notesSlides/notesSlide9.xml><?xml version="1.0" encoding="utf-8"?>
+<p:notes xmlns:a="http://schemas.openxmlformats.org/drawingml/2006/main" xmlns:r="http://schemas.openxmlformats.org/officeDocument/2006/relationships" xmlns:p="http://schemas.openxmlformats.org/presentationml/2006/main" showMasterSp="0" showMasterPhAnim="0">
+  <p:cSld>
+    <p:spTree>
+      <p:nvGrpSpPr>
+        <p:cNvPr id="1" name="Shape 113"/>
+        <p:cNvGrpSpPr/>
+        <p:nvPr/>
+      </p:nvGrpSpPr>
+      <p:grpSpPr>
+        <a:xfrm>
+          <a:off x="0" y="0"/>
+          <a:ext cx="0" cy="0"/>
+          <a:chOff x="0" y="0"/>
+          <a:chExt cx="0" cy="0"/>
+        </a:xfrm>
+      </p:grpSpPr>
+      <p:sp>
+        <p:nvSpPr>
+          <p:cNvPr id="114" name="Google Shape;114;g24f2da4f33f_0_4:notes"/>
+          <p:cNvSpPr txBox="1">
+            <a:spLocks noGrp="1"/>
+          </p:cNvSpPr>
+          <p:nvPr>
+            <p:ph type="body" idx="1"/>
+          </p:nvPr>
+        </p:nvSpPr>
+        <p:spPr>
+          <a:xfrm>
+            <a:off x="685800" y="4343400"/>
+            <a:ext cx="5486400" cy="4114800"/>
+          </a:xfrm>
+          <a:prstGeom prst="rect">
+            <a:avLst/>
+          </a:prstGeom>
+        </p:spPr>
+        <p:txBody>
+          <a:bodyPr spcFirstLastPara="1" wrap="square" lIns="91425" tIns="91425" rIns="91425" bIns="91425" anchor="t" anchorCtr="0">
+            <a:noAutofit/>
+          </a:bodyPr>
+          <a:lstStyle/>
+          <a:p>
+            <a:pPr marL="0" lvl="0" indent="0" algn="l" rtl="0">
+              <a:spcBef>
+                <a:spcPts val="0"/>
+              </a:spcBef>
+              <a:spcAft>
+                <a:spcPts val="0"/>
+              </a:spcAft>
+              <a:buNone/>
+            </a:pPr>
+            <a:endParaRPr/>
+          </a:p>
+        </p:txBody>
+      </p:sp>
+      <p:sp>
+        <p:nvSpPr>
+          <p:cNvPr id="115" name="Google Shape;115;g24f2da4f33f_0_4:notes"/>
           <p:cNvSpPr>
             <a:spLocks noGrp="1" noRot="1" noChangeAspect="1"/>
           </p:cNvSpPr>
@@ -5373,409 +5925,10 @@
   <p:clrMapOvr>
     <a:masterClrMapping/>
   </p:clrMapOvr>
-  <p:timing>
-    <p:tnLst>
-      <p:par>
-        <p:cTn id="1" dur="indefinite" restart="never" nodeType="tmRoot">
-          <p:childTnLst>
-            <p:seq concurrent="1" nextAc="seek">
-              <p:cTn id="2" dur="indefinite" nodeType="mainSeq">
-                <p:childTnLst>
-                  <p:par>
-                    <p:cTn id="3" fill="hold">
-                      <p:stCondLst>
-                        <p:cond delay="indefinite"/>
-                      </p:stCondLst>
-                      <p:childTnLst>
-                        <p:par>
-                          <p:cTn id="4" fill="hold">
-                            <p:stCondLst>
-                              <p:cond delay="0"/>
-                            </p:stCondLst>
-                            <p:childTnLst>
-                              <p:par>
-                                <p:cTn id="5" presetID="2" presetClass="entr" presetSubtype="4" fill="hold" grpId="0" nodeType="clickEffect">
-                                  <p:stCondLst>
-                                    <p:cond delay="0"/>
-                                  </p:stCondLst>
-                                  <p:childTnLst>
-                                    <p:set>
-                                      <p:cBhvr>
-                                        <p:cTn id="6" dur="1" fill="hold">
-                                          <p:stCondLst>
-                                            <p:cond delay="0"/>
-                                          </p:stCondLst>
-                                        </p:cTn>
-                                        <p:tgtEl>
-                                          <p:spTgt spid="98"/>
-                                        </p:tgtEl>
-                                        <p:attrNameLst>
-                                          <p:attrName>style.visibility</p:attrName>
-                                        </p:attrNameLst>
-                                      </p:cBhvr>
-                                      <p:to>
-                                        <p:strVal val="visible"/>
-                                      </p:to>
-                                    </p:set>
-                                    <p:anim calcmode="lin" valueType="num">
-                                      <p:cBhvr additive="base">
-                                        <p:cTn id="7" dur="500" fill="hold"/>
-                                        <p:tgtEl>
-                                          <p:spTgt spid="98"/>
-                                        </p:tgtEl>
-                                        <p:attrNameLst>
-                                          <p:attrName>ppt_x</p:attrName>
-                                        </p:attrNameLst>
-                                      </p:cBhvr>
-                                      <p:tavLst>
-                                        <p:tav tm="0">
-                                          <p:val>
-                                            <p:strVal val="#ppt_x"/>
-                                          </p:val>
-                                        </p:tav>
-                                        <p:tav tm="100000">
-                                          <p:val>
-                                            <p:strVal val="#ppt_x"/>
-                                          </p:val>
-                                        </p:tav>
-                                      </p:tavLst>
-                                    </p:anim>
-                                    <p:anim calcmode="lin" valueType="num">
-                                      <p:cBhvr additive="base">
-                                        <p:cTn id="8" dur="500" fill="hold"/>
-                                        <p:tgtEl>
-                                          <p:spTgt spid="98"/>
-                                        </p:tgtEl>
-                                        <p:attrNameLst>
-                                          <p:attrName>ppt_y</p:attrName>
-                                        </p:attrNameLst>
-                                      </p:cBhvr>
-                                      <p:tavLst>
-                                        <p:tav tm="0">
-                                          <p:val>
-                                            <p:strVal val="1+#ppt_h/2"/>
-                                          </p:val>
-                                        </p:tav>
-                                        <p:tav tm="100000">
-                                          <p:val>
-                                            <p:strVal val="#ppt_y"/>
-                                          </p:val>
-                                        </p:tav>
-                                      </p:tavLst>
-                                    </p:anim>
-                                  </p:childTnLst>
-                                </p:cTn>
-                              </p:par>
-                            </p:childTnLst>
-                          </p:cTn>
-                        </p:par>
-                      </p:childTnLst>
-                    </p:cTn>
-                  </p:par>
-                </p:childTnLst>
-              </p:cTn>
-              <p:prevCondLst>
-                <p:cond evt="onPrev" delay="0">
-                  <p:tgtEl>
-                    <p:sldTgt/>
-                  </p:tgtEl>
-                </p:cond>
-              </p:prevCondLst>
-              <p:nextCondLst>
-                <p:cond evt="onNext" delay="0">
-                  <p:tgtEl>
-                    <p:sldTgt/>
-                  </p:tgtEl>
-                </p:cond>
-              </p:nextCondLst>
-            </p:seq>
-          </p:childTnLst>
-        </p:cTn>
-      </p:par>
-    </p:tnLst>
-    <p:bldLst>
-      <p:bldP spid="98" grpId="0"/>
-    </p:bldLst>
-  </p:timing>
 </p:sld>
 </file>
 
 <file path=ppt/slides/slide10.xml><?xml version="1.0" encoding="utf-8"?>
-<p:sld xmlns:a="http://schemas.openxmlformats.org/drawingml/2006/main" xmlns:r="http://schemas.openxmlformats.org/officeDocument/2006/relationships" xmlns:p="http://schemas.openxmlformats.org/presentationml/2006/main">
-  <p:cSld>
-    <p:spTree>
-      <p:nvGrpSpPr>
-        <p:cNvPr id="1" name="Shape 127"/>
-        <p:cNvGrpSpPr/>
-        <p:nvPr/>
-      </p:nvGrpSpPr>
-      <p:grpSpPr>
-        <a:xfrm>
-          <a:off x="0" y="0"/>
-          <a:ext cx="0" cy="0"/>
-          <a:chOff x="0" y="0"/>
-          <a:chExt cx="0" cy="0"/>
-        </a:xfrm>
-      </p:grpSpPr>
-      <p:sp>
-        <p:nvSpPr>
-          <p:cNvPr id="128" name="Google Shape;128;p4"/>
-          <p:cNvSpPr txBox="1"/>
-          <p:nvPr/>
-        </p:nvSpPr>
-        <p:spPr>
-          <a:xfrm>
-            <a:off x="2427000" y="2882550"/>
-            <a:ext cx="7338000" cy="1092900"/>
-          </a:xfrm>
-          <a:prstGeom prst="rect">
-            <a:avLst/>
-          </a:prstGeom>
-          <a:noFill/>
-          <a:ln>
-            <a:noFill/>
-          </a:ln>
-        </p:spPr>
-        <p:txBody>
-          <a:bodyPr spcFirstLastPara="1" wrap="square" lIns="91425" tIns="91425" rIns="91425" bIns="91425" anchor="t" anchorCtr="0">
-            <a:spAutoFit/>
-          </a:bodyPr>
-          <a:lstStyle/>
-          <a:p>
-            <a:pPr marL="0" lvl="0" indent="0" algn="ctr" rtl="0">
-              <a:spcBef>
-                <a:spcPts val="0"/>
-              </a:spcBef>
-              <a:spcAft>
-                <a:spcPts val="0"/>
-              </a:spcAft>
-              <a:buNone/>
-            </a:pPr>
-            <a:r>
-              <a:rPr lang="en-US" sz="5900" b="1" dirty="0">
-                <a:ln>
-                  <a:solidFill>
-                    <a:schemeClr val="tx1"/>
-                  </a:solidFill>
-                </a:ln>
-                <a:noFill/>
-                <a:latin typeface="Times New Roman"/>
-                <a:ea typeface="Times New Roman"/>
-                <a:cs typeface="Times New Roman"/>
-                <a:sym typeface="Times New Roman"/>
-              </a:rPr>
-              <a:t>THANK YOU! </a:t>
-            </a:r>
-            <a:endParaRPr sz="5900" b="1" dirty="0">
-              <a:ln>
-                <a:solidFill>
-                  <a:schemeClr val="tx1"/>
-                </a:solidFill>
-              </a:ln>
-              <a:noFill/>
-              <a:latin typeface="Times New Roman"/>
-              <a:ea typeface="Times New Roman"/>
-              <a:cs typeface="Times New Roman"/>
-              <a:sym typeface="Times New Roman"/>
-            </a:endParaRPr>
-          </a:p>
-        </p:txBody>
-      </p:sp>
-      <p:grpSp>
-        <p:nvGrpSpPr>
-          <p:cNvPr id="5" name="Group 4" hidden="1">
-            <a:extLst>
-              <a:ext uri="{FF2B5EF4-FFF2-40B4-BE49-F238E27FC236}">
-                <a16:creationId xmlns:a16="http://schemas.microsoft.com/office/drawing/2014/main" id="{6D592C85-61AE-B323-62E2-CA955DB97EA5}"/>
-              </a:ext>
-            </a:extLst>
-          </p:cNvPr>
-          <p:cNvGrpSpPr/>
-          <p:nvPr/>
-        </p:nvGrpSpPr>
-        <p:grpSpPr>
-          <a:xfrm>
-            <a:off x="1324708" y="1113692"/>
-            <a:ext cx="9788769" cy="4911970"/>
-            <a:chOff x="1324708" y="1113692"/>
-            <a:chExt cx="9788769" cy="4911970"/>
-          </a:xfrm>
-        </p:grpSpPr>
-        <p:pic>
-          <p:nvPicPr>
-            <p:cNvPr id="1026" name="Picture 2" descr="Texture GIFs - Get the best GIF on GIPHY">
-              <a:extLst>
-                <a:ext uri="{FF2B5EF4-FFF2-40B4-BE49-F238E27FC236}">
-                  <a16:creationId xmlns:a16="http://schemas.microsoft.com/office/drawing/2014/main" id="{6CA123E6-4AD7-E9A4-085C-828BAC4CF584}"/>
-                </a:ext>
-              </a:extLst>
-            </p:cNvPr>
-            <p:cNvPicPr>
-              <a:picLocks noChangeAspect="1" noChangeArrowheads="1"/>
-            </p:cNvPicPr>
-            <p:nvPr/>
-          </p:nvPicPr>
-          <p:blipFill>
-            <a:blip r:embed="rId3">
-              <a:extLst>
-                <a:ext uri="{28A0092B-C50C-407E-A947-70E740481C1C}">
-                  <a14:useLocalDpi xmlns:a14="http://schemas.microsoft.com/office/drawing/2010/main" val="0"/>
-                </a:ext>
-              </a:extLst>
-            </a:blip>
-            <a:srcRect/>
-            <a:stretch>
-              <a:fillRect/>
-            </a:stretch>
-          </p:blipFill>
-          <p:spPr bwMode="auto">
-            <a:xfrm>
-              <a:off x="1830180" y="1592932"/>
-              <a:ext cx="8549055" cy="3672136"/>
-            </a:xfrm>
-            <a:prstGeom prst="rect">
-              <a:avLst/>
-            </a:prstGeom>
-            <a:noFill/>
-            <a:extLst>
-              <a:ext uri="{909E8E84-426E-40DD-AFC4-6F175D3DCCD1}">
-                <a14:hiddenFill xmlns:a14="http://schemas.microsoft.com/office/drawing/2010/main">
-                  <a:solidFill>
-                    <a:srgbClr val="FFFFFF"/>
-                  </a:solidFill>
-                </a14:hiddenFill>
-              </a:ext>
-            </a:extLst>
-          </p:spPr>
-        </p:pic>
-        <p:sp>
-          <p:nvSpPr>
-            <p:cNvPr id="4" name="Rectangle 3">
-              <a:extLst>
-                <a:ext uri="{FF2B5EF4-FFF2-40B4-BE49-F238E27FC236}">
-                  <a16:creationId xmlns:a16="http://schemas.microsoft.com/office/drawing/2014/main" id="{1B005817-069B-F800-E7F7-ABABB2DFBE41}"/>
-                </a:ext>
-              </a:extLst>
-            </p:cNvPr>
-            <p:cNvSpPr/>
-            <p:nvPr/>
-          </p:nvSpPr>
-          <p:spPr>
-            <a:xfrm>
-              <a:off x="1324708" y="1113692"/>
-              <a:ext cx="9788769" cy="4911970"/>
-            </a:xfrm>
-            <a:prstGeom prst="rect">
-              <a:avLst/>
-            </a:prstGeom>
-          </p:spPr>
-          <p:style>
-            <a:lnRef idx="2">
-              <a:schemeClr val="accent1">
-                <a:shade val="50000"/>
-              </a:schemeClr>
-            </a:lnRef>
-            <a:fillRef idx="1">
-              <a:schemeClr val="accent1"/>
-            </a:fillRef>
-            <a:effectRef idx="0">
-              <a:schemeClr val="accent1"/>
-            </a:effectRef>
-            <a:fontRef idx="minor">
-              <a:schemeClr val="lt1"/>
-            </a:fontRef>
-          </p:style>
-          <p:txBody>
-            <a:bodyPr rtlCol="0" anchor="ctr"/>
-            <a:lstStyle/>
-            <a:p>
-              <a:pPr algn="ctr"/>
-              <a:endParaRPr lang="en-US"/>
-            </a:p>
-          </p:txBody>
-        </p:sp>
-      </p:grpSp>
-    </p:spTree>
-  </p:cSld>
-  <p:clrMapOvr>
-    <a:masterClrMapping/>
-  </p:clrMapOvr>
-</p:sld>
-</file>
-
-<file path=ppt/slides/slide2.xml><?xml version="1.0" encoding="utf-8"?>
-<p:sld xmlns:a="http://schemas.openxmlformats.org/drawingml/2006/main" xmlns:r="http://schemas.openxmlformats.org/officeDocument/2006/relationships" xmlns:p="http://schemas.openxmlformats.org/presentationml/2006/main">
-  <p:cSld>
-    <p:spTree>
-      <p:nvGrpSpPr>
-        <p:cNvPr id="1" name="Shape 103"/>
-        <p:cNvGrpSpPr/>
-        <p:nvPr/>
-      </p:nvGrpSpPr>
-      <p:grpSpPr>
-        <a:xfrm>
-          <a:off x="0" y="0"/>
-          <a:ext cx="0" cy="0"/>
-          <a:chOff x="0" y="0"/>
-          <a:chExt cx="0" cy="0"/>
-        </a:xfrm>
-      </p:grpSpPr>
-      <p:sp>
-        <p:nvSpPr>
-          <p:cNvPr id="104" name="Google Shape;104;p2"/>
-          <p:cNvSpPr txBox="1">
-            <a:spLocks noGrp="1"/>
-          </p:cNvSpPr>
-          <p:nvPr>
-            <p:ph type="title"/>
-          </p:nvPr>
-        </p:nvSpPr>
-        <p:spPr>
-          <a:prstGeom prst="rect">
-            <a:avLst/>
-          </a:prstGeom>
-          <a:noFill/>
-          <a:ln>
-            <a:noFill/>
-          </a:ln>
-        </p:spPr>
-        <p:txBody>
-          <a:bodyPr spcFirstLastPara="1" wrap="square" lIns="91425" tIns="45700" rIns="91425" bIns="45700" anchor="b" anchorCtr="0">
-            <a:normAutofit/>
-          </a:bodyPr>
-          <a:lstStyle/>
-          <a:p>
-            <a:pPr marL="0" lvl="0" indent="0" algn="l" rtl="0">
-              <a:spcBef>
-                <a:spcPts val="0"/>
-              </a:spcBef>
-              <a:spcAft>
-                <a:spcPts val="0"/>
-              </a:spcAft>
-              <a:buClr>
-                <a:schemeClr val="lt1"/>
-              </a:buClr>
-              <a:buSzPts val="2800"/>
-              <a:buFont typeface="Gill Sans"/>
-              <a:buNone/>
-            </a:pPr>
-            <a:r>
-              <a:rPr lang="en-US" sz="3400" dirty="0"/>
-              <a:t>DATA SET </a:t>
-            </a:r>
-            <a:endParaRPr sz="3400" dirty="0"/>
-          </a:p>
-        </p:txBody>
-      </p:sp>
-    </p:spTree>
-  </p:cSld>
-  <p:clrMapOvr>
-    <a:masterClrMapping/>
-  </p:clrMapOvr>
-</p:sld>
-</file>
-
-<file path=ppt/slides/slide3.xml><?xml version="1.0" encoding="utf-8"?>
 <p:sld xmlns:a="http://schemas.openxmlformats.org/drawingml/2006/main" xmlns:r="http://schemas.openxmlformats.org/officeDocument/2006/relationships" xmlns:p="http://schemas.openxmlformats.org/presentationml/2006/main">
   <p:cSld>
     <p:spTree>
@@ -5797,510 +5950,6 @@
           <p:cNvPr id="2" name="Title 1">
             <a:extLst>
               <a:ext uri="{FF2B5EF4-FFF2-40B4-BE49-F238E27FC236}">
-                <a16:creationId xmlns:a16="http://schemas.microsoft.com/office/drawing/2014/main" id="{0A174698-F6FD-5A6B-D78C-C415E9694BF3}"/>
-              </a:ext>
-            </a:extLst>
-          </p:cNvPr>
-          <p:cNvSpPr>
-            <a:spLocks noGrp="1"/>
-          </p:cNvSpPr>
-          <p:nvPr>
-            <p:ph type="title"/>
-          </p:nvPr>
-        </p:nvSpPr>
-        <p:spPr/>
-        <p:txBody>
-          <a:bodyPr/>
-          <a:lstStyle/>
-          <a:p>
-            <a:r>
-              <a:rPr lang="en-US" dirty="0"/>
-              <a:t>CLEANING THE DATA</a:t>
-            </a:r>
-          </a:p>
-        </p:txBody>
-      </p:sp>
-    </p:spTree>
-    <p:extLst>
-      <p:ext uri="{BB962C8B-B14F-4D97-AF65-F5344CB8AC3E}">
-        <p14:creationId xmlns:p14="http://schemas.microsoft.com/office/powerpoint/2010/main" val="1024768793"/>
-      </p:ext>
-    </p:extLst>
-  </p:cSld>
-  <p:clrMapOvr>
-    <a:masterClrMapping/>
-  </p:clrMapOvr>
-</p:sld>
-</file>
-
-<file path=ppt/slides/slide4.xml><?xml version="1.0" encoding="utf-8"?>
-<p:sld xmlns:a="http://schemas.openxmlformats.org/drawingml/2006/main" xmlns:r="http://schemas.openxmlformats.org/officeDocument/2006/relationships" xmlns:p="http://schemas.openxmlformats.org/presentationml/2006/main">
-  <p:cSld>
-    <p:spTree>
-      <p:nvGrpSpPr>
-        <p:cNvPr id="1" name=""/>
-        <p:cNvGrpSpPr/>
-        <p:nvPr/>
-      </p:nvGrpSpPr>
-      <p:grpSpPr>
-        <a:xfrm>
-          <a:off x="0" y="0"/>
-          <a:ext cx="0" cy="0"/>
-          <a:chOff x="0" y="0"/>
-          <a:chExt cx="0" cy="0"/>
-        </a:xfrm>
-      </p:grpSpPr>
-      <p:sp>
-        <p:nvSpPr>
-          <p:cNvPr id="2" name="Title 1">
-            <a:extLst>
-              <a:ext uri="{FF2B5EF4-FFF2-40B4-BE49-F238E27FC236}">
-                <a16:creationId xmlns:a16="http://schemas.microsoft.com/office/drawing/2014/main" id="{9D44F361-7345-3281-B3E0-01DD8B23A64B}"/>
-              </a:ext>
-            </a:extLst>
-          </p:cNvPr>
-          <p:cNvSpPr>
-            <a:spLocks noGrp="1"/>
-          </p:cNvSpPr>
-          <p:nvPr>
-            <p:ph type="title"/>
-          </p:nvPr>
-        </p:nvSpPr>
-        <p:spPr/>
-        <p:txBody>
-          <a:bodyPr/>
-          <a:lstStyle/>
-          <a:p>
-            <a:r>
-              <a:rPr lang="en-US" dirty="0"/>
-              <a:t>SQL ALCHEMY</a:t>
-            </a:r>
-          </a:p>
-        </p:txBody>
-      </p:sp>
-    </p:spTree>
-    <p:extLst>
-      <p:ext uri="{BB962C8B-B14F-4D97-AF65-F5344CB8AC3E}">
-        <p14:creationId xmlns:p14="http://schemas.microsoft.com/office/powerpoint/2010/main" val="1355529076"/>
-      </p:ext>
-    </p:extLst>
-  </p:cSld>
-  <p:clrMapOvr>
-    <a:masterClrMapping/>
-  </p:clrMapOvr>
-</p:sld>
-</file>
-
-<file path=ppt/slides/slide5.xml><?xml version="1.0" encoding="utf-8"?>
-<p:sld xmlns:a="http://schemas.openxmlformats.org/drawingml/2006/main" xmlns:r="http://schemas.openxmlformats.org/officeDocument/2006/relationships" xmlns:p="http://schemas.openxmlformats.org/presentationml/2006/main">
-  <p:cSld>
-    <p:spTree>
-      <p:nvGrpSpPr>
-        <p:cNvPr id="1" name="Shape 108"/>
-        <p:cNvGrpSpPr/>
-        <p:nvPr/>
-      </p:nvGrpSpPr>
-      <p:grpSpPr>
-        <a:xfrm>
-          <a:off x="0" y="0"/>
-          <a:ext cx="0" cy="0"/>
-          <a:chOff x="0" y="0"/>
-          <a:chExt cx="0" cy="0"/>
-        </a:xfrm>
-      </p:grpSpPr>
-      <p:sp>
-        <p:nvSpPr>
-          <p:cNvPr id="109" name="Google Shape;109;g24f2da4f33f_0_0"/>
-          <p:cNvSpPr txBox="1">
-            <a:spLocks noGrp="1"/>
-          </p:cNvSpPr>
-          <p:nvPr>
-            <p:ph type="title"/>
-          </p:nvPr>
-        </p:nvSpPr>
-        <p:spPr>
-          <a:xfrm>
-            <a:off x="575894" y="729658"/>
-            <a:ext cx="11029500" cy="988200"/>
-          </a:xfrm>
-          <a:prstGeom prst="rect">
-            <a:avLst/>
-          </a:prstGeom>
-          <a:noFill/>
-          <a:ln>
-            <a:noFill/>
-          </a:ln>
-        </p:spPr>
-        <p:txBody>
-          <a:bodyPr spcFirstLastPara="1" wrap="square" lIns="91425" tIns="45700" rIns="91425" bIns="45700" anchor="b" anchorCtr="0">
-            <a:normAutofit/>
-          </a:bodyPr>
-          <a:lstStyle/>
-          <a:p>
-            <a:pPr marL="0" lvl="0" indent="0" algn="l" rtl="0">
-              <a:spcBef>
-                <a:spcPts val="0"/>
-              </a:spcBef>
-              <a:spcAft>
-                <a:spcPts val="0"/>
-              </a:spcAft>
-              <a:buClr>
-                <a:schemeClr val="lt1"/>
-              </a:buClr>
-              <a:buSzPts val="2800"/>
-              <a:buFont typeface="Gill Sans"/>
-              <a:buNone/>
-            </a:pPr>
-            <a:r>
-              <a:rPr lang="en-US" sz="3400"/>
-              <a:t>MODULES (3) - ACCURACY</a:t>
-            </a:r>
-            <a:endParaRPr sz="3400"/>
-          </a:p>
-        </p:txBody>
-      </p:sp>
-      <p:sp>
-        <p:nvSpPr>
-          <p:cNvPr id="110" name="Google Shape;110;g24f2da4f33f_0_0"/>
-          <p:cNvSpPr txBox="1"/>
-          <p:nvPr/>
-        </p:nvSpPr>
-        <p:spPr>
-          <a:xfrm>
-            <a:off x="933300" y="2528262"/>
-            <a:ext cx="2063100" cy="615600"/>
-          </a:xfrm>
-          <a:prstGeom prst="rect">
-            <a:avLst/>
-          </a:prstGeom>
-          <a:noFill/>
-          <a:ln>
-            <a:noFill/>
-          </a:ln>
-        </p:spPr>
-        <p:txBody>
-          <a:bodyPr spcFirstLastPara="1" wrap="square" lIns="91425" tIns="91425" rIns="91425" bIns="91425" anchor="t" anchorCtr="0">
-            <a:spAutoFit/>
-          </a:bodyPr>
-          <a:lstStyle/>
-          <a:p>
-            <a:pPr marL="0" lvl="0" indent="0" algn="l" rtl="0">
-              <a:spcBef>
-                <a:spcPts val="0"/>
-              </a:spcBef>
-              <a:spcAft>
-                <a:spcPts val="0"/>
-              </a:spcAft>
-              <a:buNone/>
-            </a:pPr>
-            <a:r>
-              <a:rPr lang="en-US" dirty="0">
-                <a:latin typeface="Gill Sans"/>
-                <a:ea typeface="Gill Sans"/>
-                <a:cs typeface="Gill Sans"/>
-                <a:sym typeface="Gill Sans"/>
-              </a:rPr>
-              <a:t>Module 1</a:t>
-            </a:r>
-            <a:endParaRPr dirty="0">
-              <a:latin typeface="Gill Sans"/>
-              <a:ea typeface="Gill Sans"/>
-              <a:cs typeface="Gill Sans"/>
-              <a:sym typeface="Gill Sans"/>
-            </a:endParaRPr>
-          </a:p>
-          <a:p>
-            <a:pPr marL="0" lvl="0" indent="0" algn="l" rtl="0">
-              <a:spcBef>
-                <a:spcPts val="0"/>
-              </a:spcBef>
-              <a:spcAft>
-                <a:spcPts val="0"/>
-              </a:spcAft>
-              <a:buNone/>
-            </a:pPr>
-            <a:r>
-              <a:rPr lang="en-US" dirty="0">
-                <a:latin typeface="Gill Sans"/>
-                <a:ea typeface="Gill Sans"/>
-                <a:cs typeface="Gill Sans"/>
-                <a:sym typeface="Gill Sans"/>
-              </a:rPr>
-              <a:t>Type:</a:t>
-            </a:r>
-            <a:endParaRPr dirty="0">
-              <a:latin typeface="Gill Sans"/>
-              <a:ea typeface="Gill Sans"/>
-              <a:cs typeface="Gill Sans"/>
-              <a:sym typeface="Gill Sans"/>
-            </a:endParaRPr>
-          </a:p>
-        </p:txBody>
-      </p:sp>
-      <p:sp>
-        <p:nvSpPr>
-          <p:cNvPr id="111" name="Google Shape;111;g24f2da4f33f_0_0"/>
-          <p:cNvSpPr txBox="1"/>
-          <p:nvPr/>
-        </p:nvSpPr>
-        <p:spPr>
-          <a:xfrm>
-            <a:off x="3769492" y="2527636"/>
-            <a:ext cx="2063100" cy="615600"/>
-          </a:xfrm>
-          <a:prstGeom prst="rect">
-            <a:avLst/>
-          </a:prstGeom>
-          <a:noFill/>
-          <a:ln>
-            <a:noFill/>
-          </a:ln>
-        </p:spPr>
-        <p:txBody>
-          <a:bodyPr spcFirstLastPara="1" wrap="square" lIns="91425" tIns="91425" rIns="91425" bIns="91425" anchor="t" anchorCtr="0">
-            <a:spAutoFit/>
-          </a:bodyPr>
-          <a:lstStyle/>
-          <a:p>
-            <a:pPr marL="0" lvl="0" indent="0" algn="l" rtl="0">
-              <a:spcBef>
-                <a:spcPts val="0"/>
-              </a:spcBef>
-              <a:spcAft>
-                <a:spcPts val="0"/>
-              </a:spcAft>
-              <a:buNone/>
-            </a:pPr>
-            <a:r>
-              <a:rPr lang="en-US" dirty="0">
-                <a:latin typeface="Gill Sans"/>
-                <a:ea typeface="Gill Sans"/>
-                <a:cs typeface="Gill Sans"/>
-                <a:sym typeface="Gill Sans"/>
-              </a:rPr>
-              <a:t>Module 2</a:t>
-            </a:r>
-            <a:endParaRPr dirty="0">
-              <a:latin typeface="Gill Sans"/>
-              <a:ea typeface="Gill Sans"/>
-              <a:cs typeface="Gill Sans"/>
-              <a:sym typeface="Gill Sans"/>
-            </a:endParaRPr>
-          </a:p>
-          <a:p>
-            <a:pPr marL="0" lvl="0" indent="0" algn="l" rtl="0">
-              <a:spcBef>
-                <a:spcPts val="0"/>
-              </a:spcBef>
-              <a:spcAft>
-                <a:spcPts val="0"/>
-              </a:spcAft>
-              <a:buNone/>
-            </a:pPr>
-            <a:r>
-              <a:rPr lang="en-US" dirty="0">
-                <a:latin typeface="Gill Sans"/>
-                <a:ea typeface="Gill Sans"/>
-                <a:cs typeface="Gill Sans"/>
-                <a:sym typeface="Gill Sans"/>
-              </a:rPr>
-              <a:t>Type:</a:t>
-            </a:r>
-            <a:endParaRPr dirty="0">
-              <a:latin typeface="Gill Sans"/>
-              <a:ea typeface="Gill Sans"/>
-              <a:cs typeface="Gill Sans"/>
-              <a:sym typeface="Gill Sans"/>
-            </a:endParaRPr>
-          </a:p>
-        </p:txBody>
-      </p:sp>
-      <p:sp>
-        <p:nvSpPr>
-          <p:cNvPr id="112" name="Google Shape;112;g24f2da4f33f_0_0"/>
-          <p:cNvSpPr txBox="1"/>
-          <p:nvPr/>
-        </p:nvSpPr>
-        <p:spPr>
-          <a:xfrm>
-            <a:off x="6605684" y="2527636"/>
-            <a:ext cx="2063100" cy="615600"/>
-          </a:xfrm>
-          <a:prstGeom prst="rect">
-            <a:avLst/>
-          </a:prstGeom>
-          <a:noFill/>
-          <a:ln>
-            <a:noFill/>
-          </a:ln>
-        </p:spPr>
-        <p:txBody>
-          <a:bodyPr spcFirstLastPara="1" wrap="square" lIns="91425" tIns="91425" rIns="91425" bIns="91425" anchor="t" anchorCtr="0">
-            <a:spAutoFit/>
-          </a:bodyPr>
-          <a:lstStyle/>
-          <a:p>
-            <a:pPr marL="0" lvl="0" indent="0" algn="l" rtl="0">
-              <a:spcBef>
-                <a:spcPts val="0"/>
-              </a:spcBef>
-              <a:spcAft>
-                <a:spcPts val="0"/>
-              </a:spcAft>
-              <a:buNone/>
-            </a:pPr>
-            <a:r>
-              <a:rPr lang="en-US" dirty="0">
-                <a:latin typeface="Gill Sans"/>
-                <a:ea typeface="Gill Sans"/>
-                <a:cs typeface="Gill Sans"/>
-                <a:sym typeface="Gill Sans"/>
-              </a:rPr>
-              <a:t>Module 3</a:t>
-            </a:r>
-            <a:endParaRPr dirty="0">
-              <a:latin typeface="Gill Sans"/>
-              <a:ea typeface="Gill Sans"/>
-              <a:cs typeface="Gill Sans"/>
-              <a:sym typeface="Gill Sans"/>
-            </a:endParaRPr>
-          </a:p>
-          <a:p>
-            <a:pPr marL="0" lvl="0" indent="0" algn="l" rtl="0">
-              <a:spcBef>
-                <a:spcPts val="0"/>
-              </a:spcBef>
-              <a:spcAft>
-                <a:spcPts val="0"/>
-              </a:spcAft>
-              <a:buNone/>
-            </a:pPr>
-            <a:r>
-              <a:rPr lang="en-US" dirty="0">
-                <a:latin typeface="Gill Sans"/>
-                <a:ea typeface="Gill Sans"/>
-                <a:cs typeface="Gill Sans"/>
-                <a:sym typeface="Gill Sans"/>
-              </a:rPr>
-              <a:t>Type:</a:t>
-            </a:r>
-            <a:endParaRPr dirty="0">
-              <a:latin typeface="Gill Sans"/>
-              <a:ea typeface="Gill Sans"/>
-              <a:cs typeface="Gill Sans"/>
-              <a:sym typeface="Gill Sans"/>
-            </a:endParaRPr>
-          </a:p>
-        </p:txBody>
-      </p:sp>
-      <p:sp>
-        <p:nvSpPr>
-          <p:cNvPr id="2" name="Google Shape;112;g24f2da4f33f_0_0">
-            <a:extLst>
-              <a:ext uri="{FF2B5EF4-FFF2-40B4-BE49-F238E27FC236}">
-                <a16:creationId xmlns:a16="http://schemas.microsoft.com/office/drawing/2014/main" id="{FFA3BE07-5D55-CF37-C441-3F4FF2BEEDD3}"/>
-              </a:ext>
-            </a:extLst>
-          </p:cNvPr>
-          <p:cNvSpPr txBox="1"/>
-          <p:nvPr/>
-        </p:nvSpPr>
-        <p:spPr>
-          <a:xfrm>
-            <a:off x="9441876" y="2527636"/>
-            <a:ext cx="2063100" cy="615523"/>
-          </a:xfrm>
-          <a:prstGeom prst="rect">
-            <a:avLst/>
-          </a:prstGeom>
-          <a:noFill/>
-          <a:ln>
-            <a:noFill/>
-          </a:ln>
-        </p:spPr>
-        <p:txBody>
-          <a:bodyPr spcFirstLastPara="1" wrap="square" lIns="91425" tIns="91425" rIns="91425" bIns="91425" anchor="t" anchorCtr="0">
-            <a:spAutoFit/>
-          </a:bodyPr>
-          <a:lstStyle/>
-          <a:p>
-            <a:pPr marL="0" lvl="0" indent="0" algn="l" rtl="0">
-              <a:spcBef>
-                <a:spcPts val="0"/>
-              </a:spcBef>
-              <a:spcAft>
-                <a:spcPts val="0"/>
-              </a:spcAft>
-              <a:buNone/>
-            </a:pPr>
-            <a:r>
-              <a:rPr lang="en-US" dirty="0">
-                <a:latin typeface="Gill Sans"/>
-                <a:ea typeface="Gill Sans"/>
-                <a:cs typeface="Gill Sans"/>
-                <a:sym typeface="Gill Sans"/>
-              </a:rPr>
-              <a:t>Module 4</a:t>
-            </a:r>
-          </a:p>
-          <a:p>
-            <a:pPr marL="0" lvl="0" indent="0" algn="l" rtl="0">
-              <a:spcBef>
-                <a:spcPts val="0"/>
-              </a:spcBef>
-              <a:spcAft>
-                <a:spcPts val="0"/>
-              </a:spcAft>
-              <a:buNone/>
-            </a:pPr>
-            <a:r>
-              <a:rPr lang="en-US" dirty="0">
-                <a:latin typeface="Gill Sans"/>
-                <a:ea typeface="Gill Sans"/>
-                <a:cs typeface="Gill Sans"/>
-                <a:sym typeface="Gill Sans"/>
-              </a:rPr>
-              <a:t>Type:</a:t>
-            </a:r>
-            <a:endParaRPr dirty="0">
-              <a:latin typeface="Gill Sans"/>
-              <a:ea typeface="Gill Sans"/>
-              <a:cs typeface="Gill Sans"/>
-              <a:sym typeface="Gill Sans"/>
-            </a:endParaRPr>
-          </a:p>
-        </p:txBody>
-      </p:sp>
-    </p:spTree>
-  </p:cSld>
-  <p:clrMapOvr>
-    <a:masterClrMapping/>
-  </p:clrMapOvr>
-</p:sld>
-</file>
-
-<file path=ppt/slides/slide6.xml><?xml version="1.0" encoding="utf-8"?>
-<p:sld xmlns:a="http://schemas.openxmlformats.org/drawingml/2006/main" xmlns:r="http://schemas.openxmlformats.org/officeDocument/2006/relationships" xmlns:p="http://schemas.openxmlformats.org/presentationml/2006/main">
-  <p:cSld>
-    <p:spTree>
-      <p:nvGrpSpPr>
-        <p:cNvPr id="1" name=""/>
-        <p:cNvGrpSpPr/>
-        <p:nvPr/>
-      </p:nvGrpSpPr>
-      <p:grpSpPr>
-        <a:xfrm>
-          <a:off x="0" y="0"/>
-          <a:ext cx="0" cy="0"/>
-          <a:chOff x="0" y="0"/>
-          <a:chExt cx="0" cy="0"/>
-        </a:xfrm>
-      </p:grpSpPr>
-      <p:sp>
-        <p:nvSpPr>
-          <p:cNvPr id="2" name="Title 1">
-            <a:extLst>
-              <a:ext uri="{FF2B5EF4-FFF2-40B4-BE49-F238E27FC236}">
                 <a16:creationId xmlns:a16="http://schemas.microsoft.com/office/drawing/2014/main" id="{4AC40AC2-46D8-EC52-C33A-C43DF26D42B5}"/>
               </a:ext>
             </a:extLst>
@@ -6337,7 +5986,7 @@
 </p:sld>
 </file>
 
-<file path=ppt/slides/slide7.xml><?xml version="1.0" encoding="utf-8"?>
+<file path=ppt/slides/slide11.xml><?xml version="1.0" encoding="utf-8"?>
 <p:sld xmlns:a="http://schemas.openxmlformats.org/drawingml/2006/main" xmlns:r="http://schemas.openxmlformats.org/officeDocument/2006/relationships" xmlns:p="http://schemas.openxmlformats.org/presentationml/2006/main">
   <p:cSld>
     <p:spTree>
@@ -6765,7 +6414,7 @@
 </p:sld>
 </file>
 
-<file path=ppt/slides/slide8.xml><?xml version="1.0" encoding="utf-8"?>
+<file path=ppt/slides/slide12.xml><?xml version="1.0" encoding="utf-8"?>
 <p:sld xmlns:a="http://schemas.openxmlformats.org/drawingml/2006/main" xmlns:r="http://schemas.openxmlformats.org/officeDocument/2006/relationships" xmlns:p="http://schemas.openxmlformats.org/presentationml/2006/main">
   <p:cSld>
     <p:spTree>
@@ -6841,7 +6490,7 @@
 </p:sld>
 </file>
 
-<file path=ppt/slides/slide9.xml><?xml version="1.0" encoding="utf-8"?>
+<file path=ppt/slides/slide13.xml><?xml version="1.0" encoding="utf-8"?>
 <p:sld xmlns:a="http://schemas.openxmlformats.org/drawingml/2006/main" xmlns:r="http://schemas.openxmlformats.org/officeDocument/2006/relationships" xmlns:p="http://schemas.openxmlformats.org/presentationml/2006/main">
   <p:cSld>
     <p:spTree>
@@ -6955,6 +6604,4863 @@
   <p:clrMapOvr>
     <a:masterClrMapping/>
   </p:clrMapOvr>
+</p:sld>
+</file>
+
+<file path=ppt/slides/slide14.xml><?xml version="1.0" encoding="utf-8"?>
+<p:sld xmlns:a="http://schemas.openxmlformats.org/drawingml/2006/main" xmlns:r="http://schemas.openxmlformats.org/officeDocument/2006/relationships" xmlns:p="http://schemas.openxmlformats.org/presentationml/2006/main">
+  <p:cSld>
+    <p:spTree>
+      <p:nvGrpSpPr>
+        <p:cNvPr id="1" name="Shape 127"/>
+        <p:cNvGrpSpPr/>
+        <p:nvPr/>
+      </p:nvGrpSpPr>
+      <p:grpSpPr>
+        <a:xfrm>
+          <a:off x="0" y="0"/>
+          <a:ext cx="0" cy="0"/>
+          <a:chOff x="0" y="0"/>
+          <a:chExt cx="0" cy="0"/>
+        </a:xfrm>
+      </p:grpSpPr>
+      <p:sp>
+        <p:nvSpPr>
+          <p:cNvPr id="128" name="Google Shape;128;p4"/>
+          <p:cNvSpPr txBox="1"/>
+          <p:nvPr/>
+        </p:nvSpPr>
+        <p:spPr>
+          <a:xfrm>
+            <a:off x="2427000" y="2882550"/>
+            <a:ext cx="7338000" cy="1092900"/>
+          </a:xfrm>
+          <a:prstGeom prst="rect">
+            <a:avLst/>
+          </a:prstGeom>
+          <a:noFill/>
+          <a:ln>
+            <a:noFill/>
+          </a:ln>
+        </p:spPr>
+        <p:txBody>
+          <a:bodyPr spcFirstLastPara="1" wrap="square" lIns="91425" tIns="91425" rIns="91425" bIns="91425" anchor="t" anchorCtr="0">
+            <a:spAutoFit/>
+          </a:bodyPr>
+          <a:lstStyle/>
+          <a:p>
+            <a:pPr marL="0" lvl="0" indent="0" algn="ctr" rtl="0">
+              <a:spcBef>
+                <a:spcPts val="0"/>
+              </a:spcBef>
+              <a:spcAft>
+                <a:spcPts val="0"/>
+              </a:spcAft>
+              <a:buNone/>
+            </a:pPr>
+            <a:r>
+              <a:rPr lang="en-US" sz="5900" b="1" dirty="0">
+                <a:ln>
+                  <a:solidFill>
+                    <a:schemeClr val="tx1"/>
+                  </a:solidFill>
+                </a:ln>
+                <a:noFill/>
+                <a:latin typeface="Times New Roman"/>
+                <a:ea typeface="Times New Roman"/>
+                <a:cs typeface="Times New Roman"/>
+                <a:sym typeface="Times New Roman"/>
+              </a:rPr>
+              <a:t>THANK YOU! </a:t>
+            </a:r>
+            <a:endParaRPr sz="5900" b="1" dirty="0">
+              <a:ln>
+                <a:solidFill>
+                  <a:schemeClr val="tx1"/>
+                </a:solidFill>
+              </a:ln>
+              <a:noFill/>
+              <a:latin typeface="Times New Roman"/>
+              <a:ea typeface="Times New Roman"/>
+              <a:cs typeface="Times New Roman"/>
+              <a:sym typeface="Times New Roman"/>
+            </a:endParaRPr>
+          </a:p>
+        </p:txBody>
+      </p:sp>
+      <p:grpSp>
+        <p:nvGrpSpPr>
+          <p:cNvPr id="5" name="Group 4" hidden="1">
+            <a:extLst>
+              <a:ext uri="{FF2B5EF4-FFF2-40B4-BE49-F238E27FC236}">
+                <a16:creationId xmlns:a16="http://schemas.microsoft.com/office/drawing/2014/main" id="{6D592C85-61AE-B323-62E2-CA955DB97EA5}"/>
+              </a:ext>
+            </a:extLst>
+          </p:cNvPr>
+          <p:cNvGrpSpPr/>
+          <p:nvPr/>
+        </p:nvGrpSpPr>
+        <p:grpSpPr>
+          <a:xfrm>
+            <a:off x="1324708" y="1113692"/>
+            <a:ext cx="9788769" cy="4911970"/>
+            <a:chOff x="1324708" y="1113692"/>
+            <a:chExt cx="9788769" cy="4911970"/>
+          </a:xfrm>
+        </p:grpSpPr>
+        <p:pic>
+          <p:nvPicPr>
+            <p:cNvPr id="1026" name="Picture 2" descr="Texture GIFs - Get the best GIF on GIPHY">
+              <a:extLst>
+                <a:ext uri="{FF2B5EF4-FFF2-40B4-BE49-F238E27FC236}">
+                  <a16:creationId xmlns:a16="http://schemas.microsoft.com/office/drawing/2014/main" id="{6CA123E6-4AD7-E9A4-085C-828BAC4CF584}"/>
+                </a:ext>
+              </a:extLst>
+            </p:cNvPr>
+            <p:cNvPicPr>
+              <a:picLocks noChangeAspect="1" noChangeArrowheads="1"/>
+            </p:cNvPicPr>
+            <p:nvPr/>
+          </p:nvPicPr>
+          <p:blipFill>
+            <a:blip r:embed="rId3">
+              <a:extLst>
+                <a:ext uri="{28A0092B-C50C-407E-A947-70E740481C1C}">
+                  <a14:useLocalDpi xmlns:a14="http://schemas.microsoft.com/office/drawing/2010/main" val="0"/>
+                </a:ext>
+              </a:extLst>
+            </a:blip>
+            <a:srcRect/>
+            <a:stretch>
+              <a:fillRect/>
+            </a:stretch>
+          </p:blipFill>
+          <p:spPr bwMode="auto">
+            <a:xfrm>
+              <a:off x="1830180" y="1592932"/>
+              <a:ext cx="8549055" cy="3672136"/>
+            </a:xfrm>
+            <a:prstGeom prst="rect">
+              <a:avLst/>
+            </a:prstGeom>
+            <a:noFill/>
+            <a:extLst>
+              <a:ext uri="{909E8E84-426E-40DD-AFC4-6F175D3DCCD1}">
+                <a14:hiddenFill xmlns:a14="http://schemas.microsoft.com/office/drawing/2010/main">
+                  <a:solidFill>
+                    <a:srgbClr val="FFFFFF"/>
+                  </a:solidFill>
+                </a14:hiddenFill>
+              </a:ext>
+            </a:extLst>
+          </p:spPr>
+        </p:pic>
+        <p:sp>
+          <p:nvSpPr>
+            <p:cNvPr id="4" name="Rectangle 3">
+              <a:extLst>
+                <a:ext uri="{FF2B5EF4-FFF2-40B4-BE49-F238E27FC236}">
+                  <a16:creationId xmlns:a16="http://schemas.microsoft.com/office/drawing/2014/main" id="{1B005817-069B-F800-E7F7-ABABB2DFBE41}"/>
+                </a:ext>
+              </a:extLst>
+            </p:cNvPr>
+            <p:cNvSpPr/>
+            <p:nvPr/>
+          </p:nvSpPr>
+          <p:spPr>
+            <a:xfrm>
+              <a:off x="1324708" y="1113692"/>
+              <a:ext cx="9788769" cy="4911970"/>
+            </a:xfrm>
+            <a:prstGeom prst="rect">
+              <a:avLst/>
+            </a:prstGeom>
+          </p:spPr>
+          <p:style>
+            <a:lnRef idx="2">
+              <a:schemeClr val="accent1">
+                <a:shade val="50000"/>
+              </a:schemeClr>
+            </a:lnRef>
+            <a:fillRef idx="1">
+              <a:schemeClr val="accent1"/>
+            </a:fillRef>
+            <a:effectRef idx="0">
+              <a:schemeClr val="accent1"/>
+            </a:effectRef>
+            <a:fontRef idx="minor">
+              <a:schemeClr val="lt1"/>
+            </a:fontRef>
+          </p:style>
+          <p:txBody>
+            <a:bodyPr rtlCol="0" anchor="ctr"/>
+            <a:lstStyle/>
+            <a:p>
+              <a:pPr algn="ctr"/>
+              <a:endParaRPr lang="en-US"/>
+            </a:p>
+          </p:txBody>
+        </p:sp>
+      </p:grpSp>
+    </p:spTree>
+  </p:cSld>
+  <p:clrMapOvr>
+    <a:masterClrMapping/>
+  </p:clrMapOvr>
+</p:sld>
+</file>
+
+<file path=ppt/slides/slide2.xml><?xml version="1.0" encoding="utf-8"?>
+<p:sld xmlns:a="http://schemas.openxmlformats.org/drawingml/2006/main" xmlns:r="http://schemas.openxmlformats.org/officeDocument/2006/relationships" xmlns:p="http://schemas.openxmlformats.org/presentationml/2006/main">
+  <p:cSld>
+    <p:spTree>
+      <p:nvGrpSpPr>
+        <p:cNvPr id="1" name="Shape 103"/>
+        <p:cNvGrpSpPr/>
+        <p:nvPr/>
+      </p:nvGrpSpPr>
+      <p:grpSpPr>
+        <a:xfrm>
+          <a:off x="0" y="0"/>
+          <a:ext cx="0" cy="0"/>
+          <a:chOff x="0" y="0"/>
+          <a:chExt cx="0" cy="0"/>
+        </a:xfrm>
+      </p:grpSpPr>
+      <p:sp>
+        <p:nvSpPr>
+          <p:cNvPr id="104" name="Google Shape;104;p2"/>
+          <p:cNvSpPr txBox="1">
+            <a:spLocks noGrp="1"/>
+          </p:cNvSpPr>
+          <p:nvPr>
+            <p:ph type="title"/>
+          </p:nvPr>
+        </p:nvSpPr>
+        <p:spPr>
+          <a:prstGeom prst="rect">
+            <a:avLst/>
+          </a:prstGeom>
+          <a:noFill/>
+          <a:ln>
+            <a:noFill/>
+          </a:ln>
+        </p:spPr>
+        <p:txBody>
+          <a:bodyPr spcFirstLastPara="1" wrap="square" lIns="91425" tIns="45700" rIns="91425" bIns="45700" anchor="b" anchorCtr="0">
+            <a:normAutofit/>
+          </a:bodyPr>
+          <a:lstStyle/>
+          <a:p>
+            <a:pPr marL="0" lvl="0" indent="0" algn="l" rtl="0">
+              <a:spcBef>
+                <a:spcPts val="0"/>
+              </a:spcBef>
+              <a:spcAft>
+                <a:spcPts val="0"/>
+              </a:spcAft>
+              <a:buClr>
+                <a:schemeClr val="lt1"/>
+              </a:buClr>
+              <a:buSzPts val="2800"/>
+              <a:buFont typeface="Gill Sans"/>
+              <a:buNone/>
+            </a:pPr>
+            <a:r>
+              <a:rPr lang="en-US" sz="4400" dirty="0"/>
+              <a:t>THE dATA</a:t>
+            </a:r>
+            <a:endParaRPr sz="4400" dirty="0"/>
+          </a:p>
+        </p:txBody>
+      </p:sp>
+      <p:pic>
+        <p:nvPicPr>
+          <p:cNvPr id="1030" name="Picture 6" descr="CSV File Icon Outline - Icon Shop - Download free icons for commercial use">
+            <a:extLst>
+              <a:ext uri="{FF2B5EF4-FFF2-40B4-BE49-F238E27FC236}">
+                <a16:creationId xmlns:a16="http://schemas.microsoft.com/office/drawing/2014/main" id="{E8D8D6DF-D45D-49E4-0D5B-349FB459CAD8}"/>
+              </a:ext>
+            </a:extLst>
+          </p:cNvPr>
+          <p:cNvPicPr>
+            <a:picLocks noChangeAspect="1" noChangeArrowheads="1"/>
+          </p:cNvPicPr>
+          <p:nvPr/>
+        </p:nvPicPr>
+        <p:blipFill>
+          <a:blip r:embed="rId3">
+            <a:extLst>
+              <a:ext uri="{28A0092B-C50C-407E-A947-70E740481C1C}">
+                <a14:useLocalDpi xmlns:a14="http://schemas.microsoft.com/office/drawing/2010/main" val="0"/>
+              </a:ext>
+            </a:extLst>
+          </a:blip>
+          <a:srcRect/>
+          <a:stretch>
+            <a:fillRect/>
+          </a:stretch>
+        </p:blipFill>
+        <p:spPr bwMode="auto">
+          <a:xfrm>
+            <a:off x="3655913" y="2095569"/>
+            <a:ext cx="4406261" cy="4406261"/>
+          </a:xfrm>
+          <a:prstGeom prst="rect">
+            <a:avLst/>
+          </a:prstGeom>
+          <a:noFill/>
+          <a:extLst>
+            <a:ext uri="{909E8E84-426E-40DD-AFC4-6F175D3DCCD1}">
+              <a14:hiddenFill xmlns:a14="http://schemas.microsoft.com/office/drawing/2010/main">
+                <a:solidFill>
+                  <a:srgbClr val="FFFFFF"/>
+                </a:solidFill>
+              </a14:hiddenFill>
+            </a:ext>
+          </a:extLst>
+        </p:spPr>
+      </p:pic>
+    </p:spTree>
+  </p:cSld>
+  <p:clrMapOvr>
+    <a:masterClrMapping/>
+  </p:clrMapOvr>
+</p:sld>
+</file>
+
+<file path=ppt/slides/slide3.xml><?xml version="1.0" encoding="utf-8"?>
+<p:sld xmlns:a="http://schemas.openxmlformats.org/drawingml/2006/main" xmlns:r="http://schemas.openxmlformats.org/officeDocument/2006/relationships" xmlns:p="http://schemas.openxmlformats.org/presentationml/2006/main">
+  <p:cSld>
+    <p:spTree>
+      <p:nvGrpSpPr>
+        <p:cNvPr id="1" name="Shape 103"/>
+        <p:cNvGrpSpPr/>
+        <p:nvPr/>
+      </p:nvGrpSpPr>
+      <p:grpSpPr>
+        <a:xfrm>
+          <a:off x="0" y="0"/>
+          <a:ext cx="0" cy="0"/>
+          <a:chOff x="0" y="0"/>
+          <a:chExt cx="0" cy="0"/>
+        </a:xfrm>
+      </p:grpSpPr>
+      <p:sp>
+        <p:nvSpPr>
+          <p:cNvPr id="104" name="Google Shape;104;p2"/>
+          <p:cNvSpPr txBox="1">
+            <a:spLocks noGrp="1"/>
+          </p:cNvSpPr>
+          <p:nvPr>
+            <p:ph type="title"/>
+          </p:nvPr>
+        </p:nvSpPr>
+        <p:spPr>
+          <a:prstGeom prst="rect">
+            <a:avLst/>
+          </a:prstGeom>
+          <a:noFill/>
+          <a:ln>
+            <a:noFill/>
+          </a:ln>
+        </p:spPr>
+        <p:txBody>
+          <a:bodyPr spcFirstLastPara="1" wrap="square" lIns="91425" tIns="45700" rIns="91425" bIns="45700" anchor="b" anchorCtr="0">
+            <a:normAutofit/>
+          </a:bodyPr>
+          <a:lstStyle/>
+          <a:p>
+            <a:pPr marL="0" lvl="0" indent="0" algn="l" rtl="0">
+              <a:spcBef>
+                <a:spcPts val="0"/>
+              </a:spcBef>
+              <a:spcAft>
+                <a:spcPts val="0"/>
+              </a:spcAft>
+              <a:buClr>
+                <a:schemeClr val="lt1"/>
+              </a:buClr>
+              <a:buSzPts val="2800"/>
+              <a:buFont typeface="Gill Sans"/>
+              <a:buNone/>
+            </a:pPr>
+            <a:r>
+              <a:rPr lang="en-US" sz="4400" dirty="0"/>
+              <a:t>THE dATA</a:t>
+            </a:r>
+            <a:endParaRPr sz="4400" dirty="0"/>
+          </a:p>
+        </p:txBody>
+      </p:sp>
+      <p:sp>
+        <p:nvSpPr>
+          <p:cNvPr id="2" name="TextBox 1">
+            <a:extLst>
+              <a:ext uri="{FF2B5EF4-FFF2-40B4-BE49-F238E27FC236}">
+                <a16:creationId xmlns:a16="http://schemas.microsoft.com/office/drawing/2014/main" id="{6F10E8FC-C40A-8596-DB72-A43F079FEC98}"/>
+              </a:ext>
+            </a:extLst>
+          </p:cNvPr>
+          <p:cNvSpPr txBox="1"/>
+          <p:nvPr/>
+        </p:nvSpPr>
+        <p:spPr>
+          <a:xfrm>
+            <a:off x="3747427" y="3133751"/>
+            <a:ext cx="7858083" cy="1815882"/>
+          </a:xfrm>
+          <a:prstGeom prst="rect">
+            <a:avLst/>
+          </a:prstGeom>
+          <a:noFill/>
+        </p:spPr>
+        <p:txBody>
+          <a:bodyPr wrap="square" rtlCol="0">
+            <a:spAutoFit/>
+          </a:bodyPr>
+          <a:lstStyle/>
+          <a:p>
+            <a:r>
+              <a:rPr lang="en-US" sz="2800" dirty="0"/>
+              <a:t>The data used for this project was found in csv format. The data was cleaned by removing unnecessary columns that would bring no contribution to our analysis. </a:t>
+            </a:r>
+          </a:p>
+        </p:txBody>
+      </p:sp>
+      <p:pic>
+        <p:nvPicPr>
+          <p:cNvPr id="1030" name="Picture 6" descr="CSV File Icon Outline - Icon Shop - Download free icons for commercial use">
+            <a:extLst>
+              <a:ext uri="{FF2B5EF4-FFF2-40B4-BE49-F238E27FC236}">
+                <a16:creationId xmlns:a16="http://schemas.microsoft.com/office/drawing/2014/main" id="{E8D8D6DF-D45D-49E4-0D5B-349FB459CAD8}"/>
+              </a:ext>
+            </a:extLst>
+          </p:cNvPr>
+          <p:cNvPicPr>
+            <a:picLocks noChangeAspect="1" noChangeArrowheads="1"/>
+          </p:cNvPicPr>
+          <p:nvPr/>
+        </p:nvPicPr>
+        <p:blipFill>
+          <a:blip r:embed="rId3">
+            <a:extLst>
+              <a:ext uri="{28A0092B-C50C-407E-A947-70E740481C1C}">
+                <a14:useLocalDpi xmlns:a14="http://schemas.microsoft.com/office/drawing/2010/main" val="0"/>
+              </a:ext>
+            </a:extLst>
+          </a:blip>
+          <a:srcRect/>
+          <a:stretch>
+            <a:fillRect/>
+          </a:stretch>
+        </p:blipFill>
+        <p:spPr bwMode="auto">
+          <a:xfrm>
+            <a:off x="281649" y="2856563"/>
+            <a:ext cx="3271779" cy="3271779"/>
+          </a:xfrm>
+          <a:prstGeom prst="rect">
+            <a:avLst/>
+          </a:prstGeom>
+          <a:noFill/>
+          <a:extLst>
+            <a:ext uri="{909E8E84-426E-40DD-AFC4-6F175D3DCCD1}">
+              <a14:hiddenFill xmlns:a14="http://schemas.microsoft.com/office/drawing/2010/main">
+                <a:solidFill>
+                  <a:srgbClr val="FFFFFF"/>
+                </a:solidFill>
+              </a14:hiddenFill>
+            </a:ext>
+          </a:extLst>
+        </p:spPr>
+      </p:pic>
+      <p:sp>
+        <p:nvSpPr>
+          <p:cNvPr id="16" name="TextBox 15">
+            <a:extLst>
+              <a:ext uri="{FF2B5EF4-FFF2-40B4-BE49-F238E27FC236}">
+                <a16:creationId xmlns:a16="http://schemas.microsoft.com/office/drawing/2014/main" id="{2F72A860-A2E3-F57F-DCDB-383E5A60F047}"/>
+              </a:ext>
+            </a:extLst>
+          </p:cNvPr>
+          <p:cNvSpPr txBox="1"/>
+          <p:nvPr/>
+        </p:nvSpPr>
+        <p:spPr>
+          <a:xfrm>
+            <a:off x="3553428" y="1929260"/>
+            <a:ext cx="1064134" cy="461665"/>
+          </a:xfrm>
+          <a:prstGeom prst="rect">
+            <a:avLst/>
+          </a:prstGeom>
+          <a:noFill/>
+        </p:spPr>
+        <p:txBody>
+          <a:bodyPr wrap="square" rtlCol="0">
+            <a:spAutoFit/>
+          </a:bodyPr>
+          <a:lstStyle/>
+          <a:p>
+            <a:r>
+              <a:rPr lang="en-US" sz="2400" dirty="0"/>
+              <a:t>ID</a:t>
+            </a:r>
+          </a:p>
+        </p:txBody>
+      </p:sp>
+      <p:sp>
+        <p:nvSpPr>
+          <p:cNvPr id="17" name="TextBox 16">
+            <a:extLst>
+              <a:ext uri="{FF2B5EF4-FFF2-40B4-BE49-F238E27FC236}">
+                <a16:creationId xmlns:a16="http://schemas.microsoft.com/office/drawing/2014/main" id="{A7961E8E-2CE9-9F1B-66E5-9299CB4B81BC}"/>
+              </a:ext>
+            </a:extLst>
+          </p:cNvPr>
+          <p:cNvSpPr txBox="1"/>
+          <p:nvPr/>
+        </p:nvSpPr>
+        <p:spPr>
+          <a:xfrm>
+            <a:off x="3553430" y="4145252"/>
+            <a:ext cx="3377381" cy="461665"/>
+          </a:xfrm>
+          <a:prstGeom prst="rect">
+            <a:avLst/>
+          </a:prstGeom>
+          <a:noFill/>
+        </p:spPr>
+        <p:txBody>
+          <a:bodyPr wrap="square" rtlCol="0">
+            <a:spAutoFit/>
+          </a:bodyPr>
+          <a:lstStyle/>
+          <a:p>
+            <a:r>
+              <a:rPr lang="en-US" sz="2400" dirty="0"/>
+              <a:t>WORK TYPE</a:t>
+            </a:r>
+          </a:p>
+        </p:txBody>
+      </p:sp>
+      <p:sp>
+        <p:nvSpPr>
+          <p:cNvPr id="18" name="TextBox 17">
+            <a:extLst>
+              <a:ext uri="{FF2B5EF4-FFF2-40B4-BE49-F238E27FC236}">
+                <a16:creationId xmlns:a16="http://schemas.microsoft.com/office/drawing/2014/main" id="{002D513B-2C93-B492-0FA1-AFDAC9B5A942}"/>
+              </a:ext>
+            </a:extLst>
+          </p:cNvPr>
+          <p:cNvSpPr txBox="1"/>
+          <p:nvPr/>
+        </p:nvSpPr>
+        <p:spPr>
+          <a:xfrm>
+            <a:off x="3570638" y="2667924"/>
+            <a:ext cx="3377381" cy="461665"/>
+          </a:xfrm>
+          <a:prstGeom prst="rect">
+            <a:avLst/>
+          </a:prstGeom>
+          <a:noFill/>
+        </p:spPr>
+        <p:txBody>
+          <a:bodyPr wrap="square" rtlCol="0">
+            <a:spAutoFit/>
+          </a:bodyPr>
+          <a:lstStyle/>
+          <a:p>
+            <a:r>
+              <a:rPr lang="en-US" sz="2400" dirty="0"/>
+              <a:t>AGE</a:t>
+            </a:r>
+          </a:p>
+        </p:txBody>
+      </p:sp>
+      <p:sp>
+        <p:nvSpPr>
+          <p:cNvPr id="19" name="TextBox 18">
+            <a:extLst>
+              <a:ext uri="{FF2B5EF4-FFF2-40B4-BE49-F238E27FC236}">
+                <a16:creationId xmlns:a16="http://schemas.microsoft.com/office/drawing/2014/main" id="{5F903B08-FC84-DEAE-0CC3-7CEECB80C67F}"/>
+              </a:ext>
+            </a:extLst>
+          </p:cNvPr>
+          <p:cNvSpPr txBox="1"/>
+          <p:nvPr/>
+        </p:nvSpPr>
+        <p:spPr>
+          <a:xfrm>
+            <a:off x="3570638" y="3037256"/>
+            <a:ext cx="3377381" cy="461665"/>
+          </a:xfrm>
+          <a:prstGeom prst="rect">
+            <a:avLst/>
+          </a:prstGeom>
+          <a:noFill/>
+        </p:spPr>
+        <p:txBody>
+          <a:bodyPr wrap="square" rtlCol="0">
+            <a:spAutoFit/>
+          </a:bodyPr>
+          <a:lstStyle/>
+          <a:p>
+            <a:r>
+              <a:rPr lang="en-US" sz="2400" dirty="0"/>
+              <a:t>HYPERTENSION</a:t>
+            </a:r>
+          </a:p>
+        </p:txBody>
+      </p:sp>
+      <p:sp>
+        <p:nvSpPr>
+          <p:cNvPr id="20" name="TextBox 19">
+            <a:extLst>
+              <a:ext uri="{FF2B5EF4-FFF2-40B4-BE49-F238E27FC236}">
+                <a16:creationId xmlns:a16="http://schemas.microsoft.com/office/drawing/2014/main" id="{45070734-9298-6FB1-E002-6F8EA1E706C9}"/>
+              </a:ext>
+            </a:extLst>
+          </p:cNvPr>
+          <p:cNvSpPr txBox="1"/>
+          <p:nvPr/>
+        </p:nvSpPr>
+        <p:spPr>
+          <a:xfrm>
+            <a:off x="3553430" y="3406588"/>
+            <a:ext cx="3377381" cy="461665"/>
+          </a:xfrm>
+          <a:prstGeom prst="rect">
+            <a:avLst/>
+          </a:prstGeom>
+          <a:noFill/>
+        </p:spPr>
+        <p:txBody>
+          <a:bodyPr wrap="square" rtlCol="0">
+            <a:spAutoFit/>
+          </a:bodyPr>
+          <a:lstStyle/>
+          <a:p>
+            <a:r>
+              <a:rPr lang="en-US" sz="2400" dirty="0"/>
+              <a:t>HEART DISEASE</a:t>
+            </a:r>
+          </a:p>
+        </p:txBody>
+      </p:sp>
+      <p:sp>
+        <p:nvSpPr>
+          <p:cNvPr id="21" name="TextBox 20">
+            <a:extLst>
+              <a:ext uri="{FF2B5EF4-FFF2-40B4-BE49-F238E27FC236}">
+                <a16:creationId xmlns:a16="http://schemas.microsoft.com/office/drawing/2014/main" id="{B08258CC-744E-1A28-9A51-570282821DF4}"/>
+              </a:ext>
+            </a:extLst>
+          </p:cNvPr>
+          <p:cNvSpPr txBox="1"/>
+          <p:nvPr/>
+        </p:nvSpPr>
+        <p:spPr>
+          <a:xfrm>
+            <a:off x="3570638" y="3775920"/>
+            <a:ext cx="3377381" cy="461665"/>
+          </a:xfrm>
+          <a:prstGeom prst="rect">
+            <a:avLst/>
+          </a:prstGeom>
+          <a:noFill/>
+        </p:spPr>
+        <p:txBody>
+          <a:bodyPr wrap="square" rtlCol="0">
+            <a:spAutoFit/>
+          </a:bodyPr>
+          <a:lstStyle/>
+          <a:p>
+            <a:r>
+              <a:rPr lang="en-US" sz="2400" dirty="0"/>
+              <a:t>EVER MARRIED</a:t>
+            </a:r>
+          </a:p>
+        </p:txBody>
+      </p:sp>
+      <p:sp>
+        <p:nvSpPr>
+          <p:cNvPr id="22" name="TextBox 21">
+            <a:extLst>
+              <a:ext uri="{FF2B5EF4-FFF2-40B4-BE49-F238E27FC236}">
+                <a16:creationId xmlns:a16="http://schemas.microsoft.com/office/drawing/2014/main" id="{354B98BB-D232-3B60-13BA-8E1F539FA92D}"/>
+              </a:ext>
+            </a:extLst>
+          </p:cNvPr>
+          <p:cNvSpPr txBox="1"/>
+          <p:nvPr/>
+        </p:nvSpPr>
+        <p:spPr>
+          <a:xfrm>
+            <a:off x="3553428" y="2298592"/>
+            <a:ext cx="3377381" cy="461665"/>
+          </a:xfrm>
+          <a:prstGeom prst="rect">
+            <a:avLst/>
+          </a:prstGeom>
+          <a:noFill/>
+        </p:spPr>
+        <p:txBody>
+          <a:bodyPr wrap="square" rtlCol="0">
+            <a:spAutoFit/>
+          </a:bodyPr>
+          <a:lstStyle/>
+          <a:p>
+            <a:r>
+              <a:rPr lang="en-US" sz="2400" dirty="0"/>
+              <a:t>GENDER</a:t>
+            </a:r>
+          </a:p>
+        </p:txBody>
+      </p:sp>
+      <p:sp>
+        <p:nvSpPr>
+          <p:cNvPr id="23" name="TextBox 22">
+            <a:extLst>
+              <a:ext uri="{FF2B5EF4-FFF2-40B4-BE49-F238E27FC236}">
+                <a16:creationId xmlns:a16="http://schemas.microsoft.com/office/drawing/2014/main" id="{922C38F9-1376-0D3D-A382-F3888490EAAF}"/>
+              </a:ext>
+            </a:extLst>
+          </p:cNvPr>
+          <p:cNvSpPr txBox="1"/>
+          <p:nvPr/>
+        </p:nvSpPr>
+        <p:spPr>
+          <a:xfrm>
+            <a:off x="3570638" y="4514584"/>
+            <a:ext cx="3377381" cy="461665"/>
+          </a:xfrm>
+          <a:prstGeom prst="rect">
+            <a:avLst/>
+          </a:prstGeom>
+          <a:noFill/>
+        </p:spPr>
+        <p:txBody>
+          <a:bodyPr wrap="square" rtlCol="0">
+            <a:spAutoFit/>
+          </a:bodyPr>
+          <a:lstStyle/>
+          <a:p>
+            <a:r>
+              <a:rPr lang="en-US" sz="2400" dirty="0"/>
+              <a:t>RESIDENCE TYPE</a:t>
+            </a:r>
+          </a:p>
+        </p:txBody>
+      </p:sp>
+      <p:sp>
+        <p:nvSpPr>
+          <p:cNvPr id="24" name="TextBox 23">
+            <a:extLst>
+              <a:ext uri="{FF2B5EF4-FFF2-40B4-BE49-F238E27FC236}">
+                <a16:creationId xmlns:a16="http://schemas.microsoft.com/office/drawing/2014/main" id="{306F2763-5FAD-5735-987F-793C2A57A21D}"/>
+              </a:ext>
+            </a:extLst>
+          </p:cNvPr>
+          <p:cNvSpPr txBox="1"/>
+          <p:nvPr/>
+        </p:nvSpPr>
+        <p:spPr>
+          <a:xfrm>
+            <a:off x="3553429" y="4883916"/>
+            <a:ext cx="3377381" cy="830997"/>
+          </a:xfrm>
+          <a:prstGeom prst="rect">
+            <a:avLst/>
+          </a:prstGeom>
+          <a:noFill/>
+        </p:spPr>
+        <p:txBody>
+          <a:bodyPr wrap="square" rtlCol="0">
+            <a:spAutoFit/>
+          </a:bodyPr>
+          <a:lstStyle/>
+          <a:p>
+            <a:r>
+              <a:rPr lang="en-US" sz="2400" dirty="0"/>
+              <a:t>AVERAGE GLUCOSE LEVEL</a:t>
+            </a:r>
+          </a:p>
+        </p:txBody>
+      </p:sp>
+      <p:sp>
+        <p:nvSpPr>
+          <p:cNvPr id="25" name="TextBox 24">
+            <a:extLst>
+              <a:ext uri="{FF2B5EF4-FFF2-40B4-BE49-F238E27FC236}">
+                <a16:creationId xmlns:a16="http://schemas.microsoft.com/office/drawing/2014/main" id="{BD3E7318-1365-1455-56A1-1F450C74900B}"/>
+              </a:ext>
+            </a:extLst>
+          </p:cNvPr>
+          <p:cNvSpPr txBox="1"/>
+          <p:nvPr/>
+        </p:nvSpPr>
+        <p:spPr>
+          <a:xfrm>
+            <a:off x="3570638" y="5622580"/>
+            <a:ext cx="3377381" cy="461665"/>
+          </a:xfrm>
+          <a:prstGeom prst="rect">
+            <a:avLst/>
+          </a:prstGeom>
+          <a:noFill/>
+        </p:spPr>
+        <p:txBody>
+          <a:bodyPr wrap="square" rtlCol="0">
+            <a:spAutoFit/>
+          </a:bodyPr>
+          <a:lstStyle/>
+          <a:p>
+            <a:r>
+              <a:rPr lang="en-US" sz="2400" dirty="0"/>
+              <a:t>BMI</a:t>
+            </a:r>
+          </a:p>
+        </p:txBody>
+      </p:sp>
+      <p:sp>
+        <p:nvSpPr>
+          <p:cNvPr id="26" name="TextBox 25">
+            <a:extLst>
+              <a:ext uri="{FF2B5EF4-FFF2-40B4-BE49-F238E27FC236}">
+                <a16:creationId xmlns:a16="http://schemas.microsoft.com/office/drawing/2014/main" id="{07FDE8F9-7ADE-48DA-DAF1-CA6312CC9218}"/>
+              </a:ext>
+            </a:extLst>
+          </p:cNvPr>
+          <p:cNvSpPr txBox="1"/>
+          <p:nvPr/>
+        </p:nvSpPr>
+        <p:spPr>
+          <a:xfrm>
+            <a:off x="3553428" y="5951595"/>
+            <a:ext cx="3377381" cy="461665"/>
+          </a:xfrm>
+          <a:prstGeom prst="rect">
+            <a:avLst/>
+          </a:prstGeom>
+          <a:noFill/>
+        </p:spPr>
+        <p:txBody>
+          <a:bodyPr wrap="square" rtlCol="0">
+            <a:spAutoFit/>
+          </a:bodyPr>
+          <a:lstStyle/>
+          <a:p>
+            <a:r>
+              <a:rPr lang="en-US" sz="2400" dirty="0"/>
+              <a:t>SMOKING STATUS</a:t>
+            </a:r>
+          </a:p>
+        </p:txBody>
+      </p:sp>
+      <p:sp>
+        <p:nvSpPr>
+          <p:cNvPr id="27" name="TextBox 26">
+            <a:extLst>
+              <a:ext uri="{FF2B5EF4-FFF2-40B4-BE49-F238E27FC236}">
+                <a16:creationId xmlns:a16="http://schemas.microsoft.com/office/drawing/2014/main" id="{1C3EB7F4-28F3-81A0-0C7A-6E7C21DA5D6F}"/>
+              </a:ext>
+            </a:extLst>
+          </p:cNvPr>
+          <p:cNvSpPr txBox="1"/>
+          <p:nvPr/>
+        </p:nvSpPr>
+        <p:spPr>
+          <a:xfrm>
+            <a:off x="3553428" y="6320927"/>
+            <a:ext cx="3377381" cy="461665"/>
+          </a:xfrm>
+          <a:prstGeom prst="rect">
+            <a:avLst/>
+          </a:prstGeom>
+          <a:noFill/>
+        </p:spPr>
+        <p:txBody>
+          <a:bodyPr wrap="square" rtlCol="0">
+            <a:spAutoFit/>
+          </a:bodyPr>
+          <a:lstStyle/>
+          <a:p>
+            <a:r>
+              <a:rPr lang="en-US" sz="2400" dirty="0"/>
+              <a:t>STROKE</a:t>
+            </a:r>
+          </a:p>
+        </p:txBody>
+      </p:sp>
+      <p:sp>
+        <p:nvSpPr>
+          <p:cNvPr id="28" name="TextBox 27">
+            <a:extLst>
+              <a:ext uri="{FF2B5EF4-FFF2-40B4-BE49-F238E27FC236}">
+                <a16:creationId xmlns:a16="http://schemas.microsoft.com/office/drawing/2014/main" id="{BBD16C1C-55C8-9697-91B4-3D51FB719057}"/>
+              </a:ext>
+            </a:extLst>
+          </p:cNvPr>
+          <p:cNvSpPr txBox="1"/>
+          <p:nvPr/>
+        </p:nvSpPr>
+        <p:spPr>
+          <a:xfrm>
+            <a:off x="6226157" y="3775920"/>
+            <a:ext cx="3201363" cy="461665"/>
+          </a:xfrm>
+          <a:prstGeom prst="rect">
+            <a:avLst/>
+          </a:prstGeom>
+          <a:noFill/>
+        </p:spPr>
+        <p:txBody>
+          <a:bodyPr wrap="square" rtlCol="0">
+            <a:spAutoFit/>
+          </a:bodyPr>
+          <a:lstStyle/>
+          <a:p>
+            <a:r>
+              <a:rPr lang="en-US" sz="2400" b="1" dirty="0">
+                <a:solidFill>
+                  <a:schemeClr val="accent6">
+                    <a:lumMod val="50000"/>
+                  </a:schemeClr>
+                </a:solidFill>
+              </a:rPr>
+              <a:t>Yes = 1 &amp; No = 0</a:t>
+            </a:r>
+          </a:p>
+        </p:txBody>
+      </p:sp>
+    </p:spTree>
+    <p:extLst>
+      <p:ext uri="{BB962C8B-B14F-4D97-AF65-F5344CB8AC3E}">
+        <p14:creationId xmlns:p14="http://schemas.microsoft.com/office/powerpoint/2010/main" val="3550265574"/>
+      </p:ext>
+    </p:extLst>
+  </p:cSld>
+  <p:clrMapOvr>
+    <a:masterClrMapping/>
+  </p:clrMapOvr>
+  <mc:AlternateContent xmlns:mc="http://schemas.openxmlformats.org/markup-compatibility/2006">
+    <mc:Choice xmlns:p159="http://schemas.microsoft.com/office/powerpoint/2015/09/main" Requires="p159">
+      <p:transition xmlns:p14="http://schemas.microsoft.com/office/powerpoint/2010/main" spd="slow" p14:dur="2000">
+        <p159:morph option="byObject"/>
+      </p:transition>
+    </mc:Choice>
+    <mc:Fallback>
+      <p:transition spd="slow">
+        <p:fade/>
+      </p:transition>
+    </mc:Fallback>
+  </mc:AlternateContent>
+  <p:timing>
+    <p:tnLst>
+      <p:par>
+        <p:cTn id="1" dur="indefinite" restart="never" nodeType="tmRoot">
+          <p:childTnLst>
+            <p:seq concurrent="1" nextAc="seek">
+              <p:cTn id="2" dur="indefinite" nodeType="mainSeq">
+                <p:childTnLst>
+                  <p:par>
+                    <p:cTn id="3" fill="hold">
+                      <p:stCondLst>
+                        <p:cond delay="indefinite"/>
+                      </p:stCondLst>
+                      <p:childTnLst>
+                        <p:par>
+                          <p:cTn id="4" fill="hold">
+                            <p:stCondLst>
+                              <p:cond delay="0"/>
+                            </p:stCondLst>
+                            <p:childTnLst>
+                              <p:par>
+                                <p:cTn id="5" presetID="10" presetClass="exit" presetSubtype="0" fill="hold" grpId="1" nodeType="clickEffect">
+                                  <p:stCondLst>
+                                    <p:cond delay="0"/>
+                                  </p:stCondLst>
+                                  <p:childTnLst>
+                                    <p:animEffect transition="out" filter="fade">
+                                      <p:cBhvr>
+                                        <p:cTn id="6" dur="500"/>
+                                        <p:tgtEl>
+                                          <p:spTgt spid="2"/>
+                                        </p:tgtEl>
+                                      </p:cBhvr>
+                                    </p:animEffect>
+                                    <p:set>
+                                      <p:cBhvr>
+                                        <p:cTn id="7" dur="1" fill="hold">
+                                          <p:stCondLst>
+                                            <p:cond delay="499"/>
+                                          </p:stCondLst>
+                                        </p:cTn>
+                                        <p:tgtEl>
+                                          <p:spTgt spid="2"/>
+                                        </p:tgtEl>
+                                        <p:attrNameLst>
+                                          <p:attrName>style.visibility</p:attrName>
+                                        </p:attrNameLst>
+                                      </p:cBhvr>
+                                      <p:to>
+                                        <p:strVal val="hidden"/>
+                                      </p:to>
+                                    </p:set>
+                                  </p:childTnLst>
+                                </p:cTn>
+                              </p:par>
+                            </p:childTnLst>
+                          </p:cTn>
+                        </p:par>
+                      </p:childTnLst>
+                    </p:cTn>
+                  </p:par>
+                </p:childTnLst>
+              </p:cTn>
+              <p:prevCondLst>
+                <p:cond evt="onPrev" delay="0">
+                  <p:tgtEl>
+                    <p:sldTgt/>
+                  </p:tgtEl>
+                </p:cond>
+              </p:prevCondLst>
+              <p:nextCondLst>
+                <p:cond evt="onNext" delay="0">
+                  <p:tgtEl>
+                    <p:sldTgt/>
+                  </p:tgtEl>
+                </p:cond>
+              </p:nextCondLst>
+            </p:seq>
+            <p:seq concurrent="1" nextAc="seek">
+              <p:cTn id="8" restart="whenNotActive" fill="hold" evtFilter="cancelBubble" nodeType="interactiveSeq">
+                <p:stCondLst>
+                  <p:cond evt="onClick" delay="0">
+                    <p:tgtEl>
+                      <p:spTgt spid="1030"/>
+                    </p:tgtEl>
+                  </p:cond>
+                </p:stCondLst>
+                <p:endSync evt="end" delay="0">
+                  <p:rtn val="all"/>
+                </p:endSync>
+                <p:childTnLst>
+                  <p:par>
+                    <p:cTn id="9" fill="hold">
+                      <p:stCondLst>
+                        <p:cond delay="0"/>
+                      </p:stCondLst>
+                      <p:childTnLst>
+                        <p:par>
+                          <p:cTn id="10" fill="hold">
+                            <p:stCondLst>
+                              <p:cond delay="0"/>
+                            </p:stCondLst>
+                            <p:childTnLst>
+                              <p:par>
+                                <p:cTn id="11" presetID="1" presetClass="entr" presetSubtype="0" fill="hold" grpId="0" nodeType="withEffect">
+                                  <p:stCondLst>
+                                    <p:cond delay="0"/>
+                                  </p:stCondLst>
+                                  <p:childTnLst>
+                                    <p:set>
+                                      <p:cBhvr>
+                                        <p:cTn id="12" dur="1" fill="hold">
+                                          <p:stCondLst>
+                                            <p:cond delay="0"/>
+                                          </p:stCondLst>
+                                        </p:cTn>
+                                        <p:tgtEl>
+                                          <p:spTgt spid="16"/>
+                                        </p:tgtEl>
+                                        <p:attrNameLst>
+                                          <p:attrName>style.visibility</p:attrName>
+                                        </p:attrNameLst>
+                                      </p:cBhvr>
+                                      <p:to>
+                                        <p:strVal val="visible"/>
+                                      </p:to>
+                                    </p:set>
+                                  </p:childTnLst>
+                                </p:cTn>
+                              </p:par>
+                              <p:par>
+                                <p:cTn id="13" presetID="1" presetClass="entr" presetSubtype="0" fill="hold" grpId="0" nodeType="withEffect">
+                                  <p:stCondLst>
+                                    <p:cond delay="0"/>
+                                  </p:stCondLst>
+                                  <p:childTnLst>
+                                    <p:set>
+                                      <p:cBhvr>
+                                        <p:cTn id="14" dur="1" fill="hold">
+                                          <p:stCondLst>
+                                            <p:cond delay="0"/>
+                                          </p:stCondLst>
+                                        </p:cTn>
+                                        <p:tgtEl>
+                                          <p:spTgt spid="17"/>
+                                        </p:tgtEl>
+                                        <p:attrNameLst>
+                                          <p:attrName>style.visibility</p:attrName>
+                                        </p:attrNameLst>
+                                      </p:cBhvr>
+                                      <p:to>
+                                        <p:strVal val="visible"/>
+                                      </p:to>
+                                    </p:set>
+                                  </p:childTnLst>
+                                </p:cTn>
+                              </p:par>
+                              <p:par>
+                                <p:cTn id="15" presetID="1" presetClass="entr" presetSubtype="0" fill="hold" grpId="0" nodeType="withEffect">
+                                  <p:stCondLst>
+                                    <p:cond delay="0"/>
+                                  </p:stCondLst>
+                                  <p:childTnLst>
+                                    <p:set>
+                                      <p:cBhvr>
+                                        <p:cTn id="16" dur="1" fill="hold">
+                                          <p:stCondLst>
+                                            <p:cond delay="0"/>
+                                          </p:stCondLst>
+                                        </p:cTn>
+                                        <p:tgtEl>
+                                          <p:spTgt spid="18"/>
+                                        </p:tgtEl>
+                                        <p:attrNameLst>
+                                          <p:attrName>style.visibility</p:attrName>
+                                        </p:attrNameLst>
+                                      </p:cBhvr>
+                                      <p:to>
+                                        <p:strVal val="visible"/>
+                                      </p:to>
+                                    </p:set>
+                                  </p:childTnLst>
+                                </p:cTn>
+                              </p:par>
+                              <p:par>
+                                <p:cTn id="17" presetID="1" presetClass="entr" presetSubtype="0" fill="hold" grpId="0" nodeType="withEffect">
+                                  <p:stCondLst>
+                                    <p:cond delay="0"/>
+                                  </p:stCondLst>
+                                  <p:childTnLst>
+                                    <p:set>
+                                      <p:cBhvr>
+                                        <p:cTn id="18" dur="1" fill="hold">
+                                          <p:stCondLst>
+                                            <p:cond delay="0"/>
+                                          </p:stCondLst>
+                                        </p:cTn>
+                                        <p:tgtEl>
+                                          <p:spTgt spid="19"/>
+                                        </p:tgtEl>
+                                        <p:attrNameLst>
+                                          <p:attrName>style.visibility</p:attrName>
+                                        </p:attrNameLst>
+                                      </p:cBhvr>
+                                      <p:to>
+                                        <p:strVal val="visible"/>
+                                      </p:to>
+                                    </p:set>
+                                  </p:childTnLst>
+                                </p:cTn>
+                              </p:par>
+                              <p:par>
+                                <p:cTn id="19" presetID="1" presetClass="entr" presetSubtype="0" fill="hold" grpId="0" nodeType="withEffect">
+                                  <p:stCondLst>
+                                    <p:cond delay="0"/>
+                                  </p:stCondLst>
+                                  <p:childTnLst>
+                                    <p:set>
+                                      <p:cBhvr>
+                                        <p:cTn id="20" dur="1" fill="hold">
+                                          <p:stCondLst>
+                                            <p:cond delay="0"/>
+                                          </p:stCondLst>
+                                        </p:cTn>
+                                        <p:tgtEl>
+                                          <p:spTgt spid="20"/>
+                                        </p:tgtEl>
+                                        <p:attrNameLst>
+                                          <p:attrName>style.visibility</p:attrName>
+                                        </p:attrNameLst>
+                                      </p:cBhvr>
+                                      <p:to>
+                                        <p:strVal val="visible"/>
+                                      </p:to>
+                                    </p:set>
+                                  </p:childTnLst>
+                                </p:cTn>
+                              </p:par>
+                              <p:par>
+                                <p:cTn id="21" presetID="1" presetClass="entr" presetSubtype="0" fill="hold" grpId="0" nodeType="withEffect">
+                                  <p:stCondLst>
+                                    <p:cond delay="0"/>
+                                  </p:stCondLst>
+                                  <p:childTnLst>
+                                    <p:set>
+                                      <p:cBhvr>
+                                        <p:cTn id="22" dur="1" fill="hold">
+                                          <p:stCondLst>
+                                            <p:cond delay="0"/>
+                                          </p:stCondLst>
+                                        </p:cTn>
+                                        <p:tgtEl>
+                                          <p:spTgt spid="21"/>
+                                        </p:tgtEl>
+                                        <p:attrNameLst>
+                                          <p:attrName>style.visibility</p:attrName>
+                                        </p:attrNameLst>
+                                      </p:cBhvr>
+                                      <p:to>
+                                        <p:strVal val="visible"/>
+                                      </p:to>
+                                    </p:set>
+                                  </p:childTnLst>
+                                </p:cTn>
+                              </p:par>
+                              <p:par>
+                                <p:cTn id="23" presetID="1" presetClass="entr" presetSubtype="0" fill="hold" grpId="0" nodeType="withEffect">
+                                  <p:stCondLst>
+                                    <p:cond delay="0"/>
+                                  </p:stCondLst>
+                                  <p:childTnLst>
+                                    <p:set>
+                                      <p:cBhvr>
+                                        <p:cTn id="24" dur="1" fill="hold">
+                                          <p:stCondLst>
+                                            <p:cond delay="0"/>
+                                          </p:stCondLst>
+                                        </p:cTn>
+                                        <p:tgtEl>
+                                          <p:spTgt spid="22"/>
+                                        </p:tgtEl>
+                                        <p:attrNameLst>
+                                          <p:attrName>style.visibility</p:attrName>
+                                        </p:attrNameLst>
+                                      </p:cBhvr>
+                                      <p:to>
+                                        <p:strVal val="visible"/>
+                                      </p:to>
+                                    </p:set>
+                                  </p:childTnLst>
+                                </p:cTn>
+                              </p:par>
+                              <p:par>
+                                <p:cTn id="25" presetID="1" presetClass="entr" presetSubtype="0" fill="hold" grpId="0" nodeType="withEffect">
+                                  <p:stCondLst>
+                                    <p:cond delay="0"/>
+                                  </p:stCondLst>
+                                  <p:childTnLst>
+                                    <p:set>
+                                      <p:cBhvr>
+                                        <p:cTn id="26" dur="1" fill="hold">
+                                          <p:stCondLst>
+                                            <p:cond delay="0"/>
+                                          </p:stCondLst>
+                                        </p:cTn>
+                                        <p:tgtEl>
+                                          <p:spTgt spid="23"/>
+                                        </p:tgtEl>
+                                        <p:attrNameLst>
+                                          <p:attrName>style.visibility</p:attrName>
+                                        </p:attrNameLst>
+                                      </p:cBhvr>
+                                      <p:to>
+                                        <p:strVal val="visible"/>
+                                      </p:to>
+                                    </p:set>
+                                  </p:childTnLst>
+                                </p:cTn>
+                              </p:par>
+                              <p:par>
+                                <p:cTn id="27" presetID="1" presetClass="entr" presetSubtype="0" fill="hold" grpId="0" nodeType="withEffect">
+                                  <p:stCondLst>
+                                    <p:cond delay="0"/>
+                                  </p:stCondLst>
+                                  <p:childTnLst>
+                                    <p:set>
+                                      <p:cBhvr>
+                                        <p:cTn id="28" dur="1" fill="hold">
+                                          <p:stCondLst>
+                                            <p:cond delay="0"/>
+                                          </p:stCondLst>
+                                        </p:cTn>
+                                        <p:tgtEl>
+                                          <p:spTgt spid="24"/>
+                                        </p:tgtEl>
+                                        <p:attrNameLst>
+                                          <p:attrName>style.visibility</p:attrName>
+                                        </p:attrNameLst>
+                                      </p:cBhvr>
+                                      <p:to>
+                                        <p:strVal val="visible"/>
+                                      </p:to>
+                                    </p:set>
+                                  </p:childTnLst>
+                                </p:cTn>
+                              </p:par>
+                              <p:par>
+                                <p:cTn id="29" presetID="1" presetClass="entr" presetSubtype="0" fill="hold" grpId="0" nodeType="withEffect">
+                                  <p:stCondLst>
+                                    <p:cond delay="0"/>
+                                  </p:stCondLst>
+                                  <p:childTnLst>
+                                    <p:set>
+                                      <p:cBhvr>
+                                        <p:cTn id="30" dur="1" fill="hold">
+                                          <p:stCondLst>
+                                            <p:cond delay="0"/>
+                                          </p:stCondLst>
+                                        </p:cTn>
+                                        <p:tgtEl>
+                                          <p:spTgt spid="25"/>
+                                        </p:tgtEl>
+                                        <p:attrNameLst>
+                                          <p:attrName>style.visibility</p:attrName>
+                                        </p:attrNameLst>
+                                      </p:cBhvr>
+                                      <p:to>
+                                        <p:strVal val="visible"/>
+                                      </p:to>
+                                    </p:set>
+                                  </p:childTnLst>
+                                </p:cTn>
+                              </p:par>
+                              <p:par>
+                                <p:cTn id="31" presetID="1" presetClass="entr" presetSubtype="0" fill="hold" grpId="0" nodeType="withEffect">
+                                  <p:stCondLst>
+                                    <p:cond delay="0"/>
+                                  </p:stCondLst>
+                                  <p:childTnLst>
+                                    <p:set>
+                                      <p:cBhvr>
+                                        <p:cTn id="32" dur="1" fill="hold">
+                                          <p:stCondLst>
+                                            <p:cond delay="0"/>
+                                          </p:stCondLst>
+                                        </p:cTn>
+                                        <p:tgtEl>
+                                          <p:spTgt spid="26"/>
+                                        </p:tgtEl>
+                                        <p:attrNameLst>
+                                          <p:attrName>style.visibility</p:attrName>
+                                        </p:attrNameLst>
+                                      </p:cBhvr>
+                                      <p:to>
+                                        <p:strVal val="visible"/>
+                                      </p:to>
+                                    </p:set>
+                                  </p:childTnLst>
+                                </p:cTn>
+                              </p:par>
+                              <p:par>
+                                <p:cTn id="33" presetID="1" presetClass="entr" presetSubtype="0" fill="hold" grpId="0" nodeType="withEffect">
+                                  <p:stCondLst>
+                                    <p:cond delay="0"/>
+                                  </p:stCondLst>
+                                  <p:childTnLst>
+                                    <p:set>
+                                      <p:cBhvr>
+                                        <p:cTn id="34" dur="1" fill="hold">
+                                          <p:stCondLst>
+                                            <p:cond delay="0"/>
+                                          </p:stCondLst>
+                                        </p:cTn>
+                                        <p:tgtEl>
+                                          <p:spTgt spid="27"/>
+                                        </p:tgtEl>
+                                        <p:attrNameLst>
+                                          <p:attrName>style.visibility</p:attrName>
+                                        </p:attrNameLst>
+                                      </p:cBhvr>
+                                      <p:to>
+                                        <p:strVal val="visible"/>
+                                      </p:to>
+                                    </p:set>
+                                  </p:childTnLst>
+                                </p:cTn>
+                              </p:par>
+                            </p:childTnLst>
+                          </p:cTn>
+                        </p:par>
+                      </p:childTnLst>
+                    </p:cTn>
+                  </p:par>
+                  <p:par>
+                    <p:cTn id="35" fill="hold">
+                      <p:stCondLst>
+                        <p:cond delay="indefinite"/>
+                      </p:stCondLst>
+                      <p:childTnLst>
+                        <p:par>
+                          <p:cTn id="36" fill="hold">
+                            <p:stCondLst>
+                              <p:cond delay="0"/>
+                            </p:stCondLst>
+                            <p:childTnLst>
+                              <p:par>
+                                <p:cTn id="37" presetID="1" presetClass="entr" presetSubtype="0" fill="hold" grpId="0" nodeType="clickEffect">
+                                  <p:stCondLst>
+                                    <p:cond delay="0"/>
+                                  </p:stCondLst>
+                                  <p:childTnLst>
+                                    <p:set>
+                                      <p:cBhvr>
+                                        <p:cTn id="38" dur="1" fill="hold">
+                                          <p:stCondLst>
+                                            <p:cond delay="0"/>
+                                          </p:stCondLst>
+                                        </p:cTn>
+                                        <p:tgtEl>
+                                          <p:spTgt spid="28"/>
+                                        </p:tgtEl>
+                                        <p:attrNameLst>
+                                          <p:attrName>style.visibility</p:attrName>
+                                        </p:attrNameLst>
+                                      </p:cBhvr>
+                                      <p:to>
+                                        <p:strVal val="visible"/>
+                                      </p:to>
+                                    </p:set>
+                                  </p:childTnLst>
+                                </p:cTn>
+                              </p:par>
+                            </p:childTnLst>
+                          </p:cTn>
+                        </p:par>
+                      </p:childTnLst>
+                    </p:cTn>
+                  </p:par>
+                  <p:par>
+                    <p:cTn id="39" fill="hold">
+                      <p:stCondLst>
+                        <p:cond delay="indefinite"/>
+                      </p:stCondLst>
+                      <p:childTnLst>
+                        <p:par>
+                          <p:cTn id="40" fill="hold">
+                            <p:stCondLst>
+                              <p:cond delay="0"/>
+                            </p:stCondLst>
+                            <p:childTnLst>
+                              <p:par>
+                                <p:cTn id="41" presetID="10" presetClass="exit" presetSubtype="0" fill="hold" grpId="1" nodeType="clickEffect">
+                                  <p:stCondLst>
+                                    <p:cond delay="0"/>
+                                  </p:stCondLst>
+                                  <p:childTnLst>
+                                    <p:animEffect transition="out" filter="fade">
+                                      <p:cBhvr>
+                                        <p:cTn id="42" dur="500"/>
+                                        <p:tgtEl>
+                                          <p:spTgt spid="16"/>
+                                        </p:tgtEl>
+                                      </p:cBhvr>
+                                    </p:animEffect>
+                                    <p:set>
+                                      <p:cBhvr>
+                                        <p:cTn id="43" dur="1" fill="hold">
+                                          <p:stCondLst>
+                                            <p:cond delay="499"/>
+                                          </p:stCondLst>
+                                        </p:cTn>
+                                        <p:tgtEl>
+                                          <p:spTgt spid="16"/>
+                                        </p:tgtEl>
+                                        <p:attrNameLst>
+                                          <p:attrName>style.visibility</p:attrName>
+                                        </p:attrNameLst>
+                                      </p:cBhvr>
+                                      <p:to>
+                                        <p:strVal val="hidden"/>
+                                      </p:to>
+                                    </p:set>
+                                  </p:childTnLst>
+                                </p:cTn>
+                              </p:par>
+                            </p:childTnLst>
+                          </p:cTn>
+                        </p:par>
+                      </p:childTnLst>
+                    </p:cTn>
+                  </p:par>
+                </p:childTnLst>
+              </p:cTn>
+              <p:nextCondLst>
+                <p:cond evt="onClick" delay="0">
+                  <p:tgtEl>
+                    <p:spTgt spid="1030"/>
+                  </p:tgtEl>
+                </p:cond>
+              </p:nextCondLst>
+            </p:seq>
+          </p:childTnLst>
+        </p:cTn>
+      </p:par>
+    </p:tnLst>
+    <p:bldLst>
+      <p:bldP spid="2" grpId="1"/>
+      <p:bldP spid="16" grpId="0"/>
+      <p:bldP spid="16" grpId="1"/>
+      <p:bldP spid="17" grpId="0"/>
+      <p:bldP spid="18" grpId="0"/>
+      <p:bldP spid="19" grpId="0"/>
+      <p:bldP spid="20" grpId="0"/>
+      <p:bldP spid="21" grpId="0"/>
+      <p:bldP spid="22" grpId="0"/>
+      <p:bldP spid="23" grpId="0"/>
+      <p:bldP spid="24" grpId="0"/>
+      <p:bldP spid="25" grpId="0"/>
+      <p:bldP spid="26" grpId="0"/>
+      <p:bldP spid="27" grpId="0"/>
+      <p:bldP spid="28" grpId="0"/>
+    </p:bldLst>
+  </p:timing>
+</p:sld>
+</file>
+
+<file path=ppt/slides/slide4.xml><?xml version="1.0" encoding="utf-8"?>
+<p:sld xmlns:a="http://schemas.openxmlformats.org/drawingml/2006/main" xmlns:r="http://schemas.openxmlformats.org/officeDocument/2006/relationships" xmlns:p="http://schemas.openxmlformats.org/presentationml/2006/main">
+  <p:cSld>
+    <p:spTree>
+      <p:nvGrpSpPr>
+        <p:cNvPr id="1" name=""/>
+        <p:cNvGrpSpPr/>
+        <p:nvPr/>
+      </p:nvGrpSpPr>
+      <p:grpSpPr>
+        <a:xfrm>
+          <a:off x="0" y="0"/>
+          <a:ext cx="0" cy="0"/>
+          <a:chOff x="0" y="0"/>
+          <a:chExt cx="0" cy="0"/>
+        </a:xfrm>
+      </p:grpSpPr>
+      <p:sp>
+        <p:nvSpPr>
+          <p:cNvPr id="2" name="Title 1">
+            <a:extLst>
+              <a:ext uri="{FF2B5EF4-FFF2-40B4-BE49-F238E27FC236}">
+                <a16:creationId xmlns:a16="http://schemas.microsoft.com/office/drawing/2014/main" id="{9D44F361-7345-3281-B3E0-01DD8B23A64B}"/>
+              </a:ext>
+            </a:extLst>
+          </p:cNvPr>
+          <p:cNvSpPr>
+            <a:spLocks noGrp="1"/>
+          </p:cNvSpPr>
+          <p:nvPr>
+            <p:ph type="title"/>
+          </p:nvPr>
+        </p:nvSpPr>
+        <p:spPr/>
+        <p:txBody>
+          <a:bodyPr>
+            <a:normAutofit/>
+          </a:bodyPr>
+          <a:lstStyle/>
+          <a:p>
+            <a:r>
+              <a:rPr lang="en-US" sz="4400" dirty="0"/>
+              <a:t>SQL ALCHEMY</a:t>
+            </a:r>
+          </a:p>
+        </p:txBody>
+      </p:sp>
+    </p:spTree>
+    <p:extLst>
+      <p:ext uri="{BB962C8B-B14F-4D97-AF65-F5344CB8AC3E}">
+        <p14:creationId xmlns:p14="http://schemas.microsoft.com/office/powerpoint/2010/main" val="1355529076"/>
+      </p:ext>
+    </p:extLst>
+  </p:cSld>
+  <p:clrMapOvr>
+    <a:masterClrMapping/>
+  </p:clrMapOvr>
+</p:sld>
+</file>
+
+<file path=ppt/slides/slide5.xml><?xml version="1.0" encoding="utf-8"?>
+<p:sld xmlns:a="http://schemas.openxmlformats.org/drawingml/2006/main" xmlns:r="http://schemas.openxmlformats.org/officeDocument/2006/relationships" xmlns:p="http://schemas.openxmlformats.org/presentationml/2006/main">
+  <p:cSld>
+    <p:spTree>
+      <p:nvGrpSpPr>
+        <p:cNvPr id="1" name="Shape 108"/>
+        <p:cNvGrpSpPr/>
+        <p:nvPr/>
+      </p:nvGrpSpPr>
+      <p:grpSpPr>
+        <a:xfrm>
+          <a:off x="0" y="0"/>
+          <a:ext cx="0" cy="0"/>
+          <a:chOff x="0" y="0"/>
+          <a:chExt cx="0" cy="0"/>
+        </a:xfrm>
+      </p:grpSpPr>
+      <p:sp>
+        <p:nvSpPr>
+          <p:cNvPr id="109" name="Google Shape;109;g24f2da4f33f_0_0"/>
+          <p:cNvSpPr txBox="1">
+            <a:spLocks noGrp="1"/>
+          </p:cNvSpPr>
+          <p:nvPr>
+            <p:ph type="title"/>
+          </p:nvPr>
+        </p:nvSpPr>
+        <p:spPr>
+          <a:xfrm>
+            <a:off x="575894" y="729658"/>
+            <a:ext cx="11029500" cy="988200"/>
+          </a:xfrm>
+          <a:prstGeom prst="rect">
+            <a:avLst/>
+          </a:prstGeom>
+          <a:noFill/>
+          <a:ln>
+            <a:noFill/>
+          </a:ln>
+        </p:spPr>
+        <p:txBody>
+          <a:bodyPr spcFirstLastPara="1" wrap="square" lIns="91425" tIns="45700" rIns="91425" bIns="45700" anchor="b" anchorCtr="0">
+            <a:normAutofit/>
+          </a:bodyPr>
+          <a:lstStyle/>
+          <a:p>
+            <a:pPr marL="0" lvl="0" indent="0" algn="l" rtl="0">
+              <a:spcBef>
+                <a:spcPts val="0"/>
+              </a:spcBef>
+              <a:spcAft>
+                <a:spcPts val="0"/>
+              </a:spcAft>
+              <a:buClr>
+                <a:schemeClr val="lt1"/>
+              </a:buClr>
+              <a:buSzPts val="2800"/>
+              <a:buFont typeface="Gill Sans"/>
+              <a:buNone/>
+            </a:pPr>
+            <a:r>
+              <a:rPr lang="en-US" sz="4400" dirty="0"/>
+              <a:t>Accuracy comparisons</a:t>
+            </a:r>
+            <a:endParaRPr sz="4400" dirty="0"/>
+          </a:p>
+        </p:txBody>
+      </p:sp>
+      <p:grpSp>
+        <p:nvGrpSpPr>
+          <p:cNvPr id="26" name="Group 25">
+            <a:extLst>
+              <a:ext uri="{FF2B5EF4-FFF2-40B4-BE49-F238E27FC236}">
+                <a16:creationId xmlns:a16="http://schemas.microsoft.com/office/drawing/2014/main" id="{5EE8B9DE-F188-35FD-2F88-ADDF64AD9006}"/>
+              </a:ext>
+            </a:extLst>
+          </p:cNvPr>
+          <p:cNvGrpSpPr/>
+          <p:nvPr/>
+        </p:nvGrpSpPr>
+        <p:grpSpPr>
+          <a:xfrm>
+            <a:off x="575894" y="3429000"/>
+            <a:ext cx="4753079" cy="27126339"/>
+            <a:chOff x="575888" y="-2623578"/>
+            <a:chExt cx="4753079" cy="27126339"/>
+          </a:xfrm>
+        </p:grpSpPr>
+        <p:sp>
+          <p:nvSpPr>
+            <p:cNvPr id="110" name="Google Shape;110;g24f2da4f33f_0_0"/>
+            <p:cNvSpPr txBox="1"/>
+            <p:nvPr/>
+          </p:nvSpPr>
+          <p:spPr>
+            <a:xfrm>
+              <a:off x="575888" y="3655352"/>
+              <a:ext cx="4753079" cy="1415742"/>
+            </a:xfrm>
+            <a:prstGeom prst="rect">
+              <a:avLst/>
+            </a:prstGeom>
+            <a:noFill/>
+            <a:ln>
+              <a:noFill/>
+            </a:ln>
+          </p:spPr>
+          <p:txBody>
+            <a:bodyPr spcFirstLastPara="1" wrap="square" lIns="91425" tIns="91425" rIns="91425" bIns="91425" anchor="t" anchorCtr="0">
+              <a:spAutoFit/>
+            </a:bodyPr>
+            <a:lstStyle/>
+            <a:p>
+              <a:pPr marL="0" lvl="0" indent="0" algn="l" rtl="0">
+                <a:spcBef>
+                  <a:spcPts val="0"/>
+                </a:spcBef>
+                <a:spcAft>
+                  <a:spcPts val="0"/>
+                </a:spcAft>
+                <a:buNone/>
+              </a:pPr>
+              <a:r>
+                <a:rPr lang="en-US" sz="4000" b="1" dirty="0">
+                  <a:latin typeface="Gill Sans"/>
+                  <a:ea typeface="Gill Sans"/>
+                  <a:cs typeface="Gill Sans"/>
+                  <a:sym typeface="Gill Sans"/>
+                </a:rPr>
+                <a:t>Regression Module</a:t>
+              </a:r>
+            </a:p>
+            <a:p>
+              <a:pPr marL="0" lvl="0" indent="0" algn="l" rtl="0">
+                <a:spcBef>
+                  <a:spcPts val="0"/>
+                </a:spcBef>
+                <a:spcAft>
+                  <a:spcPts val="0"/>
+                </a:spcAft>
+                <a:buNone/>
+              </a:pPr>
+              <a:r>
+                <a:rPr lang="en-US" sz="4000" b="1" dirty="0">
+                  <a:latin typeface="Gill Sans"/>
+                  <a:ea typeface="Gill Sans"/>
+                  <a:cs typeface="Gill Sans"/>
+                  <a:sym typeface="Gill Sans"/>
+                </a:rPr>
+                <a:t>Oversample</a:t>
+              </a:r>
+            </a:p>
+          </p:txBody>
+        </p:sp>
+        <p:sp>
+          <p:nvSpPr>
+            <p:cNvPr id="3" name="Google Shape;110;g24f2da4f33f_0_0">
+              <a:extLst>
+                <a:ext uri="{FF2B5EF4-FFF2-40B4-BE49-F238E27FC236}">
+                  <a16:creationId xmlns:a16="http://schemas.microsoft.com/office/drawing/2014/main" id="{806C0FB1-E210-4CEB-30B1-FAF182EDB970}"/>
+                </a:ext>
+              </a:extLst>
+            </p:cNvPr>
+            <p:cNvSpPr txBox="1"/>
+            <p:nvPr/>
+          </p:nvSpPr>
+          <p:spPr>
+            <a:xfrm>
+              <a:off x="575889" y="10339752"/>
+              <a:ext cx="4114689" cy="1415742"/>
+            </a:xfrm>
+            <a:prstGeom prst="rect">
+              <a:avLst/>
+            </a:prstGeom>
+            <a:noFill/>
+            <a:ln>
+              <a:noFill/>
+            </a:ln>
+          </p:spPr>
+          <p:txBody>
+            <a:bodyPr spcFirstLastPara="1" wrap="square" lIns="91425" tIns="91425" rIns="91425" bIns="91425" anchor="t" anchorCtr="0">
+              <a:spAutoFit/>
+            </a:bodyPr>
+            <a:lstStyle/>
+            <a:p>
+              <a:pPr marL="0" lvl="0" indent="0" algn="l" rtl="0">
+                <a:spcBef>
+                  <a:spcPts val="0"/>
+                </a:spcBef>
+                <a:spcAft>
+                  <a:spcPts val="0"/>
+                </a:spcAft>
+                <a:buNone/>
+              </a:pPr>
+              <a:r>
+                <a:rPr lang="en-US" sz="4000" b="1" dirty="0">
+                  <a:latin typeface="Gill Sans"/>
+                  <a:ea typeface="Gill Sans"/>
+                  <a:cs typeface="Gill Sans"/>
+                  <a:sym typeface="Gill Sans"/>
+                </a:rPr>
+                <a:t>Decision Tree Module</a:t>
+              </a:r>
+            </a:p>
+          </p:txBody>
+        </p:sp>
+        <p:sp>
+          <p:nvSpPr>
+            <p:cNvPr id="4" name="Google Shape;110;g24f2da4f33f_0_0">
+              <a:extLst>
+                <a:ext uri="{FF2B5EF4-FFF2-40B4-BE49-F238E27FC236}">
+                  <a16:creationId xmlns:a16="http://schemas.microsoft.com/office/drawing/2014/main" id="{742E04E7-C4C6-D3F4-0AC3-79ADF960F209}"/>
+                </a:ext>
+              </a:extLst>
+            </p:cNvPr>
+            <p:cNvSpPr txBox="1"/>
+            <p:nvPr/>
+          </p:nvSpPr>
+          <p:spPr>
+            <a:xfrm>
+              <a:off x="575888" y="16605354"/>
+              <a:ext cx="4114689" cy="1415742"/>
+            </a:xfrm>
+            <a:prstGeom prst="rect">
+              <a:avLst/>
+            </a:prstGeom>
+            <a:noFill/>
+            <a:ln>
+              <a:noFill/>
+            </a:ln>
+          </p:spPr>
+          <p:txBody>
+            <a:bodyPr spcFirstLastPara="1" wrap="square" lIns="91425" tIns="91425" rIns="91425" bIns="91425" anchor="t" anchorCtr="0">
+              <a:spAutoFit/>
+            </a:bodyPr>
+            <a:lstStyle/>
+            <a:p>
+              <a:pPr marL="0" lvl="0" indent="0" algn="l" rtl="0">
+                <a:spcBef>
+                  <a:spcPts val="0"/>
+                </a:spcBef>
+                <a:spcAft>
+                  <a:spcPts val="0"/>
+                </a:spcAft>
+                <a:buNone/>
+              </a:pPr>
+              <a:r>
+                <a:rPr lang="en-US" sz="4000" b="1" dirty="0">
+                  <a:latin typeface="Gill Sans"/>
+                  <a:ea typeface="Gill Sans"/>
+                  <a:cs typeface="Gill Sans"/>
+                  <a:sym typeface="Gill Sans"/>
+                </a:rPr>
+                <a:t>Predictions Module</a:t>
+              </a:r>
+            </a:p>
+          </p:txBody>
+        </p:sp>
+        <p:sp>
+          <p:nvSpPr>
+            <p:cNvPr id="5" name="Google Shape;110;g24f2da4f33f_0_0">
+              <a:extLst>
+                <a:ext uri="{FF2B5EF4-FFF2-40B4-BE49-F238E27FC236}">
+                  <a16:creationId xmlns:a16="http://schemas.microsoft.com/office/drawing/2014/main" id="{5B7BFBD7-4E49-9E08-A54B-24FAD2C1798C}"/>
+                </a:ext>
+              </a:extLst>
+            </p:cNvPr>
+            <p:cNvSpPr txBox="1"/>
+            <p:nvPr/>
+          </p:nvSpPr>
+          <p:spPr>
+            <a:xfrm>
+              <a:off x="575888" y="23087019"/>
+              <a:ext cx="4114689" cy="1415742"/>
+            </a:xfrm>
+            <a:prstGeom prst="rect">
+              <a:avLst/>
+            </a:prstGeom>
+            <a:noFill/>
+            <a:ln>
+              <a:noFill/>
+            </a:ln>
+          </p:spPr>
+          <p:txBody>
+            <a:bodyPr spcFirstLastPara="1" wrap="square" lIns="91425" tIns="91425" rIns="91425" bIns="91425" anchor="t" anchorCtr="0">
+              <a:spAutoFit/>
+            </a:bodyPr>
+            <a:lstStyle/>
+            <a:p>
+              <a:pPr marL="0" lvl="0" indent="0" algn="l" rtl="0">
+                <a:spcBef>
+                  <a:spcPts val="0"/>
+                </a:spcBef>
+                <a:spcAft>
+                  <a:spcPts val="0"/>
+                </a:spcAft>
+                <a:buNone/>
+              </a:pPr>
+              <a:r>
+                <a:rPr lang="en-US" sz="4000" b="1" dirty="0">
+                  <a:latin typeface="Gill Sans"/>
+                  <a:ea typeface="Gill Sans"/>
+                  <a:cs typeface="Gill Sans"/>
+                  <a:sym typeface="Gill Sans"/>
+                </a:rPr>
+                <a:t>Random Forest Module</a:t>
+              </a:r>
+              <a:endParaRPr sz="4000" b="1" dirty="0">
+                <a:latin typeface="Gill Sans"/>
+                <a:ea typeface="Gill Sans"/>
+                <a:cs typeface="Gill Sans"/>
+                <a:sym typeface="Gill Sans"/>
+              </a:endParaRPr>
+            </a:p>
+          </p:txBody>
+        </p:sp>
+        <p:sp>
+          <p:nvSpPr>
+            <p:cNvPr id="11" name="Google Shape;110;g24f2da4f33f_0_0">
+              <a:extLst>
+                <a:ext uri="{FF2B5EF4-FFF2-40B4-BE49-F238E27FC236}">
+                  <a16:creationId xmlns:a16="http://schemas.microsoft.com/office/drawing/2014/main" id="{30E990CF-5CA5-80D0-649D-9C94A3696569}"/>
+                </a:ext>
+              </a:extLst>
+            </p:cNvPr>
+            <p:cNvSpPr txBox="1"/>
+            <p:nvPr/>
+          </p:nvSpPr>
+          <p:spPr>
+            <a:xfrm>
+              <a:off x="575888" y="-2623578"/>
+              <a:ext cx="4753079" cy="1415742"/>
+            </a:xfrm>
+            <a:prstGeom prst="rect">
+              <a:avLst/>
+            </a:prstGeom>
+            <a:noFill/>
+            <a:ln>
+              <a:noFill/>
+            </a:ln>
+          </p:spPr>
+          <p:txBody>
+            <a:bodyPr spcFirstLastPara="1" wrap="square" lIns="91425" tIns="91425" rIns="91425" bIns="91425" anchor="t" anchorCtr="0">
+              <a:spAutoFit/>
+            </a:bodyPr>
+            <a:lstStyle/>
+            <a:p>
+              <a:pPr marL="0" lvl="0" indent="0" algn="l" rtl="0">
+                <a:spcBef>
+                  <a:spcPts val="0"/>
+                </a:spcBef>
+                <a:spcAft>
+                  <a:spcPts val="0"/>
+                </a:spcAft>
+                <a:buNone/>
+              </a:pPr>
+              <a:r>
+                <a:rPr lang="en-US" sz="4000" b="1" dirty="0">
+                  <a:latin typeface="Gill Sans"/>
+                  <a:ea typeface="Gill Sans"/>
+                  <a:cs typeface="Gill Sans"/>
+                  <a:sym typeface="Gill Sans"/>
+                </a:rPr>
+                <a:t>Regression Module</a:t>
+              </a:r>
+            </a:p>
+            <a:p>
+              <a:pPr marL="0" lvl="0" indent="0" algn="l" rtl="0">
+                <a:spcBef>
+                  <a:spcPts val="0"/>
+                </a:spcBef>
+                <a:spcAft>
+                  <a:spcPts val="0"/>
+                </a:spcAft>
+                <a:buNone/>
+              </a:pPr>
+              <a:r>
+                <a:rPr lang="en-US" sz="4000" b="1" dirty="0">
+                  <a:latin typeface="Gill Sans"/>
+                  <a:ea typeface="Gill Sans"/>
+                  <a:cs typeface="Gill Sans"/>
+                  <a:sym typeface="Gill Sans"/>
+                </a:rPr>
+                <a:t>Base</a:t>
+              </a:r>
+            </a:p>
+          </p:txBody>
+        </p:sp>
+      </p:grpSp>
+      <p:grpSp>
+        <p:nvGrpSpPr>
+          <p:cNvPr id="27" name="Group 26">
+            <a:extLst>
+              <a:ext uri="{FF2B5EF4-FFF2-40B4-BE49-F238E27FC236}">
+                <a16:creationId xmlns:a16="http://schemas.microsoft.com/office/drawing/2014/main" id="{F2147185-075D-21CD-6804-D815B797AF7C}"/>
+              </a:ext>
+            </a:extLst>
+          </p:cNvPr>
+          <p:cNvGrpSpPr/>
+          <p:nvPr/>
+        </p:nvGrpSpPr>
+        <p:grpSpPr>
+          <a:xfrm>
+            <a:off x="6090644" y="-23085020"/>
+            <a:ext cx="5558166" cy="28930047"/>
+            <a:chOff x="6086031" y="-3501620"/>
+            <a:chExt cx="5558166" cy="28930047"/>
+          </a:xfrm>
+        </p:grpSpPr>
+        <p:pic>
+          <p:nvPicPr>
+            <p:cNvPr id="13" name="Picture 12">
+              <a:extLst>
+                <a:ext uri="{FF2B5EF4-FFF2-40B4-BE49-F238E27FC236}">
+                  <a16:creationId xmlns:a16="http://schemas.microsoft.com/office/drawing/2014/main" id="{1A4543CD-D5B4-B7E1-90BA-F2D15E8B9905}"/>
+                </a:ext>
+              </a:extLst>
+            </p:cNvPr>
+            <p:cNvPicPr>
+              <a:picLocks noChangeAspect="1"/>
+            </p:cNvPicPr>
+            <p:nvPr/>
+          </p:nvPicPr>
+          <p:blipFill>
+            <a:blip r:embed="rId3"/>
+            <a:stretch>
+              <a:fillRect/>
+            </a:stretch>
+          </p:blipFill>
+          <p:spPr>
+            <a:xfrm>
+              <a:off x="6096000" y="15522525"/>
+              <a:ext cx="4919158" cy="3581400"/>
+            </a:xfrm>
+            <a:prstGeom prst="rect">
+              <a:avLst/>
+            </a:prstGeom>
+            <a:ln w="25400">
+              <a:solidFill>
+                <a:schemeClr val="accent3">
+                  <a:lumMod val="75000"/>
+                </a:schemeClr>
+              </a:solidFill>
+            </a:ln>
+          </p:spPr>
+        </p:pic>
+        <p:pic>
+          <p:nvPicPr>
+            <p:cNvPr id="15" name="Picture 14">
+              <a:extLst>
+                <a:ext uri="{FF2B5EF4-FFF2-40B4-BE49-F238E27FC236}">
+                  <a16:creationId xmlns:a16="http://schemas.microsoft.com/office/drawing/2014/main" id="{21FBE637-01C3-9879-2630-900D491943F2}"/>
+                </a:ext>
+              </a:extLst>
+            </p:cNvPr>
+            <p:cNvPicPr>
+              <a:picLocks noChangeAspect="1"/>
+            </p:cNvPicPr>
+            <p:nvPr/>
+          </p:nvPicPr>
+          <p:blipFill>
+            <a:blip r:embed="rId4"/>
+            <a:stretch>
+              <a:fillRect/>
+            </a:stretch>
+          </p:blipFill>
+          <p:spPr>
+            <a:xfrm>
+              <a:off x="6096000" y="22161352"/>
+              <a:ext cx="4371975" cy="3267075"/>
+            </a:xfrm>
+            <a:prstGeom prst="rect">
+              <a:avLst/>
+            </a:prstGeom>
+            <a:ln w="25400">
+              <a:solidFill>
+                <a:schemeClr val="accent3">
+                  <a:lumMod val="75000"/>
+                </a:schemeClr>
+              </a:solidFill>
+            </a:ln>
+          </p:spPr>
+        </p:pic>
+        <p:pic>
+          <p:nvPicPr>
+            <p:cNvPr id="17" name="Picture 16">
+              <a:extLst>
+                <a:ext uri="{FF2B5EF4-FFF2-40B4-BE49-F238E27FC236}">
+                  <a16:creationId xmlns:a16="http://schemas.microsoft.com/office/drawing/2014/main" id="{CDE2BC67-5425-7DF1-A815-E9681F750A50}"/>
+                </a:ext>
+              </a:extLst>
+            </p:cNvPr>
+            <p:cNvPicPr>
+              <a:picLocks noChangeAspect="1"/>
+            </p:cNvPicPr>
+            <p:nvPr/>
+          </p:nvPicPr>
+          <p:blipFill>
+            <a:blip r:embed="rId5"/>
+            <a:stretch>
+              <a:fillRect/>
+            </a:stretch>
+          </p:blipFill>
+          <p:spPr>
+            <a:xfrm>
+              <a:off x="6090644" y="9466473"/>
+              <a:ext cx="4305300" cy="3162300"/>
+            </a:xfrm>
+            <a:prstGeom prst="rect">
+              <a:avLst/>
+            </a:prstGeom>
+            <a:ln w="25400">
+              <a:solidFill>
+                <a:schemeClr val="accent3">
+                  <a:lumMod val="75000"/>
+                </a:schemeClr>
+              </a:solidFill>
+            </a:ln>
+          </p:spPr>
+        </p:pic>
+        <p:pic>
+          <p:nvPicPr>
+            <p:cNvPr id="19" name="Picture 18">
+              <a:extLst>
+                <a:ext uri="{FF2B5EF4-FFF2-40B4-BE49-F238E27FC236}">
+                  <a16:creationId xmlns:a16="http://schemas.microsoft.com/office/drawing/2014/main" id="{8DC9C4C1-B5BF-C56B-F038-9D06B684BDC1}"/>
+                </a:ext>
+              </a:extLst>
+            </p:cNvPr>
+            <p:cNvPicPr>
+              <a:picLocks noChangeAspect="1"/>
+            </p:cNvPicPr>
+            <p:nvPr/>
+          </p:nvPicPr>
+          <p:blipFill>
+            <a:blip r:embed="rId6"/>
+            <a:stretch>
+              <a:fillRect/>
+            </a:stretch>
+          </p:blipFill>
+          <p:spPr>
+            <a:xfrm>
+              <a:off x="6086031" y="3655352"/>
+              <a:ext cx="5438775" cy="447675"/>
+            </a:xfrm>
+            <a:prstGeom prst="rect">
+              <a:avLst/>
+            </a:prstGeom>
+            <a:ln w="25400">
+              <a:solidFill>
+                <a:schemeClr val="accent3">
+                  <a:lumMod val="75000"/>
+                </a:schemeClr>
+              </a:solidFill>
+            </a:ln>
+          </p:spPr>
+        </p:pic>
+        <p:pic>
+          <p:nvPicPr>
+            <p:cNvPr id="21" name="Picture 20">
+              <a:extLst>
+                <a:ext uri="{FF2B5EF4-FFF2-40B4-BE49-F238E27FC236}">
+                  <a16:creationId xmlns:a16="http://schemas.microsoft.com/office/drawing/2014/main" id="{42409790-B537-45B9-8D7A-F1DF9054689E}"/>
+                </a:ext>
+              </a:extLst>
+            </p:cNvPr>
+            <p:cNvPicPr>
+              <a:picLocks noChangeAspect="1"/>
+            </p:cNvPicPr>
+            <p:nvPr/>
+          </p:nvPicPr>
+          <p:blipFill>
+            <a:blip r:embed="rId7"/>
+            <a:stretch>
+              <a:fillRect/>
+            </a:stretch>
+          </p:blipFill>
+          <p:spPr>
+            <a:xfrm>
+              <a:off x="6129222" y="4790107"/>
+              <a:ext cx="5514975" cy="504825"/>
+            </a:xfrm>
+            <a:prstGeom prst="rect">
+              <a:avLst/>
+            </a:prstGeom>
+            <a:ln w="25400">
+              <a:solidFill>
+                <a:schemeClr val="accent3">
+                  <a:lumMod val="75000"/>
+                </a:schemeClr>
+              </a:solidFill>
+            </a:ln>
+          </p:spPr>
+        </p:pic>
+        <p:pic>
+          <p:nvPicPr>
+            <p:cNvPr id="23" name="Picture 22">
+              <a:extLst>
+                <a:ext uri="{FF2B5EF4-FFF2-40B4-BE49-F238E27FC236}">
+                  <a16:creationId xmlns:a16="http://schemas.microsoft.com/office/drawing/2014/main" id="{1319B4D1-936C-C561-E688-2EACA7C269B0}"/>
+                </a:ext>
+              </a:extLst>
+            </p:cNvPr>
+            <p:cNvPicPr>
+              <a:picLocks noChangeAspect="1"/>
+            </p:cNvPicPr>
+            <p:nvPr/>
+          </p:nvPicPr>
+          <p:blipFill>
+            <a:blip r:embed="rId8"/>
+            <a:stretch>
+              <a:fillRect/>
+            </a:stretch>
+          </p:blipFill>
+          <p:spPr>
+            <a:xfrm>
+              <a:off x="6086031" y="-3501620"/>
+              <a:ext cx="4267200" cy="3171825"/>
+            </a:xfrm>
+            <a:prstGeom prst="rect">
+              <a:avLst/>
+            </a:prstGeom>
+            <a:ln w="25400">
+              <a:solidFill>
+                <a:schemeClr val="accent3">
+                  <a:lumMod val="75000"/>
+                </a:schemeClr>
+              </a:solidFill>
+            </a:ln>
+          </p:spPr>
+        </p:pic>
+      </p:grpSp>
+    </p:spTree>
+  </p:cSld>
+  <p:clrMapOvr>
+    <a:masterClrMapping/>
+  </p:clrMapOvr>
+  <mc:AlternateContent xmlns:mc="http://schemas.openxmlformats.org/markup-compatibility/2006">
+    <mc:Choice xmlns:p159="http://schemas.microsoft.com/office/powerpoint/2015/09/main" Requires="p159">
+      <p:transition xmlns:p14="http://schemas.microsoft.com/office/powerpoint/2010/main" spd="slow" p14:dur="2000">
+        <p159:morph option="byObject"/>
+      </p:transition>
+    </mc:Choice>
+    <mc:Fallback>
+      <p:transition spd="slow">
+        <p:fade/>
+      </p:transition>
+    </mc:Fallback>
+  </mc:AlternateContent>
+</p:sld>
+</file>
+
+<file path=ppt/slides/slide6.xml><?xml version="1.0" encoding="utf-8"?>
+<p:sld xmlns:a="http://schemas.openxmlformats.org/drawingml/2006/main" xmlns:r="http://schemas.openxmlformats.org/officeDocument/2006/relationships" xmlns:p="http://schemas.openxmlformats.org/presentationml/2006/main">
+  <p:cSld>
+    <p:spTree>
+      <p:nvGrpSpPr>
+        <p:cNvPr id="1" name="Shape 108"/>
+        <p:cNvGrpSpPr/>
+        <p:nvPr/>
+      </p:nvGrpSpPr>
+      <p:grpSpPr>
+        <a:xfrm>
+          <a:off x="0" y="0"/>
+          <a:ext cx="0" cy="0"/>
+          <a:chOff x="0" y="0"/>
+          <a:chExt cx="0" cy="0"/>
+        </a:xfrm>
+      </p:grpSpPr>
+      <p:sp>
+        <p:nvSpPr>
+          <p:cNvPr id="109" name="Google Shape;109;g24f2da4f33f_0_0"/>
+          <p:cNvSpPr txBox="1">
+            <a:spLocks noGrp="1"/>
+          </p:cNvSpPr>
+          <p:nvPr>
+            <p:ph type="title"/>
+          </p:nvPr>
+        </p:nvSpPr>
+        <p:spPr>
+          <a:xfrm>
+            <a:off x="575894" y="729658"/>
+            <a:ext cx="11029500" cy="988200"/>
+          </a:xfrm>
+          <a:prstGeom prst="rect">
+            <a:avLst/>
+          </a:prstGeom>
+          <a:noFill/>
+          <a:ln>
+            <a:noFill/>
+          </a:ln>
+        </p:spPr>
+        <p:txBody>
+          <a:bodyPr spcFirstLastPara="1" wrap="square" lIns="91425" tIns="45700" rIns="91425" bIns="45700" anchor="b" anchorCtr="0">
+            <a:normAutofit/>
+          </a:bodyPr>
+          <a:lstStyle/>
+          <a:p>
+            <a:pPr marL="0" lvl="0" indent="0" algn="l" rtl="0">
+              <a:spcBef>
+                <a:spcPts val="0"/>
+              </a:spcBef>
+              <a:spcAft>
+                <a:spcPts val="0"/>
+              </a:spcAft>
+              <a:buClr>
+                <a:schemeClr val="lt1"/>
+              </a:buClr>
+              <a:buSzPts val="2800"/>
+              <a:buFont typeface="Gill Sans"/>
+              <a:buNone/>
+            </a:pPr>
+            <a:r>
+              <a:rPr lang="en-US" sz="4400" dirty="0"/>
+              <a:t>Accuracy comparisons</a:t>
+            </a:r>
+            <a:endParaRPr sz="4400" dirty="0"/>
+          </a:p>
+        </p:txBody>
+      </p:sp>
+      <p:grpSp>
+        <p:nvGrpSpPr>
+          <p:cNvPr id="26" name="Group 25">
+            <a:extLst>
+              <a:ext uri="{FF2B5EF4-FFF2-40B4-BE49-F238E27FC236}">
+                <a16:creationId xmlns:a16="http://schemas.microsoft.com/office/drawing/2014/main" id="{5EE8B9DE-F188-35FD-2F88-ADDF64AD9006}"/>
+              </a:ext>
+            </a:extLst>
+          </p:cNvPr>
+          <p:cNvGrpSpPr/>
+          <p:nvPr/>
+        </p:nvGrpSpPr>
+        <p:grpSpPr>
+          <a:xfrm>
+            <a:off x="586606" y="-2743200"/>
+            <a:ext cx="4753079" cy="27126339"/>
+            <a:chOff x="575888" y="-2623578"/>
+            <a:chExt cx="4753079" cy="27126339"/>
+          </a:xfrm>
+        </p:grpSpPr>
+        <p:sp>
+          <p:nvSpPr>
+            <p:cNvPr id="110" name="Google Shape;110;g24f2da4f33f_0_0"/>
+            <p:cNvSpPr txBox="1"/>
+            <p:nvPr/>
+          </p:nvSpPr>
+          <p:spPr>
+            <a:xfrm>
+              <a:off x="575888" y="3655352"/>
+              <a:ext cx="4753079" cy="1415742"/>
+            </a:xfrm>
+            <a:prstGeom prst="rect">
+              <a:avLst/>
+            </a:prstGeom>
+            <a:noFill/>
+            <a:ln>
+              <a:noFill/>
+            </a:ln>
+          </p:spPr>
+          <p:txBody>
+            <a:bodyPr spcFirstLastPara="1" wrap="square" lIns="91425" tIns="91425" rIns="91425" bIns="91425" anchor="t" anchorCtr="0">
+              <a:spAutoFit/>
+            </a:bodyPr>
+            <a:lstStyle/>
+            <a:p>
+              <a:pPr marL="0" lvl="0" indent="0" algn="l" rtl="0">
+                <a:spcBef>
+                  <a:spcPts val="0"/>
+                </a:spcBef>
+                <a:spcAft>
+                  <a:spcPts val="0"/>
+                </a:spcAft>
+                <a:buNone/>
+              </a:pPr>
+              <a:r>
+                <a:rPr lang="en-US" sz="4000" b="1" dirty="0">
+                  <a:latin typeface="Gill Sans"/>
+                  <a:ea typeface="Gill Sans"/>
+                  <a:cs typeface="Gill Sans"/>
+                  <a:sym typeface="Gill Sans"/>
+                </a:rPr>
+                <a:t>Regression Module</a:t>
+              </a:r>
+            </a:p>
+            <a:p>
+              <a:pPr marL="0" lvl="0" indent="0" algn="l" rtl="0">
+                <a:spcBef>
+                  <a:spcPts val="0"/>
+                </a:spcBef>
+                <a:spcAft>
+                  <a:spcPts val="0"/>
+                </a:spcAft>
+                <a:buNone/>
+              </a:pPr>
+              <a:r>
+                <a:rPr lang="en-US" sz="4000" b="1" dirty="0">
+                  <a:latin typeface="Gill Sans"/>
+                  <a:ea typeface="Gill Sans"/>
+                  <a:cs typeface="Gill Sans"/>
+                  <a:sym typeface="Gill Sans"/>
+                </a:rPr>
+                <a:t>Oversample</a:t>
+              </a:r>
+            </a:p>
+          </p:txBody>
+        </p:sp>
+        <p:sp>
+          <p:nvSpPr>
+            <p:cNvPr id="3" name="Google Shape;110;g24f2da4f33f_0_0">
+              <a:extLst>
+                <a:ext uri="{FF2B5EF4-FFF2-40B4-BE49-F238E27FC236}">
+                  <a16:creationId xmlns:a16="http://schemas.microsoft.com/office/drawing/2014/main" id="{806C0FB1-E210-4CEB-30B1-FAF182EDB970}"/>
+                </a:ext>
+              </a:extLst>
+            </p:cNvPr>
+            <p:cNvSpPr txBox="1"/>
+            <p:nvPr/>
+          </p:nvSpPr>
+          <p:spPr>
+            <a:xfrm>
+              <a:off x="575889" y="10339752"/>
+              <a:ext cx="4114689" cy="1415742"/>
+            </a:xfrm>
+            <a:prstGeom prst="rect">
+              <a:avLst/>
+            </a:prstGeom>
+            <a:noFill/>
+            <a:ln>
+              <a:noFill/>
+            </a:ln>
+          </p:spPr>
+          <p:txBody>
+            <a:bodyPr spcFirstLastPara="1" wrap="square" lIns="91425" tIns="91425" rIns="91425" bIns="91425" anchor="t" anchorCtr="0">
+              <a:spAutoFit/>
+            </a:bodyPr>
+            <a:lstStyle/>
+            <a:p>
+              <a:pPr marL="0" lvl="0" indent="0" algn="l" rtl="0">
+                <a:spcBef>
+                  <a:spcPts val="0"/>
+                </a:spcBef>
+                <a:spcAft>
+                  <a:spcPts val="0"/>
+                </a:spcAft>
+                <a:buNone/>
+              </a:pPr>
+              <a:r>
+                <a:rPr lang="en-US" sz="4000" b="1" dirty="0">
+                  <a:latin typeface="Gill Sans"/>
+                  <a:ea typeface="Gill Sans"/>
+                  <a:cs typeface="Gill Sans"/>
+                  <a:sym typeface="Gill Sans"/>
+                </a:rPr>
+                <a:t>Decision Tree Module</a:t>
+              </a:r>
+            </a:p>
+          </p:txBody>
+        </p:sp>
+        <p:sp>
+          <p:nvSpPr>
+            <p:cNvPr id="4" name="Google Shape;110;g24f2da4f33f_0_0">
+              <a:extLst>
+                <a:ext uri="{FF2B5EF4-FFF2-40B4-BE49-F238E27FC236}">
+                  <a16:creationId xmlns:a16="http://schemas.microsoft.com/office/drawing/2014/main" id="{742E04E7-C4C6-D3F4-0AC3-79ADF960F209}"/>
+                </a:ext>
+              </a:extLst>
+            </p:cNvPr>
+            <p:cNvSpPr txBox="1"/>
+            <p:nvPr/>
+          </p:nvSpPr>
+          <p:spPr>
+            <a:xfrm>
+              <a:off x="575888" y="16605354"/>
+              <a:ext cx="4114689" cy="1415742"/>
+            </a:xfrm>
+            <a:prstGeom prst="rect">
+              <a:avLst/>
+            </a:prstGeom>
+            <a:noFill/>
+            <a:ln>
+              <a:noFill/>
+            </a:ln>
+          </p:spPr>
+          <p:txBody>
+            <a:bodyPr spcFirstLastPara="1" wrap="square" lIns="91425" tIns="91425" rIns="91425" bIns="91425" anchor="t" anchorCtr="0">
+              <a:spAutoFit/>
+            </a:bodyPr>
+            <a:lstStyle/>
+            <a:p>
+              <a:pPr marL="0" lvl="0" indent="0" algn="l" rtl="0">
+                <a:spcBef>
+                  <a:spcPts val="0"/>
+                </a:spcBef>
+                <a:spcAft>
+                  <a:spcPts val="0"/>
+                </a:spcAft>
+                <a:buNone/>
+              </a:pPr>
+              <a:r>
+                <a:rPr lang="en-US" sz="4000" b="1" dirty="0">
+                  <a:latin typeface="Gill Sans"/>
+                  <a:ea typeface="Gill Sans"/>
+                  <a:cs typeface="Gill Sans"/>
+                  <a:sym typeface="Gill Sans"/>
+                </a:rPr>
+                <a:t>Predictions Module</a:t>
+              </a:r>
+            </a:p>
+          </p:txBody>
+        </p:sp>
+        <p:sp>
+          <p:nvSpPr>
+            <p:cNvPr id="5" name="Google Shape;110;g24f2da4f33f_0_0">
+              <a:extLst>
+                <a:ext uri="{FF2B5EF4-FFF2-40B4-BE49-F238E27FC236}">
+                  <a16:creationId xmlns:a16="http://schemas.microsoft.com/office/drawing/2014/main" id="{5B7BFBD7-4E49-9E08-A54B-24FAD2C1798C}"/>
+                </a:ext>
+              </a:extLst>
+            </p:cNvPr>
+            <p:cNvSpPr txBox="1"/>
+            <p:nvPr/>
+          </p:nvSpPr>
+          <p:spPr>
+            <a:xfrm>
+              <a:off x="575888" y="23087019"/>
+              <a:ext cx="4114689" cy="1415742"/>
+            </a:xfrm>
+            <a:prstGeom prst="rect">
+              <a:avLst/>
+            </a:prstGeom>
+            <a:noFill/>
+            <a:ln>
+              <a:noFill/>
+            </a:ln>
+          </p:spPr>
+          <p:txBody>
+            <a:bodyPr spcFirstLastPara="1" wrap="square" lIns="91425" tIns="91425" rIns="91425" bIns="91425" anchor="t" anchorCtr="0">
+              <a:spAutoFit/>
+            </a:bodyPr>
+            <a:lstStyle/>
+            <a:p>
+              <a:pPr marL="0" lvl="0" indent="0" algn="l" rtl="0">
+                <a:spcBef>
+                  <a:spcPts val="0"/>
+                </a:spcBef>
+                <a:spcAft>
+                  <a:spcPts val="0"/>
+                </a:spcAft>
+                <a:buNone/>
+              </a:pPr>
+              <a:r>
+                <a:rPr lang="en-US" sz="4000" b="1" dirty="0">
+                  <a:latin typeface="Gill Sans"/>
+                  <a:ea typeface="Gill Sans"/>
+                  <a:cs typeface="Gill Sans"/>
+                  <a:sym typeface="Gill Sans"/>
+                </a:rPr>
+                <a:t>Random Forest Module</a:t>
+              </a:r>
+              <a:endParaRPr sz="4000" b="1" dirty="0">
+                <a:latin typeface="Gill Sans"/>
+                <a:ea typeface="Gill Sans"/>
+                <a:cs typeface="Gill Sans"/>
+                <a:sym typeface="Gill Sans"/>
+              </a:endParaRPr>
+            </a:p>
+          </p:txBody>
+        </p:sp>
+        <p:sp>
+          <p:nvSpPr>
+            <p:cNvPr id="11" name="Google Shape;110;g24f2da4f33f_0_0">
+              <a:extLst>
+                <a:ext uri="{FF2B5EF4-FFF2-40B4-BE49-F238E27FC236}">
+                  <a16:creationId xmlns:a16="http://schemas.microsoft.com/office/drawing/2014/main" id="{30E990CF-5CA5-80D0-649D-9C94A3696569}"/>
+                </a:ext>
+              </a:extLst>
+            </p:cNvPr>
+            <p:cNvSpPr txBox="1"/>
+            <p:nvPr/>
+          </p:nvSpPr>
+          <p:spPr>
+            <a:xfrm>
+              <a:off x="575888" y="-2623578"/>
+              <a:ext cx="4753079" cy="1415742"/>
+            </a:xfrm>
+            <a:prstGeom prst="rect">
+              <a:avLst/>
+            </a:prstGeom>
+            <a:noFill/>
+            <a:ln>
+              <a:noFill/>
+            </a:ln>
+          </p:spPr>
+          <p:txBody>
+            <a:bodyPr spcFirstLastPara="1" wrap="square" lIns="91425" tIns="91425" rIns="91425" bIns="91425" anchor="t" anchorCtr="0">
+              <a:spAutoFit/>
+            </a:bodyPr>
+            <a:lstStyle/>
+            <a:p>
+              <a:pPr marL="0" lvl="0" indent="0" algn="l" rtl="0">
+                <a:spcBef>
+                  <a:spcPts val="0"/>
+                </a:spcBef>
+                <a:spcAft>
+                  <a:spcPts val="0"/>
+                </a:spcAft>
+                <a:buNone/>
+              </a:pPr>
+              <a:r>
+                <a:rPr lang="en-US" sz="4000" b="1" dirty="0">
+                  <a:latin typeface="Gill Sans"/>
+                  <a:ea typeface="Gill Sans"/>
+                  <a:cs typeface="Gill Sans"/>
+                  <a:sym typeface="Gill Sans"/>
+                </a:rPr>
+                <a:t>Regression Module</a:t>
+              </a:r>
+            </a:p>
+            <a:p>
+              <a:pPr marL="0" lvl="0" indent="0" algn="l" rtl="0">
+                <a:spcBef>
+                  <a:spcPts val="0"/>
+                </a:spcBef>
+                <a:spcAft>
+                  <a:spcPts val="0"/>
+                </a:spcAft>
+                <a:buNone/>
+              </a:pPr>
+              <a:r>
+                <a:rPr lang="en-US" sz="4000" b="1" dirty="0">
+                  <a:latin typeface="Gill Sans"/>
+                  <a:ea typeface="Gill Sans"/>
+                  <a:cs typeface="Gill Sans"/>
+                  <a:sym typeface="Gill Sans"/>
+                </a:rPr>
+                <a:t>Base</a:t>
+              </a:r>
+            </a:p>
+          </p:txBody>
+        </p:sp>
+      </p:grpSp>
+      <p:grpSp>
+        <p:nvGrpSpPr>
+          <p:cNvPr id="27" name="Group 26">
+            <a:extLst>
+              <a:ext uri="{FF2B5EF4-FFF2-40B4-BE49-F238E27FC236}">
+                <a16:creationId xmlns:a16="http://schemas.microsoft.com/office/drawing/2014/main" id="{F2147185-075D-21CD-6804-D815B797AF7C}"/>
+              </a:ext>
+            </a:extLst>
+          </p:cNvPr>
+          <p:cNvGrpSpPr/>
+          <p:nvPr/>
+        </p:nvGrpSpPr>
+        <p:grpSpPr>
+          <a:xfrm>
+            <a:off x="6090644" y="-16500353"/>
+            <a:ext cx="5558166" cy="28930047"/>
+            <a:chOff x="6086031" y="-3501620"/>
+            <a:chExt cx="5558166" cy="28930047"/>
+          </a:xfrm>
+        </p:grpSpPr>
+        <p:pic>
+          <p:nvPicPr>
+            <p:cNvPr id="13" name="Picture 12">
+              <a:extLst>
+                <a:ext uri="{FF2B5EF4-FFF2-40B4-BE49-F238E27FC236}">
+                  <a16:creationId xmlns:a16="http://schemas.microsoft.com/office/drawing/2014/main" id="{1A4543CD-D5B4-B7E1-90BA-F2D15E8B9905}"/>
+                </a:ext>
+              </a:extLst>
+            </p:cNvPr>
+            <p:cNvPicPr>
+              <a:picLocks noChangeAspect="1"/>
+            </p:cNvPicPr>
+            <p:nvPr/>
+          </p:nvPicPr>
+          <p:blipFill>
+            <a:blip r:embed="rId3"/>
+            <a:stretch>
+              <a:fillRect/>
+            </a:stretch>
+          </p:blipFill>
+          <p:spPr>
+            <a:xfrm>
+              <a:off x="6096000" y="15522525"/>
+              <a:ext cx="4919158" cy="3581400"/>
+            </a:xfrm>
+            <a:prstGeom prst="rect">
+              <a:avLst/>
+            </a:prstGeom>
+            <a:ln w="25400">
+              <a:solidFill>
+                <a:schemeClr val="accent3">
+                  <a:lumMod val="75000"/>
+                </a:schemeClr>
+              </a:solidFill>
+            </a:ln>
+          </p:spPr>
+        </p:pic>
+        <p:pic>
+          <p:nvPicPr>
+            <p:cNvPr id="15" name="Picture 14">
+              <a:extLst>
+                <a:ext uri="{FF2B5EF4-FFF2-40B4-BE49-F238E27FC236}">
+                  <a16:creationId xmlns:a16="http://schemas.microsoft.com/office/drawing/2014/main" id="{21FBE637-01C3-9879-2630-900D491943F2}"/>
+                </a:ext>
+              </a:extLst>
+            </p:cNvPr>
+            <p:cNvPicPr>
+              <a:picLocks noChangeAspect="1"/>
+            </p:cNvPicPr>
+            <p:nvPr/>
+          </p:nvPicPr>
+          <p:blipFill>
+            <a:blip r:embed="rId4"/>
+            <a:stretch>
+              <a:fillRect/>
+            </a:stretch>
+          </p:blipFill>
+          <p:spPr>
+            <a:xfrm>
+              <a:off x="6096000" y="22161352"/>
+              <a:ext cx="4371975" cy="3267075"/>
+            </a:xfrm>
+            <a:prstGeom prst="rect">
+              <a:avLst/>
+            </a:prstGeom>
+            <a:ln w="25400">
+              <a:solidFill>
+                <a:schemeClr val="accent3">
+                  <a:lumMod val="75000"/>
+                </a:schemeClr>
+              </a:solidFill>
+            </a:ln>
+          </p:spPr>
+        </p:pic>
+        <p:pic>
+          <p:nvPicPr>
+            <p:cNvPr id="17" name="Picture 16">
+              <a:extLst>
+                <a:ext uri="{FF2B5EF4-FFF2-40B4-BE49-F238E27FC236}">
+                  <a16:creationId xmlns:a16="http://schemas.microsoft.com/office/drawing/2014/main" id="{CDE2BC67-5425-7DF1-A815-E9681F750A50}"/>
+                </a:ext>
+              </a:extLst>
+            </p:cNvPr>
+            <p:cNvPicPr>
+              <a:picLocks noChangeAspect="1"/>
+            </p:cNvPicPr>
+            <p:nvPr/>
+          </p:nvPicPr>
+          <p:blipFill>
+            <a:blip r:embed="rId5"/>
+            <a:stretch>
+              <a:fillRect/>
+            </a:stretch>
+          </p:blipFill>
+          <p:spPr>
+            <a:xfrm>
+              <a:off x="6090644" y="9466473"/>
+              <a:ext cx="4305300" cy="3162300"/>
+            </a:xfrm>
+            <a:prstGeom prst="rect">
+              <a:avLst/>
+            </a:prstGeom>
+            <a:ln w="25400">
+              <a:solidFill>
+                <a:schemeClr val="accent3">
+                  <a:lumMod val="75000"/>
+                </a:schemeClr>
+              </a:solidFill>
+            </a:ln>
+          </p:spPr>
+        </p:pic>
+        <p:pic>
+          <p:nvPicPr>
+            <p:cNvPr id="19" name="Picture 18">
+              <a:extLst>
+                <a:ext uri="{FF2B5EF4-FFF2-40B4-BE49-F238E27FC236}">
+                  <a16:creationId xmlns:a16="http://schemas.microsoft.com/office/drawing/2014/main" id="{8DC9C4C1-B5BF-C56B-F038-9D06B684BDC1}"/>
+                </a:ext>
+              </a:extLst>
+            </p:cNvPr>
+            <p:cNvPicPr>
+              <a:picLocks noChangeAspect="1"/>
+            </p:cNvPicPr>
+            <p:nvPr/>
+          </p:nvPicPr>
+          <p:blipFill>
+            <a:blip r:embed="rId6"/>
+            <a:stretch>
+              <a:fillRect/>
+            </a:stretch>
+          </p:blipFill>
+          <p:spPr>
+            <a:xfrm>
+              <a:off x="6086031" y="3655352"/>
+              <a:ext cx="5438775" cy="447675"/>
+            </a:xfrm>
+            <a:prstGeom prst="rect">
+              <a:avLst/>
+            </a:prstGeom>
+            <a:ln w="25400">
+              <a:solidFill>
+                <a:schemeClr val="accent3">
+                  <a:lumMod val="75000"/>
+                </a:schemeClr>
+              </a:solidFill>
+            </a:ln>
+          </p:spPr>
+        </p:pic>
+        <p:pic>
+          <p:nvPicPr>
+            <p:cNvPr id="21" name="Picture 20">
+              <a:extLst>
+                <a:ext uri="{FF2B5EF4-FFF2-40B4-BE49-F238E27FC236}">
+                  <a16:creationId xmlns:a16="http://schemas.microsoft.com/office/drawing/2014/main" id="{42409790-B537-45B9-8D7A-F1DF9054689E}"/>
+                </a:ext>
+              </a:extLst>
+            </p:cNvPr>
+            <p:cNvPicPr>
+              <a:picLocks noChangeAspect="1"/>
+            </p:cNvPicPr>
+            <p:nvPr/>
+          </p:nvPicPr>
+          <p:blipFill>
+            <a:blip r:embed="rId7"/>
+            <a:stretch>
+              <a:fillRect/>
+            </a:stretch>
+          </p:blipFill>
+          <p:spPr>
+            <a:xfrm>
+              <a:off x="6129222" y="4790107"/>
+              <a:ext cx="5514975" cy="504825"/>
+            </a:xfrm>
+            <a:prstGeom prst="rect">
+              <a:avLst/>
+            </a:prstGeom>
+            <a:ln w="25400">
+              <a:solidFill>
+                <a:schemeClr val="accent3">
+                  <a:lumMod val="75000"/>
+                </a:schemeClr>
+              </a:solidFill>
+            </a:ln>
+          </p:spPr>
+        </p:pic>
+        <p:pic>
+          <p:nvPicPr>
+            <p:cNvPr id="23" name="Picture 22">
+              <a:extLst>
+                <a:ext uri="{FF2B5EF4-FFF2-40B4-BE49-F238E27FC236}">
+                  <a16:creationId xmlns:a16="http://schemas.microsoft.com/office/drawing/2014/main" id="{1319B4D1-936C-C561-E688-2EACA7C269B0}"/>
+                </a:ext>
+              </a:extLst>
+            </p:cNvPr>
+            <p:cNvPicPr>
+              <a:picLocks noChangeAspect="1"/>
+            </p:cNvPicPr>
+            <p:nvPr/>
+          </p:nvPicPr>
+          <p:blipFill>
+            <a:blip r:embed="rId8"/>
+            <a:stretch>
+              <a:fillRect/>
+            </a:stretch>
+          </p:blipFill>
+          <p:spPr>
+            <a:xfrm>
+              <a:off x="6086031" y="-3501620"/>
+              <a:ext cx="4267200" cy="3171825"/>
+            </a:xfrm>
+            <a:prstGeom prst="rect">
+              <a:avLst/>
+            </a:prstGeom>
+            <a:ln w="25400">
+              <a:solidFill>
+                <a:schemeClr val="accent3">
+                  <a:lumMod val="75000"/>
+                </a:schemeClr>
+              </a:solidFill>
+            </a:ln>
+          </p:spPr>
+        </p:pic>
+      </p:grpSp>
+    </p:spTree>
+    <p:extLst>
+      <p:ext uri="{BB962C8B-B14F-4D97-AF65-F5344CB8AC3E}">
+        <p14:creationId xmlns:p14="http://schemas.microsoft.com/office/powerpoint/2010/main" val="3087606340"/>
+      </p:ext>
+    </p:extLst>
+  </p:cSld>
+  <p:clrMapOvr>
+    <a:masterClrMapping/>
+  </p:clrMapOvr>
+  <mc:AlternateContent xmlns:mc="http://schemas.openxmlformats.org/markup-compatibility/2006">
+    <mc:Choice xmlns:p159="http://schemas.microsoft.com/office/powerpoint/2015/09/main" Requires="p159">
+      <p:transition xmlns:p14="http://schemas.microsoft.com/office/powerpoint/2010/main" spd="slow" p14:dur="2000">
+        <p159:morph option="byObject"/>
+      </p:transition>
+    </mc:Choice>
+    <mc:Fallback>
+      <p:transition spd="slow">
+        <p:fade/>
+      </p:transition>
+    </mc:Fallback>
+  </mc:AlternateContent>
+</p:sld>
+</file>
+
+<file path=ppt/slides/slide7.xml><?xml version="1.0" encoding="utf-8"?>
+<p:sld xmlns:a="http://schemas.openxmlformats.org/drawingml/2006/main" xmlns:r="http://schemas.openxmlformats.org/officeDocument/2006/relationships" xmlns:p="http://schemas.openxmlformats.org/presentationml/2006/main">
+  <p:cSld>
+    <p:spTree>
+      <p:nvGrpSpPr>
+        <p:cNvPr id="1" name="Shape 108"/>
+        <p:cNvGrpSpPr/>
+        <p:nvPr/>
+      </p:nvGrpSpPr>
+      <p:grpSpPr>
+        <a:xfrm>
+          <a:off x="0" y="0"/>
+          <a:ext cx="0" cy="0"/>
+          <a:chOff x="0" y="0"/>
+          <a:chExt cx="0" cy="0"/>
+        </a:xfrm>
+      </p:grpSpPr>
+      <p:sp>
+        <p:nvSpPr>
+          <p:cNvPr id="109" name="Google Shape;109;g24f2da4f33f_0_0"/>
+          <p:cNvSpPr txBox="1">
+            <a:spLocks noGrp="1"/>
+          </p:cNvSpPr>
+          <p:nvPr>
+            <p:ph type="title"/>
+          </p:nvPr>
+        </p:nvSpPr>
+        <p:spPr>
+          <a:xfrm>
+            <a:off x="575894" y="729658"/>
+            <a:ext cx="11029500" cy="988200"/>
+          </a:xfrm>
+          <a:prstGeom prst="rect">
+            <a:avLst/>
+          </a:prstGeom>
+          <a:noFill/>
+          <a:ln>
+            <a:noFill/>
+          </a:ln>
+        </p:spPr>
+        <p:txBody>
+          <a:bodyPr spcFirstLastPara="1" wrap="square" lIns="91425" tIns="45700" rIns="91425" bIns="45700" anchor="b" anchorCtr="0">
+            <a:normAutofit/>
+          </a:bodyPr>
+          <a:lstStyle/>
+          <a:p>
+            <a:pPr marL="0" lvl="0" indent="0" algn="l" rtl="0">
+              <a:spcBef>
+                <a:spcPts val="0"/>
+              </a:spcBef>
+              <a:spcAft>
+                <a:spcPts val="0"/>
+              </a:spcAft>
+              <a:buClr>
+                <a:schemeClr val="lt1"/>
+              </a:buClr>
+              <a:buSzPts val="2800"/>
+              <a:buFont typeface="Gill Sans"/>
+              <a:buNone/>
+            </a:pPr>
+            <a:r>
+              <a:rPr lang="en-US" sz="4400" dirty="0"/>
+              <a:t>Accuracy comparisons</a:t>
+            </a:r>
+            <a:endParaRPr sz="4400" dirty="0"/>
+          </a:p>
+        </p:txBody>
+      </p:sp>
+      <p:grpSp>
+        <p:nvGrpSpPr>
+          <p:cNvPr id="26" name="Group 25">
+            <a:extLst>
+              <a:ext uri="{FF2B5EF4-FFF2-40B4-BE49-F238E27FC236}">
+                <a16:creationId xmlns:a16="http://schemas.microsoft.com/office/drawing/2014/main" id="{5EE8B9DE-F188-35FD-2F88-ADDF64AD9006}"/>
+              </a:ext>
+            </a:extLst>
+          </p:cNvPr>
+          <p:cNvGrpSpPr/>
+          <p:nvPr/>
+        </p:nvGrpSpPr>
+        <p:grpSpPr>
+          <a:xfrm>
+            <a:off x="662581" y="-9248678"/>
+            <a:ext cx="4753079" cy="27126339"/>
+            <a:chOff x="575888" y="-2623578"/>
+            <a:chExt cx="4753079" cy="27126339"/>
+          </a:xfrm>
+        </p:grpSpPr>
+        <p:sp>
+          <p:nvSpPr>
+            <p:cNvPr id="110" name="Google Shape;110;g24f2da4f33f_0_0"/>
+            <p:cNvSpPr txBox="1"/>
+            <p:nvPr/>
+          </p:nvSpPr>
+          <p:spPr>
+            <a:xfrm>
+              <a:off x="575888" y="3655352"/>
+              <a:ext cx="4753079" cy="1415742"/>
+            </a:xfrm>
+            <a:prstGeom prst="rect">
+              <a:avLst/>
+            </a:prstGeom>
+            <a:noFill/>
+            <a:ln>
+              <a:noFill/>
+            </a:ln>
+          </p:spPr>
+          <p:txBody>
+            <a:bodyPr spcFirstLastPara="1" wrap="square" lIns="91425" tIns="91425" rIns="91425" bIns="91425" anchor="t" anchorCtr="0">
+              <a:spAutoFit/>
+            </a:bodyPr>
+            <a:lstStyle/>
+            <a:p>
+              <a:pPr marL="0" lvl="0" indent="0" algn="l" rtl="0">
+                <a:spcBef>
+                  <a:spcPts val="0"/>
+                </a:spcBef>
+                <a:spcAft>
+                  <a:spcPts val="0"/>
+                </a:spcAft>
+                <a:buNone/>
+              </a:pPr>
+              <a:r>
+                <a:rPr lang="en-US" sz="4000" b="1" dirty="0">
+                  <a:latin typeface="Gill Sans"/>
+                  <a:ea typeface="Gill Sans"/>
+                  <a:cs typeface="Gill Sans"/>
+                  <a:sym typeface="Gill Sans"/>
+                </a:rPr>
+                <a:t>Regression Module</a:t>
+              </a:r>
+            </a:p>
+            <a:p>
+              <a:pPr marL="0" lvl="0" indent="0" algn="l" rtl="0">
+                <a:spcBef>
+                  <a:spcPts val="0"/>
+                </a:spcBef>
+                <a:spcAft>
+                  <a:spcPts val="0"/>
+                </a:spcAft>
+                <a:buNone/>
+              </a:pPr>
+              <a:r>
+                <a:rPr lang="en-US" sz="4000" b="1" dirty="0">
+                  <a:latin typeface="Gill Sans"/>
+                  <a:ea typeface="Gill Sans"/>
+                  <a:cs typeface="Gill Sans"/>
+                  <a:sym typeface="Gill Sans"/>
+                </a:rPr>
+                <a:t>Oversample</a:t>
+              </a:r>
+            </a:p>
+          </p:txBody>
+        </p:sp>
+        <p:sp>
+          <p:nvSpPr>
+            <p:cNvPr id="3" name="Google Shape;110;g24f2da4f33f_0_0">
+              <a:extLst>
+                <a:ext uri="{FF2B5EF4-FFF2-40B4-BE49-F238E27FC236}">
+                  <a16:creationId xmlns:a16="http://schemas.microsoft.com/office/drawing/2014/main" id="{806C0FB1-E210-4CEB-30B1-FAF182EDB970}"/>
+                </a:ext>
+              </a:extLst>
+            </p:cNvPr>
+            <p:cNvSpPr txBox="1"/>
+            <p:nvPr/>
+          </p:nvSpPr>
+          <p:spPr>
+            <a:xfrm>
+              <a:off x="575889" y="10339752"/>
+              <a:ext cx="4114689" cy="1415742"/>
+            </a:xfrm>
+            <a:prstGeom prst="rect">
+              <a:avLst/>
+            </a:prstGeom>
+            <a:noFill/>
+            <a:ln>
+              <a:noFill/>
+            </a:ln>
+          </p:spPr>
+          <p:txBody>
+            <a:bodyPr spcFirstLastPara="1" wrap="square" lIns="91425" tIns="91425" rIns="91425" bIns="91425" anchor="t" anchorCtr="0">
+              <a:spAutoFit/>
+            </a:bodyPr>
+            <a:lstStyle/>
+            <a:p>
+              <a:pPr marL="0" lvl="0" indent="0" algn="l" rtl="0">
+                <a:spcBef>
+                  <a:spcPts val="0"/>
+                </a:spcBef>
+                <a:spcAft>
+                  <a:spcPts val="0"/>
+                </a:spcAft>
+                <a:buNone/>
+              </a:pPr>
+              <a:r>
+                <a:rPr lang="en-US" sz="4000" b="1" dirty="0">
+                  <a:latin typeface="Gill Sans"/>
+                  <a:ea typeface="Gill Sans"/>
+                  <a:cs typeface="Gill Sans"/>
+                  <a:sym typeface="Gill Sans"/>
+                </a:rPr>
+                <a:t>Decision Tree Module</a:t>
+              </a:r>
+            </a:p>
+          </p:txBody>
+        </p:sp>
+        <p:sp>
+          <p:nvSpPr>
+            <p:cNvPr id="4" name="Google Shape;110;g24f2da4f33f_0_0">
+              <a:extLst>
+                <a:ext uri="{FF2B5EF4-FFF2-40B4-BE49-F238E27FC236}">
+                  <a16:creationId xmlns:a16="http://schemas.microsoft.com/office/drawing/2014/main" id="{742E04E7-C4C6-D3F4-0AC3-79ADF960F209}"/>
+                </a:ext>
+              </a:extLst>
+            </p:cNvPr>
+            <p:cNvSpPr txBox="1"/>
+            <p:nvPr/>
+          </p:nvSpPr>
+          <p:spPr>
+            <a:xfrm>
+              <a:off x="575888" y="16605354"/>
+              <a:ext cx="4114689" cy="1415742"/>
+            </a:xfrm>
+            <a:prstGeom prst="rect">
+              <a:avLst/>
+            </a:prstGeom>
+            <a:noFill/>
+            <a:ln>
+              <a:noFill/>
+            </a:ln>
+          </p:spPr>
+          <p:txBody>
+            <a:bodyPr spcFirstLastPara="1" wrap="square" lIns="91425" tIns="91425" rIns="91425" bIns="91425" anchor="t" anchorCtr="0">
+              <a:spAutoFit/>
+            </a:bodyPr>
+            <a:lstStyle/>
+            <a:p>
+              <a:pPr marL="0" lvl="0" indent="0" algn="l" rtl="0">
+                <a:spcBef>
+                  <a:spcPts val="0"/>
+                </a:spcBef>
+                <a:spcAft>
+                  <a:spcPts val="0"/>
+                </a:spcAft>
+                <a:buNone/>
+              </a:pPr>
+              <a:r>
+                <a:rPr lang="en-US" sz="4000" b="1" dirty="0">
+                  <a:latin typeface="Gill Sans"/>
+                  <a:ea typeface="Gill Sans"/>
+                  <a:cs typeface="Gill Sans"/>
+                  <a:sym typeface="Gill Sans"/>
+                </a:rPr>
+                <a:t>Predictions Module</a:t>
+              </a:r>
+            </a:p>
+          </p:txBody>
+        </p:sp>
+        <p:sp>
+          <p:nvSpPr>
+            <p:cNvPr id="5" name="Google Shape;110;g24f2da4f33f_0_0">
+              <a:extLst>
+                <a:ext uri="{FF2B5EF4-FFF2-40B4-BE49-F238E27FC236}">
+                  <a16:creationId xmlns:a16="http://schemas.microsoft.com/office/drawing/2014/main" id="{5B7BFBD7-4E49-9E08-A54B-24FAD2C1798C}"/>
+                </a:ext>
+              </a:extLst>
+            </p:cNvPr>
+            <p:cNvSpPr txBox="1"/>
+            <p:nvPr/>
+          </p:nvSpPr>
+          <p:spPr>
+            <a:xfrm>
+              <a:off x="575888" y="23087019"/>
+              <a:ext cx="4114689" cy="1415742"/>
+            </a:xfrm>
+            <a:prstGeom prst="rect">
+              <a:avLst/>
+            </a:prstGeom>
+            <a:noFill/>
+            <a:ln>
+              <a:noFill/>
+            </a:ln>
+          </p:spPr>
+          <p:txBody>
+            <a:bodyPr spcFirstLastPara="1" wrap="square" lIns="91425" tIns="91425" rIns="91425" bIns="91425" anchor="t" anchorCtr="0">
+              <a:spAutoFit/>
+            </a:bodyPr>
+            <a:lstStyle/>
+            <a:p>
+              <a:pPr marL="0" lvl="0" indent="0" algn="l" rtl="0">
+                <a:spcBef>
+                  <a:spcPts val="0"/>
+                </a:spcBef>
+                <a:spcAft>
+                  <a:spcPts val="0"/>
+                </a:spcAft>
+                <a:buNone/>
+              </a:pPr>
+              <a:r>
+                <a:rPr lang="en-US" sz="4000" b="1" dirty="0">
+                  <a:latin typeface="Gill Sans"/>
+                  <a:ea typeface="Gill Sans"/>
+                  <a:cs typeface="Gill Sans"/>
+                  <a:sym typeface="Gill Sans"/>
+                </a:rPr>
+                <a:t>Random Forest Module</a:t>
+              </a:r>
+              <a:endParaRPr sz="4000" b="1" dirty="0">
+                <a:latin typeface="Gill Sans"/>
+                <a:ea typeface="Gill Sans"/>
+                <a:cs typeface="Gill Sans"/>
+                <a:sym typeface="Gill Sans"/>
+              </a:endParaRPr>
+            </a:p>
+          </p:txBody>
+        </p:sp>
+        <p:sp>
+          <p:nvSpPr>
+            <p:cNvPr id="11" name="Google Shape;110;g24f2da4f33f_0_0">
+              <a:extLst>
+                <a:ext uri="{FF2B5EF4-FFF2-40B4-BE49-F238E27FC236}">
+                  <a16:creationId xmlns:a16="http://schemas.microsoft.com/office/drawing/2014/main" id="{30E990CF-5CA5-80D0-649D-9C94A3696569}"/>
+                </a:ext>
+              </a:extLst>
+            </p:cNvPr>
+            <p:cNvSpPr txBox="1"/>
+            <p:nvPr/>
+          </p:nvSpPr>
+          <p:spPr>
+            <a:xfrm>
+              <a:off x="575888" y="-2623578"/>
+              <a:ext cx="4753079" cy="1415742"/>
+            </a:xfrm>
+            <a:prstGeom prst="rect">
+              <a:avLst/>
+            </a:prstGeom>
+            <a:noFill/>
+            <a:ln>
+              <a:noFill/>
+            </a:ln>
+          </p:spPr>
+          <p:txBody>
+            <a:bodyPr spcFirstLastPara="1" wrap="square" lIns="91425" tIns="91425" rIns="91425" bIns="91425" anchor="t" anchorCtr="0">
+              <a:spAutoFit/>
+            </a:bodyPr>
+            <a:lstStyle/>
+            <a:p>
+              <a:pPr marL="0" lvl="0" indent="0" algn="l" rtl="0">
+                <a:spcBef>
+                  <a:spcPts val="0"/>
+                </a:spcBef>
+                <a:spcAft>
+                  <a:spcPts val="0"/>
+                </a:spcAft>
+                <a:buNone/>
+              </a:pPr>
+              <a:r>
+                <a:rPr lang="en-US" sz="4000" b="1" dirty="0">
+                  <a:latin typeface="Gill Sans"/>
+                  <a:ea typeface="Gill Sans"/>
+                  <a:cs typeface="Gill Sans"/>
+                  <a:sym typeface="Gill Sans"/>
+                </a:rPr>
+                <a:t>Regression Module</a:t>
+              </a:r>
+            </a:p>
+            <a:p>
+              <a:pPr marL="0" lvl="0" indent="0" algn="l" rtl="0">
+                <a:spcBef>
+                  <a:spcPts val="0"/>
+                </a:spcBef>
+                <a:spcAft>
+                  <a:spcPts val="0"/>
+                </a:spcAft>
+                <a:buNone/>
+              </a:pPr>
+              <a:r>
+                <a:rPr lang="en-US" sz="4000" b="1" dirty="0">
+                  <a:latin typeface="Gill Sans"/>
+                  <a:ea typeface="Gill Sans"/>
+                  <a:cs typeface="Gill Sans"/>
+                  <a:sym typeface="Gill Sans"/>
+                </a:rPr>
+                <a:t>Base</a:t>
+              </a:r>
+            </a:p>
+          </p:txBody>
+        </p:sp>
+      </p:grpSp>
+      <p:grpSp>
+        <p:nvGrpSpPr>
+          <p:cNvPr id="27" name="Group 26">
+            <a:extLst>
+              <a:ext uri="{FF2B5EF4-FFF2-40B4-BE49-F238E27FC236}">
+                <a16:creationId xmlns:a16="http://schemas.microsoft.com/office/drawing/2014/main" id="{F2147185-075D-21CD-6804-D815B797AF7C}"/>
+              </a:ext>
+            </a:extLst>
+          </p:cNvPr>
+          <p:cNvGrpSpPr/>
+          <p:nvPr/>
+        </p:nvGrpSpPr>
+        <p:grpSpPr>
+          <a:xfrm>
+            <a:off x="6047228" y="-10042501"/>
+            <a:ext cx="5558166" cy="28930047"/>
+            <a:chOff x="6086031" y="-3501620"/>
+            <a:chExt cx="5558166" cy="28930047"/>
+          </a:xfrm>
+        </p:grpSpPr>
+        <p:pic>
+          <p:nvPicPr>
+            <p:cNvPr id="13" name="Picture 12">
+              <a:extLst>
+                <a:ext uri="{FF2B5EF4-FFF2-40B4-BE49-F238E27FC236}">
+                  <a16:creationId xmlns:a16="http://schemas.microsoft.com/office/drawing/2014/main" id="{1A4543CD-D5B4-B7E1-90BA-F2D15E8B9905}"/>
+                </a:ext>
+              </a:extLst>
+            </p:cNvPr>
+            <p:cNvPicPr>
+              <a:picLocks noChangeAspect="1"/>
+            </p:cNvPicPr>
+            <p:nvPr/>
+          </p:nvPicPr>
+          <p:blipFill>
+            <a:blip r:embed="rId3"/>
+            <a:stretch>
+              <a:fillRect/>
+            </a:stretch>
+          </p:blipFill>
+          <p:spPr>
+            <a:xfrm>
+              <a:off x="6096000" y="15522525"/>
+              <a:ext cx="4919158" cy="3581400"/>
+            </a:xfrm>
+            <a:prstGeom prst="rect">
+              <a:avLst/>
+            </a:prstGeom>
+            <a:ln w="25400">
+              <a:solidFill>
+                <a:schemeClr val="accent3">
+                  <a:lumMod val="75000"/>
+                </a:schemeClr>
+              </a:solidFill>
+            </a:ln>
+          </p:spPr>
+        </p:pic>
+        <p:pic>
+          <p:nvPicPr>
+            <p:cNvPr id="15" name="Picture 14">
+              <a:extLst>
+                <a:ext uri="{FF2B5EF4-FFF2-40B4-BE49-F238E27FC236}">
+                  <a16:creationId xmlns:a16="http://schemas.microsoft.com/office/drawing/2014/main" id="{21FBE637-01C3-9879-2630-900D491943F2}"/>
+                </a:ext>
+              </a:extLst>
+            </p:cNvPr>
+            <p:cNvPicPr>
+              <a:picLocks noChangeAspect="1"/>
+            </p:cNvPicPr>
+            <p:nvPr/>
+          </p:nvPicPr>
+          <p:blipFill>
+            <a:blip r:embed="rId4"/>
+            <a:stretch>
+              <a:fillRect/>
+            </a:stretch>
+          </p:blipFill>
+          <p:spPr>
+            <a:xfrm>
+              <a:off x="6096000" y="22161352"/>
+              <a:ext cx="4371975" cy="3267075"/>
+            </a:xfrm>
+            <a:prstGeom prst="rect">
+              <a:avLst/>
+            </a:prstGeom>
+            <a:ln w="25400">
+              <a:solidFill>
+                <a:schemeClr val="accent3">
+                  <a:lumMod val="75000"/>
+                </a:schemeClr>
+              </a:solidFill>
+            </a:ln>
+          </p:spPr>
+        </p:pic>
+        <p:pic>
+          <p:nvPicPr>
+            <p:cNvPr id="17" name="Picture 16">
+              <a:extLst>
+                <a:ext uri="{FF2B5EF4-FFF2-40B4-BE49-F238E27FC236}">
+                  <a16:creationId xmlns:a16="http://schemas.microsoft.com/office/drawing/2014/main" id="{CDE2BC67-5425-7DF1-A815-E9681F750A50}"/>
+                </a:ext>
+              </a:extLst>
+            </p:cNvPr>
+            <p:cNvPicPr>
+              <a:picLocks noChangeAspect="1"/>
+            </p:cNvPicPr>
+            <p:nvPr/>
+          </p:nvPicPr>
+          <p:blipFill>
+            <a:blip r:embed="rId5"/>
+            <a:stretch>
+              <a:fillRect/>
+            </a:stretch>
+          </p:blipFill>
+          <p:spPr>
+            <a:xfrm>
+              <a:off x="6090644" y="9466473"/>
+              <a:ext cx="4305300" cy="3162300"/>
+            </a:xfrm>
+            <a:prstGeom prst="rect">
+              <a:avLst/>
+            </a:prstGeom>
+            <a:ln w="25400">
+              <a:solidFill>
+                <a:schemeClr val="accent3">
+                  <a:lumMod val="75000"/>
+                </a:schemeClr>
+              </a:solidFill>
+            </a:ln>
+          </p:spPr>
+        </p:pic>
+        <p:pic>
+          <p:nvPicPr>
+            <p:cNvPr id="19" name="Picture 18">
+              <a:extLst>
+                <a:ext uri="{FF2B5EF4-FFF2-40B4-BE49-F238E27FC236}">
+                  <a16:creationId xmlns:a16="http://schemas.microsoft.com/office/drawing/2014/main" id="{8DC9C4C1-B5BF-C56B-F038-9D06B684BDC1}"/>
+                </a:ext>
+              </a:extLst>
+            </p:cNvPr>
+            <p:cNvPicPr>
+              <a:picLocks noChangeAspect="1"/>
+            </p:cNvPicPr>
+            <p:nvPr/>
+          </p:nvPicPr>
+          <p:blipFill>
+            <a:blip r:embed="rId6"/>
+            <a:stretch>
+              <a:fillRect/>
+            </a:stretch>
+          </p:blipFill>
+          <p:spPr>
+            <a:xfrm>
+              <a:off x="6086031" y="3655352"/>
+              <a:ext cx="5438775" cy="447675"/>
+            </a:xfrm>
+            <a:prstGeom prst="rect">
+              <a:avLst/>
+            </a:prstGeom>
+            <a:ln w="25400">
+              <a:solidFill>
+                <a:schemeClr val="accent3">
+                  <a:lumMod val="75000"/>
+                </a:schemeClr>
+              </a:solidFill>
+            </a:ln>
+          </p:spPr>
+        </p:pic>
+        <p:pic>
+          <p:nvPicPr>
+            <p:cNvPr id="21" name="Picture 20">
+              <a:extLst>
+                <a:ext uri="{FF2B5EF4-FFF2-40B4-BE49-F238E27FC236}">
+                  <a16:creationId xmlns:a16="http://schemas.microsoft.com/office/drawing/2014/main" id="{42409790-B537-45B9-8D7A-F1DF9054689E}"/>
+                </a:ext>
+              </a:extLst>
+            </p:cNvPr>
+            <p:cNvPicPr>
+              <a:picLocks noChangeAspect="1"/>
+            </p:cNvPicPr>
+            <p:nvPr/>
+          </p:nvPicPr>
+          <p:blipFill>
+            <a:blip r:embed="rId7"/>
+            <a:stretch>
+              <a:fillRect/>
+            </a:stretch>
+          </p:blipFill>
+          <p:spPr>
+            <a:xfrm>
+              <a:off x="6129222" y="4790107"/>
+              <a:ext cx="5514975" cy="504825"/>
+            </a:xfrm>
+            <a:prstGeom prst="rect">
+              <a:avLst/>
+            </a:prstGeom>
+            <a:ln w="25400">
+              <a:solidFill>
+                <a:schemeClr val="accent3">
+                  <a:lumMod val="75000"/>
+                </a:schemeClr>
+              </a:solidFill>
+            </a:ln>
+          </p:spPr>
+        </p:pic>
+        <p:pic>
+          <p:nvPicPr>
+            <p:cNvPr id="23" name="Picture 22">
+              <a:extLst>
+                <a:ext uri="{FF2B5EF4-FFF2-40B4-BE49-F238E27FC236}">
+                  <a16:creationId xmlns:a16="http://schemas.microsoft.com/office/drawing/2014/main" id="{1319B4D1-936C-C561-E688-2EACA7C269B0}"/>
+                </a:ext>
+              </a:extLst>
+            </p:cNvPr>
+            <p:cNvPicPr>
+              <a:picLocks noChangeAspect="1"/>
+            </p:cNvPicPr>
+            <p:nvPr/>
+          </p:nvPicPr>
+          <p:blipFill>
+            <a:blip r:embed="rId8"/>
+            <a:stretch>
+              <a:fillRect/>
+            </a:stretch>
+          </p:blipFill>
+          <p:spPr>
+            <a:xfrm>
+              <a:off x="6086031" y="-3501620"/>
+              <a:ext cx="4267200" cy="3171825"/>
+            </a:xfrm>
+            <a:prstGeom prst="rect">
+              <a:avLst/>
+            </a:prstGeom>
+            <a:ln w="25400">
+              <a:solidFill>
+                <a:schemeClr val="accent3">
+                  <a:lumMod val="75000"/>
+                </a:schemeClr>
+              </a:solidFill>
+            </a:ln>
+          </p:spPr>
+        </p:pic>
+      </p:grpSp>
+    </p:spTree>
+    <p:extLst>
+      <p:ext uri="{BB962C8B-B14F-4D97-AF65-F5344CB8AC3E}">
+        <p14:creationId xmlns:p14="http://schemas.microsoft.com/office/powerpoint/2010/main" val="1259766254"/>
+      </p:ext>
+    </p:extLst>
+  </p:cSld>
+  <p:clrMapOvr>
+    <a:masterClrMapping/>
+  </p:clrMapOvr>
+  <mc:AlternateContent xmlns:mc="http://schemas.openxmlformats.org/markup-compatibility/2006">
+    <mc:Choice xmlns:p159="http://schemas.microsoft.com/office/powerpoint/2015/09/main" Requires="p159">
+      <p:transition xmlns:p14="http://schemas.microsoft.com/office/powerpoint/2010/main" spd="slow" p14:dur="2000">
+        <p159:morph option="byObject"/>
+      </p:transition>
+    </mc:Choice>
+    <mc:Fallback>
+      <p:transition spd="slow">
+        <p:fade/>
+      </p:transition>
+    </mc:Fallback>
+  </mc:AlternateContent>
+</p:sld>
+</file>
+
+<file path=ppt/slides/slide8.xml><?xml version="1.0" encoding="utf-8"?>
+<p:sld xmlns:a="http://schemas.openxmlformats.org/drawingml/2006/main" xmlns:r="http://schemas.openxmlformats.org/officeDocument/2006/relationships" xmlns:p="http://schemas.openxmlformats.org/presentationml/2006/main">
+  <p:cSld>
+    <p:spTree>
+      <p:nvGrpSpPr>
+        <p:cNvPr id="1" name="Shape 108"/>
+        <p:cNvGrpSpPr/>
+        <p:nvPr/>
+      </p:nvGrpSpPr>
+      <p:grpSpPr>
+        <a:xfrm>
+          <a:off x="0" y="0"/>
+          <a:ext cx="0" cy="0"/>
+          <a:chOff x="0" y="0"/>
+          <a:chExt cx="0" cy="0"/>
+        </a:xfrm>
+      </p:grpSpPr>
+      <p:sp>
+        <p:nvSpPr>
+          <p:cNvPr id="109" name="Google Shape;109;g24f2da4f33f_0_0"/>
+          <p:cNvSpPr txBox="1">
+            <a:spLocks noGrp="1"/>
+          </p:cNvSpPr>
+          <p:nvPr>
+            <p:ph type="title"/>
+          </p:nvPr>
+        </p:nvSpPr>
+        <p:spPr>
+          <a:xfrm>
+            <a:off x="575894" y="729658"/>
+            <a:ext cx="11029500" cy="988200"/>
+          </a:xfrm>
+          <a:prstGeom prst="rect">
+            <a:avLst/>
+          </a:prstGeom>
+          <a:noFill/>
+          <a:ln>
+            <a:noFill/>
+          </a:ln>
+        </p:spPr>
+        <p:txBody>
+          <a:bodyPr spcFirstLastPara="1" wrap="square" lIns="91425" tIns="45700" rIns="91425" bIns="45700" anchor="b" anchorCtr="0">
+            <a:normAutofit/>
+          </a:bodyPr>
+          <a:lstStyle/>
+          <a:p>
+            <a:pPr marL="0" lvl="0" indent="0" algn="l" rtl="0">
+              <a:spcBef>
+                <a:spcPts val="0"/>
+              </a:spcBef>
+              <a:spcAft>
+                <a:spcPts val="0"/>
+              </a:spcAft>
+              <a:buClr>
+                <a:schemeClr val="lt1"/>
+              </a:buClr>
+              <a:buSzPts val="2800"/>
+              <a:buFont typeface="Gill Sans"/>
+              <a:buNone/>
+            </a:pPr>
+            <a:r>
+              <a:rPr lang="en-US" sz="4400" dirty="0"/>
+              <a:t>Accuracy comparisons</a:t>
+            </a:r>
+            <a:endParaRPr sz="4400" dirty="0"/>
+          </a:p>
+        </p:txBody>
+      </p:sp>
+      <p:grpSp>
+        <p:nvGrpSpPr>
+          <p:cNvPr id="26" name="Group 25">
+            <a:extLst>
+              <a:ext uri="{FF2B5EF4-FFF2-40B4-BE49-F238E27FC236}">
+                <a16:creationId xmlns:a16="http://schemas.microsoft.com/office/drawing/2014/main" id="{5EE8B9DE-F188-35FD-2F88-ADDF64AD9006}"/>
+              </a:ext>
+            </a:extLst>
+          </p:cNvPr>
+          <p:cNvGrpSpPr/>
+          <p:nvPr/>
+        </p:nvGrpSpPr>
+        <p:grpSpPr>
+          <a:xfrm>
+            <a:off x="662582" y="-15725678"/>
+            <a:ext cx="4753079" cy="27126339"/>
+            <a:chOff x="575888" y="-2623578"/>
+            <a:chExt cx="4753079" cy="27126339"/>
+          </a:xfrm>
+        </p:grpSpPr>
+        <p:sp>
+          <p:nvSpPr>
+            <p:cNvPr id="110" name="Google Shape;110;g24f2da4f33f_0_0"/>
+            <p:cNvSpPr txBox="1"/>
+            <p:nvPr/>
+          </p:nvSpPr>
+          <p:spPr>
+            <a:xfrm>
+              <a:off x="575888" y="3655352"/>
+              <a:ext cx="4753079" cy="1415742"/>
+            </a:xfrm>
+            <a:prstGeom prst="rect">
+              <a:avLst/>
+            </a:prstGeom>
+            <a:noFill/>
+            <a:ln>
+              <a:noFill/>
+            </a:ln>
+          </p:spPr>
+          <p:txBody>
+            <a:bodyPr spcFirstLastPara="1" wrap="square" lIns="91425" tIns="91425" rIns="91425" bIns="91425" anchor="t" anchorCtr="0">
+              <a:spAutoFit/>
+            </a:bodyPr>
+            <a:lstStyle/>
+            <a:p>
+              <a:pPr marL="0" lvl="0" indent="0" algn="l" rtl="0">
+                <a:spcBef>
+                  <a:spcPts val="0"/>
+                </a:spcBef>
+                <a:spcAft>
+                  <a:spcPts val="0"/>
+                </a:spcAft>
+                <a:buNone/>
+              </a:pPr>
+              <a:r>
+                <a:rPr lang="en-US" sz="4000" b="1" dirty="0">
+                  <a:latin typeface="Gill Sans"/>
+                  <a:ea typeface="Gill Sans"/>
+                  <a:cs typeface="Gill Sans"/>
+                  <a:sym typeface="Gill Sans"/>
+                </a:rPr>
+                <a:t>Regression Module</a:t>
+              </a:r>
+            </a:p>
+            <a:p>
+              <a:pPr marL="0" lvl="0" indent="0" algn="l" rtl="0">
+                <a:spcBef>
+                  <a:spcPts val="0"/>
+                </a:spcBef>
+                <a:spcAft>
+                  <a:spcPts val="0"/>
+                </a:spcAft>
+                <a:buNone/>
+              </a:pPr>
+              <a:r>
+                <a:rPr lang="en-US" sz="4000" b="1" dirty="0">
+                  <a:latin typeface="Gill Sans"/>
+                  <a:ea typeface="Gill Sans"/>
+                  <a:cs typeface="Gill Sans"/>
+                  <a:sym typeface="Gill Sans"/>
+                </a:rPr>
+                <a:t>Oversample</a:t>
+              </a:r>
+            </a:p>
+          </p:txBody>
+        </p:sp>
+        <p:sp>
+          <p:nvSpPr>
+            <p:cNvPr id="3" name="Google Shape;110;g24f2da4f33f_0_0">
+              <a:extLst>
+                <a:ext uri="{FF2B5EF4-FFF2-40B4-BE49-F238E27FC236}">
+                  <a16:creationId xmlns:a16="http://schemas.microsoft.com/office/drawing/2014/main" id="{806C0FB1-E210-4CEB-30B1-FAF182EDB970}"/>
+                </a:ext>
+              </a:extLst>
+            </p:cNvPr>
+            <p:cNvSpPr txBox="1"/>
+            <p:nvPr/>
+          </p:nvSpPr>
+          <p:spPr>
+            <a:xfrm>
+              <a:off x="575889" y="10339752"/>
+              <a:ext cx="4114689" cy="1415742"/>
+            </a:xfrm>
+            <a:prstGeom prst="rect">
+              <a:avLst/>
+            </a:prstGeom>
+            <a:noFill/>
+            <a:ln>
+              <a:noFill/>
+            </a:ln>
+          </p:spPr>
+          <p:txBody>
+            <a:bodyPr spcFirstLastPara="1" wrap="square" lIns="91425" tIns="91425" rIns="91425" bIns="91425" anchor="t" anchorCtr="0">
+              <a:spAutoFit/>
+            </a:bodyPr>
+            <a:lstStyle/>
+            <a:p>
+              <a:pPr marL="0" lvl="0" indent="0" algn="l" rtl="0">
+                <a:spcBef>
+                  <a:spcPts val="0"/>
+                </a:spcBef>
+                <a:spcAft>
+                  <a:spcPts val="0"/>
+                </a:spcAft>
+                <a:buNone/>
+              </a:pPr>
+              <a:r>
+                <a:rPr lang="en-US" sz="4000" b="1" dirty="0">
+                  <a:latin typeface="Gill Sans"/>
+                  <a:ea typeface="Gill Sans"/>
+                  <a:cs typeface="Gill Sans"/>
+                  <a:sym typeface="Gill Sans"/>
+                </a:rPr>
+                <a:t>Decision Tree Module</a:t>
+              </a:r>
+            </a:p>
+          </p:txBody>
+        </p:sp>
+        <p:sp>
+          <p:nvSpPr>
+            <p:cNvPr id="4" name="Google Shape;110;g24f2da4f33f_0_0">
+              <a:extLst>
+                <a:ext uri="{FF2B5EF4-FFF2-40B4-BE49-F238E27FC236}">
+                  <a16:creationId xmlns:a16="http://schemas.microsoft.com/office/drawing/2014/main" id="{742E04E7-C4C6-D3F4-0AC3-79ADF960F209}"/>
+                </a:ext>
+              </a:extLst>
+            </p:cNvPr>
+            <p:cNvSpPr txBox="1"/>
+            <p:nvPr/>
+          </p:nvSpPr>
+          <p:spPr>
+            <a:xfrm>
+              <a:off x="575888" y="16605354"/>
+              <a:ext cx="4114689" cy="1415742"/>
+            </a:xfrm>
+            <a:prstGeom prst="rect">
+              <a:avLst/>
+            </a:prstGeom>
+            <a:noFill/>
+            <a:ln>
+              <a:noFill/>
+            </a:ln>
+          </p:spPr>
+          <p:txBody>
+            <a:bodyPr spcFirstLastPara="1" wrap="square" lIns="91425" tIns="91425" rIns="91425" bIns="91425" anchor="t" anchorCtr="0">
+              <a:spAutoFit/>
+            </a:bodyPr>
+            <a:lstStyle/>
+            <a:p>
+              <a:pPr marL="0" lvl="0" indent="0" algn="l" rtl="0">
+                <a:spcBef>
+                  <a:spcPts val="0"/>
+                </a:spcBef>
+                <a:spcAft>
+                  <a:spcPts val="0"/>
+                </a:spcAft>
+                <a:buNone/>
+              </a:pPr>
+              <a:r>
+                <a:rPr lang="en-US" sz="4000" b="1" dirty="0">
+                  <a:latin typeface="Gill Sans"/>
+                  <a:ea typeface="Gill Sans"/>
+                  <a:cs typeface="Gill Sans"/>
+                  <a:sym typeface="Gill Sans"/>
+                </a:rPr>
+                <a:t>Predictions Module</a:t>
+              </a:r>
+            </a:p>
+          </p:txBody>
+        </p:sp>
+        <p:sp>
+          <p:nvSpPr>
+            <p:cNvPr id="5" name="Google Shape;110;g24f2da4f33f_0_0">
+              <a:extLst>
+                <a:ext uri="{FF2B5EF4-FFF2-40B4-BE49-F238E27FC236}">
+                  <a16:creationId xmlns:a16="http://schemas.microsoft.com/office/drawing/2014/main" id="{5B7BFBD7-4E49-9E08-A54B-24FAD2C1798C}"/>
+                </a:ext>
+              </a:extLst>
+            </p:cNvPr>
+            <p:cNvSpPr txBox="1"/>
+            <p:nvPr/>
+          </p:nvSpPr>
+          <p:spPr>
+            <a:xfrm>
+              <a:off x="575888" y="23087019"/>
+              <a:ext cx="4114689" cy="1415742"/>
+            </a:xfrm>
+            <a:prstGeom prst="rect">
+              <a:avLst/>
+            </a:prstGeom>
+            <a:noFill/>
+            <a:ln>
+              <a:noFill/>
+            </a:ln>
+          </p:spPr>
+          <p:txBody>
+            <a:bodyPr spcFirstLastPara="1" wrap="square" lIns="91425" tIns="91425" rIns="91425" bIns="91425" anchor="t" anchorCtr="0">
+              <a:spAutoFit/>
+            </a:bodyPr>
+            <a:lstStyle/>
+            <a:p>
+              <a:pPr marL="0" lvl="0" indent="0" algn="l" rtl="0">
+                <a:spcBef>
+                  <a:spcPts val="0"/>
+                </a:spcBef>
+                <a:spcAft>
+                  <a:spcPts val="0"/>
+                </a:spcAft>
+                <a:buNone/>
+              </a:pPr>
+              <a:r>
+                <a:rPr lang="en-US" sz="4000" b="1" dirty="0">
+                  <a:latin typeface="Gill Sans"/>
+                  <a:ea typeface="Gill Sans"/>
+                  <a:cs typeface="Gill Sans"/>
+                  <a:sym typeface="Gill Sans"/>
+                </a:rPr>
+                <a:t>Random Forest Module</a:t>
+              </a:r>
+              <a:endParaRPr sz="4000" b="1" dirty="0">
+                <a:latin typeface="Gill Sans"/>
+                <a:ea typeface="Gill Sans"/>
+                <a:cs typeface="Gill Sans"/>
+                <a:sym typeface="Gill Sans"/>
+              </a:endParaRPr>
+            </a:p>
+          </p:txBody>
+        </p:sp>
+        <p:sp>
+          <p:nvSpPr>
+            <p:cNvPr id="11" name="Google Shape;110;g24f2da4f33f_0_0">
+              <a:extLst>
+                <a:ext uri="{FF2B5EF4-FFF2-40B4-BE49-F238E27FC236}">
+                  <a16:creationId xmlns:a16="http://schemas.microsoft.com/office/drawing/2014/main" id="{30E990CF-5CA5-80D0-649D-9C94A3696569}"/>
+                </a:ext>
+              </a:extLst>
+            </p:cNvPr>
+            <p:cNvSpPr txBox="1"/>
+            <p:nvPr/>
+          </p:nvSpPr>
+          <p:spPr>
+            <a:xfrm>
+              <a:off x="575888" y="-2623578"/>
+              <a:ext cx="4753079" cy="1415742"/>
+            </a:xfrm>
+            <a:prstGeom prst="rect">
+              <a:avLst/>
+            </a:prstGeom>
+            <a:noFill/>
+            <a:ln>
+              <a:noFill/>
+            </a:ln>
+          </p:spPr>
+          <p:txBody>
+            <a:bodyPr spcFirstLastPara="1" wrap="square" lIns="91425" tIns="91425" rIns="91425" bIns="91425" anchor="t" anchorCtr="0">
+              <a:spAutoFit/>
+            </a:bodyPr>
+            <a:lstStyle/>
+            <a:p>
+              <a:pPr marL="0" lvl="0" indent="0" algn="l" rtl="0">
+                <a:spcBef>
+                  <a:spcPts val="0"/>
+                </a:spcBef>
+                <a:spcAft>
+                  <a:spcPts val="0"/>
+                </a:spcAft>
+                <a:buNone/>
+              </a:pPr>
+              <a:r>
+                <a:rPr lang="en-US" sz="4000" b="1" dirty="0">
+                  <a:latin typeface="Gill Sans"/>
+                  <a:ea typeface="Gill Sans"/>
+                  <a:cs typeface="Gill Sans"/>
+                  <a:sym typeface="Gill Sans"/>
+                </a:rPr>
+                <a:t>Regression Module</a:t>
+              </a:r>
+            </a:p>
+            <a:p>
+              <a:pPr marL="0" lvl="0" indent="0" algn="l" rtl="0">
+                <a:spcBef>
+                  <a:spcPts val="0"/>
+                </a:spcBef>
+                <a:spcAft>
+                  <a:spcPts val="0"/>
+                </a:spcAft>
+                <a:buNone/>
+              </a:pPr>
+              <a:r>
+                <a:rPr lang="en-US" sz="4000" b="1" dirty="0">
+                  <a:latin typeface="Gill Sans"/>
+                  <a:ea typeface="Gill Sans"/>
+                  <a:cs typeface="Gill Sans"/>
+                  <a:sym typeface="Gill Sans"/>
+                </a:rPr>
+                <a:t>Base</a:t>
+              </a:r>
+            </a:p>
+          </p:txBody>
+        </p:sp>
+      </p:grpSp>
+      <p:grpSp>
+        <p:nvGrpSpPr>
+          <p:cNvPr id="27" name="Group 26">
+            <a:extLst>
+              <a:ext uri="{FF2B5EF4-FFF2-40B4-BE49-F238E27FC236}">
+                <a16:creationId xmlns:a16="http://schemas.microsoft.com/office/drawing/2014/main" id="{F2147185-075D-21CD-6804-D815B797AF7C}"/>
+              </a:ext>
+            </a:extLst>
+          </p:cNvPr>
+          <p:cNvGrpSpPr/>
+          <p:nvPr/>
+        </p:nvGrpSpPr>
+        <p:grpSpPr>
+          <a:xfrm>
+            <a:off x="6047228" y="-3772234"/>
+            <a:ext cx="5558166" cy="28930047"/>
+            <a:chOff x="6086031" y="-3501620"/>
+            <a:chExt cx="5558166" cy="28930047"/>
+          </a:xfrm>
+        </p:grpSpPr>
+        <p:pic>
+          <p:nvPicPr>
+            <p:cNvPr id="13" name="Picture 12">
+              <a:extLst>
+                <a:ext uri="{FF2B5EF4-FFF2-40B4-BE49-F238E27FC236}">
+                  <a16:creationId xmlns:a16="http://schemas.microsoft.com/office/drawing/2014/main" id="{1A4543CD-D5B4-B7E1-90BA-F2D15E8B9905}"/>
+                </a:ext>
+              </a:extLst>
+            </p:cNvPr>
+            <p:cNvPicPr>
+              <a:picLocks noChangeAspect="1"/>
+            </p:cNvPicPr>
+            <p:nvPr/>
+          </p:nvPicPr>
+          <p:blipFill>
+            <a:blip r:embed="rId3"/>
+            <a:stretch>
+              <a:fillRect/>
+            </a:stretch>
+          </p:blipFill>
+          <p:spPr>
+            <a:xfrm>
+              <a:off x="6096000" y="15522525"/>
+              <a:ext cx="4919158" cy="3581400"/>
+            </a:xfrm>
+            <a:prstGeom prst="rect">
+              <a:avLst/>
+            </a:prstGeom>
+            <a:ln w="25400">
+              <a:solidFill>
+                <a:schemeClr val="accent3">
+                  <a:lumMod val="75000"/>
+                </a:schemeClr>
+              </a:solidFill>
+            </a:ln>
+          </p:spPr>
+        </p:pic>
+        <p:pic>
+          <p:nvPicPr>
+            <p:cNvPr id="15" name="Picture 14">
+              <a:extLst>
+                <a:ext uri="{FF2B5EF4-FFF2-40B4-BE49-F238E27FC236}">
+                  <a16:creationId xmlns:a16="http://schemas.microsoft.com/office/drawing/2014/main" id="{21FBE637-01C3-9879-2630-900D491943F2}"/>
+                </a:ext>
+              </a:extLst>
+            </p:cNvPr>
+            <p:cNvPicPr>
+              <a:picLocks noChangeAspect="1"/>
+            </p:cNvPicPr>
+            <p:nvPr/>
+          </p:nvPicPr>
+          <p:blipFill>
+            <a:blip r:embed="rId4"/>
+            <a:stretch>
+              <a:fillRect/>
+            </a:stretch>
+          </p:blipFill>
+          <p:spPr>
+            <a:xfrm>
+              <a:off x="6096000" y="22161352"/>
+              <a:ext cx="4371975" cy="3267075"/>
+            </a:xfrm>
+            <a:prstGeom prst="rect">
+              <a:avLst/>
+            </a:prstGeom>
+            <a:ln w="25400">
+              <a:solidFill>
+                <a:schemeClr val="accent3">
+                  <a:lumMod val="75000"/>
+                </a:schemeClr>
+              </a:solidFill>
+            </a:ln>
+          </p:spPr>
+        </p:pic>
+        <p:pic>
+          <p:nvPicPr>
+            <p:cNvPr id="17" name="Picture 16">
+              <a:extLst>
+                <a:ext uri="{FF2B5EF4-FFF2-40B4-BE49-F238E27FC236}">
+                  <a16:creationId xmlns:a16="http://schemas.microsoft.com/office/drawing/2014/main" id="{CDE2BC67-5425-7DF1-A815-E9681F750A50}"/>
+                </a:ext>
+              </a:extLst>
+            </p:cNvPr>
+            <p:cNvPicPr>
+              <a:picLocks noChangeAspect="1"/>
+            </p:cNvPicPr>
+            <p:nvPr/>
+          </p:nvPicPr>
+          <p:blipFill>
+            <a:blip r:embed="rId5"/>
+            <a:stretch>
+              <a:fillRect/>
+            </a:stretch>
+          </p:blipFill>
+          <p:spPr>
+            <a:xfrm>
+              <a:off x="6090644" y="9466473"/>
+              <a:ext cx="4305300" cy="3162300"/>
+            </a:xfrm>
+            <a:prstGeom prst="rect">
+              <a:avLst/>
+            </a:prstGeom>
+            <a:ln w="25400">
+              <a:solidFill>
+                <a:schemeClr val="accent3">
+                  <a:lumMod val="75000"/>
+                </a:schemeClr>
+              </a:solidFill>
+            </a:ln>
+          </p:spPr>
+        </p:pic>
+        <p:pic>
+          <p:nvPicPr>
+            <p:cNvPr id="19" name="Picture 18">
+              <a:extLst>
+                <a:ext uri="{FF2B5EF4-FFF2-40B4-BE49-F238E27FC236}">
+                  <a16:creationId xmlns:a16="http://schemas.microsoft.com/office/drawing/2014/main" id="{8DC9C4C1-B5BF-C56B-F038-9D06B684BDC1}"/>
+                </a:ext>
+              </a:extLst>
+            </p:cNvPr>
+            <p:cNvPicPr>
+              <a:picLocks noChangeAspect="1"/>
+            </p:cNvPicPr>
+            <p:nvPr/>
+          </p:nvPicPr>
+          <p:blipFill>
+            <a:blip r:embed="rId6"/>
+            <a:stretch>
+              <a:fillRect/>
+            </a:stretch>
+          </p:blipFill>
+          <p:spPr>
+            <a:xfrm>
+              <a:off x="6086031" y="3655352"/>
+              <a:ext cx="5438775" cy="447675"/>
+            </a:xfrm>
+            <a:prstGeom prst="rect">
+              <a:avLst/>
+            </a:prstGeom>
+            <a:ln w="25400">
+              <a:solidFill>
+                <a:schemeClr val="accent3">
+                  <a:lumMod val="75000"/>
+                </a:schemeClr>
+              </a:solidFill>
+            </a:ln>
+          </p:spPr>
+        </p:pic>
+        <p:pic>
+          <p:nvPicPr>
+            <p:cNvPr id="21" name="Picture 20">
+              <a:extLst>
+                <a:ext uri="{FF2B5EF4-FFF2-40B4-BE49-F238E27FC236}">
+                  <a16:creationId xmlns:a16="http://schemas.microsoft.com/office/drawing/2014/main" id="{42409790-B537-45B9-8D7A-F1DF9054689E}"/>
+                </a:ext>
+              </a:extLst>
+            </p:cNvPr>
+            <p:cNvPicPr>
+              <a:picLocks noChangeAspect="1"/>
+            </p:cNvPicPr>
+            <p:nvPr/>
+          </p:nvPicPr>
+          <p:blipFill>
+            <a:blip r:embed="rId7"/>
+            <a:stretch>
+              <a:fillRect/>
+            </a:stretch>
+          </p:blipFill>
+          <p:spPr>
+            <a:xfrm>
+              <a:off x="6129222" y="4790107"/>
+              <a:ext cx="5514975" cy="504825"/>
+            </a:xfrm>
+            <a:prstGeom prst="rect">
+              <a:avLst/>
+            </a:prstGeom>
+            <a:ln w="25400">
+              <a:solidFill>
+                <a:schemeClr val="accent3">
+                  <a:lumMod val="75000"/>
+                </a:schemeClr>
+              </a:solidFill>
+            </a:ln>
+          </p:spPr>
+        </p:pic>
+        <p:pic>
+          <p:nvPicPr>
+            <p:cNvPr id="23" name="Picture 22">
+              <a:extLst>
+                <a:ext uri="{FF2B5EF4-FFF2-40B4-BE49-F238E27FC236}">
+                  <a16:creationId xmlns:a16="http://schemas.microsoft.com/office/drawing/2014/main" id="{1319B4D1-936C-C561-E688-2EACA7C269B0}"/>
+                </a:ext>
+              </a:extLst>
+            </p:cNvPr>
+            <p:cNvPicPr>
+              <a:picLocks noChangeAspect="1"/>
+            </p:cNvPicPr>
+            <p:nvPr/>
+          </p:nvPicPr>
+          <p:blipFill>
+            <a:blip r:embed="rId8"/>
+            <a:stretch>
+              <a:fillRect/>
+            </a:stretch>
+          </p:blipFill>
+          <p:spPr>
+            <a:xfrm>
+              <a:off x="6086031" y="-3501620"/>
+              <a:ext cx="4267200" cy="3171825"/>
+            </a:xfrm>
+            <a:prstGeom prst="rect">
+              <a:avLst/>
+            </a:prstGeom>
+            <a:ln w="25400">
+              <a:solidFill>
+                <a:schemeClr val="accent3">
+                  <a:lumMod val="75000"/>
+                </a:schemeClr>
+              </a:solidFill>
+            </a:ln>
+          </p:spPr>
+        </p:pic>
+      </p:grpSp>
+    </p:spTree>
+    <p:extLst>
+      <p:ext uri="{BB962C8B-B14F-4D97-AF65-F5344CB8AC3E}">
+        <p14:creationId xmlns:p14="http://schemas.microsoft.com/office/powerpoint/2010/main" val="4279223579"/>
+      </p:ext>
+    </p:extLst>
+  </p:cSld>
+  <p:clrMapOvr>
+    <a:masterClrMapping/>
+  </p:clrMapOvr>
+  <mc:AlternateContent xmlns:mc="http://schemas.openxmlformats.org/markup-compatibility/2006">
+    <mc:Choice xmlns:p159="http://schemas.microsoft.com/office/powerpoint/2015/09/main" Requires="p159">
+      <p:transition xmlns:p14="http://schemas.microsoft.com/office/powerpoint/2010/main" spd="slow" p14:dur="2000">
+        <p159:morph option="byObject"/>
+      </p:transition>
+    </mc:Choice>
+    <mc:Fallback>
+      <p:transition spd="slow">
+        <p:fade/>
+      </p:transition>
+    </mc:Fallback>
+  </mc:AlternateContent>
+</p:sld>
+</file>
+
+<file path=ppt/slides/slide9.xml><?xml version="1.0" encoding="utf-8"?>
+<p:sld xmlns:a="http://schemas.openxmlformats.org/drawingml/2006/main" xmlns:r="http://schemas.openxmlformats.org/officeDocument/2006/relationships" xmlns:p="http://schemas.openxmlformats.org/presentationml/2006/main">
+  <p:cSld>
+    <p:spTree>
+      <p:nvGrpSpPr>
+        <p:cNvPr id="1" name="Shape 108"/>
+        <p:cNvGrpSpPr/>
+        <p:nvPr/>
+      </p:nvGrpSpPr>
+      <p:grpSpPr>
+        <a:xfrm>
+          <a:off x="0" y="0"/>
+          <a:ext cx="0" cy="0"/>
+          <a:chOff x="0" y="0"/>
+          <a:chExt cx="0" cy="0"/>
+        </a:xfrm>
+      </p:grpSpPr>
+      <p:sp>
+        <p:nvSpPr>
+          <p:cNvPr id="109" name="Google Shape;109;g24f2da4f33f_0_0"/>
+          <p:cNvSpPr txBox="1">
+            <a:spLocks noGrp="1"/>
+          </p:cNvSpPr>
+          <p:nvPr>
+            <p:ph type="title"/>
+          </p:nvPr>
+        </p:nvSpPr>
+        <p:spPr>
+          <a:xfrm>
+            <a:off x="575894" y="729658"/>
+            <a:ext cx="11029500" cy="988200"/>
+          </a:xfrm>
+          <a:prstGeom prst="rect">
+            <a:avLst/>
+          </a:prstGeom>
+          <a:noFill/>
+          <a:ln>
+            <a:noFill/>
+          </a:ln>
+        </p:spPr>
+        <p:txBody>
+          <a:bodyPr spcFirstLastPara="1" wrap="square" lIns="91425" tIns="45700" rIns="91425" bIns="45700" anchor="b" anchorCtr="0">
+            <a:normAutofit/>
+          </a:bodyPr>
+          <a:lstStyle/>
+          <a:p>
+            <a:pPr marL="0" lvl="0" indent="0" algn="l" rtl="0">
+              <a:spcBef>
+                <a:spcPts val="0"/>
+              </a:spcBef>
+              <a:spcAft>
+                <a:spcPts val="0"/>
+              </a:spcAft>
+              <a:buClr>
+                <a:schemeClr val="lt1"/>
+              </a:buClr>
+              <a:buSzPts val="2800"/>
+              <a:buFont typeface="Gill Sans"/>
+              <a:buNone/>
+            </a:pPr>
+            <a:r>
+              <a:rPr lang="en-US" sz="4400" dirty="0"/>
+              <a:t>Accuracy comparisons</a:t>
+            </a:r>
+            <a:endParaRPr sz="4400" dirty="0"/>
+          </a:p>
+        </p:txBody>
+      </p:sp>
+      <p:grpSp>
+        <p:nvGrpSpPr>
+          <p:cNvPr id="26" name="Group 25">
+            <a:extLst>
+              <a:ext uri="{FF2B5EF4-FFF2-40B4-BE49-F238E27FC236}">
+                <a16:creationId xmlns:a16="http://schemas.microsoft.com/office/drawing/2014/main" id="{5EE8B9DE-F188-35FD-2F88-ADDF64AD9006}"/>
+              </a:ext>
+            </a:extLst>
+          </p:cNvPr>
+          <p:cNvGrpSpPr/>
+          <p:nvPr/>
+        </p:nvGrpSpPr>
+        <p:grpSpPr>
+          <a:xfrm>
+            <a:off x="705773" y="-22354434"/>
+            <a:ext cx="4753079" cy="27126339"/>
+            <a:chOff x="575888" y="-2623578"/>
+            <a:chExt cx="4753079" cy="27126339"/>
+          </a:xfrm>
+        </p:grpSpPr>
+        <p:sp>
+          <p:nvSpPr>
+            <p:cNvPr id="110" name="Google Shape;110;g24f2da4f33f_0_0"/>
+            <p:cNvSpPr txBox="1"/>
+            <p:nvPr/>
+          </p:nvSpPr>
+          <p:spPr>
+            <a:xfrm>
+              <a:off x="575888" y="3655352"/>
+              <a:ext cx="4753079" cy="1415742"/>
+            </a:xfrm>
+            <a:prstGeom prst="rect">
+              <a:avLst/>
+            </a:prstGeom>
+            <a:noFill/>
+            <a:ln>
+              <a:noFill/>
+            </a:ln>
+          </p:spPr>
+          <p:txBody>
+            <a:bodyPr spcFirstLastPara="1" wrap="square" lIns="91425" tIns="91425" rIns="91425" bIns="91425" anchor="t" anchorCtr="0">
+              <a:spAutoFit/>
+            </a:bodyPr>
+            <a:lstStyle/>
+            <a:p>
+              <a:pPr marL="0" lvl="0" indent="0" algn="l" rtl="0">
+                <a:spcBef>
+                  <a:spcPts val="0"/>
+                </a:spcBef>
+                <a:spcAft>
+                  <a:spcPts val="0"/>
+                </a:spcAft>
+                <a:buNone/>
+              </a:pPr>
+              <a:r>
+                <a:rPr lang="en-US" sz="4000" b="1" dirty="0">
+                  <a:latin typeface="Gill Sans"/>
+                  <a:ea typeface="Gill Sans"/>
+                  <a:cs typeface="Gill Sans"/>
+                  <a:sym typeface="Gill Sans"/>
+                </a:rPr>
+                <a:t>Regression Module</a:t>
+              </a:r>
+            </a:p>
+            <a:p>
+              <a:pPr marL="0" lvl="0" indent="0" algn="l" rtl="0">
+                <a:spcBef>
+                  <a:spcPts val="0"/>
+                </a:spcBef>
+                <a:spcAft>
+                  <a:spcPts val="0"/>
+                </a:spcAft>
+                <a:buNone/>
+              </a:pPr>
+              <a:r>
+                <a:rPr lang="en-US" sz="4000" b="1" dirty="0">
+                  <a:latin typeface="Gill Sans"/>
+                  <a:ea typeface="Gill Sans"/>
+                  <a:cs typeface="Gill Sans"/>
+                  <a:sym typeface="Gill Sans"/>
+                </a:rPr>
+                <a:t>Oversample</a:t>
+              </a:r>
+            </a:p>
+          </p:txBody>
+        </p:sp>
+        <p:sp>
+          <p:nvSpPr>
+            <p:cNvPr id="3" name="Google Shape;110;g24f2da4f33f_0_0">
+              <a:extLst>
+                <a:ext uri="{FF2B5EF4-FFF2-40B4-BE49-F238E27FC236}">
+                  <a16:creationId xmlns:a16="http://schemas.microsoft.com/office/drawing/2014/main" id="{806C0FB1-E210-4CEB-30B1-FAF182EDB970}"/>
+                </a:ext>
+              </a:extLst>
+            </p:cNvPr>
+            <p:cNvSpPr txBox="1"/>
+            <p:nvPr/>
+          </p:nvSpPr>
+          <p:spPr>
+            <a:xfrm>
+              <a:off x="575889" y="10339752"/>
+              <a:ext cx="4114689" cy="1415742"/>
+            </a:xfrm>
+            <a:prstGeom prst="rect">
+              <a:avLst/>
+            </a:prstGeom>
+            <a:noFill/>
+            <a:ln>
+              <a:noFill/>
+            </a:ln>
+          </p:spPr>
+          <p:txBody>
+            <a:bodyPr spcFirstLastPara="1" wrap="square" lIns="91425" tIns="91425" rIns="91425" bIns="91425" anchor="t" anchorCtr="0">
+              <a:spAutoFit/>
+            </a:bodyPr>
+            <a:lstStyle/>
+            <a:p>
+              <a:pPr marL="0" lvl="0" indent="0" algn="l" rtl="0">
+                <a:spcBef>
+                  <a:spcPts val="0"/>
+                </a:spcBef>
+                <a:spcAft>
+                  <a:spcPts val="0"/>
+                </a:spcAft>
+                <a:buNone/>
+              </a:pPr>
+              <a:r>
+                <a:rPr lang="en-US" sz="4000" b="1" dirty="0">
+                  <a:latin typeface="Gill Sans"/>
+                  <a:ea typeface="Gill Sans"/>
+                  <a:cs typeface="Gill Sans"/>
+                  <a:sym typeface="Gill Sans"/>
+                </a:rPr>
+                <a:t>Decision Tree Module</a:t>
+              </a:r>
+            </a:p>
+          </p:txBody>
+        </p:sp>
+        <p:sp>
+          <p:nvSpPr>
+            <p:cNvPr id="4" name="Google Shape;110;g24f2da4f33f_0_0">
+              <a:extLst>
+                <a:ext uri="{FF2B5EF4-FFF2-40B4-BE49-F238E27FC236}">
+                  <a16:creationId xmlns:a16="http://schemas.microsoft.com/office/drawing/2014/main" id="{742E04E7-C4C6-D3F4-0AC3-79ADF960F209}"/>
+                </a:ext>
+              </a:extLst>
+            </p:cNvPr>
+            <p:cNvSpPr txBox="1"/>
+            <p:nvPr/>
+          </p:nvSpPr>
+          <p:spPr>
+            <a:xfrm>
+              <a:off x="575888" y="16605354"/>
+              <a:ext cx="4114689" cy="1415742"/>
+            </a:xfrm>
+            <a:prstGeom prst="rect">
+              <a:avLst/>
+            </a:prstGeom>
+            <a:noFill/>
+            <a:ln>
+              <a:noFill/>
+            </a:ln>
+          </p:spPr>
+          <p:txBody>
+            <a:bodyPr spcFirstLastPara="1" wrap="square" lIns="91425" tIns="91425" rIns="91425" bIns="91425" anchor="t" anchorCtr="0">
+              <a:spAutoFit/>
+            </a:bodyPr>
+            <a:lstStyle/>
+            <a:p>
+              <a:pPr marL="0" lvl="0" indent="0" algn="l" rtl="0">
+                <a:spcBef>
+                  <a:spcPts val="0"/>
+                </a:spcBef>
+                <a:spcAft>
+                  <a:spcPts val="0"/>
+                </a:spcAft>
+                <a:buNone/>
+              </a:pPr>
+              <a:r>
+                <a:rPr lang="en-US" sz="4000" b="1" dirty="0">
+                  <a:latin typeface="Gill Sans"/>
+                  <a:ea typeface="Gill Sans"/>
+                  <a:cs typeface="Gill Sans"/>
+                  <a:sym typeface="Gill Sans"/>
+                </a:rPr>
+                <a:t>Predictions Module</a:t>
+              </a:r>
+            </a:p>
+          </p:txBody>
+        </p:sp>
+        <p:sp>
+          <p:nvSpPr>
+            <p:cNvPr id="5" name="Google Shape;110;g24f2da4f33f_0_0">
+              <a:extLst>
+                <a:ext uri="{FF2B5EF4-FFF2-40B4-BE49-F238E27FC236}">
+                  <a16:creationId xmlns:a16="http://schemas.microsoft.com/office/drawing/2014/main" id="{5B7BFBD7-4E49-9E08-A54B-24FAD2C1798C}"/>
+                </a:ext>
+              </a:extLst>
+            </p:cNvPr>
+            <p:cNvSpPr txBox="1"/>
+            <p:nvPr/>
+          </p:nvSpPr>
+          <p:spPr>
+            <a:xfrm>
+              <a:off x="575888" y="23087019"/>
+              <a:ext cx="4114689" cy="1415742"/>
+            </a:xfrm>
+            <a:prstGeom prst="rect">
+              <a:avLst/>
+            </a:prstGeom>
+            <a:noFill/>
+            <a:ln>
+              <a:noFill/>
+            </a:ln>
+          </p:spPr>
+          <p:txBody>
+            <a:bodyPr spcFirstLastPara="1" wrap="square" lIns="91425" tIns="91425" rIns="91425" bIns="91425" anchor="t" anchorCtr="0">
+              <a:spAutoFit/>
+            </a:bodyPr>
+            <a:lstStyle/>
+            <a:p>
+              <a:pPr marL="0" lvl="0" indent="0" algn="l" rtl="0">
+                <a:spcBef>
+                  <a:spcPts val="0"/>
+                </a:spcBef>
+                <a:spcAft>
+                  <a:spcPts val="0"/>
+                </a:spcAft>
+                <a:buNone/>
+              </a:pPr>
+              <a:r>
+                <a:rPr lang="en-US" sz="4000" b="1" dirty="0">
+                  <a:latin typeface="Gill Sans"/>
+                  <a:ea typeface="Gill Sans"/>
+                  <a:cs typeface="Gill Sans"/>
+                  <a:sym typeface="Gill Sans"/>
+                </a:rPr>
+                <a:t>Random Forest Module</a:t>
+              </a:r>
+              <a:endParaRPr sz="4000" b="1" dirty="0">
+                <a:latin typeface="Gill Sans"/>
+                <a:ea typeface="Gill Sans"/>
+                <a:cs typeface="Gill Sans"/>
+                <a:sym typeface="Gill Sans"/>
+              </a:endParaRPr>
+            </a:p>
+          </p:txBody>
+        </p:sp>
+        <p:sp>
+          <p:nvSpPr>
+            <p:cNvPr id="11" name="Google Shape;110;g24f2da4f33f_0_0">
+              <a:extLst>
+                <a:ext uri="{FF2B5EF4-FFF2-40B4-BE49-F238E27FC236}">
+                  <a16:creationId xmlns:a16="http://schemas.microsoft.com/office/drawing/2014/main" id="{30E990CF-5CA5-80D0-649D-9C94A3696569}"/>
+                </a:ext>
+              </a:extLst>
+            </p:cNvPr>
+            <p:cNvSpPr txBox="1"/>
+            <p:nvPr/>
+          </p:nvSpPr>
+          <p:spPr>
+            <a:xfrm>
+              <a:off x="575888" y="-2623578"/>
+              <a:ext cx="4753079" cy="1415742"/>
+            </a:xfrm>
+            <a:prstGeom prst="rect">
+              <a:avLst/>
+            </a:prstGeom>
+            <a:noFill/>
+            <a:ln>
+              <a:noFill/>
+            </a:ln>
+          </p:spPr>
+          <p:txBody>
+            <a:bodyPr spcFirstLastPara="1" wrap="square" lIns="91425" tIns="91425" rIns="91425" bIns="91425" anchor="t" anchorCtr="0">
+              <a:spAutoFit/>
+            </a:bodyPr>
+            <a:lstStyle/>
+            <a:p>
+              <a:pPr marL="0" lvl="0" indent="0" algn="l" rtl="0">
+                <a:spcBef>
+                  <a:spcPts val="0"/>
+                </a:spcBef>
+                <a:spcAft>
+                  <a:spcPts val="0"/>
+                </a:spcAft>
+                <a:buNone/>
+              </a:pPr>
+              <a:r>
+                <a:rPr lang="en-US" sz="4000" b="1" dirty="0">
+                  <a:latin typeface="Gill Sans"/>
+                  <a:ea typeface="Gill Sans"/>
+                  <a:cs typeface="Gill Sans"/>
+                  <a:sym typeface="Gill Sans"/>
+                </a:rPr>
+                <a:t>Regression Module</a:t>
+              </a:r>
+            </a:p>
+            <a:p>
+              <a:pPr marL="0" lvl="0" indent="0" algn="l" rtl="0">
+                <a:spcBef>
+                  <a:spcPts val="0"/>
+                </a:spcBef>
+                <a:spcAft>
+                  <a:spcPts val="0"/>
+                </a:spcAft>
+                <a:buNone/>
+              </a:pPr>
+              <a:r>
+                <a:rPr lang="en-US" sz="4000" b="1" dirty="0">
+                  <a:latin typeface="Gill Sans"/>
+                  <a:ea typeface="Gill Sans"/>
+                  <a:cs typeface="Gill Sans"/>
+                  <a:sym typeface="Gill Sans"/>
+                </a:rPr>
+                <a:t>Base</a:t>
+              </a:r>
+            </a:p>
+          </p:txBody>
+        </p:sp>
+      </p:grpSp>
+      <p:grpSp>
+        <p:nvGrpSpPr>
+          <p:cNvPr id="27" name="Group 26">
+            <a:extLst>
+              <a:ext uri="{FF2B5EF4-FFF2-40B4-BE49-F238E27FC236}">
+                <a16:creationId xmlns:a16="http://schemas.microsoft.com/office/drawing/2014/main" id="{F2147185-075D-21CD-6804-D815B797AF7C}"/>
+              </a:ext>
+            </a:extLst>
+          </p:cNvPr>
+          <p:cNvGrpSpPr/>
+          <p:nvPr/>
+        </p:nvGrpSpPr>
+        <p:grpSpPr>
+          <a:xfrm>
+            <a:off x="6047228" y="2642254"/>
+            <a:ext cx="5558166" cy="28930047"/>
+            <a:chOff x="6086031" y="-3501620"/>
+            <a:chExt cx="5558166" cy="28930047"/>
+          </a:xfrm>
+        </p:grpSpPr>
+        <p:pic>
+          <p:nvPicPr>
+            <p:cNvPr id="13" name="Picture 12">
+              <a:extLst>
+                <a:ext uri="{FF2B5EF4-FFF2-40B4-BE49-F238E27FC236}">
+                  <a16:creationId xmlns:a16="http://schemas.microsoft.com/office/drawing/2014/main" id="{1A4543CD-D5B4-B7E1-90BA-F2D15E8B9905}"/>
+                </a:ext>
+              </a:extLst>
+            </p:cNvPr>
+            <p:cNvPicPr>
+              <a:picLocks noChangeAspect="1"/>
+            </p:cNvPicPr>
+            <p:nvPr/>
+          </p:nvPicPr>
+          <p:blipFill>
+            <a:blip r:embed="rId3"/>
+            <a:stretch>
+              <a:fillRect/>
+            </a:stretch>
+          </p:blipFill>
+          <p:spPr>
+            <a:xfrm>
+              <a:off x="6096000" y="15522525"/>
+              <a:ext cx="4919158" cy="3581400"/>
+            </a:xfrm>
+            <a:prstGeom prst="rect">
+              <a:avLst/>
+            </a:prstGeom>
+            <a:ln w="25400">
+              <a:solidFill>
+                <a:schemeClr val="accent3">
+                  <a:lumMod val="75000"/>
+                </a:schemeClr>
+              </a:solidFill>
+            </a:ln>
+          </p:spPr>
+        </p:pic>
+        <p:pic>
+          <p:nvPicPr>
+            <p:cNvPr id="15" name="Picture 14">
+              <a:extLst>
+                <a:ext uri="{FF2B5EF4-FFF2-40B4-BE49-F238E27FC236}">
+                  <a16:creationId xmlns:a16="http://schemas.microsoft.com/office/drawing/2014/main" id="{21FBE637-01C3-9879-2630-900D491943F2}"/>
+                </a:ext>
+              </a:extLst>
+            </p:cNvPr>
+            <p:cNvPicPr>
+              <a:picLocks noChangeAspect="1"/>
+            </p:cNvPicPr>
+            <p:nvPr/>
+          </p:nvPicPr>
+          <p:blipFill>
+            <a:blip r:embed="rId4"/>
+            <a:stretch>
+              <a:fillRect/>
+            </a:stretch>
+          </p:blipFill>
+          <p:spPr>
+            <a:xfrm>
+              <a:off x="6096000" y="22161352"/>
+              <a:ext cx="4371975" cy="3267075"/>
+            </a:xfrm>
+            <a:prstGeom prst="rect">
+              <a:avLst/>
+            </a:prstGeom>
+            <a:ln w="25400">
+              <a:solidFill>
+                <a:schemeClr val="accent3">
+                  <a:lumMod val="75000"/>
+                </a:schemeClr>
+              </a:solidFill>
+            </a:ln>
+          </p:spPr>
+        </p:pic>
+        <p:pic>
+          <p:nvPicPr>
+            <p:cNvPr id="17" name="Picture 16">
+              <a:extLst>
+                <a:ext uri="{FF2B5EF4-FFF2-40B4-BE49-F238E27FC236}">
+                  <a16:creationId xmlns:a16="http://schemas.microsoft.com/office/drawing/2014/main" id="{CDE2BC67-5425-7DF1-A815-E9681F750A50}"/>
+                </a:ext>
+              </a:extLst>
+            </p:cNvPr>
+            <p:cNvPicPr>
+              <a:picLocks noChangeAspect="1"/>
+            </p:cNvPicPr>
+            <p:nvPr/>
+          </p:nvPicPr>
+          <p:blipFill>
+            <a:blip r:embed="rId5"/>
+            <a:stretch>
+              <a:fillRect/>
+            </a:stretch>
+          </p:blipFill>
+          <p:spPr>
+            <a:xfrm>
+              <a:off x="6090644" y="9466473"/>
+              <a:ext cx="4305300" cy="3162300"/>
+            </a:xfrm>
+            <a:prstGeom prst="rect">
+              <a:avLst/>
+            </a:prstGeom>
+            <a:ln w="25400">
+              <a:solidFill>
+                <a:schemeClr val="accent3">
+                  <a:lumMod val="75000"/>
+                </a:schemeClr>
+              </a:solidFill>
+            </a:ln>
+          </p:spPr>
+        </p:pic>
+        <p:pic>
+          <p:nvPicPr>
+            <p:cNvPr id="19" name="Picture 18">
+              <a:extLst>
+                <a:ext uri="{FF2B5EF4-FFF2-40B4-BE49-F238E27FC236}">
+                  <a16:creationId xmlns:a16="http://schemas.microsoft.com/office/drawing/2014/main" id="{8DC9C4C1-B5BF-C56B-F038-9D06B684BDC1}"/>
+                </a:ext>
+              </a:extLst>
+            </p:cNvPr>
+            <p:cNvPicPr>
+              <a:picLocks noChangeAspect="1"/>
+            </p:cNvPicPr>
+            <p:nvPr/>
+          </p:nvPicPr>
+          <p:blipFill>
+            <a:blip r:embed="rId6"/>
+            <a:stretch>
+              <a:fillRect/>
+            </a:stretch>
+          </p:blipFill>
+          <p:spPr>
+            <a:xfrm>
+              <a:off x="6086031" y="3655352"/>
+              <a:ext cx="5438775" cy="447675"/>
+            </a:xfrm>
+            <a:prstGeom prst="rect">
+              <a:avLst/>
+            </a:prstGeom>
+            <a:ln w="25400">
+              <a:solidFill>
+                <a:schemeClr val="accent3">
+                  <a:lumMod val="75000"/>
+                </a:schemeClr>
+              </a:solidFill>
+            </a:ln>
+          </p:spPr>
+        </p:pic>
+        <p:pic>
+          <p:nvPicPr>
+            <p:cNvPr id="21" name="Picture 20">
+              <a:extLst>
+                <a:ext uri="{FF2B5EF4-FFF2-40B4-BE49-F238E27FC236}">
+                  <a16:creationId xmlns:a16="http://schemas.microsoft.com/office/drawing/2014/main" id="{42409790-B537-45B9-8D7A-F1DF9054689E}"/>
+                </a:ext>
+              </a:extLst>
+            </p:cNvPr>
+            <p:cNvPicPr>
+              <a:picLocks noChangeAspect="1"/>
+            </p:cNvPicPr>
+            <p:nvPr/>
+          </p:nvPicPr>
+          <p:blipFill>
+            <a:blip r:embed="rId7"/>
+            <a:stretch>
+              <a:fillRect/>
+            </a:stretch>
+          </p:blipFill>
+          <p:spPr>
+            <a:xfrm>
+              <a:off x="6129222" y="4790107"/>
+              <a:ext cx="5514975" cy="504825"/>
+            </a:xfrm>
+            <a:prstGeom prst="rect">
+              <a:avLst/>
+            </a:prstGeom>
+            <a:ln w="25400">
+              <a:solidFill>
+                <a:schemeClr val="accent3">
+                  <a:lumMod val="75000"/>
+                </a:schemeClr>
+              </a:solidFill>
+            </a:ln>
+          </p:spPr>
+        </p:pic>
+        <p:pic>
+          <p:nvPicPr>
+            <p:cNvPr id="23" name="Picture 22">
+              <a:extLst>
+                <a:ext uri="{FF2B5EF4-FFF2-40B4-BE49-F238E27FC236}">
+                  <a16:creationId xmlns:a16="http://schemas.microsoft.com/office/drawing/2014/main" id="{1319B4D1-936C-C561-E688-2EACA7C269B0}"/>
+                </a:ext>
+              </a:extLst>
+            </p:cNvPr>
+            <p:cNvPicPr>
+              <a:picLocks noChangeAspect="1"/>
+            </p:cNvPicPr>
+            <p:nvPr/>
+          </p:nvPicPr>
+          <p:blipFill>
+            <a:blip r:embed="rId8"/>
+            <a:stretch>
+              <a:fillRect/>
+            </a:stretch>
+          </p:blipFill>
+          <p:spPr>
+            <a:xfrm>
+              <a:off x="6086031" y="-3501620"/>
+              <a:ext cx="4267200" cy="3171825"/>
+            </a:xfrm>
+            <a:prstGeom prst="rect">
+              <a:avLst/>
+            </a:prstGeom>
+            <a:ln w="25400">
+              <a:solidFill>
+                <a:schemeClr val="accent3">
+                  <a:lumMod val="75000"/>
+                </a:schemeClr>
+              </a:solidFill>
+            </a:ln>
+          </p:spPr>
+        </p:pic>
+      </p:grpSp>
+    </p:spTree>
+    <p:extLst>
+      <p:ext uri="{BB962C8B-B14F-4D97-AF65-F5344CB8AC3E}">
+        <p14:creationId xmlns:p14="http://schemas.microsoft.com/office/powerpoint/2010/main" val="3999496861"/>
+      </p:ext>
+    </p:extLst>
+  </p:cSld>
+  <p:clrMapOvr>
+    <a:masterClrMapping/>
+  </p:clrMapOvr>
+  <mc:AlternateContent xmlns:mc="http://schemas.openxmlformats.org/markup-compatibility/2006">
+    <mc:Choice xmlns:p159="http://schemas.microsoft.com/office/powerpoint/2015/09/main" Requires="p159">
+      <p:transition xmlns:p14="http://schemas.microsoft.com/office/powerpoint/2010/main" spd="slow" p14:dur="2000">
+        <p159:morph option="byObject"/>
+      </p:transition>
+    </mc:Choice>
+    <mc:Fallback>
+      <p:transition spd="slow">
+        <p:fade/>
+      </p:transition>
+    </mc:Fallback>
+  </mc:AlternateContent>
 </p:sld>
 </file>
 
@@ -6999,8 +11505,43 @@
         <a:srgbClr val="A5A5A5"/>
       </a:folHlink>
     </a:clrScheme>
-    <a:fontScheme name="Times New Roman-Arial">
+    <a:fontScheme name="Arial-Times New Roman">
       <a:majorFont>
+        <a:latin typeface="Arial" panose="020B0604020202020204"/>
+        <a:ea typeface=""/>
+        <a:cs typeface=""/>
+        <a:font script="Jpan" typeface="ＭＳ Ｐゴシック"/>
+        <a:font script="Hang" typeface="굴림"/>
+        <a:font script="Hans" typeface="黑体"/>
+        <a:font script="Hant" typeface="微軟正黑體"/>
+        <a:font script="Arab" typeface="Arial"/>
+        <a:font script="Hebr" typeface="Arial"/>
+        <a:font script="Thai" typeface="Cordia New"/>
+        <a:font script="Ethi" typeface="Nyala"/>
+        <a:font script="Beng" typeface="Vrinda"/>
+        <a:font script="Gujr" typeface="Shruti"/>
+        <a:font script="Khmr" typeface="DaunPenh"/>
+        <a:font script="Knda" typeface="Tunga"/>
+        <a:font script="Guru" typeface="Raavi"/>
+        <a:font script="Cans" typeface="Euphemia"/>
+        <a:font script="Cher" typeface="Plantagenet Cherokee"/>
+        <a:font script="Yiii" typeface="Microsoft Yi Baiti"/>
+        <a:font script="Tibt" typeface="Microsoft Himalaya"/>
+        <a:font script="Thaa" typeface="MV Boli"/>
+        <a:font script="Deva" typeface="Mangal"/>
+        <a:font script="Telu" typeface="Gautami"/>
+        <a:font script="Taml" typeface="Latha"/>
+        <a:font script="Syrc" typeface="Estrangelo Edessa"/>
+        <a:font script="Orya" typeface="Kalinga"/>
+        <a:font script="Mlym" typeface="Kartika"/>
+        <a:font script="Laoo" typeface="DokChampa"/>
+        <a:font script="Sinh" typeface="Iskoola Pota"/>
+        <a:font script="Mong" typeface="Mongolian Baiti"/>
+        <a:font script="Viet" typeface="Arial"/>
+        <a:font script="Uigh" typeface="Microsoft Uighur"/>
+        <a:font script="Geor" typeface="Sylfaen"/>
+      </a:majorFont>
+      <a:minorFont>
         <a:latin typeface="Times New Roman" panose="02020603050405020304"/>
         <a:ea typeface=""/>
         <a:cs typeface=""/>
@@ -7032,41 +11573,6 @@
         <a:font script="Sinh" typeface="Iskoola Pota"/>
         <a:font script="Mong" typeface="Mongolian Baiti"/>
         <a:font script="Viet" typeface="Times New Roman"/>
-        <a:font script="Uigh" typeface="Microsoft Uighur"/>
-        <a:font script="Geor" typeface="Sylfaen"/>
-      </a:majorFont>
-      <a:minorFont>
-        <a:latin typeface="Arial" panose="020B0604020202020204"/>
-        <a:ea typeface=""/>
-        <a:cs typeface=""/>
-        <a:font script="Jpan" typeface="ＭＳ Ｐゴシック"/>
-        <a:font script="Hang" typeface="돋움"/>
-        <a:font script="Hans" typeface="黑体"/>
-        <a:font script="Hant" typeface="微軟正黑體"/>
-        <a:font script="Arab" typeface="Arial"/>
-        <a:font script="Hebr" typeface="Arial"/>
-        <a:font script="Thai" typeface="Cordia New"/>
-        <a:font script="Ethi" typeface="Nyala"/>
-        <a:font script="Beng" typeface="Vrinda"/>
-        <a:font script="Gujr" typeface="Shruti"/>
-        <a:font script="Khmr" typeface="DaunPenh"/>
-        <a:font script="Knda" typeface="Tunga"/>
-        <a:font script="Guru" typeface="Raavi"/>
-        <a:font script="Cans" typeface="Euphemia"/>
-        <a:font script="Cher" typeface="Plantagenet Cherokee"/>
-        <a:font script="Yiii" typeface="Microsoft Yi Baiti"/>
-        <a:font script="Tibt" typeface="Microsoft Himalaya"/>
-        <a:font script="Thaa" typeface="MV Boli"/>
-        <a:font script="Deva" typeface="Mangal"/>
-        <a:font script="Telu" typeface="Gautami"/>
-        <a:font script="Taml" typeface="Latha"/>
-        <a:font script="Syrc" typeface="Estrangelo Edessa"/>
-        <a:font script="Orya" typeface="Kalinga"/>
-        <a:font script="Mlym" typeface="Kartika"/>
-        <a:font script="Laoo" typeface="DokChampa"/>
-        <a:font script="Sinh" typeface="Iskoola Pota"/>
-        <a:font script="Mong" typeface="Mongolian Baiti"/>
-        <a:font script="Viet" typeface="Arial"/>
         <a:font script="Uigh" typeface="Microsoft Uighur"/>
         <a:font script="Geor" typeface="Sylfaen"/>
       </a:minorFont>

--- a/Brain_Stroke_PP.pptx
+++ b/Brain_Stroke_PP.pptx
@@ -2,38 +2,46 @@
 <file path=ppt/presentation.xml><?xml version="1.0" encoding="utf-8"?>
 <p:presentation xmlns:a="http://schemas.openxmlformats.org/drawingml/2006/main" xmlns:r="http://schemas.openxmlformats.org/officeDocument/2006/relationships" xmlns:p="http://schemas.openxmlformats.org/presentationml/2006/main" strictFirstAndLastChars="0" embedTrueTypeFonts="1" saveSubsetFonts="1" autoCompressPictures="0">
   <p:sldMasterIdLst>
-    <p:sldMasterId id="2147483660" r:id="rId1"/>
+    <p:sldMasterId id="2147483672" r:id="rId1"/>
   </p:sldMasterIdLst>
   <p:notesMasterIdLst>
-    <p:notesMasterId r:id="rId16"/>
+    <p:notesMasterId r:id="rId17"/>
   </p:notesMasterIdLst>
   <p:sldIdLst>
     <p:sldId id="256" r:id="rId2"/>
     <p:sldId id="257" r:id="rId3"/>
     <p:sldId id="266" r:id="rId4"/>
-    <p:sldId id="264" r:id="rId5"/>
-    <p:sldId id="258" r:id="rId6"/>
-    <p:sldId id="267" r:id="rId7"/>
-    <p:sldId id="268" r:id="rId8"/>
-    <p:sldId id="269" r:id="rId9"/>
-    <p:sldId id="270" r:id="rId10"/>
-    <p:sldId id="265" r:id="rId11"/>
-    <p:sldId id="263" r:id="rId12"/>
-    <p:sldId id="259" r:id="rId13"/>
-    <p:sldId id="260" r:id="rId14"/>
-    <p:sldId id="261" r:id="rId15"/>
+    <p:sldId id="258" r:id="rId5"/>
+    <p:sldId id="275" r:id="rId6"/>
+    <p:sldId id="276" r:id="rId7"/>
+    <p:sldId id="277" r:id="rId8"/>
+    <p:sldId id="278" r:id="rId9"/>
+    <p:sldId id="279" r:id="rId10"/>
+    <p:sldId id="280" r:id="rId11"/>
+    <p:sldId id="274" r:id="rId12"/>
+    <p:sldId id="273" r:id="rId13"/>
+    <p:sldId id="263" r:id="rId14"/>
+    <p:sldId id="259" r:id="rId15"/>
+    <p:sldId id="261" r:id="rId16"/>
   </p:sldIdLst>
   <p:sldSz cx="12192000" cy="6858000"/>
   <p:notesSz cx="6858000" cy="9144000"/>
   <p:embeddedFontLst>
     <p:embeddedFont>
       <p:font typeface="Gill Sans" panose="020B0604020202020204" charset="0"/>
-      <p:regular r:id="rId17"/>
-      <p:bold r:id="rId18"/>
+      <p:regular r:id="rId18"/>
+      <p:bold r:id="rId19"/>
+    </p:embeddedFont>
+    <p:embeddedFont>
+      <p:font typeface="Gill Sans MT" panose="020B0502020104020203" pitchFamily="34" charset="0"/>
+      <p:regular r:id="rId20"/>
+      <p:bold r:id="rId21"/>
+      <p:italic r:id="rId22"/>
+      <p:boldItalic r:id="rId23"/>
     </p:embeddedFont>
     <p:embeddedFont>
       <p:font typeface="Wingdings 2" panose="05020102010507070707" pitchFamily="18" charset="2"/>
-      <p:regular r:id="rId19"/>
+      <p:regular r:id="rId24"/>
     </p:embeddedFont>
   </p:embeddedFontLst>
   <p:defaultTextStyle>
@@ -136,7 +144,7 @@
       <p15:sldGuideLst xmlns:p15="http://schemas.microsoft.com/office/powerpoint/2012/main"/>
     </p:ext>
     <p:ext uri="GoogleSlidesCustomDataVersion2">
-      <go:slidesCustomData xmlns="" xmlns:mc="http://schemas.openxmlformats.org/markup-compatibility/2006" xmlns:mv="urn:schemas-microsoft-com:mac:vml" xmlns:c="http://schemas.openxmlformats.org/drawingml/2006/chart" xmlns:dgm="http://schemas.openxmlformats.org/drawingml/2006/diagram" xmlns:o="urn:schemas-microsoft-com:office:office" xmlns:v="urn:schemas-microsoft-com:vml" xmlns:pvml="urn:schemas-microsoft-com:office:powerpoint" xmlns:com="http://schemas.openxmlformats.org/drawingml/2006/compatibility" xmlns:p14="http://schemas.microsoft.com/office/powerpoint/2010/main" xmlns:p15="http://schemas.microsoft.com/office/powerpoint/2012/main" xmlns:ahyp="http://schemas.microsoft.com/office/drawing/2018/hyperlinkcolor" xmlns:go="http://customooxmlschemas.google.com/" r:id="rId20" roundtripDataSignature="AMtx7mjbGxrVGqeYPl04eDJZvsznUofUZg=="/>
+      <go:slidesCustomData xmlns:go="http://customooxmlschemas.google.com/" xmlns:ahyp="http://schemas.microsoft.com/office/drawing/2018/hyperlinkcolor" xmlns:p15="http://schemas.microsoft.com/office/powerpoint/2012/main" xmlns:p14="http://schemas.microsoft.com/office/powerpoint/2010/main" xmlns:com="http://schemas.openxmlformats.org/drawingml/2006/compatibility" xmlns:pvml="urn:schemas-microsoft-com:office:powerpoint" xmlns:v="urn:schemas-microsoft-com:vml" xmlns:o="urn:schemas-microsoft-com:office:office" xmlns:dgm="http://schemas.openxmlformats.org/drawingml/2006/diagram" xmlns:c="http://schemas.openxmlformats.org/drawingml/2006/chart" xmlns:mv="urn:schemas-microsoft-com:mac:vml" xmlns:mc="http://schemas.openxmlformats.org/markup-compatibility/2006" xmlns="" r:id="rId25" roundtripDataSignature="AMtx7mjbGxrVGqeYPl04eDJZvsznUofUZg=="/>
     </p:ext>
   </p:extLst>
 </p:presentation>
@@ -696,7 +704,7 @@
   <p:cSld>
     <p:spTree>
       <p:nvGrpSpPr>
-        <p:cNvPr id="1" name="Shape 118"/>
+        <p:cNvPr id="1" name="Shape 105"/>
         <p:cNvGrpSpPr/>
         <p:nvPr/>
       </p:nvGrpSpPr>
@@ -710,7 +718,7 @@
       </p:grpSpPr>
       <p:sp>
         <p:nvSpPr>
-          <p:cNvPr id="119" name="Google Shape;119;p3:notes"/>
+          <p:cNvPr id="106" name="Google Shape;106;g24f2da4f33f_0_0:notes"/>
           <p:cNvSpPr txBox="1">
             <a:spLocks noGrp="1"/>
           </p:cNvSpPr>
@@ -742,13 +750,122 @@
               </a:spcAft>
               <a:buNone/>
             </a:pPr>
-            <a:endParaRPr/>
+            <a:endParaRPr dirty="0"/>
           </a:p>
         </p:txBody>
       </p:sp>
       <p:sp>
         <p:nvSpPr>
-          <p:cNvPr id="120" name="Google Shape;120;p3:notes"/>
+          <p:cNvPr id="107" name="Google Shape;107;g24f2da4f33f_0_0:notes"/>
+          <p:cNvSpPr>
+            <a:spLocks noGrp="1" noRot="1" noChangeAspect="1"/>
+          </p:cNvSpPr>
+          <p:nvPr>
+            <p:ph type="sldImg" idx="2"/>
+          </p:nvPr>
+        </p:nvSpPr>
+        <p:spPr>
+          <a:xfrm>
+            <a:off x="381000" y="685800"/>
+            <a:ext cx="6096000" cy="3429000"/>
+          </a:xfrm>
+          <a:custGeom>
+            <a:avLst/>
+            <a:gdLst/>
+            <a:ahLst/>
+            <a:cxnLst/>
+            <a:rect l="l" t="t" r="r" b="b"/>
+            <a:pathLst>
+              <a:path w="120000" h="120000" extrusionOk="0">
+                <a:moveTo>
+                  <a:pt x="0" y="0"/>
+                </a:moveTo>
+                <a:lnTo>
+                  <a:pt x="120000" y="0"/>
+                </a:lnTo>
+                <a:lnTo>
+                  <a:pt x="120000" y="120000"/>
+                </a:lnTo>
+                <a:lnTo>
+                  <a:pt x="0" y="120000"/>
+                </a:lnTo>
+                <a:close/>
+              </a:path>
+            </a:pathLst>
+          </a:custGeom>
+        </p:spPr>
+      </p:sp>
+    </p:spTree>
+    <p:extLst>
+      <p:ext uri="{BB962C8B-B14F-4D97-AF65-F5344CB8AC3E}">
+        <p14:creationId xmlns:p14="http://schemas.microsoft.com/office/powerpoint/2010/main" val="881654869"/>
+      </p:ext>
+    </p:extLst>
+  </p:cSld>
+  <p:clrMapOvr>
+    <a:masterClrMapping/>
+  </p:clrMapOvr>
+</p:notes>
+</file>
+
+<file path=ppt/notesSlides/notesSlide11.xml><?xml version="1.0" encoding="utf-8"?>
+<p:notes xmlns:a="http://schemas.openxmlformats.org/drawingml/2006/main" xmlns:r="http://schemas.openxmlformats.org/officeDocument/2006/relationships" xmlns:p="http://schemas.openxmlformats.org/presentationml/2006/main" showMasterSp="0" showMasterPhAnim="0">
+  <p:cSld>
+    <p:spTree>
+      <p:nvGrpSpPr>
+        <p:cNvPr id="1" name="Shape 113"/>
+        <p:cNvGrpSpPr/>
+        <p:nvPr/>
+      </p:nvGrpSpPr>
+      <p:grpSpPr>
+        <a:xfrm>
+          <a:off x="0" y="0"/>
+          <a:ext cx="0" cy="0"/>
+          <a:chOff x="0" y="0"/>
+          <a:chExt cx="0" cy="0"/>
+        </a:xfrm>
+      </p:grpSpPr>
+      <p:sp>
+        <p:nvSpPr>
+          <p:cNvPr id="114" name="Google Shape;114;g24f2da4f33f_0_4:notes"/>
+          <p:cNvSpPr txBox="1">
+            <a:spLocks noGrp="1"/>
+          </p:cNvSpPr>
+          <p:nvPr>
+            <p:ph type="body" idx="1"/>
+          </p:nvPr>
+        </p:nvSpPr>
+        <p:spPr>
+          <a:xfrm>
+            <a:off x="685800" y="4343400"/>
+            <a:ext cx="5486400" cy="4114800"/>
+          </a:xfrm>
+          <a:prstGeom prst="rect">
+            <a:avLst/>
+          </a:prstGeom>
+        </p:spPr>
+        <p:txBody>
+          <a:bodyPr spcFirstLastPara="1" wrap="square" lIns="91425" tIns="91425" rIns="91425" bIns="91425" anchor="t" anchorCtr="0">
+            <a:noAutofit/>
+          </a:bodyPr>
+          <a:lstStyle/>
+          <a:p>
+            <a:pPr marL="0" lvl="0" indent="0" algn="l" rtl="0">
+              <a:spcBef>
+                <a:spcPts val="0"/>
+              </a:spcBef>
+              <a:spcAft>
+                <a:spcPts val="0"/>
+              </a:spcAft>
+              <a:buNone/>
+            </a:pPr>
+            <a:endParaRPr/>
+          </a:p>
+        </p:txBody>
+      </p:sp>
+      <p:sp>
+        <p:nvSpPr>
+          <p:cNvPr id="115" name="Google Shape;115;g24f2da4f33f_0_4:notes"/>
           <p:cNvSpPr>
             <a:spLocks noGrp="1" noRot="1" noChangeAspect="1"/>
           </p:cNvSpPr>
@@ -795,7 +912,7 @@
 </p:notes>
 </file>
 
-<file path=ppt/notesSlides/notesSlide11.xml><?xml version="1.0" encoding="utf-8"?>
+<file path=ppt/notesSlides/notesSlide12.xml><?xml version="1.0" encoding="utf-8"?>
 <p:notes xmlns:a="http://schemas.openxmlformats.org/drawingml/2006/main" xmlns:r="http://schemas.openxmlformats.org/officeDocument/2006/relationships" xmlns:p="http://schemas.openxmlformats.org/presentationml/2006/main" showMasterSp="0" showMasterPhAnim="0">
   <p:cSld>
     <p:spTree>
@@ -1163,7 +1280,7 @@
               </a:spcAft>
               <a:buNone/>
             </a:pPr>
-            <a:endParaRPr/>
+            <a:endParaRPr dirty="0"/>
           </a:p>
         </p:txBody>
       </p:sp>
@@ -1267,7 +1384,7 @@
               </a:spcAft>
               <a:buNone/>
             </a:pPr>
-            <a:endParaRPr/>
+            <a:endParaRPr dirty="0"/>
           </a:p>
         </p:txBody>
       </p:sp>
@@ -1315,7 +1432,7 @@
     </p:spTree>
     <p:extLst>
       <p:ext uri="{BB962C8B-B14F-4D97-AF65-F5344CB8AC3E}">
-        <p14:creationId xmlns:p14="http://schemas.microsoft.com/office/powerpoint/2010/main" val="84506543"/>
+        <p14:creationId xmlns:p14="http://schemas.microsoft.com/office/powerpoint/2010/main" val="486593149"/>
       </p:ext>
     </p:extLst>
   </p:cSld>
@@ -1376,7 +1493,7 @@
               </a:spcAft>
               <a:buNone/>
             </a:pPr>
-            <a:endParaRPr/>
+            <a:endParaRPr dirty="0"/>
           </a:p>
         </p:txBody>
       </p:sp>
@@ -1424,7 +1541,7 @@
     </p:spTree>
     <p:extLst>
       <p:ext uri="{BB962C8B-B14F-4D97-AF65-F5344CB8AC3E}">
-        <p14:creationId xmlns:p14="http://schemas.microsoft.com/office/powerpoint/2010/main" val="3065598682"/>
+        <p14:creationId xmlns:p14="http://schemas.microsoft.com/office/powerpoint/2010/main" val="4171703587"/>
       </p:ext>
     </p:extLst>
   </p:cSld>
@@ -1485,7 +1602,7 @@
               </a:spcAft>
               <a:buNone/>
             </a:pPr>
-            <a:endParaRPr/>
+            <a:endParaRPr dirty="0"/>
           </a:p>
         </p:txBody>
       </p:sp>
@@ -1533,7 +1650,7 @@
     </p:spTree>
     <p:extLst>
       <p:ext uri="{BB962C8B-B14F-4D97-AF65-F5344CB8AC3E}">
-        <p14:creationId xmlns:p14="http://schemas.microsoft.com/office/powerpoint/2010/main" val="3027762177"/>
+        <p14:creationId xmlns:p14="http://schemas.microsoft.com/office/powerpoint/2010/main" val="3437724759"/>
       </p:ext>
     </p:extLst>
   </p:cSld>
@@ -1594,7 +1711,7 @@
               </a:spcAft>
               <a:buNone/>
             </a:pPr>
-            <a:endParaRPr/>
+            <a:endParaRPr dirty="0"/>
           </a:p>
         </p:txBody>
       </p:sp>
@@ -1642,7 +1759,7 @@
     </p:spTree>
     <p:extLst>
       <p:ext uri="{BB962C8B-B14F-4D97-AF65-F5344CB8AC3E}">
-        <p14:creationId xmlns:p14="http://schemas.microsoft.com/office/powerpoint/2010/main" val="1833910865"/>
+        <p14:creationId xmlns:p14="http://schemas.microsoft.com/office/powerpoint/2010/main" val="4075587240"/>
       </p:ext>
     </p:extLst>
   </p:cSld>
@@ -1657,7 +1774,7 @@
   <p:cSld>
     <p:spTree>
       <p:nvGrpSpPr>
-        <p:cNvPr id="1" name="Shape 113"/>
+        <p:cNvPr id="1" name="Shape 105"/>
         <p:cNvGrpSpPr/>
         <p:nvPr/>
       </p:nvGrpSpPr>
@@ -1671,7 +1788,7 @@
       </p:grpSpPr>
       <p:sp>
         <p:nvSpPr>
-          <p:cNvPr id="114" name="Google Shape;114;g24f2da4f33f_0_4:notes"/>
+          <p:cNvPr id="106" name="Google Shape;106;g24f2da4f33f_0_0:notes"/>
           <p:cNvSpPr txBox="1">
             <a:spLocks noGrp="1"/>
           </p:cNvSpPr>
@@ -1703,13 +1820,13 @@
               </a:spcAft>
               <a:buNone/>
             </a:pPr>
-            <a:endParaRPr/>
+            <a:endParaRPr dirty="0"/>
           </a:p>
         </p:txBody>
       </p:sp>
       <p:sp>
         <p:nvSpPr>
-          <p:cNvPr id="115" name="Google Shape;115;g24f2da4f33f_0_4:notes"/>
+          <p:cNvPr id="107" name="Google Shape;107;g24f2da4f33f_0_0:notes"/>
           <p:cNvSpPr>
             <a:spLocks noGrp="1" noRot="1" noChangeAspect="1"/>
           </p:cNvSpPr>
@@ -1749,6 +1866,11 @@
         </p:spPr>
       </p:sp>
     </p:spTree>
+    <p:extLst>
+      <p:ext uri="{BB962C8B-B14F-4D97-AF65-F5344CB8AC3E}">
+        <p14:creationId xmlns:p14="http://schemas.microsoft.com/office/powerpoint/2010/main" val="2643262281"/>
+      </p:ext>
+    </p:extLst>
   </p:cSld>
   <p:clrMapOvr>
     <a:masterClrMapping/>
@@ -2089,7 +2211,7 @@
     </p:spTree>
     <p:extLst>
       <p:ext uri="{BB962C8B-B14F-4D97-AF65-F5344CB8AC3E}">
-        <p14:creationId xmlns:p14="http://schemas.microsoft.com/office/powerpoint/2010/main" val="3446276020"/>
+        <p14:creationId xmlns:p14="http://schemas.microsoft.com/office/powerpoint/2010/main" val="2816673198"/>
       </p:ext>
     </p:extLst>
   </p:cSld>
@@ -2324,7 +2446,7 @@
     </p:spTree>
     <p:extLst>
       <p:ext uri="{BB962C8B-B14F-4D97-AF65-F5344CB8AC3E}">
-        <p14:creationId xmlns:p14="http://schemas.microsoft.com/office/powerpoint/2010/main" val="146699019"/>
+        <p14:creationId xmlns:p14="http://schemas.microsoft.com/office/powerpoint/2010/main" val="3131436519"/>
       </p:ext>
     </p:extLst>
   </p:cSld>
@@ -2585,7 +2707,7 @@
     </p:spTree>
     <p:extLst>
       <p:ext uri="{BB962C8B-B14F-4D97-AF65-F5344CB8AC3E}">
-        <p14:creationId xmlns:p14="http://schemas.microsoft.com/office/powerpoint/2010/main" val="1384378989"/>
+        <p14:creationId xmlns:p14="http://schemas.microsoft.com/office/powerpoint/2010/main" val="3652208515"/>
       </p:ext>
     </p:extLst>
   </p:cSld>
@@ -2814,7 +2936,7 @@
     </p:spTree>
     <p:extLst>
       <p:ext uri="{BB962C8B-B14F-4D97-AF65-F5344CB8AC3E}">
-        <p14:creationId xmlns:p14="http://schemas.microsoft.com/office/powerpoint/2010/main" val="2257933377"/>
+        <p14:creationId xmlns:p14="http://schemas.microsoft.com/office/powerpoint/2010/main" val="1121629044"/>
       </p:ext>
     </p:extLst>
   </p:cSld>
@@ -3143,7 +3265,7 @@
     </p:spTree>
     <p:extLst>
       <p:ext uri="{BB962C8B-B14F-4D97-AF65-F5344CB8AC3E}">
-        <p14:creationId xmlns:p14="http://schemas.microsoft.com/office/powerpoint/2010/main" val="3954694258"/>
+        <p14:creationId xmlns:p14="http://schemas.microsoft.com/office/powerpoint/2010/main" val="1304060589"/>
       </p:ext>
     </p:extLst>
   </p:cSld>
@@ -3428,7 +3550,7 @@
     </p:spTree>
     <p:extLst>
       <p:ext uri="{BB962C8B-B14F-4D97-AF65-F5344CB8AC3E}">
-        <p14:creationId xmlns:p14="http://schemas.microsoft.com/office/powerpoint/2010/main" val="325032656"/>
+        <p14:creationId xmlns:p14="http://schemas.microsoft.com/office/powerpoint/2010/main" val="1826860703"/>
       </p:ext>
     </p:extLst>
   </p:cSld>
@@ -3855,7 +3977,7 @@
     </p:spTree>
     <p:extLst>
       <p:ext uri="{BB962C8B-B14F-4D97-AF65-F5344CB8AC3E}">
-        <p14:creationId xmlns:p14="http://schemas.microsoft.com/office/powerpoint/2010/main" val="2454172977"/>
+        <p14:creationId xmlns:p14="http://schemas.microsoft.com/office/powerpoint/2010/main" val="829636241"/>
       </p:ext>
     </p:extLst>
   </p:cSld>
@@ -3882,6 +4004,76 @@
           <a:chExt cx="0" cy="0"/>
         </a:xfrm>
       </p:grpSpPr>
+      <p:sp>
+        <p:nvSpPr>
+          <p:cNvPr id="3" name="Date Placeholder 2"/>
+          <p:cNvSpPr>
+            <a:spLocks noGrp="1"/>
+          </p:cNvSpPr>
+          <p:nvPr>
+            <p:ph type="dt" sz="half" idx="10"/>
+          </p:nvPr>
+        </p:nvSpPr>
+        <p:spPr/>
+        <p:txBody>
+          <a:bodyPr/>
+          <a:lstStyle/>
+          <a:p>
+            <a:endParaRPr lang="en-US"/>
+          </a:p>
+        </p:txBody>
+      </p:sp>
+      <p:sp>
+        <p:nvSpPr>
+          <p:cNvPr id="4" name="Footer Placeholder 3"/>
+          <p:cNvSpPr>
+            <a:spLocks noGrp="1"/>
+          </p:cNvSpPr>
+          <p:nvPr>
+            <p:ph type="ftr" sz="quarter" idx="11"/>
+          </p:nvPr>
+        </p:nvSpPr>
+        <p:spPr/>
+        <p:txBody>
+          <a:bodyPr/>
+          <a:lstStyle/>
+          <a:p>
+            <a:endParaRPr lang="en-US"/>
+          </a:p>
+        </p:txBody>
+      </p:sp>
+      <p:sp>
+        <p:nvSpPr>
+          <p:cNvPr id="5" name="Slide Number Placeholder 4"/>
+          <p:cNvSpPr>
+            <a:spLocks noGrp="1"/>
+          </p:cNvSpPr>
+          <p:nvPr>
+            <p:ph type="sldNum" sz="quarter" idx="12"/>
+          </p:nvPr>
+        </p:nvSpPr>
+        <p:spPr/>
+        <p:txBody>
+          <a:bodyPr/>
+          <a:lstStyle/>
+          <a:p>
+            <a:pPr marL="0" lvl="0" indent="0" algn="r" rtl="0">
+              <a:spcBef>
+                <a:spcPts val="0"/>
+              </a:spcBef>
+              <a:spcAft>
+                <a:spcPts val="0"/>
+              </a:spcAft>
+              <a:buNone/>
+            </a:pPr>
+            <a:fld id="{00000000-1234-1234-1234-123412341234}" type="slidenum">
+              <a:rPr lang="en-US" smtClean="0"/>
+              <a:t>‹#›</a:t>
+            </a:fld>
+            <a:endParaRPr lang="en-US"/>
+          </a:p>
+        </p:txBody>
+      </p:sp>
       <p:sp>
         <p:nvSpPr>
           <p:cNvPr id="7" name="Rectangle 6"/>
@@ -3949,80 +4141,10 @@
           </a:p>
         </p:txBody>
       </p:sp>
-      <p:sp>
-        <p:nvSpPr>
-          <p:cNvPr id="3" name="Date Placeholder 2"/>
-          <p:cNvSpPr>
-            <a:spLocks noGrp="1"/>
-          </p:cNvSpPr>
-          <p:nvPr>
-            <p:ph type="dt" sz="half" idx="10"/>
-          </p:nvPr>
-        </p:nvSpPr>
-        <p:spPr/>
-        <p:txBody>
-          <a:bodyPr/>
-          <a:lstStyle/>
-          <a:p>
-            <a:endParaRPr lang="en-US"/>
-          </a:p>
-        </p:txBody>
-      </p:sp>
-      <p:sp>
-        <p:nvSpPr>
-          <p:cNvPr id="4" name="Footer Placeholder 3"/>
-          <p:cNvSpPr>
-            <a:spLocks noGrp="1"/>
-          </p:cNvSpPr>
-          <p:nvPr>
-            <p:ph type="ftr" sz="quarter" idx="11"/>
-          </p:nvPr>
-        </p:nvSpPr>
-        <p:spPr/>
-        <p:txBody>
-          <a:bodyPr/>
-          <a:lstStyle/>
-          <a:p>
-            <a:endParaRPr lang="en-US"/>
-          </a:p>
-        </p:txBody>
-      </p:sp>
-      <p:sp>
-        <p:nvSpPr>
-          <p:cNvPr id="5" name="Slide Number Placeholder 4"/>
-          <p:cNvSpPr>
-            <a:spLocks noGrp="1"/>
-          </p:cNvSpPr>
-          <p:nvPr>
-            <p:ph type="sldNum" sz="quarter" idx="12"/>
-          </p:nvPr>
-        </p:nvSpPr>
-        <p:spPr/>
-        <p:txBody>
-          <a:bodyPr/>
-          <a:lstStyle/>
-          <a:p>
-            <a:pPr marL="0" lvl="0" indent="0" algn="r" rtl="0">
-              <a:spcBef>
-                <a:spcPts val="0"/>
-              </a:spcBef>
-              <a:spcAft>
-                <a:spcPts val="0"/>
-              </a:spcAft>
-              <a:buNone/>
-            </a:pPr>
-            <a:fld id="{00000000-1234-1234-1234-123412341234}" type="slidenum">
-              <a:rPr lang="en-US" smtClean="0"/>
-              <a:t>‹#›</a:t>
-            </a:fld>
-            <a:endParaRPr lang="en-US"/>
-          </a:p>
-        </p:txBody>
-      </p:sp>
     </p:spTree>
     <p:extLst>
       <p:ext uri="{BB962C8B-B14F-4D97-AF65-F5344CB8AC3E}">
-        <p14:creationId xmlns:p14="http://schemas.microsoft.com/office/powerpoint/2010/main" val="1022005520"/>
+        <p14:creationId xmlns:p14="http://schemas.microsoft.com/office/powerpoint/2010/main" val="63593563"/>
       </p:ext>
     </p:extLst>
   </p:cSld>
@@ -4122,7 +4244,7 @@
     </p:spTree>
     <p:extLst>
       <p:ext uri="{BB962C8B-B14F-4D97-AF65-F5344CB8AC3E}">
-        <p14:creationId xmlns:p14="http://schemas.microsoft.com/office/powerpoint/2010/main" val="38646393"/>
+        <p14:creationId xmlns:p14="http://schemas.microsoft.com/office/powerpoint/2010/main" val="1366643451"/>
       </p:ext>
     </p:extLst>
   </p:cSld>
@@ -4527,7 +4649,7 @@
     </p:spTree>
     <p:extLst>
       <p:ext uri="{BB962C8B-B14F-4D97-AF65-F5344CB8AC3E}">
-        <p14:creationId xmlns:p14="http://schemas.microsoft.com/office/powerpoint/2010/main" val="671087039"/>
+        <p14:creationId xmlns:p14="http://schemas.microsoft.com/office/powerpoint/2010/main" val="2386548234"/>
       </p:ext>
     </p:extLst>
   </p:cSld>
@@ -4799,7 +4921,7 @@
     </p:spTree>
     <p:extLst>
       <p:ext uri="{BB962C8B-B14F-4D97-AF65-F5344CB8AC3E}">
-        <p14:creationId xmlns:p14="http://schemas.microsoft.com/office/powerpoint/2010/main" val="2919688578"/>
+        <p14:creationId xmlns:p14="http://schemas.microsoft.com/office/powerpoint/2010/main" val="645794453"/>
       </p:ext>
     </p:extLst>
   </p:cSld>
@@ -4814,7 +4936,7 @@
 <p:sldMaster xmlns:a="http://schemas.openxmlformats.org/drawingml/2006/main" xmlns:r="http://schemas.openxmlformats.org/officeDocument/2006/relationships" xmlns:p="http://schemas.openxmlformats.org/presentationml/2006/main">
   <p:cSld>
     <p:bg>
-      <p:bgRef idx="1003">
+      <p:bgRef idx="1001">
         <a:schemeClr val="bg1"/>
       </p:bgRef>
     </p:bg>
@@ -5159,23 +5281,23 @@
     </p:spTree>
     <p:extLst>
       <p:ext uri="{BB962C8B-B14F-4D97-AF65-F5344CB8AC3E}">
-        <p14:creationId xmlns:p14="http://schemas.microsoft.com/office/powerpoint/2010/main" val="1827076615"/>
+        <p14:creationId xmlns:p14="http://schemas.microsoft.com/office/powerpoint/2010/main" val="2193386943"/>
       </p:ext>
     </p:extLst>
   </p:cSld>
   <p:clrMap bg1="lt1" tx1="dk1" bg2="lt2" tx2="dk2" accent1="accent1" accent2="accent2" accent3="accent3" accent4="accent4" accent5="accent5" accent6="accent6" hlink="hlink" folHlink="folHlink"/>
   <p:sldLayoutIdLst>
-    <p:sldLayoutId id="2147483661" r:id="rId1"/>
-    <p:sldLayoutId id="2147483662" r:id="rId2"/>
-    <p:sldLayoutId id="2147483663" r:id="rId3"/>
-    <p:sldLayoutId id="2147483664" r:id="rId4"/>
-    <p:sldLayoutId id="2147483665" r:id="rId5"/>
-    <p:sldLayoutId id="2147483666" r:id="rId6"/>
-    <p:sldLayoutId id="2147483667" r:id="rId7"/>
-    <p:sldLayoutId id="2147483668" r:id="rId8"/>
-    <p:sldLayoutId id="2147483669" r:id="rId9"/>
-    <p:sldLayoutId id="2147483670" r:id="rId10"/>
-    <p:sldLayoutId id="2147483671" r:id="rId11"/>
+    <p:sldLayoutId id="2147483673" r:id="rId1"/>
+    <p:sldLayoutId id="2147483674" r:id="rId2"/>
+    <p:sldLayoutId id="2147483675" r:id="rId3"/>
+    <p:sldLayoutId id="2147483676" r:id="rId4"/>
+    <p:sldLayoutId id="2147483677" r:id="rId5"/>
+    <p:sldLayoutId id="2147483678" r:id="rId6"/>
+    <p:sldLayoutId id="2147483679" r:id="rId7"/>
+    <p:sldLayoutId id="2147483680" r:id="rId8"/>
+    <p:sldLayoutId id="2147483681" r:id="rId9"/>
+    <p:sldLayoutId id="2147483682" r:id="rId10"/>
+    <p:sldLayoutId id="2147483683" r:id="rId11"/>
   </p:sldLayoutIdLst>
   <p:hf sldNum="0" hdr="0" ftr="0" dt="0"/>
   <p:txStyles>
@@ -5933,6 +6055,847 @@
   <p:cSld>
     <p:spTree>
       <p:nvGrpSpPr>
+        <p:cNvPr id="1" name="Shape 108"/>
+        <p:cNvGrpSpPr/>
+        <p:nvPr/>
+      </p:nvGrpSpPr>
+      <p:grpSpPr>
+        <a:xfrm>
+          <a:off x="0" y="0"/>
+          <a:ext cx="0" cy="0"/>
+          <a:chOff x="0" y="0"/>
+          <a:chExt cx="0" cy="0"/>
+        </a:xfrm>
+      </p:grpSpPr>
+      <p:sp>
+        <p:nvSpPr>
+          <p:cNvPr id="109" name="Google Shape;109;g24f2da4f33f_0_0"/>
+          <p:cNvSpPr txBox="1">
+            <a:spLocks noGrp="1"/>
+          </p:cNvSpPr>
+          <p:nvPr>
+            <p:ph type="title"/>
+          </p:nvPr>
+        </p:nvSpPr>
+        <p:spPr>
+          <a:xfrm>
+            <a:off x="575894" y="729658"/>
+            <a:ext cx="11029500" cy="988200"/>
+          </a:xfrm>
+          <a:prstGeom prst="rect">
+            <a:avLst/>
+          </a:prstGeom>
+          <a:noFill/>
+          <a:ln>
+            <a:noFill/>
+          </a:ln>
+        </p:spPr>
+        <p:txBody>
+          <a:bodyPr spcFirstLastPara="1" wrap="square" lIns="91425" tIns="45700" rIns="91425" bIns="45700" anchor="b" anchorCtr="0">
+            <a:normAutofit/>
+          </a:bodyPr>
+          <a:lstStyle/>
+          <a:p>
+            <a:pPr marL="0" lvl="0" indent="0" algn="l" rtl="0">
+              <a:spcBef>
+                <a:spcPts val="0"/>
+              </a:spcBef>
+              <a:spcAft>
+                <a:spcPts val="0"/>
+              </a:spcAft>
+              <a:buClr>
+                <a:schemeClr val="lt1"/>
+              </a:buClr>
+              <a:buSzPts val="2800"/>
+              <a:buFont typeface="Gill Sans"/>
+              <a:buNone/>
+            </a:pPr>
+            <a:r>
+              <a:rPr lang="en-US" sz="4400" dirty="0"/>
+              <a:t>Accuracy comparisons</a:t>
+            </a:r>
+            <a:endParaRPr sz="4400" dirty="0"/>
+          </a:p>
+        </p:txBody>
+      </p:sp>
+      <p:grpSp>
+        <p:nvGrpSpPr>
+          <p:cNvPr id="101" name="Group 100">
+            <a:extLst>
+              <a:ext uri="{FF2B5EF4-FFF2-40B4-BE49-F238E27FC236}">
+                <a16:creationId xmlns:a16="http://schemas.microsoft.com/office/drawing/2014/main" id="{3BC66274-B6CC-E06A-6B61-AF37B4CAD6D2}"/>
+              </a:ext>
+            </a:extLst>
+          </p:cNvPr>
+          <p:cNvGrpSpPr/>
+          <p:nvPr/>
+        </p:nvGrpSpPr>
+        <p:grpSpPr>
+          <a:xfrm>
+            <a:off x="575889" y="-34592365"/>
+            <a:ext cx="4753084" cy="39464494"/>
+            <a:chOff x="575889" y="3429000"/>
+            <a:chExt cx="4753084" cy="39464494"/>
+          </a:xfrm>
+        </p:grpSpPr>
+        <p:sp>
+          <p:nvSpPr>
+            <p:cNvPr id="110" name="Google Shape;110;g24f2da4f33f_0_0"/>
+            <p:cNvSpPr txBox="1"/>
+            <p:nvPr/>
+          </p:nvSpPr>
+          <p:spPr>
+            <a:xfrm>
+              <a:off x="575894" y="9707930"/>
+              <a:ext cx="4753079" cy="1415742"/>
+            </a:xfrm>
+            <a:prstGeom prst="rect">
+              <a:avLst/>
+            </a:prstGeom>
+            <a:noFill/>
+            <a:ln>
+              <a:noFill/>
+            </a:ln>
+          </p:spPr>
+          <p:txBody>
+            <a:bodyPr spcFirstLastPara="1" wrap="square" lIns="91425" tIns="91425" rIns="91425" bIns="91425" anchor="t" anchorCtr="0">
+              <a:spAutoFit/>
+            </a:bodyPr>
+            <a:lstStyle/>
+            <a:p>
+              <a:pPr marL="0" lvl="0" indent="0" algn="l" rtl="0">
+                <a:spcBef>
+                  <a:spcPts val="0"/>
+                </a:spcBef>
+                <a:spcAft>
+                  <a:spcPts val="0"/>
+                </a:spcAft>
+                <a:buNone/>
+              </a:pPr>
+              <a:r>
+                <a:rPr lang="en-US" sz="4000" b="1" dirty="0">
+                  <a:latin typeface="Gill Sans"/>
+                  <a:ea typeface="Gill Sans"/>
+                  <a:cs typeface="Gill Sans"/>
+                  <a:sym typeface="Gill Sans"/>
+                </a:rPr>
+                <a:t>Regression Model</a:t>
+              </a:r>
+            </a:p>
+            <a:p>
+              <a:pPr marL="0" lvl="0" indent="0" algn="l" rtl="0">
+                <a:spcBef>
+                  <a:spcPts val="0"/>
+                </a:spcBef>
+                <a:spcAft>
+                  <a:spcPts val="0"/>
+                </a:spcAft>
+                <a:buNone/>
+              </a:pPr>
+              <a:r>
+                <a:rPr lang="en-US" sz="4000" b="1" dirty="0">
+                  <a:latin typeface="Gill Sans"/>
+                  <a:ea typeface="Gill Sans"/>
+                  <a:cs typeface="Gill Sans"/>
+                  <a:sym typeface="Gill Sans"/>
+                </a:rPr>
+                <a:t>Oversample</a:t>
+              </a:r>
+            </a:p>
+          </p:txBody>
+        </p:sp>
+        <p:sp>
+          <p:nvSpPr>
+            <p:cNvPr id="3" name="Google Shape;110;g24f2da4f33f_0_0">
+              <a:extLst>
+                <a:ext uri="{FF2B5EF4-FFF2-40B4-BE49-F238E27FC236}">
+                  <a16:creationId xmlns:a16="http://schemas.microsoft.com/office/drawing/2014/main" id="{806C0FB1-E210-4CEB-30B1-FAF182EDB970}"/>
+                </a:ext>
+              </a:extLst>
+            </p:cNvPr>
+            <p:cNvSpPr txBox="1"/>
+            <p:nvPr/>
+          </p:nvSpPr>
+          <p:spPr>
+            <a:xfrm>
+              <a:off x="575895" y="16392330"/>
+              <a:ext cx="4114689" cy="1415742"/>
+            </a:xfrm>
+            <a:prstGeom prst="rect">
+              <a:avLst/>
+            </a:prstGeom>
+            <a:noFill/>
+            <a:ln>
+              <a:noFill/>
+            </a:ln>
+          </p:spPr>
+          <p:txBody>
+            <a:bodyPr spcFirstLastPara="1" wrap="square" lIns="91425" tIns="91425" rIns="91425" bIns="91425" anchor="t" anchorCtr="0">
+              <a:spAutoFit/>
+            </a:bodyPr>
+            <a:lstStyle/>
+            <a:p>
+              <a:pPr marL="0" lvl="0" indent="0" algn="l" rtl="0">
+                <a:spcBef>
+                  <a:spcPts val="0"/>
+                </a:spcBef>
+                <a:spcAft>
+                  <a:spcPts val="0"/>
+                </a:spcAft>
+                <a:buNone/>
+              </a:pPr>
+              <a:r>
+                <a:rPr lang="en-US" sz="4000" b="1" dirty="0">
+                  <a:latin typeface="Gill Sans"/>
+                  <a:ea typeface="Gill Sans"/>
+                  <a:cs typeface="Gill Sans"/>
+                  <a:sym typeface="Gill Sans"/>
+                </a:rPr>
+                <a:t>Decision Tree Model</a:t>
+              </a:r>
+            </a:p>
+          </p:txBody>
+        </p:sp>
+        <p:sp>
+          <p:nvSpPr>
+            <p:cNvPr id="4" name="Google Shape;110;g24f2da4f33f_0_0">
+              <a:extLst>
+                <a:ext uri="{FF2B5EF4-FFF2-40B4-BE49-F238E27FC236}">
+                  <a16:creationId xmlns:a16="http://schemas.microsoft.com/office/drawing/2014/main" id="{742E04E7-C4C6-D3F4-0AC3-79ADF960F209}"/>
+                </a:ext>
+              </a:extLst>
+            </p:cNvPr>
+            <p:cNvSpPr txBox="1"/>
+            <p:nvPr/>
+          </p:nvSpPr>
+          <p:spPr>
+            <a:xfrm>
+              <a:off x="575892" y="28935041"/>
+              <a:ext cx="4114689" cy="1415742"/>
+            </a:xfrm>
+            <a:prstGeom prst="rect">
+              <a:avLst/>
+            </a:prstGeom>
+            <a:noFill/>
+            <a:ln>
+              <a:noFill/>
+            </a:ln>
+          </p:spPr>
+          <p:txBody>
+            <a:bodyPr spcFirstLastPara="1" wrap="square" lIns="91425" tIns="91425" rIns="91425" bIns="91425" anchor="t" anchorCtr="0">
+              <a:spAutoFit/>
+            </a:bodyPr>
+            <a:lstStyle/>
+            <a:p>
+              <a:pPr marL="0" lvl="0" indent="0" algn="l" rtl="0">
+                <a:spcBef>
+                  <a:spcPts val="0"/>
+                </a:spcBef>
+                <a:spcAft>
+                  <a:spcPts val="0"/>
+                </a:spcAft>
+                <a:buNone/>
+              </a:pPr>
+              <a:r>
+                <a:rPr lang="en-US" sz="4000" b="1" dirty="0">
+                  <a:latin typeface="Gill Sans"/>
+                  <a:ea typeface="Gill Sans"/>
+                  <a:cs typeface="Gill Sans"/>
+                  <a:sym typeface="Gill Sans"/>
+                </a:rPr>
+                <a:t>Neural Network Model</a:t>
+              </a:r>
+            </a:p>
+          </p:txBody>
+        </p:sp>
+        <p:sp>
+          <p:nvSpPr>
+            <p:cNvPr id="5" name="Google Shape;110;g24f2da4f33f_0_0">
+              <a:extLst>
+                <a:ext uri="{FF2B5EF4-FFF2-40B4-BE49-F238E27FC236}">
+                  <a16:creationId xmlns:a16="http://schemas.microsoft.com/office/drawing/2014/main" id="{5B7BFBD7-4E49-9E08-A54B-24FAD2C1798C}"/>
+                </a:ext>
+              </a:extLst>
+            </p:cNvPr>
+            <p:cNvSpPr txBox="1"/>
+            <p:nvPr/>
+          </p:nvSpPr>
+          <p:spPr>
+            <a:xfrm>
+              <a:off x="575890" y="35213971"/>
+              <a:ext cx="4114689" cy="1415742"/>
+            </a:xfrm>
+            <a:prstGeom prst="rect">
+              <a:avLst/>
+            </a:prstGeom>
+            <a:noFill/>
+            <a:ln>
+              <a:noFill/>
+            </a:ln>
+          </p:spPr>
+          <p:txBody>
+            <a:bodyPr spcFirstLastPara="1" wrap="square" lIns="91425" tIns="91425" rIns="91425" bIns="91425" anchor="t" anchorCtr="0">
+              <a:spAutoFit/>
+            </a:bodyPr>
+            <a:lstStyle/>
+            <a:p>
+              <a:pPr marL="0" lvl="0" indent="0" algn="l" rtl="0">
+                <a:spcBef>
+                  <a:spcPts val="0"/>
+                </a:spcBef>
+                <a:spcAft>
+                  <a:spcPts val="0"/>
+                </a:spcAft>
+                <a:buNone/>
+              </a:pPr>
+              <a:r>
+                <a:rPr lang="en-US" sz="4000" b="1" dirty="0">
+                  <a:latin typeface="Gill Sans"/>
+                  <a:ea typeface="Gill Sans"/>
+                  <a:cs typeface="Gill Sans"/>
+                  <a:sym typeface="Gill Sans"/>
+                </a:rPr>
+                <a:t>Random Forest Model</a:t>
+              </a:r>
+              <a:endParaRPr sz="4000" b="1" dirty="0">
+                <a:latin typeface="Gill Sans"/>
+                <a:ea typeface="Gill Sans"/>
+                <a:cs typeface="Gill Sans"/>
+                <a:sym typeface="Gill Sans"/>
+              </a:endParaRPr>
+            </a:p>
+          </p:txBody>
+        </p:sp>
+        <p:sp>
+          <p:nvSpPr>
+            <p:cNvPr id="11" name="Google Shape;110;g24f2da4f33f_0_0">
+              <a:extLst>
+                <a:ext uri="{FF2B5EF4-FFF2-40B4-BE49-F238E27FC236}">
+                  <a16:creationId xmlns:a16="http://schemas.microsoft.com/office/drawing/2014/main" id="{30E990CF-5CA5-80D0-649D-9C94A3696569}"/>
+                </a:ext>
+              </a:extLst>
+            </p:cNvPr>
+            <p:cNvSpPr txBox="1"/>
+            <p:nvPr/>
+          </p:nvSpPr>
+          <p:spPr>
+            <a:xfrm>
+              <a:off x="575894" y="3429000"/>
+              <a:ext cx="4753079" cy="1415742"/>
+            </a:xfrm>
+            <a:prstGeom prst="rect">
+              <a:avLst/>
+            </a:prstGeom>
+            <a:noFill/>
+            <a:ln>
+              <a:noFill/>
+            </a:ln>
+          </p:spPr>
+          <p:txBody>
+            <a:bodyPr spcFirstLastPara="1" wrap="square" lIns="91425" tIns="91425" rIns="91425" bIns="91425" anchor="t" anchorCtr="0">
+              <a:spAutoFit/>
+            </a:bodyPr>
+            <a:lstStyle/>
+            <a:p>
+              <a:pPr marL="0" lvl="0" indent="0" algn="l" rtl="0">
+                <a:spcBef>
+                  <a:spcPts val="0"/>
+                </a:spcBef>
+                <a:spcAft>
+                  <a:spcPts val="0"/>
+                </a:spcAft>
+                <a:buNone/>
+              </a:pPr>
+              <a:r>
+                <a:rPr lang="en-US" sz="4000" b="1" dirty="0">
+                  <a:latin typeface="Gill Sans"/>
+                  <a:ea typeface="Gill Sans"/>
+                  <a:cs typeface="Gill Sans"/>
+                  <a:sym typeface="Gill Sans"/>
+                </a:rPr>
+                <a:t>Regression Model</a:t>
+              </a:r>
+            </a:p>
+            <a:p>
+              <a:pPr marL="0" lvl="0" indent="0" algn="l" rtl="0">
+                <a:spcBef>
+                  <a:spcPts val="0"/>
+                </a:spcBef>
+                <a:spcAft>
+                  <a:spcPts val="0"/>
+                </a:spcAft>
+                <a:buNone/>
+              </a:pPr>
+              <a:r>
+                <a:rPr lang="en-US" sz="4000" b="1" dirty="0">
+                  <a:latin typeface="Gill Sans"/>
+                  <a:ea typeface="Gill Sans"/>
+                  <a:cs typeface="Gill Sans"/>
+                  <a:sym typeface="Gill Sans"/>
+                </a:rPr>
+                <a:t>Base</a:t>
+              </a:r>
+            </a:p>
+          </p:txBody>
+        </p:sp>
+        <p:sp>
+          <p:nvSpPr>
+            <p:cNvPr id="2" name="Google Shape;110;g24f2da4f33f_0_0">
+              <a:extLst>
+                <a:ext uri="{FF2B5EF4-FFF2-40B4-BE49-F238E27FC236}">
+                  <a16:creationId xmlns:a16="http://schemas.microsoft.com/office/drawing/2014/main" id="{2014FF7A-53BD-460A-CE08-AF241996C372}"/>
+                </a:ext>
+              </a:extLst>
+            </p:cNvPr>
+            <p:cNvSpPr txBox="1"/>
+            <p:nvPr/>
+          </p:nvSpPr>
+          <p:spPr>
+            <a:xfrm>
+              <a:off x="575891" y="22250641"/>
+              <a:ext cx="4114689" cy="1415742"/>
+            </a:xfrm>
+            <a:prstGeom prst="rect">
+              <a:avLst/>
+            </a:prstGeom>
+            <a:noFill/>
+            <a:ln>
+              <a:noFill/>
+            </a:ln>
+          </p:spPr>
+          <p:txBody>
+            <a:bodyPr spcFirstLastPara="1" wrap="square" lIns="91425" tIns="91425" rIns="91425" bIns="91425" anchor="t" anchorCtr="0">
+              <a:spAutoFit/>
+            </a:bodyPr>
+            <a:lstStyle/>
+            <a:p>
+              <a:pPr marL="0" lvl="0" indent="0" algn="l" rtl="0">
+                <a:spcBef>
+                  <a:spcPts val="0"/>
+                </a:spcBef>
+                <a:spcAft>
+                  <a:spcPts val="0"/>
+                </a:spcAft>
+                <a:buNone/>
+              </a:pPr>
+              <a:r>
+                <a:rPr lang="en-US" sz="4000" b="1" dirty="0">
+                  <a:latin typeface="Gill Sans"/>
+                  <a:ea typeface="Gill Sans"/>
+                  <a:cs typeface="Gill Sans"/>
+                  <a:sym typeface="Gill Sans"/>
+                </a:rPr>
+                <a:t>Decision Tree Oversample</a:t>
+              </a:r>
+            </a:p>
+          </p:txBody>
+        </p:sp>
+        <p:sp>
+          <p:nvSpPr>
+            <p:cNvPr id="6" name="Google Shape;110;g24f2da4f33f_0_0">
+              <a:extLst>
+                <a:ext uri="{FF2B5EF4-FFF2-40B4-BE49-F238E27FC236}">
+                  <a16:creationId xmlns:a16="http://schemas.microsoft.com/office/drawing/2014/main" id="{56E47BA0-6CF1-69C8-A878-2D6039CD08A2}"/>
+                </a:ext>
+              </a:extLst>
+            </p:cNvPr>
+            <p:cNvSpPr txBox="1"/>
+            <p:nvPr/>
+          </p:nvSpPr>
+          <p:spPr>
+            <a:xfrm>
+              <a:off x="575889" y="41477752"/>
+              <a:ext cx="4114689" cy="1415742"/>
+            </a:xfrm>
+            <a:prstGeom prst="rect">
+              <a:avLst/>
+            </a:prstGeom>
+            <a:noFill/>
+            <a:ln>
+              <a:noFill/>
+            </a:ln>
+          </p:spPr>
+          <p:txBody>
+            <a:bodyPr spcFirstLastPara="1" wrap="square" lIns="91425" tIns="91425" rIns="91425" bIns="91425" anchor="t" anchorCtr="0">
+              <a:spAutoFit/>
+            </a:bodyPr>
+            <a:lstStyle/>
+            <a:p>
+              <a:pPr marL="0" lvl="0" indent="0" algn="l" rtl="0">
+                <a:spcBef>
+                  <a:spcPts val="0"/>
+                </a:spcBef>
+                <a:spcAft>
+                  <a:spcPts val="0"/>
+                </a:spcAft>
+                <a:buNone/>
+              </a:pPr>
+              <a:r>
+                <a:rPr lang="en-US" sz="4000" b="1" dirty="0">
+                  <a:latin typeface="Gill Sans"/>
+                  <a:ea typeface="Gill Sans"/>
+                  <a:cs typeface="Gill Sans"/>
+                  <a:sym typeface="Gill Sans"/>
+                </a:rPr>
+                <a:t>Random Forest Oversample</a:t>
+              </a:r>
+              <a:endParaRPr sz="4000" b="1" dirty="0">
+                <a:latin typeface="Gill Sans"/>
+                <a:ea typeface="Gill Sans"/>
+                <a:cs typeface="Gill Sans"/>
+                <a:sym typeface="Gill Sans"/>
+              </a:endParaRPr>
+            </a:p>
+          </p:txBody>
+        </p:sp>
+      </p:grpSp>
+      <p:grpSp>
+        <p:nvGrpSpPr>
+          <p:cNvPr id="100" name="Group 99">
+            <a:extLst>
+              <a:ext uri="{FF2B5EF4-FFF2-40B4-BE49-F238E27FC236}">
+                <a16:creationId xmlns:a16="http://schemas.microsoft.com/office/drawing/2014/main" id="{0B67DAF7-9142-2DBF-2A13-E8F40578A7F6}"/>
+              </a:ext>
+            </a:extLst>
+          </p:cNvPr>
+          <p:cNvGrpSpPr/>
+          <p:nvPr/>
+        </p:nvGrpSpPr>
+        <p:grpSpPr>
+          <a:xfrm>
+            <a:off x="6090644" y="2830867"/>
+            <a:ext cx="5757862" cy="41208228"/>
+            <a:chOff x="5870975" y="2553782"/>
+            <a:chExt cx="5757862" cy="41208228"/>
+          </a:xfrm>
+        </p:grpSpPr>
+        <p:pic>
+          <p:nvPicPr>
+            <p:cNvPr id="10" name="Picture 9">
+              <a:extLst>
+                <a:ext uri="{FF2B5EF4-FFF2-40B4-BE49-F238E27FC236}">
+                  <a16:creationId xmlns:a16="http://schemas.microsoft.com/office/drawing/2014/main" id="{D212A4B1-8282-15D3-C6AC-867AEEE0FA33}"/>
+                </a:ext>
+              </a:extLst>
+            </p:cNvPr>
+            <p:cNvPicPr>
+              <a:picLocks noChangeAspect="1"/>
+            </p:cNvPicPr>
+            <p:nvPr/>
+          </p:nvPicPr>
+          <p:blipFill>
+            <a:blip r:embed="rId3"/>
+            <a:stretch>
+              <a:fillRect/>
+            </a:stretch>
+          </p:blipFill>
+          <p:spPr>
+            <a:xfrm>
+              <a:off x="5951937" y="8839413"/>
+              <a:ext cx="4505325" cy="3152775"/>
+            </a:xfrm>
+            <a:prstGeom prst="rect">
+              <a:avLst/>
+            </a:prstGeom>
+            <a:ln w="38100">
+              <a:solidFill>
+                <a:schemeClr val="accent6">
+                  <a:lumMod val="75000"/>
+                </a:schemeClr>
+              </a:solidFill>
+            </a:ln>
+          </p:spPr>
+        </p:pic>
+        <p:pic>
+          <p:nvPicPr>
+            <p:cNvPr id="14" name="Picture 13">
+              <a:extLst>
+                <a:ext uri="{FF2B5EF4-FFF2-40B4-BE49-F238E27FC236}">
+                  <a16:creationId xmlns:a16="http://schemas.microsoft.com/office/drawing/2014/main" id="{6F378B71-8CA6-4222-4BC8-EAAD59AA3C29}"/>
+                </a:ext>
+              </a:extLst>
+            </p:cNvPr>
+            <p:cNvPicPr>
+              <a:picLocks noChangeAspect="1"/>
+            </p:cNvPicPr>
+            <p:nvPr/>
+          </p:nvPicPr>
+          <p:blipFill>
+            <a:blip r:embed="rId4"/>
+            <a:stretch>
+              <a:fillRect/>
+            </a:stretch>
+          </p:blipFill>
+          <p:spPr>
+            <a:xfrm>
+              <a:off x="5937650" y="21358312"/>
+              <a:ext cx="4438650" cy="3200400"/>
+            </a:xfrm>
+            <a:prstGeom prst="rect">
+              <a:avLst/>
+            </a:prstGeom>
+            <a:ln w="38100">
+              <a:solidFill>
+                <a:schemeClr val="accent6">
+                  <a:lumMod val="75000"/>
+                </a:schemeClr>
+              </a:solidFill>
+            </a:ln>
+          </p:spPr>
+        </p:pic>
+        <p:pic>
+          <p:nvPicPr>
+            <p:cNvPr id="18" name="Picture 17">
+              <a:extLst>
+                <a:ext uri="{FF2B5EF4-FFF2-40B4-BE49-F238E27FC236}">
+                  <a16:creationId xmlns:a16="http://schemas.microsoft.com/office/drawing/2014/main" id="{22B2BB36-FD2F-EE2E-CA0B-9D79DC418169}"/>
+                </a:ext>
+              </a:extLst>
+            </p:cNvPr>
+            <p:cNvPicPr>
+              <a:picLocks noChangeAspect="1"/>
+            </p:cNvPicPr>
+            <p:nvPr/>
+          </p:nvPicPr>
+          <p:blipFill>
+            <a:blip r:embed="rId5"/>
+            <a:stretch>
+              <a:fillRect/>
+            </a:stretch>
+          </p:blipFill>
+          <p:spPr>
+            <a:xfrm>
+              <a:off x="5951937" y="16329427"/>
+              <a:ext cx="5676900" cy="495300"/>
+            </a:xfrm>
+            <a:prstGeom prst="rect">
+              <a:avLst/>
+            </a:prstGeom>
+            <a:ln w="38100">
+              <a:solidFill>
+                <a:schemeClr val="accent6">
+                  <a:lumMod val="75000"/>
+                </a:schemeClr>
+              </a:solidFill>
+            </a:ln>
+          </p:spPr>
+        </p:pic>
+        <p:pic>
+          <p:nvPicPr>
+            <p:cNvPr id="22" name="Picture 21">
+              <a:extLst>
+                <a:ext uri="{FF2B5EF4-FFF2-40B4-BE49-F238E27FC236}">
+                  <a16:creationId xmlns:a16="http://schemas.microsoft.com/office/drawing/2014/main" id="{5EE30E18-A0EC-2519-0730-B0A8120A4973}"/>
+                </a:ext>
+              </a:extLst>
+            </p:cNvPr>
+            <p:cNvPicPr>
+              <a:picLocks noChangeAspect="1"/>
+            </p:cNvPicPr>
+            <p:nvPr/>
+          </p:nvPicPr>
+          <p:blipFill>
+            <a:blip r:embed="rId6"/>
+            <a:stretch>
+              <a:fillRect/>
+            </a:stretch>
+          </p:blipFill>
+          <p:spPr>
+            <a:xfrm>
+              <a:off x="5937650" y="17275504"/>
+              <a:ext cx="5600700" cy="504825"/>
+            </a:xfrm>
+            <a:prstGeom prst="rect">
+              <a:avLst/>
+            </a:prstGeom>
+            <a:ln w="38100">
+              <a:solidFill>
+                <a:schemeClr val="accent6">
+                  <a:lumMod val="75000"/>
+                </a:schemeClr>
+              </a:solidFill>
+            </a:ln>
+          </p:spPr>
+        </p:pic>
+        <p:pic>
+          <p:nvPicPr>
+            <p:cNvPr id="25" name="Picture 24">
+              <a:extLst>
+                <a:ext uri="{FF2B5EF4-FFF2-40B4-BE49-F238E27FC236}">
+                  <a16:creationId xmlns:a16="http://schemas.microsoft.com/office/drawing/2014/main" id="{2327405B-5570-3A9C-A515-3F53AFD67A6D}"/>
+                </a:ext>
+              </a:extLst>
+            </p:cNvPr>
+            <p:cNvPicPr>
+              <a:picLocks noChangeAspect="1"/>
+            </p:cNvPicPr>
+            <p:nvPr/>
+          </p:nvPicPr>
+          <p:blipFill>
+            <a:blip r:embed="rId7"/>
+            <a:stretch>
+              <a:fillRect/>
+            </a:stretch>
+          </p:blipFill>
+          <p:spPr>
+            <a:xfrm>
+              <a:off x="5870975" y="28136695"/>
+              <a:ext cx="4467225" cy="3190875"/>
+            </a:xfrm>
+            <a:prstGeom prst="rect">
+              <a:avLst/>
+            </a:prstGeom>
+            <a:ln w="38100">
+              <a:solidFill>
+                <a:schemeClr val="accent6">
+                  <a:lumMod val="75000"/>
+                </a:schemeClr>
+              </a:solidFill>
+            </a:ln>
+          </p:spPr>
+        </p:pic>
+        <p:pic>
+          <p:nvPicPr>
+            <p:cNvPr id="31" name="Picture 30">
+              <a:extLst>
+                <a:ext uri="{FF2B5EF4-FFF2-40B4-BE49-F238E27FC236}">
+                  <a16:creationId xmlns:a16="http://schemas.microsoft.com/office/drawing/2014/main" id="{CC4B41D3-17B4-188A-B28D-D7350E5C347B}"/>
+                </a:ext>
+              </a:extLst>
+            </p:cNvPr>
+            <p:cNvPicPr>
+              <a:picLocks noChangeAspect="1"/>
+            </p:cNvPicPr>
+            <p:nvPr/>
+          </p:nvPicPr>
+          <p:blipFill>
+            <a:blip r:embed="rId8"/>
+            <a:stretch>
+              <a:fillRect/>
+            </a:stretch>
+          </p:blipFill>
+          <p:spPr>
+            <a:xfrm>
+              <a:off x="5937650" y="40609235"/>
+              <a:ext cx="4400550" cy="3152775"/>
+            </a:xfrm>
+            <a:prstGeom prst="rect">
+              <a:avLst/>
+            </a:prstGeom>
+            <a:ln w="38100">
+              <a:solidFill>
+                <a:schemeClr val="accent6">
+                  <a:lumMod val="75000"/>
+                </a:schemeClr>
+              </a:solidFill>
+            </a:ln>
+          </p:spPr>
+        </p:pic>
+        <p:pic>
+          <p:nvPicPr>
+            <p:cNvPr id="97" name="Picture 96">
+              <a:extLst>
+                <a:ext uri="{FF2B5EF4-FFF2-40B4-BE49-F238E27FC236}">
+                  <a16:creationId xmlns:a16="http://schemas.microsoft.com/office/drawing/2014/main" id="{759573BD-DB52-B3EB-01B3-70068F088F75}"/>
+                </a:ext>
+              </a:extLst>
+            </p:cNvPr>
+            <p:cNvPicPr>
+              <a:picLocks noChangeAspect="1"/>
+            </p:cNvPicPr>
+            <p:nvPr/>
+          </p:nvPicPr>
+          <p:blipFill>
+            <a:blip r:embed="rId9"/>
+            <a:stretch>
+              <a:fillRect/>
+            </a:stretch>
+          </p:blipFill>
+          <p:spPr>
+            <a:xfrm>
+              <a:off x="5937650" y="34440508"/>
+              <a:ext cx="4352925" cy="3133725"/>
+            </a:xfrm>
+            <a:prstGeom prst="rect">
+              <a:avLst/>
+            </a:prstGeom>
+            <a:ln w="38100">
+              <a:solidFill>
+                <a:schemeClr val="accent6">
+                  <a:lumMod val="75000"/>
+                </a:schemeClr>
+              </a:solidFill>
+            </a:ln>
+          </p:spPr>
+        </p:pic>
+        <p:pic>
+          <p:nvPicPr>
+            <p:cNvPr id="99" name="Picture 98">
+              <a:extLst>
+                <a:ext uri="{FF2B5EF4-FFF2-40B4-BE49-F238E27FC236}">
+                  <a16:creationId xmlns:a16="http://schemas.microsoft.com/office/drawing/2014/main" id="{8B6881D3-6E72-6BD5-52E6-32B773633E6C}"/>
+                </a:ext>
+              </a:extLst>
+            </p:cNvPr>
+            <p:cNvPicPr>
+              <a:picLocks noChangeAspect="1"/>
+            </p:cNvPicPr>
+            <p:nvPr/>
+          </p:nvPicPr>
+          <p:blipFill>
+            <a:blip r:embed="rId10"/>
+            <a:stretch>
+              <a:fillRect/>
+            </a:stretch>
+          </p:blipFill>
+          <p:spPr>
+            <a:xfrm>
+              <a:off x="5870975" y="2553782"/>
+              <a:ext cx="4391025" cy="3152775"/>
+            </a:xfrm>
+            <a:prstGeom prst="rect">
+              <a:avLst/>
+            </a:prstGeom>
+            <a:ln w="38100">
+              <a:solidFill>
+                <a:schemeClr val="accent6">
+                  <a:lumMod val="75000"/>
+                </a:schemeClr>
+              </a:solidFill>
+            </a:ln>
+          </p:spPr>
+        </p:pic>
+      </p:grpSp>
+    </p:spTree>
+    <p:extLst>
+      <p:ext uri="{BB962C8B-B14F-4D97-AF65-F5344CB8AC3E}">
+        <p14:creationId xmlns:p14="http://schemas.microsoft.com/office/powerpoint/2010/main" val="2494261241"/>
+      </p:ext>
+    </p:extLst>
+  </p:cSld>
+  <p:clrMapOvr>
+    <a:masterClrMapping/>
+  </p:clrMapOvr>
+  <mc:AlternateContent xmlns:mc="http://schemas.openxmlformats.org/markup-compatibility/2006" xmlns:p159="http://schemas.microsoft.com/office/powerpoint/2015/09/main">
+    <mc:Choice Requires="p159">
+      <p:transition xmlns:p14="http://schemas.microsoft.com/office/powerpoint/2010/main" spd="slow" p14:dur="2000">
+        <p159:morph option="byObject"/>
+      </p:transition>
+    </mc:Choice>
+    <mc:Fallback xmlns="">
+      <p:transition spd="slow">
+        <p:fade/>
+      </p:transition>
+    </mc:Fallback>
+  </mc:AlternateContent>
+</p:sld>
+</file>
+
+<file path=ppt/slides/slide11.xml><?xml version="1.0" encoding="utf-8"?>
+<p:sld xmlns:a="http://schemas.openxmlformats.org/drawingml/2006/main" xmlns:r="http://schemas.openxmlformats.org/officeDocument/2006/relationships" xmlns:p="http://schemas.openxmlformats.org/presentationml/2006/main">
+  <p:cSld>
+    <p:spTree>
+      <p:nvGrpSpPr>
         <p:cNvPr id="1" name=""/>
         <p:cNvGrpSpPr/>
         <p:nvPr/>
@@ -5963,12 +6926,14 @@
         </p:nvSpPr>
         <p:spPr/>
         <p:txBody>
-          <a:bodyPr/>
+          <a:bodyPr>
+            <a:normAutofit/>
+          </a:bodyPr>
           <a:lstStyle/>
           <a:p>
             <a:r>
-              <a:rPr lang="en-US" dirty="0"/>
-              <a:t>The best module was …  No. 4 </a:t>
+              <a:rPr lang="en-US" sz="4400" dirty="0"/>
+              <a:t>Features importance</a:t>
             </a:r>
           </a:p>
         </p:txBody>
@@ -5976,7 +6941,7 @@
     </p:spTree>
     <p:extLst>
       <p:ext uri="{BB962C8B-B14F-4D97-AF65-F5344CB8AC3E}">
-        <p14:creationId xmlns:p14="http://schemas.microsoft.com/office/powerpoint/2010/main" val="3611192984"/>
+        <p14:creationId xmlns:p14="http://schemas.microsoft.com/office/powerpoint/2010/main" val="1509637931"/>
       </p:ext>
     </p:extLst>
   </p:cSld>
@@ -5986,7 +6951,103 @@
 </p:sld>
 </file>
 
-<file path=ppt/slides/slide11.xml><?xml version="1.0" encoding="utf-8"?>
+<file path=ppt/slides/slide12.xml><?xml version="1.0" encoding="utf-8"?>
+<p:sld xmlns:a="http://schemas.openxmlformats.org/drawingml/2006/main" xmlns:r="http://schemas.openxmlformats.org/officeDocument/2006/relationships" xmlns:p="http://schemas.openxmlformats.org/presentationml/2006/main">
+  <p:cSld>
+    <p:spTree>
+      <p:nvGrpSpPr>
+        <p:cNvPr id="1" name=""/>
+        <p:cNvGrpSpPr/>
+        <p:nvPr/>
+      </p:nvGrpSpPr>
+      <p:grpSpPr>
+        <a:xfrm>
+          <a:off x="0" y="0"/>
+          <a:ext cx="0" cy="0"/>
+          <a:chOff x="0" y="0"/>
+          <a:chExt cx="0" cy="0"/>
+        </a:xfrm>
+      </p:grpSpPr>
+      <p:sp>
+        <p:nvSpPr>
+          <p:cNvPr id="2" name="Title 1">
+            <a:extLst>
+              <a:ext uri="{FF2B5EF4-FFF2-40B4-BE49-F238E27FC236}">
+                <a16:creationId xmlns:a16="http://schemas.microsoft.com/office/drawing/2014/main" id="{4AC40AC2-46D8-EC52-C33A-C43DF26D42B5}"/>
+              </a:ext>
+            </a:extLst>
+          </p:cNvPr>
+          <p:cNvSpPr>
+            <a:spLocks noGrp="1"/>
+          </p:cNvSpPr>
+          <p:nvPr>
+            <p:ph type="title"/>
+          </p:nvPr>
+        </p:nvSpPr>
+        <p:spPr/>
+        <p:txBody>
+          <a:bodyPr>
+            <a:normAutofit/>
+          </a:bodyPr>
+          <a:lstStyle/>
+          <a:p>
+            <a:r>
+              <a:rPr lang="en-US" sz="4400" dirty="0"/>
+              <a:t>ACCURACIES PLOT</a:t>
+            </a:r>
+          </a:p>
+        </p:txBody>
+      </p:sp>
+      <p:pic>
+        <p:nvPicPr>
+          <p:cNvPr id="4" name="Picture 3">
+            <a:extLst>
+              <a:ext uri="{FF2B5EF4-FFF2-40B4-BE49-F238E27FC236}">
+                <a16:creationId xmlns:a16="http://schemas.microsoft.com/office/drawing/2014/main" id="{9AA7BE01-ED50-00E0-D8DF-D584236B4555}"/>
+              </a:ext>
+            </a:extLst>
+          </p:cNvPr>
+          <p:cNvPicPr>
+            <a:picLocks noChangeAspect="1"/>
+          </p:cNvPicPr>
+          <p:nvPr/>
+        </p:nvPicPr>
+        <p:blipFill rotWithShape="1">
+          <a:blip r:embed="rId2"/>
+          <a:srcRect l="616" t="949" r="1033" b="1316"/>
+          <a:stretch/>
+        </p:blipFill>
+        <p:spPr>
+          <a:xfrm>
+            <a:off x="1831122" y="2108200"/>
+            <a:ext cx="8519160" cy="4241800"/>
+          </a:xfrm>
+          <a:prstGeom prst="rect">
+            <a:avLst/>
+          </a:prstGeom>
+          <a:ln w="38100">
+            <a:solidFill>
+              <a:schemeClr val="accent6">
+                <a:lumMod val="75000"/>
+              </a:schemeClr>
+            </a:solidFill>
+          </a:ln>
+        </p:spPr>
+      </p:pic>
+    </p:spTree>
+    <p:extLst>
+      <p:ext uri="{BB962C8B-B14F-4D97-AF65-F5344CB8AC3E}">
+        <p14:creationId xmlns:p14="http://schemas.microsoft.com/office/powerpoint/2010/main" val="672238663"/>
+      </p:ext>
+    </p:extLst>
+  </p:cSld>
+  <p:clrMapOvr>
+    <a:masterClrMapping/>
+  </p:clrMapOvr>
+</p:sld>
+</file>
+
+<file path=ppt/slides/slide13.xml><?xml version="1.0" encoding="utf-8"?>
 <p:sld xmlns:a="http://schemas.openxmlformats.org/drawingml/2006/main" xmlns:r="http://schemas.openxmlformats.org/officeDocument/2006/relationships" xmlns:p="http://schemas.openxmlformats.org/presentationml/2006/main">
   <p:cSld>
     <p:spTree>
@@ -6017,7 +7078,7 @@
         </p:nvSpPr>
         <p:spPr>
           <a:xfrm flipH="1">
-            <a:off x="456036" y="976671"/>
+            <a:off x="1829941" y="768895"/>
             <a:ext cx="9700155" cy="5495925"/>
           </a:xfrm>
           <a:prstGeom prst="rect">
@@ -6170,7 +7231,7 @@
         </p:nvGrpSpPr>
         <p:grpSpPr>
           <a:xfrm>
-            <a:off x="10387634" y="823546"/>
+            <a:off x="294659" y="5517981"/>
             <a:ext cx="1247774" cy="1186229"/>
             <a:chOff x="3294183" y="2016368"/>
             <a:chExt cx="1453661" cy="1289539"/>
@@ -6274,6 +7335,152 @@
           </p:spPr>
         </p:pic>
       </p:grpSp>
+      <p:sp>
+        <p:nvSpPr>
+          <p:cNvPr id="2" name="TextBox 1">
+            <a:extLst>
+              <a:ext uri="{FF2B5EF4-FFF2-40B4-BE49-F238E27FC236}">
+                <a16:creationId xmlns:a16="http://schemas.microsoft.com/office/drawing/2014/main" id="{D791A7C2-3F05-1EFE-ED6D-D53DF5FEFBD0}"/>
+              </a:ext>
+            </a:extLst>
+          </p:cNvPr>
+          <p:cNvSpPr txBox="1"/>
+          <p:nvPr/>
+        </p:nvSpPr>
+        <p:spPr>
+          <a:xfrm>
+            <a:off x="641065" y="768895"/>
+            <a:ext cx="554960" cy="4662815"/>
+          </a:xfrm>
+          <a:prstGeom prst="rect">
+            <a:avLst/>
+          </a:prstGeom>
+          <a:noFill/>
+        </p:spPr>
+        <p:txBody>
+          <a:bodyPr wrap="none" rtlCol="0">
+            <a:spAutoFit/>
+          </a:bodyPr>
+          <a:lstStyle/>
+          <a:p>
+            <a:pPr algn="ctr"/>
+            <a:r>
+              <a:rPr lang="en-US" sz="3300" b="1" dirty="0">
+                <a:solidFill>
+                  <a:schemeClr val="accent3">
+                    <a:lumMod val="75000"/>
+                  </a:schemeClr>
+                </a:solidFill>
+              </a:rPr>
+              <a:t>Q</a:t>
+            </a:r>
+          </a:p>
+          <a:p>
+            <a:pPr algn="ctr"/>
+            <a:r>
+              <a:rPr lang="en-US" sz="3300" b="1" dirty="0">
+                <a:solidFill>
+                  <a:schemeClr val="accent3">
+                    <a:lumMod val="75000"/>
+                  </a:schemeClr>
+                </a:solidFill>
+              </a:rPr>
+              <a:t>U</a:t>
+            </a:r>
+          </a:p>
+          <a:p>
+            <a:pPr algn="ctr"/>
+            <a:r>
+              <a:rPr lang="en-US" sz="3300" b="1" dirty="0">
+                <a:solidFill>
+                  <a:schemeClr val="accent3">
+                    <a:lumMod val="75000"/>
+                  </a:schemeClr>
+                </a:solidFill>
+              </a:rPr>
+              <a:t>E</a:t>
+            </a:r>
+          </a:p>
+          <a:p>
+            <a:pPr algn="ctr"/>
+            <a:r>
+              <a:rPr lang="en-US" sz="3300" b="1" dirty="0">
+                <a:solidFill>
+                  <a:schemeClr val="accent3">
+                    <a:lumMod val="75000"/>
+                  </a:schemeClr>
+                </a:solidFill>
+              </a:rPr>
+              <a:t>S</a:t>
+            </a:r>
+          </a:p>
+          <a:p>
+            <a:pPr algn="ctr"/>
+            <a:r>
+              <a:rPr lang="en-US" sz="3300" b="1" dirty="0">
+                <a:solidFill>
+                  <a:schemeClr val="accent3">
+                    <a:lumMod val="75000"/>
+                  </a:schemeClr>
+                </a:solidFill>
+              </a:rPr>
+              <a:t>T</a:t>
+            </a:r>
+          </a:p>
+          <a:p>
+            <a:pPr algn="ctr"/>
+            <a:r>
+              <a:rPr lang="en-US" sz="3300" b="1" dirty="0">
+                <a:solidFill>
+                  <a:schemeClr val="accent3">
+                    <a:lumMod val="75000"/>
+                  </a:schemeClr>
+                </a:solidFill>
+              </a:rPr>
+              <a:t>I</a:t>
+            </a:r>
+          </a:p>
+          <a:p>
+            <a:pPr algn="ctr"/>
+            <a:r>
+              <a:rPr lang="en-US" sz="3300" b="1" dirty="0">
+                <a:solidFill>
+                  <a:schemeClr val="accent3">
+                    <a:lumMod val="75000"/>
+                  </a:schemeClr>
+                </a:solidFill>
+              </a:rPr>
+              <a:t>O</a:t>
+            </a:r>
+          </a:p>
+          <a:p>
+            <a:pPr algn="ctr"/>
+            <a:r>
+              <a:rPr lang="en-US" sz="3300" b="1" dirty="0">
+                <a:solidFill>
+                  <a:schemeClr val="accent3">
+                    <a:lumMod val="75000"/>
+                  </a:schemeClr>
+                </a:solidFill>
+              </a:rPr>
+              <a:t>N</a:t>
+            </a:r>
+          </a:p>
+          <a:p>
+            <a:pPr algn="ctr"/>
+            <a:r>
+              <a:rPr lang="en-US" sz="3300" b="1" dirty="0">
+                <a:solidFill>
+                  <a:schemeClr val="accent3">
+                    <a:lumMod val="75000"/>
+                  </a:schemeClr>
+                </a:solidFill>
+              </a:rPr>
+              <a:t>S</a:t>
+            </a:r>
+          </a:p>
+        </p:txBody>
+      </p:sp>
     </p:spTree>
     <p:extLst>
       <p:ext uri="{BB962C8B-B14F-4D97-AF65-F5344CB8AC3E}">
@@ -6408,13 +7615,13 @@
       </p:par>
     </p:tnLst>
     <p:bldLst>
-      <p:bldP spid="3" grpId="0" animBg="1"/>
+      <p:bldP spid="3" grpId="0"/>
     </p:bldLst>
   </p:timing>
 </p:sld>
 </file>
 
-<file path=ppt/slides/slide12.xml><?xml version="1.0" encoding="utf-8"?>
+<file path=ppt/slides/slide14.xml><?xml version="1.0" encoding="utf-8"?>
 <p:sld xmlns:a="http://schemas.openxmlformats.org/drawingml/2006/main" xmlns:r="http://schemas.openxmlformats.org/officeDocument/2006/relationships" xmlns:p="http://schemas.openxmlformats.org/presentationml/2006/main">
   <p:cSld>
     <p:spTree>
@@ -6433,18 +7640,20 @@
       </p:grpSpPr>
       <p:sp>
         <p:nvSpPr>
-          <p:cNvPr id="117" name="Google Shape;117;g24f2da4f33f_0_4"/>
-          <p:cNvSpPr txBox="1">
-            <a:spLocks noGrp="1"/>
-          </p:cNvSpPr>
-          <p:nvPr>
-            <p:ph type="title"/>
-          </p:nvPr>
+          <p:cNvPr id="3" name="TextBox 2">
+            <a:extLst>
+              <a:ext uri="{FF2B5EF4-FFF2-40B4-BE49-F238E27FC236}">
+                <a16:creationId xmlns:a16="http://schemas.microsoft.com/office/drawing/2014/main" id="{19ED6A4E-76AD-E81C-AF8F-87FC24AD2F9A}"/>
+              </a:ext>
+            </a:extLst>
+          </p:cNvPr>
+          <p:cNvSpPr txBox="1"/>
+          <p:nvPr/>
         </p:nvSpPr>
         <p:spPr>
           <a:xfrm>
-            <a:off x="575894" y="729658"/>
-            <a:ext cx="11029500" cy="988200"/>
+            <a:off x="504872" y="1054557"/>
+            <a:ext cx="10991711" cy="942919"/>
           </a:xfrm>
           <a:prstGeom prst="rect">
             <a:avLst/>
@@ -6454,31 +7663,259 @@
             <a:noFill/>
           </a:ln>
         </p:spPr>
+        <p:style>
+          <a:lnRef idx="2">
+            <a:schemeClr val="accent1">
+              <a:shade val="50000"/>
+            </a:schemeClr>
+          </a:lnRef>
+          <a:fillRef idx="1">
+            <a:schemeClr val="accent1"/>
+          </a:fillRef>
+          <a:effectRef idx="0">
+            <a:schemeClr val="accent1"/>
+          </a:effectRef>
+          <a:fontRef idx="minor">
+            <a:schemeClr val="lt1"/>
+          </a:fontRef>
+        </p:style>
         <p:txBody>
-          <a:bodyPr spcFirstLastPara="1" wrap="square" lIns="91425" tIns="45700" rIns="91425" bIns="45700" anchor="b" anchorCtr="0">
-            <a:normAutofit/>
-          </a:bodyPr>
-          <a:lstStyle/>
-          <a:p>
-            <a:pPr marL="0" lvl="0" indent="0" algn="l" rtl="0">
-              <a:spcBef>
-                <a:spcPts val="0"/>
-              </a:spcBef>
-              <a:spcAft>
-                <a:spcPts val="0"/>
-              </a:spcAft>
-              <a:buClr>
-                <a:schemeClr val="lt1"/>
-              </a:buClr>
-              <a:buSzPts val="2800"/>
-              <a:buFont typeface="Gill Sans"/>
+          <a:bodyPr rtlCol="0" anchor="ctr"/>
+          <a:lstStyle>
+            <a:defPPr>
+              <a:defRPr lang="en-US"/>
+            </a:defPPr>
+            <a:lvl1pPr marL="457200" indent="-457200">
+              <a:buFont typeface="+mj-lt"/>
+              <a:buAutoNum type="arabicPeriod"/>
+              <a:defRPr sz="2400" b="1"/>
+            </a:lvl1pPr>
+            <a:lvl2pPr>
+              <a:defRPr>
+                <a:solidFill>
+                  <a:schemeClr val="lt1"/>
+                </a:solidFill>
+              </a:defRPr>
+            </a:lvl2pPr>
+            <a:lvl3pPr>
+              <a:defRPr>
+                <a:solidFill>
+                  <a:schemeClr val="lt1"/>
+                </a:solidFill>
+              </a:defRPr>
+            </a:lvl3pPr>
+            <a:lvl4pPr>
+              <a:defRPr>
+                <a:solidFill>
+                  <a:schemeClr val="lt1"/>
+                </a:solidFill>
+              </a:defRPr>
+            </a:lvl4pPr>
+            <a:lvl5pPr>
+              <a:defRPr>
+                <a:solidFill>
+                  <a:schemeClr val="lt1"/>
+                </a:solidFill>
+              </a:defRPr>
+            </a:lvl5pPr>
+            <a:lvl6pPr>
+              <a:defRPr>
+                <a:solidFill>
+                  <a:schemeClr val="lt1"/>
+                </a:solidFill>
+              </a:defRPr>
+            </a:lvl6pPr>
+            <a:lvl7pPr>
+              <a:defRPr>
+                <a:solidFill>
+                  <a:schemeClr val="lt1"/>
+                </a:solidFill>
+              </a:defRPr>
+            </a:lvl7pPr>
+            <a:lvl8pPr>
+              <a:defRPr>
+                <a:solidFill>
+                  <a:schemeClr val="lt1"/>
+                </a:solidFill>
+              </a:defRPr>
+            </a:lvl8pPr>
+            <a:lvl9pPr>
+              <a:defRPr>
+                <a:solidFill>
+                  <a:schemeClr val="lt1"/>
+                </a:solidFill>
+              </a:defRPr>
+            </a:lvl9pPr>
+          </a:lstStyle>
+          <a:p>
+            <a:pPr marL="0" indent="0">
               <a:buNone/>
             </a:pPr>
             <a:r>
-              <a:rPr lang="en-US"/>
-              <a:t>VISUALIZATIONS</a:t>
+              <a:rPr lang="en-US" dirty="0">
+                <a:solidFill>
+                  <a:schemeClr val="tx1"/>
+                </a:solidFill>
+              </a:rPr>
+              <a:t>We answered these questions through visualizations. You may preview the dashboards by accessing the links below.</a:t>
             </a:r>
-            <a:endParaRPr/>
+          </a:p>
+        </p:txBody>
+      </p:sp>
+      <p:pic>
+        <p:nvPicPr>
+          <p:cNvPr id="1026" name="Picture 2" descr="Brand Assets | Tableau">
+            <a:extLst>
+              <a:ext uri="{FF2B5EF4-FFF2-40B4-BE49-F238E27FC236}">
+                <a16:creationId xmlns:a16="http://schemas.microsoft.com/office/drawing/2014/main" id="{D9E33AEE-A2C1-01CA-4A89-31B4E4588C9E}"/>
+              </a:ext>
+            </a:extLst>
+          </p:cNvPr>
+          <p:cNvPicPr>
+            <a:picLocks noChangeAspect="1" noChangeArrowheads="1"/>
+          </p:cNvPicPr>
+          <p:nvPr/>
+        </p:nvPicPr>
+        <p:blipFill>
+          <a:blip r:embed="rId3">
+            <a:extLst>
+              <a:ext uri="{28A0092B-C50C-407E-A947-70E740481C1C}">
+                <a14:useLocalDpi xmlns:a14="http://schemas.microsoft.com/office/drawing/2010/main" val="0"/>
+              </a:ext>
+            </a:extLst>
+          </a:blip>
+          <a:srcRect/>
+          <a:stretch>
+            <a:fillRect/>
+          </a:stretch>
+        </p:blipFill>
+        <p:spPr bwMode="auto">
+          <a:xfrm>
+            <a:off x="504872" y="4778071"/>
+            <a:ext cx="7629525" cy="1590675"/>
+          </a:xfrm>
+          <a:prstGeom prst="rect">
+            <a:avLst/>
+          </a:prstGeom>
+          <a:noFill/>
+          <a:extLst>
+            <a:ext uri="{909E8E84-426E-40DD-AFC4-6F175D3DCCD1}">
+              <a14:hiddenFill xmlns:a14="http://schemas.microsoft.com/office/drawing/2010/main">
+                <a:solidFill>
+                  <a:srgbClr val="FFFFFF"/>
+                </a:solidFill>
+              </a14:hiddenFill>
+            </a:ext>
+          </a:extLst>
+        </p:spPr>
+      </p:pic>
+      <p:sp>
+        <p:nvSpPr>
+          <p:cNvPr id="7" name="TextBox 6">
+            <a:extLst>
+              <a:ext uri="{FF2B5EF4-FFF2-40B4-BE49-F238E27FC236}">
+                <a16:creationId xmlns:a16="http://schemas.microsoft.com/office/drawing/2014/main" id="{8666DB34-C036-D7CB-2C7A-02624557AA1C}"/>
+              </a:ext>
+            </a:extLst>
+          </p:cNvPr>
+          <p:cNvSpPr txBox="1"/>
+          <p:nvPr/>
+        </p:nvSpPr>
+        <p:spPr>
+          <a:xfrm>
+            <a:off x="4198704" y="2692050"/>
+            <a:ext cx="3935693" cy="584775"/>
+          </a:xfrm>
+          <a:prstGeom prst="rect">
+            <a:avLst/>
+          </a:prstGeom>
+          <a:noFill/>
+        </p:spPr>
+        <p:txBody>
+          <a:bodyPr wrap="none" rtlCol="0">
+            <a:spAutoFit/>
+          </a:bodyPr>
+          <a:lstStyle/>
+          <a:p>
+            <a:r>
+              <a:rPr lang="en-US" sz="3200" b="1" dirty="0">
+                <a:solidFill>
+                  <a:schemeClr val="accent3">
+                    <a:lumMod val="75000"/>
+                  </a:schemeClr>
+                </a:solidFill>
+                <a:hlinkClick r:id="rId4">
+                  <a:extLst>
+                    <a:ext uri="{A12FA001-AC4F-418D-AE19-62706E023703}">
+                      <ahyp:hlinkClr xmlns:ahyp="http://schemas.microsoft.com/office/drawing/2018/hyperlinkcolor" val="tx"/>
+                    </a:ext>
+                  </a:extLst>
+                </a:hlinkClick>
+              </a:rPr>
+              <a:t>DASHBOARD NO. 1</a:t>
+            </a:r>
+            <a:endParaRPr lang="en-US" sz="3200" b="1" dirty="0">
+              <a:solidFill>
+                <a:schemeClr val="accent3">
+                  <a:lumMod val="75000"/>
+                </a:schemeClr>
+              </a:solidFill>
+            </a:endParaRPr>
+          </a:p>
+        </p:txBody>
+      </p:sp>
+      <p:sp>
+        <p:nvSpPr>
+          <p:cNvPr id="8" name="TextBox 7">
+            <a:extLst>
+              <a:ext uri="{FF2B5EF4-FFF2-40B4-BE49-F238E27FC236}">
+                <a16:creationId xmlns:a16="http://schemas.microsoft.com/office/drawing/2014/main" id="{0C5BE03D-76FA-2EE5-9035-6CDFFE9FDDEC}"/>
+              </a:ext>
+            </a:extLst>
+          </p:cNvPr>
+          <p:cNvSpPr txBox="1"/>
+          <p:nvPr/>
+        </p:nvSpPr>
+        <p:spPr>
+          <a:xfrm>
+            <a:off x="4198704" y="3498721"/>
+            <a:ext cx="3935693" cy="584775"/>
+          </a:xfrm>
+          <a:prstGeom prst="rect">
+            <a:avLst/>
+          </a:prstGeom>
+          <a:noFill/>
+        </p:spPr>
+        <p:txBody>
+          <a:bodyPr wrap="none" rtlCol="0">
+            <a:spAutoFit/>
+          </a:bodyPr>
+          <a:lstStyle/>
+          <a:p>
+            <a:r>
+              <a:rPr lang="en-US" sz="3200" b="1" u="sng" dirty="0">
+                <a:solidFill>
+                  <a:schemeClr val="accent3">
+                    <a:lumMod val="75000"/>
+                  </a:schemeClr>
+                </a:solidFill>
+                <a:hlinkClick r:id="rId5">
+                  <a:extLst>
+                    <a:ext uri="{A12FA001-AC4F-418D-AE19-62706E023703}">
+                      <ahyp:hlinkClr xmlns:ahyp="http://schemas.microsoft.com/office/drawing/2018/hyperlinkcolor" val="tx"/>
+                    </a:ext>
+                  </a:extLst>
+                </a:hlinkClick>
+              </a:rPr>
+              <a:t>DASHBOARD NO. 2</a:t>
+            </a:r>
+            <a:endParaRPr lang="en-US" sz="3200" b="1" u="sng" dirty="0">
+              <a:solidFill>
+                <a:schemeClr val="accent3">
+                  <a:lumMod val="75000"/>
+                </a:schemeClr>
+              </a:solidFill>
+            </a:endParaRPr>
           </a:p>
         </p:txBody>
       </p:sp>
@@ -6487,127 +7924,13 @@
   <p:clrMapOvr>
     <a:masterClrMapping/>
   </p:clrMapOvr>
+  <p:transition spd="slow">
+    <p:push dir="u"/>
+  </p:transition>
 </p:sld>
 </file>
 
-<file path=ppt/slides/slide13.xml><?xml version="1.0" encoding="utf-8"?>
-<p:sld xmlns:a="http://schemas.openxmlformats.org/drawingml/2006/main" xmlns:r="http://schemas.openxmlformats.org/officeDocument/2006/relationships" xmlns:p="http://schemas.openxmlformats.org/presentationml/2006/main">
-  <p:cSld>
-    <p:spTree>
-      <p:nvGrpSpPr>
-        <p:cNvPr id="1" name="Shape 121"/>
-        <p:cNvGrpSpPr/>
-        <p:nvPr/>
-      </p:nvGrpSpPr>
-      <p:grpSpPr>
-        <a:xfrm>
-          <a:off x="0" y="0"/>
-          <a:ext cx="0" cy="0"/>
-          <a:chOff x="0" y="0"/>
-          <a:chExt cx="0" cy="0"/>
-        </a:xfrm>
-      </p:grpSpPr>
-      <p:sp>
-        <p:nvSpPr>
-          <p:cNvPr id="122" name="Google Shape;122;p3"/>
-          <p:cNvSpPr txBox="1">
-            <a:spLocks noGrp="1"/>
-          </p:cNvSpPr>
-          <p:nvPr>
-            <p:ph type="title"/>
-          </p:nvPr>
-        </p:nvSpPr>
-        <p:spPr>
-          <a:prstGeom prst="rect">
-            <a:avLst/>
-          </a:prstGeom>
-          <a:noFill/>
-          <a:ln>
-            <a:noFill/>
-          </a:ln>
-        </p:spPr>
-        <p:txBody>
-          <a:bodyPr spcFirstLastPara="1" wrap="square" lIns="91425" tIns="45700" rIns="91425" bIns="45700" anchor="b" anchorCtr="0">
-            <a:normAutofit/>
-          </a:bodyPr>
-          <a:lstStyle/>
-          <a:p>
-            <a:pPr marL="0" lvl="0" indent="0" algn="l" rtl="0">
-              <a:spcBef>
-                <a:spcPts val="0"/>
-              </a:spcBef>
-              <a:spcAft>
-                <a:spcPts val="0"/>
-              </a:spcAft>
-              <a:buClr>
-                <a:schemeClr val="lt1"/>
-              </a:buClr>
-              <a:buSzPts val="2800"/>
-              <a:buFont typeface="Gill Sans"/>
-              <a:buNone/>
-            </a:pPr>
-            <a:r>
-              <a:rPr lang="en-US"/>
-              <a:t>FINAL COMMENTS/CONCLUSIONS</a:t>
-            </a:r>
-            <a:endParaRPr/>
-          </a:p>
-        </p:txBody>
-      </p:sp>
-      <p:sp>
-        <p:nvSpPr>
-          <p:cNvPr id="123" name="Google Shape;123;p3"/>
-          <p:cNvSpPr txBox="1"/>
-          <p:nvPr/>
-        </p:nvSpPr>
-        <p:spPr>
-          <a:xfrm>
-            <a:off x="970600" y="3171775"/>
-            <a:ext cx="7158600" cy="400200"/>
-          </a:xfrm>
-          <a:prstGeom prst="rect">
-            <a:avLst/>
-          </a:prstGeom>
-          <a:noFill/>
-          <a:ln>
-            <a:noFill/>
-          </a:ln>
-        </p:spPr>
-        <p:txBody>
-          <a:bodyPr spcFirstLastPara="1" wrap="square" lIns="91425" tIns="91425" rIns="91425" bIns="91425" anchor="t" anchorCtr="0">
-            <a:spAutoFit/>
-          </a:bodyPr>
-          <a:lstStyle/>
-          <a:p>
-            <a:pPr marL="457200" lvl="0" indent="-317500" algn="l" rtl="0">
-              <a:spcBef>
-                <a:spcPts val="0"/>
-              </a:spcBef>
-              <a:spcAft>
-                <a:spcPts val="0"/>
-              </a:spcAft>
-              <a:buSzPts val="1400"/>
-              <a:buFont typeface="Gill Sans"/>
-              <a:buChar char="●"/>
-            </a:pPr>
-            <a:endParaRPr>
-              <a:latin typeface="Gill Sans"/>
-              <a:ea typeface="Gill Sans"/>
-              <a:cs typeface="Gill Sans"/>
-              <a:sym typeface="Gill Sans"/>
-            </a:endParaRPr>
-          </a:p>
-        </p:txBody>
-      </p:sp>
-    </p:spTree>
-  </p:cSld>
-  <p:clrMapOvr>
-    <a:masterClrMapping/>
-  </p:clrMapOvr>
-</p:sld>
-</file>
-
-<file path=ppt/slides/slide14.xml><?xml version="1.0" encoding="utf-8"?>
+<file path=ppt/slides/slide15.xml><?xml version="1.0" encoding="utf-8"?>
 <p:sld xmlns:a="http://schemas.openxmlformats.org/drawingml/2006/main" xmlns:r="http://schemas.openxmlformats.org/officeDocument/2006/relationships" xmlns:p="http://schemas.openxmlformats.org/presentationml/2006/main">
   <p:cSld>
     <p:spTree>
@@ -6632,7 +7955,7 @@
         </p:nvSpPr>
         <p:spPr>
           <a:xfrm>
-            <a:off x="2427000" y="2882550"/>
+            <a:off x="2435707" y="2336100"/>
             <a:ext cx="7338000" cy="1092900"/>
           </a:xfrm>
           <a:prstGeom prst="rect">
@@ -6662,10 +7985,17 @@
               <a:rPr lang="en-US" sz="5900" b="1" dirty="0">
                 <a:ln>
                   <a:solidFill>
-                    <a:schemeClr val="tx1"/>
+                    <a:schemeClr val="tx1">
+                      <a:lumMod val="85000"/>
+                      <a:lumOff val="15000"/>
+                    </a:schemeClr>
                   </a:solidFill>
                 </a:ln>
-                <a:noFill/>
+                <a:solidFill>
+                  <a:schemeClr val="accent6">
+                    <a:lumMod val="50000"/>
+                  </a:schemeClr>
+                </a:solidFill>
                 <a:latin typeface="Times New Roman"/>
                 <a:ea typeface="Times New Roman"/>
                 <a:cs typeface="Times New Roman"/>
@@ -6676,10 +8006,17 @@
             <a:endParaRPr sz="5900" b="1" dirty="0">
               <a:ln>
                 <a:solidFill>
-                  <a:schemeClr val="tx1"/>
+                  <a:schemeClr val="tx1">
+                    <a:lumMod val="85000"/>
+                    <a:lumOff val="15000"/>
+                  </a:schemeClr>
                 </a:solidFill>
               </a:ln>
-              <a:noFill/>
+              <a:solidFill>
+                <a:schemeClr val="accent6">
+                  <a:lumMod val="50000"/>
+                </a:schemeClr>
+              </a:solidFill>
               <a:latin typeface="Times New Roman"/>
               <a:ea typeface="Times New Roman"/>
               <a:cs typeface="Times New Roman"/>
@@ -6802,11 +8139,298 @@
           </p:txBody>
         </p:sp>
       </p:grpSp>
+      <p:sp>
+        <p:nvSpPr>
+          <p:cNvPr id="9" name="TextBox 8">
+            <a:extLst>
+              <a:ext uri="{FF2B5EF4-FFF2-40B4-BE49-F238E27FC236}">
+                <a16:creationId xmlns:a16="http://schemas.microsoft.com/office/drawing/2014/main" id="{6AF8E619-6F4B-130C-462C-A5C8FE4D316D}"/>
+              </a:ext>
+            </a:extLst>
+          </p:cNvPr>
+          <p:cNvSpPr txBox="1"/>
+          <p:nvPr/>
+        </p:nvSpPr>
+        <p:spPr>
+          <a:xfrm>
+            <a:off x="723421" y="5563997"/>
+            <a:ext cx="2560316" cy="461665"/>
+          </a:xfrm>
+          <a:prstGeom prst="rect">
+            <a:avLst/>
+          </a:prstGeom>
+          <a:noFill/>
+        </p:spPr>
+        <p:txBody>
+          <a:bodyPr wrap="none" rtlCol="0">
+            <a:spAutoFit/>
+          </a:bodyPr>
+          <a:lstStyle/>
+          <a:p>
+            <a:r>
+              <a:rPr lang="en-US" sz="2400" dirty="0">
+                <a:solidFill>
+                  <a:schemeClr val="bg1"/>
+                </a:solidFill>
+              </a:rPr>
+              <a:t>Project 4 - Group 6</a:t>
+            </a:r>
+          </a:p>
+        </p:txBody>
+      </p:sp>
     </p:spTree>
   </p:cSld>
   <p:clrMapOvr>
     <a:masterClrMapping/>
   </p:clrMapOvr>
+  <p:timing>
+    <p:tnLst>
+      <p:par>
+        <p:cTn id="1" dur="indefinite" restart="never" nodeType="tmRoot">
+          <p:childTnLst>
+            <p:seq concurrent="1" nextAc="seek">
+              <p:cTn id="2" dur="indefinite" nodeType="mainSeq">
+                <p:childTnLst>
+                  <p:par>
+                    <p:cTn id="3" fill="hold">
+                      <p:stCondLst>
+                        <p:cond delay="indefinite"/>
+                      </p:stCondLst>
+                      <p:childTnLst>
+                        <p:par>
+                          <p:cTn id="4" fill="hold">
+                            <p:stCondLst>
+                              <p:cond delay="0"/>
+                            </p:stCondLst>
+                            <p:childTnLst>
+                              <p:par>
+                                <p:cTn id="5" presetID="34" presetClass="emph" presetSubtype="0" fill="hold" grpId="0" nodeType="clickEffect">
+                                  <p:stCondLst>
+                                    <p:cond delay="0"/>
+                                  </p:stCondLst>
+                                  <p:iterate type="lt">
+                                    <p:tmPct val="10000"/>
+                                  </p:iterate>
+                                  <p:childTnLst>
+                                    <p:animMotion origin="layout" path="M -1.04167E-6 -3.7037E-7 L -1.04167E-6 -0.07222 " pathEditMode="relative" rAng="0" ptsTypes="AA">
+                                      <p:cBhvr>
+                                        <p:cTn id="6" dur="375" accel="50000" decel="50000" autoRev="1" fill="hold">
+                                          <p:stCondLst>
+                                            <p:cond delay="0"/>
+                                          </p:stCondLst>
+                                        </p:cTn>
+                                        <p:tgtEl>
+                                          <p:spTgt spid="128"/>
+                                        </p:tgtEl>
+                                        <p:attrNameLst>
+                                          <p:attrName>ppt_x</p:attrName>
+                                          <p:attrName>ppt_y</p:attrName>
+                                        </p:attrNameLst>
+                                      </p:cBhvr>
+                                      <p:rCtr x="0" y="-3611"/>
+                                    </p:animMotion>
+                                    <p:animRot by="1500000">
+                                      <p:cBhvr>
+                                        <p:cTn id="7" dur="188" fill="hold">
+                                          <p:stCondLst>
+                                            <p:cond delay="0"/>
+                                          </p:stCondLst>
+                                        </p:cTn>
+                                        <p:tgtEl>
+                                          <p:spTgt spid="128"/>
+                                        </p:tgtEl>
+                                        <p:attrNameLst>
+                                          <p:attrName>r</p:attrName>
+                                        </p:attrNameLst>
+                                      </p:cBhvr>
+                                    </p:animRot>
+                                    <p:animRot by="-1500000">
+                                      <p:cBhvr>
+                                        <p:cTn id="8" dur="188" fill="hold">
+                                          <p:stCondLst>
+                                            <p:cond delay="188"/>
+                                          </p:stCondLst>
+                                        </p:cTn>
+                                        <p:tgtEl>
+                                          <p:spTgt spid="128"/>
+                                        </p:tgtEl>
+                                        <p:attrNameLst>
+                                          <p:attrName>r</p:attrName>
+                                        </p:attrNameLst>
+                                      </p:cBhvr>
+                                    </p:animRot>
+                                    <p:animRot by="-1500000">
+                                      <p:cBhvr>
+                                        <p:cTn id="9" dur="188" fill="hold">
+                                          <p:stCondLst>
+                                            <p:cond delay="375"/>
+                                          </p:stCondLst>
+                                        </p:cTn>
+                                        <p:tgtEl>
+                                          <p:spTgt spid="128"/>
+                                        </p:tgtEl>
+                                        <p:attrNameLst>
+                                          <p:attrName>r</p:attrName>
+                                        </p:attrNameLst>
+                                      </p:cBhvr>
+                                    </p:animRot>
+                                    <p:animRot by="1500000">
+                                      <p:cBhvr>
+                                        <p:cTn id="10" dur="188" fill="hold">
+                                          <p:stCondLst>
+                                            <p:cond delay="563"/>
+                                          </p:stCondLst>
+                                        </p:cTn>
+                                        <p:tgtEl>
+                                          <p:spTgt spid="128"/>
+                                        </p:tgtEl>
+                                        <p:attrNameLst>
+                                          <p:attrName>r</p:attrName>
+                                        </p:attrNameLst>
+                                      </p:cBhvr>
+                                    </p:animRot>
+                                  </p:childTnLst>
+                                </p:cTn>
+                              </p:par>
+                            </p:childTnLst>
+                          </p:cTn>
+                        </p:par>
+                      </p:childTnLst>
+                    </p:cTn>
+                  </p:par>
+                  <p:par>
+                    <p:cTn id="11" fill="hold">
+                      <p:stCondLst>
+                        <p:cond delay="indefinite"/>
+                      </p:stCondLst>
+                      <p:childTnLst>
+                        <p:par>
+                          <p:cTn id="12" fill="hold">
+                            <p:stCondLst>
+                              <p:cond delay="0"/>
+                            </p:stCondLst>
+                            <p:childTnLst>
+                              <p:par>
+                                <p:cTn id="13" presetID="34" presetClass="emph" presetSubtype="0" fill="hold" grpId="1" nodeType="clickEffect">
+                                  <p:stCondLst>
+                                    <p:cond delay="0"/>
+                                  </p:stCondLst>
+                                  <p:iterate type="lt">
+                                    <p:tmPct val="10000"/>
+                                  </p:iterate>
+                                  <p:childTnLst>
+                                    <p:animMotion origin="layout" path="M -1.04167E-6 -3.7037E-7 L -1.04167E-6 -0.07222 " pathEditMode="relative" rAng="0" ptsTypes="AA">
+                                      <p:cBhvr>
+                                        <p:cTn id="14" dur="375" accel="50000" decel="50000" autoRev="1" fill="hold">
+                                          <p:stCondLst>
+                                            <p:cond delay="0"/>
+                                          </p:stCondLst>
+                                        </p:cTn>
+                                        <p:tgtEl>
+                                          <p:spTgt spid="128"/>
+                                        </p:tgtEl>
+                                        <p:attrNameLst>
+                                          <p:attrName>ppt_x</p:attrName>
+                                          <p:attrName>ppt_y</p:attrName>
+                                        </p:attrNameLst>
+                                      </p:cBhvr>
+                                      <p:rCtr x="0" y="-3611"/>
+                                    </p:animMotion>
+                                    <p:animRot by="1500000">
+                                      <p:cBhvr>
+                                        <p:cTn id="15" dur="188" fill="hold">
+                                          <p:stCondLst>
+                                            <p:cond delay="0"/>
+                                          </p:stCondLst>
+                                        </p:cTn>
+                                        <p:tgtEl>
+                                          <p:spTgt spid="128"/>
+                                        </p:tgtEl>
+                                        <p:attrNameLst>
+                                          <p:attrName>r</p:attrName>
+                                        </p:attrNameLst>
+                                      </p:cBhvr>
+                                    </p:animRot>
+                                    <p:animRot by="-1500000">
+                                      <p:cBhvr>
+                                        <p:cTn id="16" dur="188" fill="hold">
+                                          <p:stCondLst>
+                                            <p:cond delay="188"/>
+                                          </p:stCondLst>
+                                        </p:cTn>
+                                        <p:tgtEl>
+                                          <p:spTgt spid="128"/>
+                                        </p:tgtEl>
+                                        <p:attrNameLst>
+                                          <p:attrName>r</p:attrName>
+                                        </p:attrNameLst>
+                                      </p:cBhvr>
+                                    </p:animRot>
+                                    <p:animRot by="-1500000">
+                                      <p:cBhvr>
+                                        <p:cTn id="17" dur="188" fill="hold">
+                                          <p:stCondLst>
+                                            <p:cond delay="375"/>
+                                          </p:stCondLst>
+                                        </p:cTn>
+                                        <p:tgtEl>
+                                          <p:spTgt spid="128"/>
+                                        </p:tgtEl>
+                                        <p:attrNameLst>
+                                          <p:attrName>r</p:attrName>
+                                        </p:attrNameLst>
+                                      </p:cBhvr>
+                                    </p:animRot>
+                                    <p:animRot by="1500000">
+                                      <p:cBhvr>
+                                        <p:cTn id="18" dur="188" fill="hold">
+                                          <p:stCondLst>
+                                            <p:cond delay="563"/>
+                                          </p:stCondLst>
+                                        </p:cTn>
+                                        <p:tgtEl>
+                                          <p:spTgt spid="128"/>
+                                        </p:tgtEl>
+                                        <p:attrNameLst>
+                                          <p:attrName>r</p:attrName>
+                                        </p:attrNameLst>
+                                      </p:cBhvr>
+                                    </p:animRot>
+                                  </p:childTnLst>
+                                </p:cTn>
+                              </p:par>
+                            </p:childTnLst>
+                          </p:cTn>
+                        </p:par>
+                      </p:childTnLst>
+                    </p:cTn>
+                  </p:par>
+                </p:childTnLst>
+              </p:cTn>
+              <p:prevCondLst>
+                <p:cond evt="onPrev" delay="0">
+                  <p:tgtEl>
+                    <p:sldTgt/>
+                  </p:tgtEl>
+                </p:cond>
+              </p:prevCondLst>
+              <p:nextCondLst>
+                <p:cond evt="onNext" delay="0">
+                  <p:tgtEl>
+                    <p:sldTgt/>
+                  </p:tgtEl>
+                </p:cond>
+              </p:nextCondLst>
+            </p:seq>
+          </p:childTnLst>
+        </p:cTn>
+      </p:par>
+    </p:tnLst>
+    <p:bldLst>
+      <p:bldP spid="128" grpId="0"/>
+      <p:bldP spid="128" grpId="1"/>
+    </p:bldLst>
+  </p:timing>
 </p:sld>
 </file>
 
@@ -6868,7 +8492,7 @@
             </a:pPr>
             <a:r>
               <a:rPr lang="en-US" sz="4400" dirty="0"/>
-              <a:t>THE dATA</a:t>
+              <a:t>Brain stroke dataset</a:t>
             </a:r>
             <a:endParaRPr sz="4400" dirty="0"/>
           </a:p>
@@ -6987,7 +8611,7 @@
             </a:pPr>
             <a:r>
               <a:rPr lang="en-US" sz="4400" dirty="0"/>
-              <a:t>THE dATA</a:t>
+              <a:t>Brain stroke dataset</a:t>
             </a:r>
             <a:endParaRPr sz="4400" dirty="0"/>
           </a:p>
@@ -7007,8 +8631,8 @@
         </p:nvSpPr>
         <p:spPr>
           <a:xfrm>
-            <a:off x="3747427" y="3133751"/>
-            <a:ext cx="7858083" cy="1815882"/>
+            <a:off x="3553428" y="3369067"/>
+            <a:ext cx="7858083" cy="2246769"/>
           </a:xfrm>
           <a:prstGeom prst="rect">
             <a:avLst/>
@@ -7021,9 +8645,10 @@
           </a:bodyPr>
           <a:lstStyle/>
           <a:p>
+            <a:pPr algn="just"/>
             <a:r>
               <a:rPr lang="en-US" sz="2800" dirty="0"/>
-              <a:t>The data used for this project was found in csv format. The data was cleaned by removing unnecessary columns that would bring no contribution to our analysis. </a:t>
+              <a:t>We retrieved our dataset in csv format from Kaggle.  The data was cleaned and we used PostgreSQL database and SQL alchemy. We used four machine learning modules to check the accuracy of the dataset.</a:t>
             </a:r>
           </a:p>
         </p:txBody>
@@ -7075,467 +8700,6 @@
           </a:extLst>
         </p:spPr>
       </p:pic>
-      <p:sp>
-        <p:nvSpPr>
-          <p:cNvPr id="16" name="TextBox 15">
-            <a:extLst>
-              <a:ext uri="{FF2B5EF4-FFF2-40B4-BE49-F238E27FC236}">
-                <a16:creationId xmlns:a16="http://schemas.microsoft.com/office/drawing/2014/main" id="{2F72A860-A2E3-F57F-DCDB-383E5A60F047}"/>
-              </a:ext>
-            </a:extLst>
-          </p:cNvPr>
-          <p:cNvSpPr txBox="1"/>
-          <p:nvPr/>
-        </p:nvSpPr>
-        <p:spPr>
-          <a:xfrm>
-            <a:off x="3553428" y="1929260"/>
-            <a:ext cx="1064134" cy="461665"/>
-          </a:xfrm>
-          <a:prstGeom prst="rect">
-            <a:avLst/>
-          </a:prstGeom>
-          <a:noFill/>
-        </p:spPr>
-        <p:txBody>
-          <a:bodyPr wrap="square" rtlCol="0">
-            <a:spAutoFit/>
-          </a:bodyPr>
-          <a:lstStyle/>
-          <a:p>
-            <a:r>
-              <a:rPr lang="en-US" sz="2400" dirty="0"/>
-              <a:t>ID</a:t>
-            </a:r>
-          </a:p>
-        </p:txBody>
-      </p:sp>
-      <p:sp>
-        <p:nvSpPr>
-          <p:cNvPr id="17" name="TextBox 16">
-            <a:extLst>
-              <a:ext uri="{FF2B5EF4-FFF2-40B4-BE49-F238E27FC236}">
-                <a16:creationId xmlns:a16="http://schemas.microsoft.com/office/drawing/2014/main" id="{A7961E8E-2CE9-9F1B-66E5-9299CB4B81BC}"/>
-              </a:ext>
-            </a:extLst>
-          </p:cNvPr>
-          <p:cNvSpPr txBox="1"/>
-          <p:nvPr/>
-        </p:nvSpPr>
-        <p:spPr>
-          <a:xfrm>
-            <a:off x="3553430" y="4145252"/>
-            <a:ext cx="3377381" cy="461665"/>
-          </a:xfrm>
-          <a:prstGeom prst="rect">
-            <a:avLst/>
-          </a:prstGeom>
-          <a:noFill/>
-        </p:spPr>
-        <p:txBody>
-          <a:bodyPr wrap="square" rtlCol="0">
-            <a:spAutoFit/>
-          </a:bodyPr>
-          <a:lstStyle/>
-          <a:p>
-            <a:r>
-              <a:rPr lang="en-US" sz="2400" dirty="0"/>
-              <a:t>WORK TYPE</a:t>
-            </a:r>
-          </a:p>
-        </p:txBody>
-      </p:sp>
-      <p:sp>
-        <p:nvSpPr>
-          <p:cNvPr id="18" name="TextBox 17">
-            <a:extLst>
-              <a:ext uri="{FF2B5EF4-FFF2-40B4-BE49-F238E27FC236}">
-                <a16:creationId xmlns:a16="http://schemas.microsoft.com/office/drawing/2014/main" id="{002D513B-2C93-B492-0FA1-AFDAC9B5A942}"/>
-              </a:ext>
-            </a:extLst>
-          </p:cNvPr>
-          <p:cNvSpPr txBox="1"/>
-          <p:nvPr/>
-        </p:nvSpPr>
-        <p:spPr>
-          <a:xfrm>
-            <a:off x="3570638" y="2667924"/>
-            <a:ext cx="3377381" cy="461665"/>
-          </a:xfrm>
-          <a:prstGeom prst="rect">
-            <a:avLst/>
-          </a:prstGeom>
-          <a:noFill/>
-        </p:spPr>
-        <p:txBody>
-          <a:bodyPr wrap="square" rtlCol="0">
-            <a:spAutoFit/>
-          </a:bodyPr>
-          <a:lstStyle/>
-          <a:p>
-            <a:r>
-              <a:rPr lang="en-US" sz="2400" dirty="0"/>
-              <a:t>AGE</a:t>
-            </a:r>
-          </a:p>
-        </p:txBody>
-      </p:sp>
-      <p:sp>
-        <p:nvSpPr>
-          <p:cNvPr id="19" name="TextBox 18">
-            <a:extLst>
-              <a:ext uri="{FF2B5EF4-FFF2-40B4-BE49-F238E27FC236}">
-                <a16:creationId xmlns:a16="http://schemas.microsoft.com/office/drawing/2014/main" id="{5F903B08-FC84-DEAE-0CC3-7CEECB80C67F}"/>
-              </a:ext>
-            </a:extLst>
-          </p:cNvPr>
-          <p:cNvSpPr txBox="1"/>
-          <p:nvPr/>
-        </p:nvSpPr>
-        <p:spPr>
-          <a:xfrm>
-            <a:off x="3570638" y="3037256"/>
-            <a:ext cx="3377381" cy="461665"/>
-          </a:xfrm>
-          <a:prstGeom prst="rect">
-            <a:avLst/>
-          </a:prstGeom>
-          <a:noFill/>
-        </p:spPr>
-        <p:txBody>
-          <a:bodyPr wrap="square" rtlCol="0">
-            <a:spAutoFit/>
-          </a:bodyPr>
-          <a:lstStyle/>
-          <a:p>
-            <a:r>
-              <a:rPr lang="en-US" sz="2400" dirty="0"/>
-              <a:t>HYPERTENSION</a:t>
-            </a:r>
-          </a:p>
-        </p:txBody>
-      </p:sp>
-      <p:sp>
-        <p:nvSpPr>
-          <p:cNvPr id="20" name="TextBox 19">
-            <a:extLst>
-              <a:ext uri="{FF2B5EF4-FFF2-40B4-BE49-F238E27FC236}">
-                <a16:creationId xmlns:a16="http://schemas.microsoft.com/office/drawing/2014/main" id="{45070734-9298-6FB1-E002-6F8EA1E706C9}"/>
-              </a:ext>
-            </a:extLst>
-          </p:cNvPr>
-          <p:cNvSpPr txBox="1"/>
-          <p:nvPr/>
-        </p:nvSpPr>
-        <p:spPr>
-          <a:xfrm>
-            <a:off x="3553430" y="3406588"/>
-            <a:ext cx="3377381" cy="461665"/>
-          </a:xfrm>
-          <a:prstGeom prst="rect">
-            <a:avLst/>
-          </a:prstGeom>
-          <a:noFill/>
-        </p:spPr>
-        <p:txBody>
-          <a:bodyPr wrap="square" rtlCol="0">
-            <a:spAutoFit/>
-          </a:bodyPr>
-          <a:lstStyle/>
-          <a:p>
-            <a:r>
-              <a:rPr lang="en-US" sz="2400" dirty="0"/>
-              <a:t>HEART DISEASE</a:t>
-            </a:r>
-          </a:p>
-        </p:txBody>
-      </p:sp>
-      <p:sp>
-        <p:nvSpPr>
-          <p:cNvPr id="21" name="TextBox 20">
-            <a:extLst>
-              <a:ext uri="{FF2B5EF4-FFF2-40B4-BE49-F238E27FC236}">
-                <a16:creationId xmlns:a16="http://schemas.microsoft.com/office/drawing/2014/main" id="{B08258CC-744E-1A28-9A51-570282821DF4}"/>
-              </a:ext>
-            </a:extLst>
-          </p:cNvPr>
-          <p:cNvSpPr txBox="1"/>
-          <p:nvPr/>
-        </p:nvSpPr>
-        <p:spPr>
-          <a:xfrm>
-            <a:off x="3570638" y="3775920"/>
-            <a:ext cx="3377381" cy="461665"/>
-          </a:xfrm>
-          <a:prstGeom prst="rect">
-            <a:avLst/>
-          </a:prstGeom>
-          <a:noFill/>
-        </p:spPr>
-        <p:txBody>
-          <a:bodyPr wrap="square" rtlCol="0">
-            <a:spAutoFit/>
-          </a:bodyPr>
-          <a:lstStyle/>
-          <a:p>
-            <a:r>
-              <a:rPr lang="en-US" sz="2400" dirty="0"/>
-              <a:t>EVER MARRIED</a:t>
-            </a:r>
-          </a:p>
-        </p:txBody>
-      </p:sp>
-      <p:sp>
-        <p:nvSpPr>
-          <p:cNvPr id="22" name="TextBox 21">
-            <a:extLst>
-              <a:ext uri="{FF2B5EF4-FFF2-40B4-BE49-F238E27FC236}">
-                <a16:creationId xmlns:a16="http://schemas.microsoft.com/office/drawing/2014/main" id="{354B98BB-D232-3B60-13BA-8E1F539FA92D}"/>
-              </a:ext>
-            </a:extLst>
-          </p:cNvPr>
-          <p:cNvSpPr txBox="1"/>
-          <p:nvPr/>
-        </p:nvSpPr>
-        <p:spPr>
-          <a:xfrm>
-            <a:off x="3553428" y="2298592"/>
-            <a:ext cx="3377381" cy="461665"/>
-          </a:xfrm>
-          <a:prstGeom prst="rect">
-            <a:avLst/>
-          </a:prstGeom>
-          <a:noFill/>
-        </p:spPr>
-        <p:txBody>
-          <a:bodyPr wrap="square" rtlCol="0">
-            <a:spAutoFit/>
-          </a:bodyPr>
-          <a:lstStyle/>
-          <a:p>
-            <a:r>
-              <a:rPr lang="en-US" sz="2400" dirty="0"/>
-              <a:t>GENDER</a:t>
-            </a:r>
-          </a:p>
-        </p:txBody>
-      </p:sp>
-      <p:sp>
-        <p:nvSpPr>
-          <p:cNvPr id="23" name="TextBox 22">
-            <a:extLst>
-              <a:ext uri="{FF2B5EF4-FFF2-40B4-BE49-F238E27FC236}">
-                <a16:creationId xmlns:a16="http://schemas.microsoft.com/office/drawing/2014/main" id="{922C38F9-1376-0D3D-A382-F3888490EAAF}"/>
-              </a:ext>
-            </a:extLst>
-          </p:cNvPr>
-          <p:cNvSpPr txBox="1"/>
-          <p:nvPr/>
-        </p:nvSpPr>
-        <p:spPr>
-          <a:xfrm>
-            <a:off x="3570638" y="4514584"/>
-            <a:ext cx="3377381" cy="461665"/>
-          </a:xfrm>
-          <a:prstGeom prst="rect">
-            <a:avLst/>
-          </a:prstGeom>
-          <a:noFill/>
-        </p:spPr>
-        <p:txBody>
-          <a:bodyPr wrap="square" rtlCol="0">
-            <a:spAutoFit/>
-          </a:bodyPr>
-          <a:lstStyle/>
-          <a:p>
-            <a:r>
-              <a:rPr lang="en-US" sz="2400" dirty="0"/>
-              <a:t>RESIDENCE TYPE</a:t>
-            </a:r>
-          </a:p>
-        </p:txBody>
-      </p:sp>
-      <p:sp>
-        <p:nvSpPr>
-          <p:cNvPr id="24" name="TextBox 23">
-            <a:extLst>
-              <a:ext uri="{FF2B5EF4-FFF2-40B4-BE49-F238E27FC236}">
-                <a16:creationId xmlns:a16="http://schemas.microsoft.com/office/drawing/2014/main" id="{306F2763-5FAD-5735-987F-793C2A57A21D}"/>
-              </a:ext>
-            </a:extLst>
-          </p:cNvPr>
-          <p:cNvSpPr txBox="1"/>
-          <p:nvPr/>
-        </p:nvSpPr>
-        <p:spPr>
-          <a:xfrm>
-            <a:off x="3553429" y="4883916"/>
-            <a:ext cx="3377381" cy="830997"/>
-          </a:xfrm>
-          <a:prstGeom prst="rect">
-            <a:avLst/>
-          </a:prstGeom>
-          <a:noFill/>
-        </p:spPr>
-        <p:txBody>
-          <a:bodyPr wrap="square" rtlCol="0">
-            <a:spAutoFit/>
-          </a:bodyPr>
-          <a:lstStyle/>
-          <a:p>
-            <a:r>
-              <a:rPr lang="en-US" sz="2400" dirty="0"/>
-              <a:t>AVERAGE GLUCOSE LEVEL</a:t>
-            </a:r>
-          </a:p>
-        </p:txBody>
-      </p:sp>
-      <p:sp>
-        <p:nvSpPr>
-          <p:cNvPr id="25" name="TextBox 24">
-            <a:extLst>
-              <a:ext uri="{FF2B5EF4-FFF2-40B4-BE49-F238E27FC236}">
-                <a16:creationId xmlns:a16="http://schemas.microsoft.com/office/drawing/2014/main" id="{BD3E7318-1365-1455-56A1-1F450C74900B}"/>
-              </a:ext>
-            </a:extLst>
-          </p:cNvPr>
-          <p:cNvSpPr txBox="1"/>
-          <p:nvPr/>
-        </p:nvSpPr>
-        <p:spPr>
-          <a:xfrm>
-            <a:off x="3570638" y="5622580"/>
-            <a:ext cx="3377381" cy="461665"/>
-          </a:xfrm>
-          <a:prstGeom prst="rect">
-            <a:avLst/>
-          </a:prstGeom>
-          <a:noFill/>
-        </p:spPr>
-        <p:txBody>
-          <a:bodyPr wrap="square" rtlCol="0">
-            <a:spAutoFit/>
-          </a:bodyPr>
-          <a:lstStyle/>
-          <a:p>
-            <a:r>
-              <a:rPr lang="en-US" sz="2400" dirty="0"/>
-              <a:t>BMI</a:t>
-            </a:r>
-          </a:p>
-        </p:txBody>
-      </p:sp>
-      <p:sp>
-        <p:nvSpPr>
-          <p:cNvPr id="26" name="TextBox 25">
-            <a:extLst>
-              <a:ext uri="{FF2B5EF4-FFF2-40B4-BE49-F238E27FC236}">
-                <a16:creationId xmlns:a16="http://schemas.microsoft.com/office/drawing/2014/main" id="{07FDE8F9-7ADE-48DA-DAF1-CA6312CC9218}"/>
-              </a:ext>
-            </a:extLst>
-          </p:cNvPr>
-          <p:cNvSpPr txBox="1"/>
-          <p:nvPr/>
-        </p:nvSpPr>
-        <p:spPr>
-          <a:xfrm>
-            <a:off x="3553428" y="5951595"/>
-            <a:ext cx="3377381" cy="461665"/>
-          </a:xfrm>
-          <a:prstGeom prst="rect">
-            <a:avLst/>
-          </a:prstGeom>
-          <a:noFill/>
-        </p:spPr>
-        <p:txBody>
-          <a:bodyPr wrap="square" rtlCol="0">
-            <a:spAutoFit/>
-          </a:bodyPr>
-          <a:lstStyle/>
-          <a:p>
-            <a:r>
-              <a:rPr lang="en-US" sz="2400" dirty="0"/>
-              <a:t>SMOKING STATUS</a:t>
-            </a:r>
-          </a:p>
-        </p:txBody>
-      </p:sp>
-      <p:sp>
-        <p:nvSpPr>
-          <p:cNvPr id="27" name="TextBox 26">
-            <a:extLst>
-              <a:ext uri="{FF2B5EF4-FFF2-40B4-BE49-F238E27FC236}">
-                <a16:creationId xmlns:a16="http://schemas.microsoft.com/office/drawing/2014/main" id="{1C3EB7F4-28F3-81A0-0C7A-6E7C21DA5D6F}"/>
-              </a:ext>
-            </a:extLst>
-          </p:cNvPr>
-          <p:cNvSpPr txBox="1"/>
-          <p:nvPr/>
-        </p:nvSpPr>
-        <p:spPr>
-          <a:xfrm>
-            <a:off x="3553428" y="6320927"/>
-            <a:ext cx="3377381" cy="461665"/>
-          </a:xfrm>
-          <a:prstGeom prst="rect">
-            <a:avLst/>
-          </a:prstGeom>
-          <a:noFill/>
-        </p:spPr>
-        <p:txBody>
-          <a:bodyPr wrap="square" rtlCol="0">
-            <a:spAutoFit/>
-          </a:bodyPr>
-          <a:lstStyle/>
-          <a:p>
-            <a:r>
-              <a:rPr lang="en-US" sz="2400" dirty="0"/>
-              <a:t>STROKE</a:t>
-            </a:r>
-          </a:p>
-        </p:txBody>
-      </p:sp>
-      <p:sp>
-        <p:nvSpPr>
-          <p:cNvPr id="28" name="TextBox 27">
-            <a:extLst>
-              <a:ext uri="{FF2B5EF4-FFF2-40B4-BE49-F238E27FC236}">
-                <a16:creationId xmlns:a16="http://schemas.microsoft.com/office/drawing/2014/main" id="{BBD16C1C-55C8-9697-91B4-3D51FB719057}"/>
-              </a:ext>
-            </a:extLst>
-          </p:cNvPr>
-          <p:cNvSpPr txBox="1"/>
-          <p:nvPr/>
-        </p:nvSpPr>
-        <p:spPr>
-          <a:xfrm>
-            <a:off x="6226157" y="3775920"/>
-            <a:ext cx="3201363" cy="461665"/>
-          </a:xfrm>
-          <a:prstGeom prst="rect">
-            <a:avLst/>
-          </a:prstGeom>
-          <a:noFill/>
-        </p:spPr>
-        <p:txBody>
-          <a:bodyPr wrap="square" rtlCol="0">
-            <a:spAutoFit/>
-          </a:bodyPr>
-          <a:lstStyle/>
-          <a:p>
-            <a:r>
-              <a:rPr lang="en-US" sz="2400" b="1" dirty="0">
-                <a:solidFill>
-                  <a:schemeClr val="accent6">
-                    <a:lumMod val="50000"/>
-                  </a:schemeClr>
-                </a:solidFill>
-              </a:rPr>
-              <a:t>Yes = 1 &amp; No = 0</a:t>
-            </a:r>
-          </a:p>
-        </p:txBody>
-      </p:sp>
     </p:spTree>
     <p:extLst>
       <p:ext uri="{BB962C8B-B14F-4D97-AF65-F5344CB8AC3E}">
@@ -7546,581 +8710,18 @@
   <p:clrMapOvr>
     <a:masterClrMapping/>
   </p:clrMapOvr>
-  <mc:AlternateContent xmlns:mc="http://schemas.openxmlformats.org/markup-compatibility/2006">
-    <mc:Choice xmlns:p159="http://schemas.microsoft.com/office/powerpoint/2015/09/main" Requires="p159">
+  <mc:AlternateContent xmlns:mc="http://schemas.openxmlformats.org/markup-compatibility/2006" xmlns:p159="http://schemas.microsoft.com/office/powerpoint/2015/09/main">
+    <mc:Choice Requires="p159">
       <p:transition xmlns:p14="http://schemas.microsoft.com/office/powerpoint/2010/main" spd="slow" p14:dur="2000">
         <p159:morph option="byObject"/>
       </p:transition>
     </mc:Choice>
-    <mc:Fallback>
+    <mc:Fallback xmlns="">
       <p:transition spd="slow">
         <p:fade/>
       </p:transition>
     </mc:Fallback>
   </mc:AlternateContent>
-  <p:timing>
-    <p:tnLst>
-      <p:par>
-        <p:cTn id="1" dur="indefinite" restart="never" nodeType="tmRoot">
-          <p:childTnLst>
-            <p:seq concurrent="1" nextAc="seek">
-              <p:cTn id="2" dur="indefinite" nodeType="mainSeq">
-                <p:childTnLst>
-                  <p:par>
-                    <p:cTn id="3" fill="hold">
-                      <p:stCondLst>
-                        <p:cond delay="indefinite"/>
-                      </p:stCondLst>
-                      <p:childTnLst>
-                        <p:par>
-                          <p:cTn id="4" fill="hold">
-                            <p:stCondLst>
-                              <p:cond delay="0"/>
-                            </p:stCondLst>
-                            <p:childTnLst>
-                              <p:par>
-                                <p:cTn id="5" presetID="10" presetClass="exit" presetSubtype="0" fill="hold" grpId="1" nodeType="clickEffect">
-                                  <p:stCondLst>
-                                    <p:cond delay="0"/>
-                                  </p:stCondLst>
-                                  <p:childTnLst>
-                                    <p:animEffect transition="out" filter="fade">
-                                      <p:cBhvr>
-                                        <p:cTn id="6" dur="500"/>
-                                        <p:tgtEl>
-                                          <p:spTgt spid="2"/>
-                                        </p:tgtEl>
-                                      </p:cBhvr>
-                                    </p:animEffect>
-                                    <p:set>
-                                      <p:cBhvr>
-                                        <p:cTn id="7" dur="1" fill="hold">
-                                          <p:stCondLst>
-                                            <p:cond delay="499"/>
-                                          </p:stCondLst>
-                                        </p:cTn>
-                                        <p:tgtEl>
-                                          <p:spTgt spid="2"/>
-                                        </p:tgtEl>
-                                        <p:attrNameLst>
-                                          <p:attrName>style.visibility</p:attrName>
-                                        </p:attrNameLst>
-                                      </p:cBhvr>
-                                      <p:to>
-                                        <p:strVal val="hidden"/>
-                                      </p:to>
-                                    </p:set>
-                                  </p:childTnLst>
-                                </p:cTn>
-                              </p:par>
-                            </p:childTnLst>
-                          </p:cTn>
-                        </p:par>
-                      </p:childTnLst>
-                    </p:cTn>
-                  </p:par>
-                </p:childTnLst>
-              </p:cTn>
-              <p:prevCondLst>
-                <p:cond evt="onPrev" delay="0">
-                  <p:tgtEl>
-                    <p:sldTgt/>
-                  </p:tgtEl>
-                </p:cond>
-              </p:prevCondLst>
-              <p:nextCondLst>
-                <p:cond evt="onNext" delay="0">
-                  <p:tgtEl>
-                    <p:sldTgt/>
-                  </p:tgtEl>
-                </p:cond>
-              </p:nextCondLst>
-            </p:seq>
-            <p:seq concurrent="1" nextAc="seek">
-              <p:cTn id="8" restart="whenNotActive" fill="hold" evtFilter="cancelBubble" nodeType="interactiveSeq">
-                <p:stCondLst>
-                  <p:cond evt="onClick" delay="0">
-                    <p:tgtEl>
-                      <p:spTgt spid="1030"/>
-                    </p:tgtEl>
-                  </p:cond>
-                </p:stCondLst>
-                <p:endSync evt="end" delay="0">
-                  <p:rtn val="all"/>
-                </p:endSync>
-                <p:childTnLst>
-                  <p:par>
-                    <p:cTn id="9" fill="hold">
-                      <p:stCondLst>
-                        <p:cond delay="0"/>
-                      </p:stCondLst>
-                      <p:childTnLst>
-                        <p:par>
-                          <p:cTn id="10" fill="hold">
-                            <p:stCondLst>
-                              <p:cond delay="0"/>
-                            </p:stCondLst>
-                            <p:childTnLst>
-                              <p:par>
-                                <p:cTn id="11" presetID="1" presetClass="entr" presetSubtype="0" fill="hold" grpId="0" nodeType="withEffect">
-                                  <p:stCondLst>
-                                    <p:cond delay="0"/>
-                                  </p:stCondLst>
-                                  <p:childTnLst>
-                                    <p:set>
-                                      <p:cBhvr>
-                                        <p:cTn id="12" dur="1" fill="hold">
-                                          <p:stCondLst>
-                                            <p:cond delay="0"/>
-                                          </p:stCondLst>
-                                        </p:cTn>
-                                        <p:tgtEl>
-                                          <p:spTgt spid="16"/>
-                                        </p:tgtEl>
-                                        <p:attrNameLst>
-                                          <p:attrName>style.visibility</p:attrName>
-                                        </p:attrNameLst>
-                                      </p:cBhvr>
-                                      <p:to>
-                                        <p:strVal val="visible"/>
-                                      </p:to>
-                                    </p:set>
-                                  </p:childTnLst>
-                                </p:cTn>
-                              </p:par>
-                              <p:par>
-                                <p:cTn id="13" presetID="1" presetClass="entr" presetSubtype="0" fill="hold" grpId="0" nodeType="withEffect">
-                                  <p:stCondLst>
-                                    <p:cond delay="0"/>
-                                  </p:stCondLst>
-                                  <p:childTnLst>
-                                    <p:set>
-                                      <p:cBhvr>
-                                        <p:cTn id="14" dur="1" fill="hold">
-                                          <p:stCondLst>
-                                            <p:cond delay="0"/>
-                                          </p:stCondLst>
-                                        </p:cTn>
-                                        <p:tgtEl>
-                                          <p:spTgt spid="17"/>
-                                        </p:tgtEl>
-                                        <p:attrNameLst>
-                                          <p:attrName>style.visibility</p:attrName>
-                                        </p:attrNameLst>
-                                      </p:cBhvr>
-                                      <p:to>
-                                        <p:strVal val="visible"/>
-                                      </p:to>
-                                    </p:set>
-                                  </p:childTnLst>
-                                </p:cTn>
-                              </p:par>
-                              <p:par>
-                                <p:cTn id="15" presetID="1" presetClass="entr" presetSubtype="0" fill="hold" grpId="0" nodeType="withEffect">
-                                  <p:stCondLst>
-                                    <p:cond delay="0"/>
-                                  </p:stCondLst>
-                                  <p:childTnLst>
-                                    <p:set>
-                                      <p:cBhvr>
-                                        <p:cTn id="16" dur="1" fill="hold">
-                                          <p:stCondLst>
-                                            <p:cond delay="0"/>
-                                          </p:stCondLst>
-                                        </p:cTn>
-                                        <p:tgtEl>
-                                          <p:spTgt spid="18"/>
-                                        </p:tgtEl>
-                                        <p:attrNameLst>
-                                          <p:attrName>style.visibility</p:attrName>
-                                        </p:attrNameLst>
-                                      </p:cBhvr>
-                                      <p:to>
-                                        <p:strVal val="visible"/>
-                                      </p:to>
-                                    </p:set>
-                                  </p:childTnLst>
-                                </p:cTn>
-                              </p:par>
-                              <p:par>
-                                <p:cTn id="17" presetID="1" presetClass="entr" presetSubtype="0" fill="hold" grpId="0" nodeType="withEffect">
-                                  <p:stCondLst>
-                                    <p:cond delay="0"/>
-                                  </p:stCondLst>
-                                  <p:childTnLst>
-                                    <p:set>
-                                      <p:cBhvr>
-                                        <p:cTn id="18" dur="1" fill="hold">
-                                          <p:stCondLst>
-                                            <p:cond delay="0"/>
-                                          </p:stCondLst>
-                                        </p:cTn>
-                                        <p:tgtEl>
-                                          <p:spTgt spid="19"/>
-                                        </p:tgtEl>
-                                        <p:attrNameLst>
-                                          <p:attrName>style.visibility</p:attrName>
-                                        </p:attrNameLst>
-                                      </p:cBhvr>
-                                      <p:to>
-                                        <p:strVal val="visible"/>
-                                      </p:to>
-                                    </p:set>
-                                  </p:childTnLst>
-                                </p:cTn>
-                              </p:par>
-                              <p:par>
-                                <p:cTn id="19" presetID="1" presetClass="entr" presetSubtype="0" fill="hold" grpId="0" nodeType="withEffect">
-                                  <p:stCondLst>
-                                    <p:cond delay="0"/>
-                                  </p:stCondLst>
-                                  <p:childTnLst>
-                                    <p:set>
-                                      <p:cBhvr>
-                                        <p:cTn id="20" dur="1" fill="hold">
-                                          <p:stCondLst>
-                                            <p:cond delay="0"/>
-                                          </p:stCondLst>
-                                        </p:cTn>
-                                        <p:tgtEl>
-                                          <p:spTgt spid="20"/>
-                                        </p:tgtEl>
-                                        <p:attrNameLst>
-                                          <p:attrName>style.visibility</p:attrName>
-                                        </p:attrNameLst>
-                                      </p:cBhvr>
-                                      <p:to>
-                                        <p:strVal val="visible"/>
-                                      </p:to>
-                                    </p:set>
-                                  </p:childTnLst>
-                                </p:cTn>
-                              </p:par>
-                              <p:par>
-                                <p:cTn id="21" presetID="1" presetClass="entr" presetSubtype="0" fill="hold" grpId="0" nodeType="withEffect">
-                                  <p:stCondLst>
-                                    <p:cond delay="0"/>
-                                  </p:stCondLst>
-                                  <p:childTnLst>
-                                    <p:set>
-                                      <p:cBhvr>
-                                        <p:cTn id="22" dur="1" fill="hold">
-                                          <p:stCondLst>
-                                            <p:cond delay="0"/>
-                                          </p:stCondLst>
-                                        </p:cTn>
-                                        <p:tgtEl>
-                                          <p:spTgt spid="21"/>
-                                        </p:tgtEl>
-                                        <p:attrNameLst>
-                                          <p:attrName>style.visibility</p:attrName>
-                                        </p:attrNameLst>
-                                      </p:cBhvr>
-                                      <p:to>
-                                        <p:strVal val="visible"/>
-                                      </p:to>
-                                    </p:set>
-                                  </p:childTnLst>
-                                </p:cTn>
-                              </p:par>
-                              <p:par>
-                                <p:cTn id="23" presetID="1" presetClass="entr" presetSubtype="0" fill="hold" grpId="0" nodeType="withEffect">
-                                  <p:stCondLst>
-                                    <p:cond delay="0"/>
-                                  </p:stCondLst>
-                                  <p:childTnLst>
-                                    <p:set>
-                                      <p:cBhvr>
-                                        <p:cTn id="24" dur="1" fill="hold">
-                                          <p:stCondLst>
-                                            <p:cond delay="0"/>
-                                          </p:stCondLst>
-                                        </p:cTn>
-                                        <p:tgtEl>
-                                          <p:spTgt spid="22"/>
-                                        </p:tgtEl>
-                                        <p:attrNameLst>
-                                          <p:attrName>style.visibility</p:attrName>
-                                        </p:attrNameLst>
-                                      </p:cBhvr>
-                                      <p:to>
-                                        <p:strVal val="visible"/>
-                                      </p:to>
-                                    </p:set>
-                                  </p:childTnLst>
-                                </p:cTn>
-                              </p:par>
-                              <p:par>
-                                <p:cTn id="25" presetID="1" presetClass="entr" presetSubtype="0" fill="hold" grpId="0" nodeType="withEffect">
-                                  <p:stCondLst>
-                                    <p:cond delay="0"/>
-                                  </p:stCondLst>
-                                  <p:childTnLst>
-                                    <p:set>
-                                      <p:cBhvr>
-                                        <p:cTn id="26" dur="1" fill="hold">
-                                          <p:stCondLst>
-                                            <p:cond delay="0"/>
-                                          </p:stCondLst>
-                                        </p:cTn>
-                                        <p:tgtEl>
-                                          <p:spTgt spid="23"/>
-                                        </p:tgtEl>
-                                        <p:attrNameLst>
-                                          <p:attrName>style.visibility</p:attrName>
-                                        </p:attrNameLst>
-                                      </p:cBhvr>
-                                      <p:to>
-                                        <p:strVal val="visible"/>
-                                      </p:to>
-                                    </p:set>
-                                  </p:childTnLst>
-                                </p:cTn>
-                              </p:par>
-                              <p:par>
-                                <p:cTn id="27" presetID="1" presetClass="entr" presetSubtype="0" fill="hold" grpId="0" nodeType="withEffect">
-                                  <p:stCondLst>
-                                    <p:cond delay="0"/>
-                                  </p:stCondLst>
-                                  <p:childTnLst>
-                                    <p:set>
-                                      <p:cBhvr>
-                                        <p:cTn id="28" dur="1" fill="hold">
-                                          <p:stCondLst>
-                                            <p:cond delay="0"/>
-                                          </p:stCondLst>
-                                        </p:cTn>
-                                        <p:tgtEl>
-                                          <p:spTgt spid="24"/>
-                                        </p:tgtEl>
-                                        <p:attrNameLst>
-                                          <p:attrName>style.visibility</p:attrName>
-                                        </p:attrNameLst>
-                                      </p:cBhvr>
-                                      <p:to>
-                                        <p:strVal val="visible"/>
-                                      </p:to>
-                                    </p:set>
-                                  </p:childTnLst>
-                                </p:cTn>
-                              </p:par>
-                              <p:par>
-                                <p:cTn id="29" presetID="1" presetClass="entr" presetSubtype="0" fill="hold" grpId="0" nodeType="withEffect">
-                                  <p:stCondLst>
-                                    <p:cond delay="0"/>
-                                  </p:stCondLst>
-                                  <p:childTnLst>
-                                    <p:set>
-                                      <p:cBhvr>
-                                        <p:cTn id="30" dur="1" fill="hold">
-                                          <p:stCondLst>
-                                            <p:cond delay="0"/>
-                                          </p:stCondLst>
-                                        </p:cTn>
-                                        <p:tgtEl>
-                                          <p:spTgt spid="25"/>
-                                        </p:tgtEl>
-                                        <p:attrNameLst>
-                                          <p:attrName>style.visibility</p:attrName>
-                                        </p:attrNameLst>
-                                      </p:cBhvr>
-                                      <p:to>
-                                        <p:strVal val="visible"/>
-                                      </p:to>
-                                    </p:set>
-                                  </p:childTnLst>
-                                </p:cTn>
-                              </p:par>
-                              <p:par>
-                                <p:cTn id="31" presetID="1" presetClass="entr" presetSubtype="0" fill="hold" grpId="0" nodeType="withEffect">
-                                  <p:stCondLst>
-                                    <p:cond delay="0"/>
-                                  </p:stCondLst>
-                                  <p:childTnLst>
-                                    <p:set>
-                                      <p:cBhvr>
-                                        <p:cTn id="32" dur="1" fill="hold">
-                                          <p:stCondLst>
-                                            <p:cond delay="0"/>
-                                          </p:stCondLst>
-                                        </p:cTn>
-                                        <p:tgtEl>
-                                          <p:spTgt spid="26"/>
-                                        </p:tgtEl>
-                                        <p:attrNameLst>
-                                          <p:attrName>style.visibility</p:attrName>
-                                        </p:attrNameLst>
-                                      </p:cBhvr>
-                                      <p:to>
-                                        <p:strVal val="visible"/>
-                                      </p:to>
-                                    </p:set>
-                                  </p:childTnLst>
-                                </p:cTn>
-                              </p:par>
-                              <p:par>
-                                <p:cTn id="33" presetID="1" presetClass="entr" presetSubtype="0" fill="hold" grpId="0" nodeType="withEffect">
-                                  <p:stCondLst>
-                                    <p:cond delay="0"/>
-                                  </p:stCondLst>
-                                  <p:childTnLst>
-                                    <p:set>
-                                      <p:cBhvr>
-                                        <p:cTn id="34" dur="1" fill="hold">
-                                          <p:stCondLst>
-                                            <p:cond delay="0"/>
-                                          </p:stCondLst>
-                                        </p:cTn>
-                                        <p:tgtEl>
-                                          <p:spTgt spid="27"/>
-                                        </p:tgtEl>
-                                        <p:attrNameLst>
-                                          <p:attrName>style.visibility</p:attrName>
-                                        </p:attrNameLst>
-                                      </p:cBhvr>
-                                      <p:to>
-                                        <p:strVal val="visible"/>
-                                      </p:to>
-                                    </p:set>
-                                  </p:childTnLst>
-                                </p:cTn>
-                              </p:par>
-                            </p:childTnLst>
-                          </p:cTn>
-                        </p:par>
-                      </p:childTnLst>
-                    </p:cTn>
-                  </p:par>
-                  <p:par>
-                    <p:cTn id="35" fill="hold">
-                      <p:stCondLst>
-                        <p:cond delay="indefinite"/>
-                      </p:stCondLst>
-                      <p:childTnLst>
-                        <p:par>
-                          <p:cTn id="36" fill="hold">
-                            <p:stCondLst>
-                              <p:cond delay="0"/>
-                            </p:stCondLst>
-                            <p:childTnLst>
-                              <p:par>
-                                <p:cTn id="37" presetID="1" presetClass="entr" presetSubtype="0" fill="hold" grpId="0" nodeType="clickEffect">
-                                  <p:stCondLst>
-                                    <p:cond delay="0"/>
-                                  </p:stCondLst>
-                                  <p:childTnLst>
-                                    <p:set>
-                                      <p:cBhvr>
-                                        <p:cTn id="38" dur="1" fill="hold">
-                                          <p:stCondLst>
-                                            <p:cond delay="0"/>
-                                          </p:stCondLst>
-                                        </p:cTn>
-                                        <p:tgtEl>
-                                          <p:spTgt spid="28"/>
-                                        </p:tgtEl>
-                                        <p:attrNameLst>
-                                          <p:attrName>style.visibility</p:attrName>
-                                        </p:attrNameLst>
-                                      </p:cBhvr>
-                                      <p:to>
-                                        <p:strVal val="visible"/>
-                                      </p:to>
-                                    </p:set>
-                                  </p:childTnLst>
-                                </p:cTn>
-                              </p:par>
-                            </p:childTnLst>
-                          </p:cTn>
-                        </p:par>
-                      </p:childTnLst>
-                    </p:cTn>
-                  </p:par>
-                  <p:par>
-                    <p:cTn id="39" fill="hold">
-                      <p:stCondLst>
-                        <p:cond delay="indefinite"/>
-                      </p:stCondLst>
-                      <p:childTnLst>
-                        <p:par>
-                          <p:cTn id="40" fill="hold">
-                            <p:stCondLst>
-                              <p:cond delay="0"/>
-                            </p:stCondLst>
-                            <p:childTnLst>
-                              <p:par>
-                                <p:cTn id="41" presetID="10" presetClass="exit" presetSubtype="0" fill="hold" grpId="1" nodeType="clickEffect">
-                                  <p:stCondLst>
-                                    <p:cond delay="0"/>
-                                  </p:stCondLst>
-                                  <p:childTnLst>
-                                    <p:animEffect transition="out" filter="fade">
-                                      <p:cBhvr>
-                                        <p:cTn id="42" dur="500"/>
-                                        <p:tgtEl>
-                                          <p:spTgt spid="16"/>
-                                        </p:tgtEl>
-                                      </p:cBhvr>
-                                    </p:animEffect>
-                                    <p:set>
-                                      <p:cBhvr>
-                                        <p:cTn id="43" dur="1" fill="hold">
-                                          <p:stCondLst>
-                                            <p:cond delay="499"/>
-                                          </p:stCondLst>
-                                        </p:cTn>
-                                        <p:tgtEl>
-                                          <p:spTgt spid="16"/>
-                                        </p:tgtEl>
-                                        <p:attrNameLst>
-                                          <p:attrName>style.visibility</p:attrName>
-                                        </p:attrNameLst>
-                                      </p:cBhvr>
-                                      <p:to>
-                                        <p:strVal val="hidden"/>
-                                      </p:to>
-                                    </p:set>
-                                  </p:childTnLst>
-                                </p:cTn>
-                              </p:par>
-                            </p:childTnLst>
-                          </p:cTn>
-                        </p:par>
-                      </p:childTnLst>
-                    </p:cTn>
-                  </p:par>
-                </p:childTnLst>
-              </p:cTn>
-              <p:nextCondLst>
-                <p:cond evt="onClick" delay="0">
-                  <p:tgtEl>
-                    <p:spTgt spid="1030"/>
-                  </p:tgtEl>
-                </p:cond>
-              </p:nextCondLst>
-            </p:seq>
-          </p:childTnLst>
-        </p:cTn>
-      </p:par>
-    </p:tnLst>
-    <p:bldLst>
-      <p:bldP spid="2" grpId="1"/>
-      <p:bldP spid="16" grpId="0"/>
-      <p:bldP spid="16" grpId="1"/>
-      <p:bldP spid="17" grpId="0"/>
-      <p:bldP spid="18" grpId="0"/>
-      <p:bldP spid="19" grpId="0"/>
-      <p:bldP spid="20" grpId="0"/>
-      <p:bldP spid="21" grpId="0"/>
-      <p:bldP spid="22" grpId="0"/>
-      <p:bldP spid="23" grpId="0"/>
-      <p:bldP spid="24" grpId="0"/>
-      <p:bldP spid="25" grpId="0"/>
-      <p:bldP spid="26" grpId="0"/>
-      <p:bldP spid="27" grpId="0"/>
-      <p:bldP spid="28" grpId="0"/>
-    </p:bldLst>
-  </p:timing>
 </p:sld>
 </file>
 
@@ -8129,7 +8730,7 @@
   <p:cSld>
     <p:spTree>
       <p:nvGrpSpPr>
-        <p:cNvPr id="1" name=""/>
+        <p:cNvPr id="1" name="Shape 108"/>
         <p:cNvGrpSpPr/>
         <p:nvPr/>
       </p:nvGrpSpPr>
@@ -8143,44 +8744,820 @@
       </p:grpSpPr>
       <p:sp>
         <p:nvSpPr>
-          <p:cNvPr id="2" name="Title 1">
-            <a:extLst>
-              <a:ext uri="{FF2B5EF4-FFF2-40B4-BE49-F238E27FC236}">
-                <a16:creationId xmlns:a16="http://schemas.microsoft.com/office/drawing/2014/main" id="{9D44F361-7345-3281-B3E0-01DD8B23A64B}"/>
-              </a:ext>
-            </a:extLst>
-          </p:cNvPr>
-          <p:cNvSpPr>
+          <p:cNvPr id="109" name="Google Shape;109;g24f2da4f33f_0_0"/>
+          <p:cNvSpPr txBox="1">
             <a:spLocks noGrp="1"/>
           </p:cNvSpPr>
           <p:nvPr>
             <p:ph type="title"/>
           </p:nvPr>
         </p:nvSpPr>
-        <p:spPr/>
+        <p:spPr>
+          <a:xfrm>
+            <a:off x="575894" y="729658"/>
+            <a:ext cx="11029500" cy="988200"/>
+          </a:xfrm>
+          <a:prstGeom prst="rect">
+            <a:avLst/>
+          </a:prstGeom>
+          <a:noFill/>
+          <a:ln>
+            <a:noFill/>
+          </a:ln>
+        </p:spPr>
         <p:txBody>
-          <a:bodyPr>
+          <a:bodyPr spcFirstLastPara="1" wrap="square" lIns="91425" tIns="45700" rIns="91425" bIns="45700" anchor="b" anchorCtr="0">
             <a:normAutofit/>
           </a:bodyPr>
           <a:lstStyle/>
           <a:p>
+            <a:pPr marL="0" lvl="0" indent="0" algn="l" rtl="0">
+              <a:spcBef>
+                <a:spcPts val="0"/>
+              </a:spcBef>
+              <a:spcAft>
+                <a:spcPts val="0"/>
+              </a:spcAft>
+              <a:buClr>
+                <a:schemeClr val="lt1"/>
+              </a:buClr>
+              <a:buSzPts val="2800"/>
+              <a:buFont typeface="Gill Sans"/>
+              <a:buNone/>
+            </a:pPr>
             <a:r>
               <a:rPr lang="en-US" sz="4400" dirty="0"/>
-              <a:t>SQL ALCHEMY</a:t>
+              <a:t>Accuracy comparisons</a:t>
             </a:r>
+            <a:endParaRPr sz="4400" dirty="0"/>
           </a:p>
         </p:txBody>
       </p:sp>
+      <p:grpSp>
+        <p:nvGrpSpPr>
+          <p:cNvPr id="101" name="Group 100">
+            <a:extLst>
+              <a:ext uri="{FF2B5EF4-FFF2-40B4-BE49-F238E27FC236}">
+                <a16:creationId xmlns:a16="http://schemas.microsoft.com/office/drawing/2014/main" id="{3BC66274-B6CC-E06A-6B61-AF37B4CAD6D2}"/>
+              </a:ext>
+            </a:extLst>
+          </p:cNvPr>
+          <p:cNvGrpSpPr/>
+          <p:nvPr/>
+        </p:nvGrpSpPr>
+        <p:grpSpPr>
+          <a:xfrm>
+            <a:off x="575889" y="3429000"/>
+            <a:ext cx="4753084" cy="39464494"/>
+            <a:chOff x="575889" y="3429000"/>
+            <a:chExt cx="4753084" cy="39464494"/>
+          </a:xfrm>
+        </p:grpSpPr>
+        <p:sp>
+          <p:nvSpPr>
+            <p:cNvPr id="110" name="Google Shape;110;g24f2da4f33f_0_0"/>
+            <p:cNvSpPr txBox="1"/>
+            <p:nvPr/>
+          </p:nvSpPr>
+          <p:spPr>
+            <a:xfrm>
+              <a:off x="575894" y="9707930"/>
+              <a:ext cx="4753079" cy="1415742"/>
+            </a:xfrm>
+            <a:prstGeom prst="rect">
+              <a:avLst/>
+            </a:prstGeom>
+            <a:noFill/>
+            <a:ln>
+              <a:noFill/>
+            </a:ln>
+          </p:spPr>
+          <p:txBody>
+            <a:bodyPr spcFirstLastPara="1" wrap="square" lIns="91425" tIns="91425" rIns="91425" bIns="91425" anchor="t" anchorCtr="0">
+              <a:spAutoFit/>
+            </a:bodyPr>
+            <a:lstStyle/>
+            <a:p>
+              <a:pPr marL="0" lvl="0" indent="0" algn="l" rtl="0">
+                <a:spcBef>
+                  <a:spcPts val="0"/>
+                </a:spcBef>
+                <a:spcAft>
+                  <a:spcPts val="0"/>
+                </a:spcAft>
+                <a:buNone/>
+              </a:pPr>
+              <a:r>
+                <a:rPr lang="en-US" sz="4000" b="1" dirty="0">
+                  <a:latin typeface="Gill Sans"/>
+                  <a:ea typeface="Gill Sans"/>
+                  <a:cs typeface="Gill Sans"/>
+                  <a:sym typeface="Gill Sans"/>
+                </a:rPr>
+                <a:t>Regression Model</a:t>
+              </a:r>
+            </a:p>
+            <a:p>
+              <a:pPr marL="0" lvl="0" indent="0" algn="l" rtl="0">
+                <a:spcBef>
+                  <a:spcPts val="0"/>
+                </a:spcBef>
+                <a:spcAft>
+                  <a:spcPts val="0"/>
+                </a:spcAft>
+                <a:buNone/>
+              </a:pPr>
+              <a:r>
+                <a:rPr lang="en-US" sz="4000" b="1" dirty="0">
+                  <a:latin typeface="Gill Sans"/>
+                  <a:ea typeface="Gill Sans"/>
+                  <a:cs typeface="Gill Sans"/>
+                  <a:sym typeface="Gill Sans"/>
+                </a:rPr>
+                <a:t>Oversample</a:t>
+              </a:r>
+            </a:p>
+          </p:txBody>
+        </p:sp>
+        <p:sp>
+          <p:nvSpPr>
+            <p:cNvPr id="3" name="Google Shape;110;g24f2da4f33f_0_0">
+              <a:extLst>
+                <a:ext uri="{FF2B5EF4-FFF2-40B4-BE49-F238E27FC236}">
+                  <a16:creationId xmlns:a16="http://schemas.microsoft.com/office/drawing/2014/main" id="{806C0FB1-E210-4CEB-30B1-FAF182EDB970}"/>
+                </a:ext>
+              </a:extLst>
+            </p:cNvPr>
+            <p:cNvSpPr txBox="1"/>
+            <p:nvPr/>
+          </p:nvSpPr>
+          <p:spPr>
+            <a:xfrm>
+              <a:off x="575895" y="16392330"/>
+              <a:ext cx="4114689" cy="1415742"/>
+            </a:xfrm>
+            <a:prstGeom prst="rect">
+              <a:avLst/>
+            </a:prstGeom>
+            <a:noFill/>
+            <a:ln>
+              <a:noFill/>
+            </a:ln>
+          </p:spPr>
+          <p:txBody>
+            <a:bodyPr spcFirstLastPara="1" wrap="square" lIns="91425" tIns="91425" rIns="91425" bIns="91425" anchor="t" anchorCtr="0">
+              <a:spAutoFit/>
+            </a:bodyPr>
+            <a:lstStyle/>
+            <a:p>
+              <a:pPr marL="0" lvl="0" indent="0" algn="l" rtl="0">
+                <a:spcBef>
+                  <a:spcPts val="0"/>
+                </a:spcBef>
+                <a:spcAft>
+                  <a:spcPts val="0"/>
+                </a:spcAft>
+                <a:buNone/>
+              </a:pPr>
+              <a:r>
+                <a:rPr lang="en-US" sz="4000" b="1" dirty="0">
+                  <a:latin typeface="Gill Sans"/>
+                  <a:ea typeface="Gill Sans"/>
+                  <a:cs typeface="Gill Sans"/>
+                  <a:sym typeface="Gill Sans"/>
+                </a:rPr>
+                <a:t>Decision Tree Model</a:t>
+              </a:r>
+            </a:p>
+          </p:txBody>
+        </p:sp>
+        <p:sp>
+          <p:nvSpPr>
+            <p:cNvPr id="4" name="Google Shape;110;g24f2da4f33f_0_0">
+              <a:extLst>
+                <a:ext uri="{FF2B5EF4-FFF2-40B4-BE49-F238E27FC236}">
+                  <a16:creationId xmlns:a16="http://schemas.microsoft.com/office/drawing/2014/main" id="{742E04E7-C4C6-D3F4-0AC3-79ADF960F209}"/>
+                </a:ext>
+              </a:extLst>
+            </p:cNvPr>
+            <p:cNvSpPr txBox="1"/>
+            <p:nvPr/>
+          </p:nvSpPr>
+          <p:spPr>
+            <a:xfrm>
+              <a:off x="575892" y="28935041"/>
+              <a:ext cx="4114689" cy="1415742"/>
+            </a:xfrm>
+            <a:prstGeom prst="rect">
+              <a:avLst/>
+            </a:prstGeom>
+            <a:noFill/>
+            <a:ln>
+              <a:noFill/>
+            </a:ln>
+          </p:spPr>
+          <p:txBody>
+            <a:bodyPr spcFirstLastPara="1" wrap="square" lIns="91425" tIns="91425" rIns="91425" bIns="91425" anchor="t" anchorCtr="0">
+              <a:spAutoFit/>
+            </a:bodyPr>
+            <a:lstStyle/>
+            <a:p>
+              <a:pPr marL="0" lvl="0" indent="0" algn="l" rtl="0">
+                <a:spcBef>
+                  <a:spcPts val="0"/>
+                </a:spcBef>
+                <a:spcAft>
+                  <a:spcPts val="0"/>
+                </a:spcAft>
+                <a:buNone/>
+              </a:pPr>
+              <a:r>
+                <a:rPr lang="en-US" sz="4000" b="1" dirty="0">
+                  <a:latin typeface="Gill Sans"/>
+                  <a:ea typeface="Gill Sans"/>
+                  <a:cs typeface="Gill Sans"/>
+                  <a:sym typeface="Gill Sans"/>
+                </a:rPr>
+                <a:t>Neural Network Model</a:t>
+              </a:r>
+            </a:p>
+          </p:txBody>
+        </p:sp>
+        <p:sp>
+          <p:nvSpPr>
+            <p:cNvPr id="5" name="Google Shape;110;g24f2da4f33f_0_0">
+              <a:extLst>
+                <a:ext uri="{FF2B5EF4-FFF2-40B4-BE49-F238E27FC236}">
+                  <a16:creationId xmlns:a16="http://schemas.microsoft.com/office/drawing/2014/main" id="{5B7BFBD7-4E49-9E08-A54B-24FAD2C1798C}"/>
+                </a:ext>
+              </a:extLst>
+            </p:cNvPr>
+            <p:cNvSpPr txBox="1"/>
+            <p:nvPr/>
+          </p:nvSpPr>
+          <p:spPr>
+            <a:xfrm>
+              <a:off x="575890" y="35213971"/>
+              <a:ext cx="4114689" cy="1415742"/>
+            </a:xfrm>
+            <a:prstGeom prst="rect">
+              <a:avLst/>
+            </a:prstGeom>
+            <a:noFill/>
+            <a:ln>
+              <a:noFill/>
+            </a:ln>
+          </p:spPr>
+          <p:txBody>
+            <a:bodyPr spcFirstLastPara="1" wrap="square" lIns="91425" tIns="91425" rIns="91425" bIns="91425" anchor="t" anchorCtr="0">
+              <a:spAutoFit/>
+            </a:bodyPr>
+            <a:lstStyle/>
+            <a:p>
+              <a:pPr marL="0" lvl="0" indent="0" algn="l" rtl="0">
+                <a:spcBef>
+                  <a:spcPts val="0"/>
+                </a:spcBef>
+                <a:spcAft>
+                  <a:spcPts val="0"/>
+                </a:spcAft>
+                <a:buNone/>
+              </a:pPr>
+              <a:r>
+                <a:rPr lang="en-US" sz="4000" b="1" dirty="0">
+                  <a:latin typeface="Gill Sans"/>
+                  <a:ea typeface="Gill Sans"/>
+                  <a:cs typeface="Gill Sans"/>
+                  <a:sym typeface="Gill Sans"/>
+                </a:rPr>
+                <a:t>Random Forest Model</a:t>
+              </a:r>
+              <a:endParaRPr sz="4000" b="1" dirty="0">
+                <a:latin typeface="Gill Sans"/>
+                <a:ea typeface="Gill Sans"/>
+                <a:cs typeface="Gill Sans"/>
+                <a:sym typeface="Gill Sans"/>
+              </a:endParaRPr>
+            </a:p>
+          </p:txBody>
+        </p:sp>
+        <p:sp>
+          <p:nvSpPr>
+            <p:cNvPr id="11" name="Google Shape;110;g24f2da4f33f_0_0">
+              <a:extLst>
+                <a:ext uri="{FF2B5EF4-FFF2-40B4-BE49-F238E27FC236}">
+                  <a16:creationId xmlns:a16="http://schemas.microsoft.com/office/drawing/2014/main" id="{30E990CF-5CA5-80D0-649D-9C94A3696569}"/>
+                </a:ext>
+              </a:extLst>
+            </p:cNvPr>
+            <p:cNvSpPr txBox="1"/>
+            <p:nvPr/>
+          </p:nvSpPr>
+          <p:spPr>
+            <a:xfrm>
+              <a:off x="575894" y="3429000"/>
+              <a:ext cx="4753079" cy="1415742"/>
+            </a:xfrm>
+            <a:prstGeom prst="rect">
+              <a:avLst/>
+            </a:prstGeom>
+            <a:noFill/>
+            <a:ln>
+              <a:noFill/>
+            </a:ln>
+          </p:spPr>
+          <p:txBody>
+            <a:bodyPr spcFirstLastPara="1" wrap="square" lIns="91425" tIns="91425" rIns="91425" bIns="91425" anchor="t" anchorCtr="0">
+              <a:spAutoFit/>
+            </a:bodyPr>
+            <a:lstStyle/>
+            <a:p>
+              <a:pPr marL="0" lvl="0" indent="0" algn="l" rtl="0">
+                <a:spcBef>
+                  <a:spcPts val="0"/>
+                </a:spcBef>
+                <a:spcAft>
+                  <a:spcPts val="0"/>
+                </a:spcAft>
+                <a:buNone/>
+              </a:pPr>
+              <a:r>
+                <a:rPr lang="en-US" sz="4000" b="1" dirty="0">
+                  <a:latin typeface="Gill Sans"/>
+                  <a:ea typeface="Gill Sans"/>
+                  <a:cs typeface="Gill Sans"/>
+                  <a:sym typeface="Gill Sans"/>
+                </a:rPr>
+                <a:t>Regression Model</a:t>
+              </a:r>
+            </a:p>
+            <a:p>
+              <a:pPr marL="0" lvl="0" indent="0" algn="l" rtl="0">
+                <a:spcBef>
+                  <a:spcPts val="0"/>
+                </a:spcBef>
+                <a:spcAft>
+                  <a:spcPts val="0"/>
+                </a:spcAft>
+                <a:buNone/>
+              </a:pPr>
+              <a:r>
+                <a:rPr lang="en-US" sz="4000" b="1" dirty="0">
+                  <a:latin typeface="Gill Sans"/>
+                  <a:ea typeface="Gill Sans"/>
+                  <a:cs typeface="Gill Sans"/>
+                  <a:sym typeface="Gill Sans"/>
+                </a:rPr>
+                <a:t>Base</a:t>
+              </a:r>
+            </a:p>
+          </p:txBody>
+        </p:sp>
+        <p:sp>
+          <p:nvSpPr>
+            <p:cNvPr id="2" name="Google Shape;110;g24f2da4f33f_0_0">
+              <a:extLst>
+                <a:ext uri="{FF2B5EF4-FFF2-40B4-BE49-F238E27FC236}">
+                  <a16:creationId xmlns:a16="http://schemas.microsoft.com/office/drawing/2014/main" id="{2014FF7A-53BD-460A-CE08-AF241996C372}"/>
+                </a:ext>
+              </a:extLst>
+            </p:cNvPr>
+            <p:cNvSpPr txBox="1"/>
+            <p:nvPr/>
+          </p:nvSpPr>
+          <p:spPr>
+            <a:xfrm>
+              <a:off x="575891" y="22250641"/>
+              <a:ext cx="4114689" cy="1415742"/>
+            </a:xfrm>
+            <a:prstGeom prst="rect">
+              <a:avLst/>
+            </a:prstGeom>
+            <a:noFill/>
+            <a:ln>
+              <a:noFill/>
+            </a:ln>
+          </p:spPr>
+          <p:txBody>
+            <a:bodyPr spcFirstLastPara="1" wrap="square" lIns="91425" tIns="91425" rIns="91425" bIns="91425" anchor="t" anchorCtr="0">
+              <a:spAutoFit/>
+            </a:bodyPr>
+            <a:lstStyle/>
+            <a:p>
+              <a:pPr marL="0" lvl="0" indent="0" algn="l" rtl="0">
+                <a:spcBef>
+                  <a:spcPts val="0"/>
+                </a:spcBef>
+                <a:spcAft>
+                  <a:spcPts val="0"/>
+                </a:spcAft>
+                <a:buNone/>
+              </a:pPr>
+              <a:r>
+                <a:rPr lang="en-US" sz="4000" b="1" dirty="0">
+                  <a:latin typeface="Gill Sans"/>
+                  <a:ea typeface="Gill Sans"/>
+                  <a:cs typeface="Gill Sans"/>
+                  <a:sym typeface="Gill Sans"/>
+                </a:rPr>
+                <a:t>Decision Tree Oversample</a:t>
+              </a:r>
+            </a:p>
+          </p:txBody>
+        </p:sp>
+        <p:sp>
+          <p:nvSpPr>
+            <p:cNvPr id="6" name="Google Shape;110;g24f2da4f33f_0_0">
+              <a:extLst>
+                <a:ext uri="{FF2B5EF4-FFF2-40B4-BE49-F238E27FC236}">
+                  <a16:creationId xmlns:a16="http://schemas.microsoft.com/office/drawing/2014/main" id="{56E47BA0-6CF1-69C8-A878-2D6039CD08A2}"/>
+                </a:ext>
+              </a:extLst>
+            </p:cNvPr>
+            <p:cNvSpPr txBox="1"/>
+            <p:nvPr/>
+          </p:nvSpPr>
+          <p:spPr>
+            <a:xfrm>
+              <a:off x="575889" y="41477752"/>
+              <a:ext cx="4114689" cy="1415742"/>
+            </a:xfrm>
+            <a:prstGeom prst="rect">
+              <a:avLst/>
+            </a:prstGeom>
+            <a:noFill/>
+            <a:ln>
+              <a:noFill/>
+            </a:ln>
+          </p:spPr>
+          <p:txBody>
+            <a:bodyPr spcFirstLastPara="1" wrap="square" lIns="91425" tIns="91425" rIns="91425" bIns="91425" anchor="t" anchorCtr="0">
+              <a:spAutoFit/>
+            </a:bodyPr>
+            <a:lstStyle/>
+            <a:p>
+              <a:pPr marL="0" lvl="0" indent="0" algn="l" rtl="0">
+                <a:spcBef>
+                  <a:spcPts val="0"/>
+                </a:spcBef>
+                <a:spcAft>
+                  <a:spcPts val="0"/>
+                </a:spcAft>
+                <a:buNone/>
+              </a:pPr>
+              <a:r>
+                <a:rPr lang="en-US" sz="4000" b="1" dirty="0">
+                  <a:latin typeface="Gill Sans"/>
+                  <a:ea typeface="Gill Sans"/>
+                  <a:cs typeface="Gill Sans"/>
+                  <a:sym typeface="Gill Sans"/>
+                </a:rPr>
+                <a:t>Random Forest Oversample</a:t>
+              </a:r>
+              <a:endParaRPr sz="4000" b="1" dirty="0">
+                <a:latin typeface="Gill Sans"/>
+                <a:ea typeface="Gill Sans"/>
+                <a:cs typeface="Gill Sans"/>
+                <a:sym typeface="Gill Sans"/>
+              </a:endParaRPr>
+            </a:p>
+          </p:txBody>
+        </p:sp>
+      </p:grpSp>
+      <p:grpSp>
+        <p:nvGrpSpPr>
+          <p:cNvPr id="100" name="Group 99">
+            <a:extLst>
+              <a:ext uri="{FF2B5EF4-FFF2-40B4-BE49-F238E27FC236}">
+                <a16:creationId xmlns:a16="http://schemas.microsoft.com/office/drawing/2014/main" id="{0B67DAF7-9142-2DBF-2A13-E8F40578A7F6}"/>
+              </a:ext>
+            </a:extLst>
+          </p:cNvPr>
+          <p:cNvGrpSpPr/>
+          <p:nvPr/>
+        </p:nvGrpSpPr>
+        <p:grpSpPr>
+          <a:xfrm>
+            <a:off x="6090644" y="-35308486"/>
+            <a:ext cx="5757862" cy="41208228"/>
+            <a:chOff x="5870975" y="2553782"/>
+            <a:chExt cx="5757862" cy="41208228"/>
+          </a:xfrm>
+        </p:grpSpPr>
+        <p:pic>
+          <p:nvPicPr>
+            <p:cNvPr id="10" name="Picture 9">
+              <a:extLst>
+                <a:ext uri="{FF2B5EF4-FFF2-40B4-BE49-F238E27FC236}">
+                  <a16:creationId xmlns:a16="http://schemas.microsoft.com/office/drawing/2014/main" id="{D212A4B1-8282-15D3-C6AC-867AEEE0FA33}"/>
+                </a:ext>
+              </a:extLst>
+            </p:cNvPr>
+            <p:cNvPicPr>
+              <a:picLocks noChangeAspect="1"/>
+            </p:cNvPicPr>
+            <p:nvPr/>
+          </p:nvPicPr>
+          <p:blipFill>
+            <a:blip r:embed="rId3"/>
+            <a:stretch>
+              <a:fillRect/>
+            </a:stretch>
+          </p:blipFill>
+          <p:spPr>
+            <a:xfrm>
+              <a:off x="5951937" y="8839413"/>
+              <a:ext cx="4505325" cy="3152775"/>
+            </a:xfrm>
+            <a:prstGeom prst="rect">
+              <a:avLst/>
+            </a:prstGeom>
+            <a:ln w="38100">
+              <a:solidFill>
+                <a:schemeClr val="accent6">
+                  <a:lumMod val="75000"/>
+                </a:schemeClr>
+              </a:solidFill>
+            </a:ln>
+          </p:spPr>
+        </p:pic>
+        <p:pic>
+          <p:nvPicPr>
+            <p:cNvPr id="14" name="Picture 13">
+              <a:extLst>
+                <a:ext uri="{FF2B5EF4-FFF2-40B4-BE49-F238E27FC236}">
+                  <a16:creationId xmlns:a16="http://schemas.microsoft.com/office/drawing/2014/main" id="{6F378B71-8CA6-4222-4BC8-EAAD59AA3C29}"/>
+                </a:ext>
+              </a:extLst>
+            </p:cNvPr>
+            <p:cNvPicPr>
+              <a:picLocks noChangeAspect="1"/>
+            </p:cNvPicPr>
+            <p:nvPr/>
+          </p:nvPicPr>
+          <p:blipFill>
+            <a:blip r:embed="rId4"/>
+            <a:stretch>
+              <a:fillRect/>
+            </a:stretch>
+          </p:blipFill>
+          <p:spPr>
+            <a:xfrm>
+              <a:off x="5937650" y="21358312"/>
+              <a:ext cx="4438650" cy="3200400"/>
+            </a:xfrm>
+            <a:prstGeom prst="rect">
+              <a:avLst/>
+            </a:prstGeom>
+            <a:ln w="38100">
+              <a:solidFill>
+                <a:schemeClr val="accent6">
+                  <a:lumMod val="75000"/>
+                </a:schemeClr>
+              </a:solidFill>
+            </a:ln>
+          </p:spPr>
+        </p:pic>
+        <p:pic>
+          <p:nvPicPr>
+            <p:cNvPr id="18" name="Picture 17">
+              <a:extLst>
+                <a:ext uri="{FF2B5EF4-FFF2-40B4-BE49-F238E27FC236}">
+                  <a16:creationId xmlns:a16="http://schemas.microsoft.com/office/drawing/2014/main" id="{22B2BB36-FD2F-EE2E-CA0B-9D79DC418169}"/>
+                </a:ext>
+              </a:extLst>
+            </p:cNvPr>
+            <p:cNvPicPr>
+              <a:picLocks noChangeAspect="1"/>
+            </p:cNvPicPr>
+            <p:nvPr/>
+          </p:nvPicPr>
+          <p:blipFill>
+            <a:blip r:embed="rId5"/>
+            <a:stretch>
+              <a:fillRect/>
+            </a:stretch>
+          </p:blipFill>
+          <p:spPr>
+            <a:xfrm>
+              <a:off x="5951937" y="16329427"/>
+              <a:ext cx="5676900" cy="495300"/>
+            </a:xfrm>
+            <a:prstGeom prst="rect">
+              <a:avLst/>
+            </a:prstGeom>
+            <a:ln w="38100">
+              <a:solidFill>
+                <a:schemeClr val="accent6">
+                  <a:lumMod val="75000"/>
+                </a:schemeClr>
+              </a:solidFill>
+            </a:ln>
+          </p:spPr>
+        </p:pic>
+        <p:pic>
+          <p:nvPicPr>
+            <p:cNvPr id="22" name="Picture 21">
+              <a:extLst>
+                <a:ext uri="{FF2B5EF4-FFF2-40B4-BE49-F238E27FC236}">
+                  <a16:creationId xmlns:a16="http://schemas.microsoft.com/office/drawing/2014/main" id="{5EE30E18-A0EC-2519-0730-B0A8120A4973}"/>
+                </a:ext>
+              </a:extLst>
+            </p:cNvPr>
+            <p:cNvPicPr>
+              <a:picLocks noChangeAspect="1"/>
+            </p:cNvPicPr>
+            <p:nvPr/>
+          </p:nvPicPr>
+          <p:blipFill>
+            <a:blip r:embed="rId6"/>
+            <a:stretch>
+              <a:fillRect/>
+            </a:stretch>
+          </p:blipFill>
+          <p:spPr>
+            <a:xfrm>
+              <a:off x="5937650" y="17275504"/>
+              <a:ext cx="5600700" cy="504825"/>
+            </a:xfrm>
+            <a:prstGeom prst="rect">
+              <a:avLst/>
+            </a:prstGeom>
+            <a:ln w="38100">
+              <a:solidFill>
+                <a:schemeClr val="accent6">
+                  <a:lumMod val="75000"/>
+                </a:schemeClr>
+              </a:solidFill>
+            </a:ln>
+          </p:spPr>
+        </p:pic>
+        <p:pic>
+          <p:nvPicPr>
+            <p:cNvPr id="25" name="Picture 24">
+              <a:extLst>
+                <a:ext uri="{FF2B5EF4-FFF2-40B4-BE49-F238E27FC236}">
+                  <a16:creationId xmlns:a16="http://schemas.microsoft.com/office/drawing/2014/main" id="{2327405B-5570-3A9C-A515-3F53AFD67A6D}"/>
+                </a:ext>
+              </a:extLst>
+            </p:cNvPr>
+            <p:cNvPicPr>
+              <a:picLocks noChangeAspect="1"/>
+            </p:cNvPicPr>
+            <p:nvPr/>
+          </p:nvPicPr>
+          <p:blipFill>
+            <a:blip r:embed="rId7"/>
+            <a:stretch>
+              <a:fillRect/>
+            </a:stretch>
+          </p:blipFill>
+          <p:spPr>
+            <a:xfrm>
+              <a:off x="5870975" y="28136695"/>
+              <a:ext cx="4467225" cy="3190875"/>
+            </a:xfrm>
+            <a:prstGeom prst="rect">
+              <a:avLst/>
+            </a:prstGeom>
+            <a:ln w="38100">
+              <a:solidFill>
+                <a:schemeClr val="accent6">
+                  <a:lumMod val="75000"/>
+                </a:schemeClr>
+              </a:solidFill>
+            </a:ln>
+          </p:spPr>
+        </p:pic>
+        <p:pic>
+          <p:nvPicPr>
+            <p:cNvPr id="31" name="Picture 30">
+              <a:extLst>
+                <a:ext uri="{FF2B5EF4-FFF2-40B4-BE49-F238E27FC236}">
+                  <a16:creationId xmlns:a16="http://schemas.microsoft.com/office/drawing/2014/main" id="{CC4B41D3-17B4-188A-B28D-D7350E5C347B}"/>
+                </a:ext>
+              </a:extLst>
+            </p:cNvPr>
+            <p:cNvPicPr>
+              <a:picLocks noChangeAspect="1"/>
+            </p:cNvPicPr>
+            <p:nvPr/>
+          </p:nvPicPr>
+          <p:blipFill>
+            <a:blip r:embed="rId8"/>
+            <a:stretch>
+              <a:fillRect/>
+            </a:stretch>
+          </p:blipFill>
+          <p:spPr>
+            <a:xfrm>
+              <a:off x="5937650" y="40609235"/>
+              <a:ext cx="4400550" cy="3152775"/>
+            </a:xfrm>
+            <a:prstGeom prst="rect">
+              <a:avLst/>
+            </a:prstGeom>
+            <a:ln w="38100">
+              <a:solidFill>
+                <a:schemeClr val="accent6">
+                  <a:lumMod val="75000"/>
+                </a:schemeClr>
+              </a:solidFill>
+            </a:ln>
+          </p:spPr>
+        </p:pic>
+        <p:pic>
+          <p:nvPicPr>
+            <p:cNvPr id="97" name="Picture 96">
+              <a:extLst>
+                <a:ext uri="{FF2B5EF4-FFF2-40B4-BE49-F238E27FC236}">
+                  <a16:creationId xmlns:a16="http://schemas.microsoft.com/office/drawing/2014/main" id="{759573BD-DB52-B3EB-01B3-70068F088F75}"/>
+                </a:ext>
+              </a:extLst>
+            </p:cNvPr>
+            <p:cNvPicPr>
+              <a:picLocks noChangeAspect="1"/>
+            </p:cNvPicPr>
+            <p:nvPr/>
+          </p:nvPicPr>
+          <p:blipFill>
+            <a:blip r:embed="rId9"/>
+            <a:stretch>
+              <a:fillRect/>
+            </a:stretch>
+          </p:blipFill>
+          <p:spPr>
+            <a:xfrm>
+              <a:off x="5937650" y="34440508"/>
+              <a:ext cx="4352925" cy="3133725"/>
+            </a:xfrm>
+            <a:prstGeom prst="rect">
+              <a:avLst/>
+            </a:prstGeom>
+            <a:ln w="38100">
+              <a:solidFill>
+                <a:schemeClr val="accent6">
+                  <a:lumMod val="75000"/>
+                </a:schemeClr>
+              </a:solidFill>
+            </a:ln>
+          </p:spPr>
+        </p:pic>
+        <p:pic>
+          <p:nvPicPr>
+            <p:cNvPr id="99" name="Picture 98">
+              <a:extLst>
+                <a:ext uri="{FF2B5EF4-FFF2-40B4-BE49-F238E27FC236}">
+                  <a16:creationId xmlns:a16="http://schemas.microsoft.com/office/drawing/2014/main" id="{8B6881D3-6E72-6BD5-52E6-32B773633E6C}"/>
+                </a:ext>
+              </a:extLst>
+            </p:cNvPr>
+            <p:cNvPicPr>
+              <a:picLocks noChangeAspect="1"/>
+            </p:cNvPicPr>
+            <p:nvPr/>
+          </p:nvPicPr>
+          <p:blipFill>
+            <a:blip r:embed="rId10"/>
+            <a:stretch>
+              <a:fillRect/>
+            </a:stretch>
+          </p:blipFill>
+          <p:spPr>
+            <a:xfrm>
+              <a:off x="5870975" y="2553782"/>
+              <a:ext cx="4391025" cy="3152775"/>
+            </a:xfrm>
+            <a:prstGeom prst="rect">
+              <a:avLst/>
+            </a:prstGeom>
+            <a:ln w="38100">
+              <a:solidFill>
+                <a:schemeClr val="accent6">
+                  <a:lumMod val="75000"/>
+                </a:schemeClr>
+              </a:solidFill>
+            </a:ln>
+          </p:spPr>
+        </p:pic>
+      </p:grpSp>
     </p:spTree>
-    <p:extLst>
-      <p:ext uri="{BB962C8B-B14F-4D97-AF65-F5344CB8AC3E}">
-        <p14:creationId xmlns:p14="http://schemas.microsoft.com/office/powerpoint/2010/main" val="1355529076"/>
-      </p:ext>
-    </p:extLst>
   </p:cSld>
   <p:clrMapOvr>
     <a:masterClrMapping/>
   </p:clrMapOvr>
+  <mc:AlternateContent xmlns:mc="http://schemas.openxmlformats.org/markup-compatibility/2006" xmlns:p159="http://schemas.microsoft.com/office/powerpoint/2015/09/main">
+    <mc:Choice Requires="p159">
+      <p:transition xmlns:p14="http://schemas.microsoft.com/office/powerpoint/2010/main" spd="slow" p14:dur="2000">
+        <p159:morph option="byObject"/>
+      </p:transition>
+    </mc:Choice>
+    <mc:Fallback xmlns="">
+      <p:transition spd="slow">
+        <p:fade/>
+      </p:transition>
+    </mc:Fallback>
+  </mc:AlternateContent>
 </p:sld>
 </file>
 
@@ -8254,10 +9631,10 @@
       </p:sp>
       <p:grpSp>
         <p:nvGrpSpPr>
-          <p:cNvPr id="26" name="Group 25">
+          <p:cNvPr id="101" name="Group 100">
             <a:extLst>
               <a:ext uri="{FF2B5EF4-FFF2-40B4-BE49-F238E27FC236}">
-                <a16:creationId xmlns:a16="http://schemas.microsoft.com/office/drawing/2014/main" id="{5EE8B9DE-F188-35FD-2F88-ADDF64AD9006}"/>
+                <a16:creationId xmlns:a16="http://schemas.microsoft.com/office/drawing/2014/main" id="{3BC66274-B6CC-E06A-6B61-AF37B4CAD6D2}"/>
               </a:ext>
             </a:extLst>
           </p:cNvPr>
@@ -8266,10 +9643,10 @@
         </p:nvGrpSpPr>
         <p:grpSpPr>
           <a:xfrm>
-            <a:off x="575894" y="3429000"/>
-            <a:ext cx="4753079" cy="27126339"/>
-            <a:chOff x="575888" y="-2623578"/>
-            <a:chExt cx="4753079" cy="27126339"/>
+            <a:off x="575889" y="-2735827"/>
+            <a:ext cx="4753084" cy="39464494"/>
+            <a:chOff x="575889" y="3429000"/>
+            <a:chExt cx="4753084" cy="39464494"/>
           </a:xfrm>
         </p:grpSpPr>
         <p:sp>
@@ -8280,7 +9657,7 @@
           </p:nvSpPr>
           <p:spPr>
             <a:xfrm>
-              <a:off x="575888" y="3655352"/>
+              <a:off x="575894" y="9707930"/>
               <a:ext cx="4753079" cy="1415742"/>
             </a:xfrm>
             <a:prstGeom prst="rect">
@@ -8313,7 +9690,7 @@
                   <a:cs typeface="Gill Sans"/>
                   <a:sym typeface="Gill Sans"/>
                 </a:rPr>
-                <a:t>Regression Module</a:t>
+                <a:t>Regression Model</a:t>
               </a:r>
             </a:p>
             <a:p>
@@ -8352,7 +9729,7 @@
           </p:nvSpPr>
           <p:spPr>
             <a:xfrm>
-              <a:off x="575889" y="10339752"/>
+              <a:off x="575895" y="16392330"/>
               <a:ext cx="4114689" cy="1415742"/>
             </a:xfrm>
             <a:prstGeom prst="rect">
@@ -8385,7 +9762,7 @@
                   <a:cs typeface="Gill Sans"/>
                   <a:sym typeface="Gill Sans"/>
                 </a:rPr>
-                <a:t>Decision Tree Module</a:t>
+                <a:t>Decision Tree Model</a:t>
               </a:r>
             </a:p>
           </p:txBody>
@@ -8404,7 +9781,7 @@
           </p:nvSpPr>
           <p:spPr>
             <a:xfrm>
-              <a:off x="575888" y="16605354"/>
+              <a:off x="575892" y="28935041"/>
               <a:ext cx="4114689" cy="1415742"/>
             </a:xfrm>
             <a:prstGeom prst="rect">
@@ -8437,7 +9814,7 @@
                   <a:cs typeface="Gill Sans"/>
                   <a:sym typeface="Gill Sans"/>
                 </a:rPr>
-                <a:t>Predictions Module</a:t>
+                <a:t>Neural Network Model</a:t>
               </a:r>
             </a:p>
           </p:txBody>
@@ -8456,7 +9833,7 @@
           </p:nvSpPr>
           <p:spPr>
             <a:xfrm>
-              <a:off x="575888" y="23087019"/>
+              <a:off x="575890" y="35213971"/>
               <a:ext cx="4114689" cy="1415742"/>
             </a:xfrm>
             <a:prstGeom prst="rect">
@@ -8489,7 +9866,7 @@
                   <a:cs typeface="Gill Sans"/>
                   <a:sym typeface="Gill Sans"/>
                 </a:rPr>
-                <a:t>Random Forest Module</a:t>
+                <a:t>Random Forest Model</a:t>
               </a:r>
               <a:endParaRPr sz="4000" b="1" dirty="0">
                 <a:latin typeface="Gill Sans"/>
@@ -8514,7 +9891,7 @@
           </p:nvSpPr>
           <p:spPr>
             <a:xfrm>
-              <a:off x="575888" y="-2623578"/>
+              <a:off x="575894" y="3429000"/>
               <a:ext cx="4753079" cy="1415742"/>
             </a:xfrm>
             <a:prstGeom prst="rect">
@@ -8547,7 +9924,7 @@
                   <a:cs typeface="Gill Sans"/>
                   <a:sym typeface="Gill Sans"/>
                 </a:rPr>
-                <a:t>Regression Module</a:t>
+                <a:t>Regression Model</a:t>
               </a:r>
             </a:p>
             <a:p>
@@ -8572,13 +9949,123 @@
             </a:p>
           </p:txBody>
         </p:sp>
+        <p:sp>
+          <p:nvSpPr>
+            <p:cNvPr id="2" name="Google Shape;110;g24f2da4f33f_0_0">
+              <a:extLst>
+                <a:ext uri="{FF2B5EF4-FFF2-40B4-BE49-F238E27FC236}">
+                  <a16:creationId xmlns:a16="http://schemas.microsoft.com/office/drawing/2014/main" id="{2014FF7A-53BD-460A-CE08-AF241996C372}"/>
+                </a:ext>
+              </a:extLst>
+            </p:cNvPr>
+            <p:cNvSpPr txBox="1"/>
+            <p:nvPr/>
+          </p:nvSpPr>
+          <p:spPr>
+            <a:xfrm>
+              <a:off x="575891" y="22250641"/>
+              <a:ext cx="4114689" cy="1415742"/>
+            </a:xfrm>
+            <a:prstGeom prst="rect">
+              <a:avLst/>
+            </a:prstGeom>
+            <a:noFill/>
+            <a:ln>
+              <a:noFill/>
+            </a:ln>
+          </p:spPr>
+          <p:txBody>
+            <a:bodyPr spcFirstLastPara="1" wrap="square" lIns="91425" tIns="91425" rIns="91425" bIns="91425" anchor="t" anchorCtr="0">
+              <a:spAutoFit/>
+            </a:bodyPr>
+            <a:lstStyle/>
+            <a:p>
+              <a:pPr marL="0" lvl="0" indent="0" algn="l" rtl="0">
+                <a:spcBef>
+                  <a:spcPts val="0"/>
+                </a:spcBef>
+                <a:spcAft>
+                  <a:spcPts val="0"/>
+                </a:spcAft>
+                <a:buNone/>
+              </a:pPr>
+              <a:r>
+                <a:rPr lang="en-US" sz="4000" b="1" dirty="0">
+                  <a:latin typeface="Gill Sans"/>
+                  <a:ea typeface="Gill Sans"/>
+                  <a:cs typeface="Gill Sans"/>
+                  <a:sym typeface="Gill Sans"/>
+                </a:rPr>
+                <a:t>Decision Tree Oversample</a:t>
+              </a:r>
+            </a:p>
+          </p:txBody>
+        </p:sp>
+        <p:sp>
+          <p:nvSpPr>
+            <p:cNvPr id="6" name="Google Shape;110;g24f2da4f33f_0_0">
+              <a:extLst>
+                <a:ext uri="{FF2B5EF4-FFF2-40B4-BE49-F238E27FC236}">
+                  <a16:creationId xmlns:a16="http://schemas.microsoft.com/office/drawing/2014/main" id="{56E47BA0-6CF1-69C8-A878-2D6039CD08A2}"/>
+                </a:ext>
+              </a:extLst>
+            </p:cNvPr>
+            <p:cNvSpPr txBox="1"/>
+            <p:nvPr/>
+          </p:nvSpPr>
+          <p:spPr>
+            <a:xfrm>
+              <a:off x="575889" y="41477752"/>
+              <a:ext cx="4114689" cy="1415742"/>
+            </a:xfrm>
+            <a:prstGeom prst="rect">
+              <a:avLst/>
+            </a:prstGeom>
+            <a:noFill/>
+            <a:ln>
+              <a:noFill/>
+            </a:ln>
+          </p:spPr>
+          <p:txBody>
+            <a:bodyPr spcFirstLastPara="1" wrap="square" lIns="91425" tIns="91425" rIns="91425" bIns="91425" anchor="t" anchorCtr="0">
+              <a:spAutoFit/>
+            </a:bodyPr>
+            <a:lstStyle/>
+            <a:p>
+              <a:pPr marL="0" lvl="0" indent="0" algn="l" rtl="0">
+                <a:spcBef>
+                  <a:spcPts val="0"/>
+                </a:spcBef>
+                <a:spcAft>
+                  <a:spcPts val="0"/>
+                </a:spcAft>
+                <a:buNone/>
+              </a:pPr>
+              <a:r>
+                <a:rPr lang="en-US" sz="4000" b="1" dirty="0">
+                  <a:latin typeface="Gill Sans"/>
+                  <a:ea typeface="Gill Sans"/>
+                  <a:cs typeface="Gill Sans"/>
+                  <a:sym typeface="Gill Sans"/>
+                </a:rPr>
+                <a:t>Random Forest Oversample</a:t>
+              </a:r>
+              <a:endParaRPr sz="4000" b="1" dirty="0">
+                <a:latin typeface="Gill Sans"/>
+                <a:ea typeface="Gill Sans"/>
+                <a:cs typeface="Gill Sans"/>
+                <a:sym typeface="Gill Sans"/>
+              </a:endParaRPr>
+            </a:p>
+          </p:txBody>
+        </p:sp>
       </p:grpSp>
       <p:grpSp>
         <p:nvGrpSpPr>
-          <p:cNvPr id="27" name="Group 26">
+          <p:cNvPr id="100" name="Group 99">
             <a:extLst>
               <a:ext uri="{FF2B5EF4-FFF2-40B4-BE49-F238E27FC236}">
-                <a16:creationId xmlns:a16="http://schemas.microsoft.com/office/drawing/2014/main" id="{F2147185-075D-21CD-6804-D815B797AF7C}"/>
+                <a16:creationId xmlns:a16="http://schemas.microsoft.com/office/drawing/2014/main" id="{0B67DAF7-9142-2DBF-2A13-E8F40578A7F6}"/>
               </a:ext>
             </a:extLst>
           </p:cNvPr>
@@ -8587,18 +10074,18 @@
         </p:nvGrpSpPr>
         <p:grpSpPr>
           <a:xfrm>
-            <a:off x="6090644" y="-23085020"/>
-            <a:ext cx="5558166" cy="28930047"/>
-            <a:chOff x="6086031" y="-3501620"/>
-            <a:chExt cx="5558166" cy="28930047"/>
+            <a:off x="6090644" y="-29025668"/>
+            <a:ext cx="5757862" cy="41208228"/>
+            <a:chOff x="5870975" y="2553782"/>
+            <a:chExt cx="5757862" cy="41208228"/>
           </a:xfrm>
         </p:grpSpPr>
         <p:pic>
           <p:nvPicPr>
-            <p:cNvPr id="13" name="Picture 12">
+            <p:cNvPr id="10" name="Picture 9">
               <a:extLst>
                 <a:ext uri="{FF2B5EF4-FFF2-40B4-BE49-F238E27FC236}">
-                  <a16:creationId xmlns:a16="http://schemas.microsoft.com/office/drawing/2014/main" id="{1A4543CD-D5B4-B7E1-90BA-F2D15E8B9905}"/>
+                  <a16:creationId xmlns:a16="http://schemas.microsoft.com/office/drawing/2014/main" id="{D212A4B1-8282-15D3-C6AC-867AEEE0FA33}"/>
                 </a:ext>
               </a:extLst>
             </p:cNvPr>
@@ -8615,15 +10102,15 @@
           </p:blipFill>
           <p:spPr>
             <a:xfrm>
-              <a:off x="6096000" y="15522525"/>
-              <a:ext cx="4919158" cy="3581400"/>
+              <a:off x="5951937" y="8839413"/>
+              <a:ext cx="4505325" cy="3152775"/>
             </a:xfrm>
             <a:prstGeom prst="rect">
               <a:avLst/>
             </a:prstGeom>
-            <a:ln w="25400">
+            <a:ln w="38100">
               <a:solidFill>
-                <a:schemeClr val="accent3">
+                <a:schemeClr val="accent6">
                   <a:lumMod val="75000"/>
                 </a:schemeClr>
               </a:solidFill>
@@ -8632,10 +10119,10 @@
         </p:pic>
         <p:pic>
           <p:nvPicPr>
-            <p:cNvPr id="15" name="Picture 14">
+            <p:cNvPr id="14" name="Picture 13">
               <a:extLst>
                 <a:ext uri="{FF2B5EF4-FFF2-40B4-BE49-F238E27FC236}">
-                  <a16:creationId xmlns:a16="http://schemas.microsoft.com/office/drawing/2014/main" id="{21FBE637-01C3-9879-2630-900D491943F2}"/>
+                  <a16:creationId xmlns:a16="http://schemas.microsoft.com/office/drawing/2014/main" id="{6F378B71-8CA6-4222-4BC8-EAAD59AA3C29}"/>
                 </a:ext>
               </a:extLst>
             </p:cNvPr>
@@ -8652,15 +10139,15 @@
           </p:blipFill>
           <p:spPr>
             <a:xfrm>
-              <a:off x="6096000" y="22161352"/>
-              <a:ext cx="4371975" cy="3267075"/>
+              <a:off x="5937650" y="21358312"/>
+              <a:ext cx="4438650" cy="3200400"/>
             </a:xfrm>
             <a:prstGeom prst="rect">
               <a:avLst/>
             </a:prstGeom>
-            <a:ln w="25400">
+            <a:ln w="38100">
               <a:solidFill>
-                <a:schemeClr val="accent3">
+                <a:schemeClr val="accent6">
                   <a:lumMod val="75000"/>
                 </a:schemeClr>
               </a:solidFill>
@@ -8669,10 +10156,10 @@
         </p:pic>
         <p:pic>
           <p:nvPicPr>
-            <p:cNvPr id="17" name="Picture 16">
+            <p:cNvPr id="18" name="Picture 17">
               <a:extLst>
                 <a:ext uri="{FF2B5EF4-FFF2-40B4-BE49-F238E27FC236}">
-                  <a16:creationId xmlns:a16="http://schemas.microsoft.com/office/drawing/2014/main" id="{CDE2BC67-5425-7DF1-A815-E9681F750A50}"/>
+                  <a16:creationId xmlns:a16="http://schemas.microsoft.com/office/drawing/2014/main" id="{22B2BB36-FD2F-EE2E-CA0B-9D79DC418169}"/>
                 </a:ext>
               </a:extLst>
             </p:cNvPr>
@@ -8689,15 +10176,15 @@
           </p:blipFill>
           <p:spPr>
             <a:xfrm>
-              <a:off x="6090644" y="9466473"/>
-              <a:ext cx="4305300" cy="3162300"/>
+              <a:off x="5951937" y="16329427"/>
+              <a:ext cx="5676900" cy="495300"/>
             </a:xfrm>
             <a:prstGeom prst="rect">
               <a:avLst/>
             </a:prstGeom>
-            <a:ln w="25400">
+            <a:ln w="38100">
               <a:solidFill>
-                <a:schemeClr val="accent3">
+                <a:schemeClr val="accent6">
                   <a:lumMod val="75000"/>
                 </a:schemeClr>
               </a:solidFill>
@@ -8706,10 +10193,10 @@
         </p:pic>
         <p:pic>
           <p:nvPicPr>
-            <p:cNvPr id="19" name="Picture 18">
+            <p:cNvPr id="22" name="Picture 21">
               <a:extLst>
                 <a:ext uri="{FF2B5EF4-FFF2-40B4-BE49-F238E27FC236}">
-                  <a16:creationId xmlns:a16="http://schemas.microsoft.com/office/drawing/2014/main" id="{8DC9C4C1-B5BF-C56B-F038-9D06B684BDC1}"/>
+                  <a16:creationId xmlns:a16="http://schemas.microsoft.com/office/drawing/2014/main" id="{5EE30E18-A0EC-2519-0730-B0A8120A4973}"/>
                 </a:ext>
               </a:extLst>
             </p:cNvPr>
@@ -8726,15 +10213,15 @@
           </p:blipFill>
           <p:spPr>
             <a:xfrm>
-              <a:off x="6086031" y="3655352"/>
-              <a:ext cx="5438775" cy="447675"/>
+              <a:off x="5937650" y="17275504"/>
+              <a:ext cx="5600700" cy="504825"/>
             </a:xfrm>
             <a:prstGeom prst="rect">
               <a:avLst/>
             </a:prstGeom>
-            <a:ln w="25400">
+            <a:ln w="38100">
               <a:solidFill>
-                <a:schemeClr val="accent3">
+                <a:schemeClr val="accent6">
                   <a:lumMod val="75000"/>
                 </a:schemeClr>
               </a:solidFill>
@@ -8743,10 +10230,10 @@
         </p:pic>
         <p:pic>
           <p:nvPicPr>
-            <p:cNvPr id="21" name="Picture 20">
+            <p:cNvPr id="25" name="Picture 24">
               <a:extLst>
                 <a:ext uri="{FF2B5EF4-FFF2-40B4-BE49-F238E27FC236}">
-                  <a16:creationId xmlns:a16="http://schemas.microsoft.com/office/drawing/2014/main" id="{42409790-B537-45B9-8D7A-F1DF9054689E}"/>
+                  <a16:creationId xmlns:a16="http://schemas.microsoft.com/office/drawing/2014/main" id="{2327405B-5570-3A9C-A515-3F53AFD67A6D}"/>
                 </a:ext>
               </a:extLst>
             </p:cNvPr>
@@ -8763,15 +10250,15 @@
           </p:blipFill>
           <p:spPr>
             <a:xfrm>
-              <a:off x="6129222" y="4790107"/>
-              <a:ext cx="5514975" cy="504825"/>
+              <a:off x="5870975" y="28136695"/>
+              <a:ext cx="4467225" cy="3190875"/>
             </a:xfrm>
             <a:prstGeom prst="rect">
               <a:avLst/>
             </a:prstGeom>
-            <a:ln w="25400">
+            <a:ln w="38100">
               <a:solidFill>
-                <a:schemeClr val="accent3">
+                <a:schemeClr val="accent6">
                   <a:lumMod val="75000"/>
                 </a:schemeClr>
               </a:solidFill>
@@ -8780,10 +10267,10 @@
         </p:pic>
         <p:pic>
           <p:nvPicPr>
-            <p:cNvPr id="23" name="Picture 22">
+            <p:cNvPr id="31" name="Picture 30">
               <a:extLst>
                 <a:ext uri="{FF2B5EF4-FFF2-40B4-BE49-F238E27FC236}">
-                  <a16:creationId xmlns:a16="http://schemas.microsoft.com/office/drawing/2014/main" id="{1319B4D1-936C-C561-E688-2EACA7C269B0}"/>
+                  <a16:creationId xmlns:a16="http://schemas.microsoft.com/office/drawing/2014/main" id="{CC4B41D3-17B4-188A-B28D-D7350E5C347B}"/>
                 </a:ext>
               </a:extLst>
             </p:cNvPr>
@@ -8800,15 +10287,89 @@
           </p:blipFill>
           <p:spPr>
             <a:xfrm>
-              <a:off x="6086031" y="-3501620"/>
-              <a:ext cx="4267200" cy="3171825"/>
+              <a:off x="5937650" y="40609235"/>
+              <a:ext cx="4400550" cy="3152775"/>
             </a:xfrm>
             <a:prstGeom prst="rect">
               <a:avLst/>
             </a:prstGeom>
-            <a:ln w="25400">
+            <a:ln w="38100">
               <a:solidFill>
-                <a:schemeClr val="accent3">
+                <a:schemeClr val="accent6">
+                  <a:lumMod val="75000"/>
+                </a:schemeClr>
+              </a:solidFill>
+            </a:ln>
+          </p:spPr>
+        </p:pic>
+        <p:pic>
+          <p:nvPicPr>
+            <p:cNvPr id="97" name="Picture 96">
+              <a:extLst>
+                <a:ext uri="{FF2B5EF4-FFF2-40B4-BE49-F238E27FC236}">
+                  <a16:creationId xmlns:a16="http://schemas.microsoft.com/office/drawing/2014/main" id="{759573BD-DB52-B3EB-01B3-70068F088F75}"/>
+                </a:ext>
+              </a:extLst>
+            </p:cNvPr>
+            <p:cNvPicPr>
+              <a:picLocks noChangeAspect="1"/>
+            </p:cNvPicPr>
+            <p:nvPr/>
+          </p:nvPicPr>
+          <p:blipFill>
+            <a:blip r:embed="rId9"/>
+            <a:stretch>
+              <a:fillRect/>
+            </a:stretch>
+          </p:blipFill>
+          <p:spPr>
+            <a:xfrm>
+              <a:off x="5937650" y="34440508"/>
+              <a:ext cx="4352925" cy="3133725"/>
+            </a:xfrm>
+            <a:prstGeom prst="rect">
+              <a:avLst/>
+            </a:prstGeom>
+            <a:ln w="38100">
+              <a:solidFill>
+                <a:schemeClr val="accent6">
+                  <a:lumMod val="75000"/>
+                </a:schemeClr>
+              </a:solidFill>
+            </a:ln>
+          </p:spPr>
+        </p:pic>
+        <p:pic>
+          <p:nvPicPr>
+            <p:cNvPr id="99" name="Picture 98">
+              <a:extLst>
+                <a:ext uri="{FF2B5EF4-FFF2-40B4-BE49-F238E27FC236}">
+                  <a16:creationId xmlns:a16="http://schemas.microsoft.com/office/drawing/2014/main" id="{8B6881D3-6E72-6BD5-52E6-32B773633E6C}"/>
+                </a:ext>
+              </a:extLst>
+            </p:cNvPr>
+            <p:cNvPicPr>
+              <a:picLocks noChangeAspect="1"/>
+            </p:cNvPicPr>
+            <p:nvPr/>
+          </p:nvPicPr>
+          <p:blipFill>
+            <a:blip r:embed="rId10"/>
+            <a:stretch>
+              <a:fillRect/>
+            </a:stretch>
+          </p:blipFill>
+          <p:spPr>
+            <a:xfrm>
+              <a:off x="5870975" y="2553782"/>
+              <a:ext cx="4391025" cy="3152775"/>
+            </a:xfrm>
+            <a:prstGeom prst="rect">
+              <a:avLst/>
+            </a:prstGeom>
+            <a:ln w="38100">
+              <a:solidFill>
+                <a:schemeClr val="accent6">
                   <a:lumMod val="75000"/>
                 </a:schemeClr>
               </a:solidFill>
@@ -8817,17 +10378,22 @@
         </p:pic>
       </p:grpSp>
     </p:spTree>
+    <p:extLst>
+      <p:ext uri="{BB962C8B-B14F-4D97-AF65-F5344CB8AC3E}">
+        <p14:creationId xmlns:p14="http://schemas.microsoft.com/office/powerpoint/2010/main" val="2593782165"/>
+      </p:ext>
+    </p:extLst>
   </p:cSld>
   <p:clrMapOvr>
     <a:masterClrMapping/>
   </p:clrMapOvr>
-  <mc:AlternateContent xmlns:mc="http://schemas.openxmlformats.org/markup-compatibility/2006">
-    <mc:Choice xmlns:p159="http://schemas.microsoft.com/office/powerpoint/2015/09/main" Requires="p159">
+  <mc:AlternateContent xmlns:mc="http://schemas.openxmlformats.org/markup-compatibility/2006" xmlns:p159="http://schemas.microsoft.com/office/powerpoint/2015/09/main">
+    <mc:Choice Requires="p159">
       <p:transition xmlns:p14="http://schemas.microsoft.com/office/powerpoint/2010/main" spd="slow" p14:dur="2000">
         <p159:morph option="byObject"/>
       </p:transition>
     </mc:Choice>
-    <mc:Fallback>
+    <mc:Fallback xmlns="">
       <p:transition spd="slow">
         <p:fade/>
       </p:transition>
@@ -8906,10 +10472,10 @@
       </p:sp>
       <p:grpSp>
         <p:nvGrpSpPr>
-          <p:cNvPr id="26" name="Group 25">
+          <p:cNvPr id="101" name="Group 100">
             <a:extLst>
               <a:ext uri="{FF2B5EF4-FFF2-40B4-BE49-F238E27FC236}">
-                <a16:creationId xmlns:a16="http://schemas.microsoft.com/office/drawing/2014/main" id="{5EE8B9DE-F188-35FD-2F88-ADDF64AD9006}"/>
+                <a16:creationId xmlns:a16="http://schemas.microsoft.com/office/drawing/2014/main" id="{3BC66274-B6CC-E06A-6B61-AF37B4CAD6D2}"/>
               </a:ext>
             </a:extLst>
           </p:cNvPr>
@@ -8918,10 +10484,10 @@
         </p:nvGrpSpPr>
         <p:grpSpPr>
           <a:xfrm>
-            <a:off x="586606" y="-2743200"/>
-            <a:ext cx="4753079" cy="27126339"/>
-            <a:chOff x="575888" y="-2623578"/>
-            <a:chExt cx="4753079" cy="27126339"/>
+            <a:off x="575889" y="-9402101"/>
+            <a:ext cx="4753084" cy="39464494"/>
+            <a:chOff x="575889" y="3429000"/>
+            <a:chExt cx="4753084" cy="39464494"/>
           </a:xfrm>
         </p:grpSpPr>
         <p:sp>
@@ -8932,7 +10498,7 @@
           </p:nvSpPr>
           <p:spPr>
             <a:xfrm>
-              <a:off x="575888" y="3655352"/>
+              <a:off x="575894" y="9707930"/>
               <a:ext cx="4753079" cy="1415742"/>
             </a:xfrm>
             <a:prstGeom prst="rect">
@@ -8965,7 +10531,7 @@
                   <a:cs typeface="Gill Sans"/>
                   <a:sym typeface="Gill Sans"/>
                 </a:rPr>
-                <a:t>Regression Module</a:t>
+                <a:t>Regression Model</a:t>
               </a:r>
             </a:p>
             <a:p>
@@ -9004,7 +10570,7 @@
           </p:nvSpPr>
           <p:spPr>
             <a:xfrm>
-              <a:off x="575889" y="10339752"/>
+              <a:off x="575895" y="16392330"/>
               <a:ext cx="4114689" cy="1415742"/>
             </a:xfrm>
             <a:prstGeom prst="rect">
@@ -9037,7 +10603,7 @@
                   <a:cs typeface="Gill Sans"/>
                   <a:sym typeface="Gill Sans"/>
                 </a:rPr>
-                <a:t>Decision Tree Module</a:t>
+                <a:t>Decision Tree Model</a:t>
               </a:r>
             </a:p>
           </p:txBody>
@@ -9056,7 +10622,7 @@
           </p:nvSpPr>
           <p:spPr>
             <a:xfrm>
-              <a:off x="575888" y="16605354"/>
+              <a:off x="575892" y="28935041"/>
               <a:ext cx="4114689" cy="1415742"/>
             </a:xfrm>
             <a:prstGeom prst="rect">
@@ -9089,7 +10655,7 @@
                   <a:cs typeface="Gill Sans"/>
                   <a:sym typeface="Gill Sans"/>
                 </a:rPr>
-                <a:t>Predictions Module</a:t>
+                <a:t>Neural Network Model</a:t>
               </a:r>
             </a:p>
           </p:txBody>
@@ -9108,7 +10674,7 @@
           </p:nvSpPr>
           <p:spPr>
             <a:xfrm>
-              <a:off x="575888" y="23087019"/>
+              <a:off x="575890" y="35213971"/>
               <a:ext cx="4114689" cy="1415742"/>
             </a:xfrm>
             <a:prstGeom prst="rect">
@@ -9141,7 +10707,7 @@
                   <a:cs typeface="Gill Sans"/>
                   <a:sym typeface="Gill Sans"/>
                 </a:rPr>
-                <a:t>Random Forest Module</a:t>
+                <a:t>Random Forest Model</a:t>
               </a:r>
               <a:endParaRPr sz="4000" b="1" dirty="0">
                 <a:latin typeface="Gill Sans"/>
@@ -9166,7 +10732,7 @@
           </p:nvSpPr>
           <p:spPr>
             <a:xfrm>
-              <a:off x="575888" y="-2623578"/>
+              <a:off x="575894" y="3429000"/>
               <a:ext cx="4753079" cy="1415742"/>
             </a:xfrm>
             <a:prstGeom prst="rect">
@@ -9199,7 +10765,7 @@
                   <a:cs typeface="Gill Sans"/>
                   <a:sym typeface="Gill Sans"/>
                 </a:rPr>
-                <a:t>Regression Module</a:t>
+                <a:t>Regression Model</a:t>
               </a:r>
             </a:p>
             <a:p>
@@ -9224,13 +10790,123 @@
             </a:p>
           </p:txBody>
         </p:sp>
+        <p:sp>
+          <p:nvSpPr>
+            <p:cNvPr id="2" name="Google Shape;110;g24f2da4f33f_0_0">
+              <a:extLst>
+                <a:ext uri="{FF2B5EF4-FFF2-40B4-BE49-F238E27FC236}">
+                  <a16:creationId xmlns:a16="http://schemas.microsoft.com/office/drawing/2014/main" id="{2014FF7A-53BD-460A-CE08-AF241996C372}"/>
+                </a:ext>
+              </a:extLst>
+            </p:cNvPr>
+            <p:cNvSpPr txBox="1"/>
+            <p:nvPr/>
+          </p:nvSpPr>
+          <p:spPr>
+            <a:xfrm>
+              <a:off x="575891" y="22250641"/>
+              <a:ext cx="4114689" cy="1415742"/>
+            </a:xfrm>
+            <a:prstGeom prst="rect">
+              <a:avLst/>
+            </a:prstGeom>
+            <a:noFill/>
+            <a:ln>
+              <a:noFill/>
+            </a:ln>
+          </p:spPr>
+          <p:txBody>
+            <a:bodyPr spcFirstLastPara="1" wrap="square" lIns="91425" tIns="91425" rIns="91425" bIns="91425" anchor="t" anchorCtr="0">
+              <a:spAutoFit/>
+            </a:bodyPr>
+            <a:lstStyle/>
+            <a:p>
+              <a:pPr marL="0" lvl="0" indent="0" algn="l" rtl="0">
+                <a:spcBef>
+                  <a:spcPts val="0"/>
+                </a:spcBef>
+                <a:spcAft>
+                  <a:spcPts val="0"/>
+                </a:spcAft>
+                <a:buNone/>
+              </a:pPr>
+              <a:r>
+                <a:rPr lang="en-US" sz="4000" b="1" dirty="0">
+                  <a:latin typeface="Gill Sans"/>
+                  <a:ea typeface="Gill Sans"/>
+                  <a:cs typeface="Gill Sans"/>
+                  <a:sym typeface="Gill Sans"/>
+                </a:rPr>
+                <a:t>Decision Tree Oversample</a:t>
+              </a:r>
+            </a:p>
+          </p:txBody>
+        </p:sp>
+        <p:sp>
+          <p:nvSpPr>
+            <p:cNvPr id="6" name="Google Shape;110;g24f2da4f33f_0_0">
+              <a:extLst>
+                <a:ext uri="{FF2B5EF4-FFF2-40B4-BE49-F238E27FC236}">
+                  <a16:creationId xmlns:a16="http://schemas.microsoft.com/office/drawing/2014/main" id="{56E47BA0-6CF1-69C8-A878-2D6039CD08A2}"/>
+                </a:ext>
+              </a:extLst>
+            </p:cNvPr>
+            <p:cNvSpPr txBox="1"/>
+            <p:nvPr/>
+          </p:nvSpPr>
+          <p:spPr>
+            <a:xfrm>
+              <a:off x="575889" y="41477752"/>
+              <a:ext cx="4114689" cy="1415742"/>
+            </a:xfrm>
+            <a:prstGeom prst="rect">
+              <a:avLst/>
+            </a:prstGeom>
+            <a:noFill/>
+            <a:ln>
+              <a:noFill/>
+            </a:ln>
+          </p:spPr>
+          <p:txBody>
+            <a:bodyPr spcFirstLastPara="1" wrap="square" lIns="91425" tIns="91425" rIns="91425" bIns="91425" anchor="t" anchorCtr="0">
+              <a:spAutoFit/>
+            </a:bodyPr>
+            <a:lstStyle/>
+            <a:p>
+              <a:pPr marL="0" lvl="0" indent="0" algn="l" rtl="0">
+                <a:spcBef>
+                  <a:spcPts val="0"/>
+                </a:spcBef>
+                <a:spcAft>
+                  <a:spcPts val="0"/>
+                </a:spcAft>
+                <a:buNone/>
+              </a:pPr>
+              <a:r>
+                <a:rPr lang="en-US" sz="4000" b="1" dirty="0">
+                  <a:latin typeface="Gill Sans"/>
+                  <a:ea typeface="Gill Sans"/>
+                  <a:cs typeface="Gill Sans"/>
+                  <a:sym typeface="Gill Sans"/>
+                </a:rPr>
+                <a:t>Random Forest Oversample</a:t>
+              </a:r>
+              <a:endParaRPr sz="4000" b="1" dirty="0">
+                <a:latin typeface="Gill Sans"/>
+                <a:ea typeface="Gill Sans"/>
+                <a:cs typeface="Gill Sans"/>
+                <a:sym typeface="Gill Sans"/>
+              </a:endParaRPr>
+            </a:p>
+          </p:txBody>
+        </p:sp>
       </p:grpSp>
       <p:grpSp>
         <p:nvGrpSpPr>
-          <p:cNvPr id="27" name="Group 26">
+          <p:cNvPr id="100" name="Group 99">
             <a:extLst>
               <a:ext uri="{FF2B5EF4-FFF2-40B4-BE49-F238E27FC236}">
-                <a16:creationId xmlns:a16="http://schemas.microsoft.com/office/drawing/2014/main" id="{F2147185-075D-21CD-6804-D815B797AF7C}"/>
+                <a16:creationId xmlns:a16="http://schemas.microsoft.com/office/drawing/2014/main" id="{0B67DAF7-9142-2DBF-2A13-E8F40578A7F6}"/>
               </a:ext>
             </a:extLst>
           </p:cNvPr>
@@ -9239,18 +10915,18 @@
         </p:nvGrpSpPr>
         <p:grpSpPr>
           <a:xfrm>
-            <a:off x="6090644" y="-16500353"/>
-            <a:ext cx="5558166" cy="28930047"/>
-            <a:chOff x="6086031" y="-3501620"/>
-            <a:chExt cx="5558166" cy="28930047"/>
+            <a:off x="6090644" y="-22772348"/>
+            <a:ext cx="5757862" cy="41208228"/>
+            <a:chOff x="5870975" y="2553782"/>
+            <a:chExt cx="5757862" cy="41208228"/>
           </a:xfrm>
         </p:grpSpPr>
         <p:pic>
           <p:nvPicPr>
-            <p:cNvPr id="13" name="Picture 12">
+            <p:cNvPr id="10" name="Picture 9">
               <a:extLst>
                 <a:ext uri="{FF2B5EF4-FFF2-40B4-BE49-F238E27FC236}">
-                  <a16:creationId xmlns:a16="http://schemas.microsoft.com/office/drawing/2014/main" id="{1A4543CD-D5B4-B7E1-90BA-F2D15E8B9905}"/>
+                  <a16:creationId xmlns:a16="http://schemas.microsoft.com/office/drawing/2014/main" id="{D212A4B1-8282-15D3-C6AC-867AEEE0FA33}"/>
                 </a:ext>
               </a:extLst>
             </p:cNvPr>
@@ -9267,15 +10943,15 @@
           </p:blipFill>
           <p:spPr>
             <a:xfrm>
-              <a:off x="6096000" y="15522525"/>
-              <a:ext cx="4919158" cy="3581400"/>
+              <a:off x="5951937" y="8839413"/>
+              <a:ext cx="4505325" cy="3152775"/>
             </a:xfrm>
             <a:prstGeom prst="rect">
               <a:avLst/>
             </a:prstGeom>
-            <a:ln w="25400">
+            <a:ln w="38100">
               <a:solidFill>
-                <a:schemeClr val="accent3">
+                <a:schemeClr val="accent6">
                   <a:lumMod val="75000"/>
                 </a:schemeClr>
               </a:solidFill>
@@ -9284,10 +10960,10 @@
         </p:pic>
         <p:pic>
           <p:nvPicPr>
-            <p:cNvPr id="15" name="Picture 14">
+            <p:cNvPr id="14" name="Picture 13">
               <a:extLst>
                 <a:ext uri="{FF2B5EF4-FFF2-40B4-BE49-F238E27FC236}">
-                  <a16:creationId xmlns:a16="http://schemas.microsoft.com/office/drawing/2014/main" id="{21FBE637-01C3-9879-2630-900D491943F2}"/>
+                  <a16:creationId xmlns:a16="http://schemas.microsoft.com/office/drawing/2014/main" id="{6F378B71-8CA6-4222-4BC8-EAAD59AA3C29}"/>
                 </a:ext>
               </a:extLst>
             </p:cNvPr>
@@ -9304,15 +10980,15 @@
           </p:blipFill>
           <p:spPr>
             <a:xfrm>
-              <a:off x="6096000" y="22161352"/>
-              <a:ext cx="4371975" cy="3267075"/>
+              <a:off x="5937650" y="21358312"/>
+              <a:ext cx="4438650" cy="3200400"/>
             </a:xfrm>
             <a:prstGeom prst="rect">
               <a:avLst/>
             </a:prstGeom>
-            <a:ln w="25400">
+            <a:ln w="38100">
               <a:solidFill>
-                <a:schemeClr val="accent3">
+                <a:schemeClr val="accent6">
                   <a:lumMod val="75000"/>
                 </a:schemeClr>
               </a:solidFill>
@@ -9321,10 +10997,10 @@
         </p:pic>
         <p:pic>
           <p:nvPicPr>
-            <p:cNvPr id="17" name="Picture 16">
+            <p:cNvPr id="18" name="Picture 17">
               <a:extLst>
                 <a:ext uri="{FF2B5EF4-FFF2-40B4-BE49-F238E27FC236}">
-                  <a16:creationId xmlns:a16="http://schemas.microsoft.com/office/drawing/2014/main" id="{CDE2BC67-5425-7DF1-A815-E9681F750A50}"/>
+                  <a16:creationId xmlns:a16="http://schemas.microsoft.com/office/drawing/2014/main" id="{22B2BB36-FD2F-EE2E-CA0B-9D79DC418169}"/>
                 </a:ext>
               </a:extLst>
             </p:cNvPr>
@@ -9341,15 +11017,15 @@
           </p:blipFill>
           <p:spPr>
             <a:xfrm>
-              <a:off x="6090644" y="9466473"/>
-              <a:ext cx="4305300" cy="3162300"/>
+              <a:off x="5951937" y="16329427"/>
+              <a:ext cx="5676900" cy="495300"/>
             </a:xfrm>
             <a:prstGeom prst="rect">
               <a:avLst/>
             </a:prstGeom>
-            <a:ln w="25400">
+            <a:ln w="38100">
               <a:solidFill>
-                <a:schemeClr val="accent3">
+                <a:schemeClr val="accent6">
                   <a:lumMod val="75000"/>
                 </a:schemeClr>
               </a:solidFill>
@@ -9358,10 +11034,10 @@
         </p:pic>
         <p:pic>
           <p:nvPicPr>
-            <p:cNvPr id="19" name="Picture 18">
+            <p:cNvPr id="22" name="Picture 21">
               <a:extLst>
                 <a:ext uri="{FF2B5EF4-FFF2-40B4-BE49-F238E27FC236}">
-                  <a16:creationId xmlns:a16="http://schemas.microsoft.com/office/drawing/2014/main" id="{8DC9C4C1-B5BF-C56B-F038-9D06B684BDC1}"/>
+                  <a16:creationId xmlns:a16="http://schemas.microsoft.com/office/drawing/2014/main" id="{5EE30E18-A0EC-2519-0730-B0A8120A4973}"/>
                 </a:ext>
               </a:extLst>
             </p:cNvPr>
@@ -9378,15 +11054,15 @@
           </p:blipFill>
           <p:spPr>
             <a:xfrm>
-              <a:off x="6086031" y="3655352"/>
-              <a:ext cx="5438775" cy="447675"/>
+              <a:off x="5937650" y="17275504"/>
+              <a:ext cx="5600700" cy="504825"/>
             </a:xfrm>
             <a:prstGeom prst="rect">
               <a:avLst/>
             </a:prstGeom>
-            <a:ln w="25400">
+            <a:ln w="38100">
               <a:solidFill>
-                <a:schemeClr val="accent3">
+                <a:schemeClr val="accent6">
                   <a:lumMod val="75000"/>
                 </a:schemeClr>
               </a:solidFill>
@@ -9395,10 +11071,10 @@
         </p:pic>
         <p:pic>
           <p:nvPicPr>
-            <p:cNvPr id="21" name="Picture 20">
+            <p:cNvPr id="25" name="Picture 24">
               <a:extLst>
                 <a:ext uri="{FF2B5EF4-FFF2-40B4-BE49-F238E27FC236}">
-                  <a16:creationId xmlns:a16="http://schemas.microsoft.com/office/drawing/2014/main" id="{42409790-B537-45B9-8D7A-F1DF9054689E}"/>
+                  <a16:creationId xmlns:a16="http://schemas.microsoft.com/office/drawing/2014/main" id="{2327405B-5570-3A9C-A515-3F53AFD67A6D}"/>
                 </a:ext>
               </a:extLst>
             </p:cNvPr>
@@ -9415,15 +11091,15 @@
           </p:blipFill>
           <p:spPr>
             <a:xfrm>
-              <a:off x="6129222" y="4790107"/>
-              <a:ext cx="5514975" cy="504825"/>
+              <a:off x="5870975" y="28136695"/>
+              <a:ext cx="4467225" cy="3190875"/>
             </a:xfrm>
             <a:prstGeom prst="rect">
               <a:avLst/>
             </a:prstGeom>
-            <a:ln w="25400">
+            <a:ln w="38100">
               <a:solidFill>
-                <a:schemeClr val="accent3">
+                <a:schemeClr val="accent6">
                   <a:lumMod val="75000"/>
                 </a:schemeClr>
               </a:solidFill>
@@ -9432,10 +11108,10 @@
         </p:pic>
         <p:pic>
           <p:nvPicPr>
-            <p:cNvPr id="23" name="Picture 22">
+            <p:cNvPr id="31" name="Picture 30">
               <a:extLst>
                 <a:ext uri="{FF2B5EF4-FFF2-40B4-BE49-F238E27FC236}">
-                  <a16:creationId xmlns:a16="http://schemas.microsoft.com/office/drawing/2014/main" id="{1319B4D1-936C-C561-E688-2EACA7C269B0}"/>
+                  <a16:creationId xmlns:a16="http://schemas.microsoft.com/office/drawing/2014/main" id="{CC4B41D3-17B4-188A-B28D-D7350E5C347B}"/>
                 </a:ext>
               </a:extLst>
             </p:cNvPr>
@@ -9452,15 +11128,89 @@
           </p:blipFill>
           <p:spPr>
             <a:xfrm>
-              <a:off x="6086031" y="-3501620"/>
-              <a:ext cx="4267200" cy="3171825"/>
+              <a:off x="5937650" y="40609235"/>
+              <a:ext cx="4400550" cy="3152775"/>
             </a:xfrm>
             <a:prstGeom prst="rect">
               <a:avLst/>
             </a:prstGeom>
-            <a:ln w="25400">
+            <a:ln w="38100">
               <a:solidFill>
-                <a:schemeClr val="accent3">
+                <a:schemeClr val="accent6">
+                  <a:lumMod val="75000"/>
+                </a:schemeClr>
+              </a:solidFill>
+            </a:ln>
+          </p:spPr>
+        </p:pic>
+        <p:pic>
+          <p:nvPicPr>
+            <p:cNvPr id="97" name="Picture 96">
+              <a:extLst>
+                <a:ext uri="{FF2B5EF4-FFF2-40B4-BE49-F238E27FC236}">
+                  <a16:creationId xmlns:a16="http://schemas.microsoft.com/office/drawing/2014/main" id="{759573BD-DB52-B3EB-01B3-70068F088F75}"/>
+                </a:ext>
+              </a:extLst>
+            </p:cNvPr>
+            <p:cNvPicPr>
+              <a:picLocks noChangeAspect="1"/>
+            </p:cNvPicPr>
+            <p:nvPr/>
+          </p:nvPicPr>
+          <p:blipFill>
+            <a:blip r:embed="rId9"/>
+            <a:stretch>
+              <a:fillRect/>
+            </a:stretch>
+          </p:blipFill>
+          <p:spPr>
+            <a:xfrm>
+              <a:off x="5937650" y="34440508"/>
+              <a:ext cx="4352925" cy="3133725"/>
+            </a:xfrm>
+            <a:prstGeom prst="rect">
+              <a:avLst/>
+            </a:prstGeom>
+            <a:ln w="38100">
+              <a:solidFill>
+                <a:schemeClr val="accent6">
+                  <a:lumMod val="75000"/>
+                </a:schemeClr>
+              </a:solidFill>
+            </a:ln>
+          </p:spPr>
+        </p:pic>
+        <p:pic>
+          <p:nvPicPr>
+            <p:cNvPr id="99" name="Picture 98">
+              <a:extLst>
+                <a:ext uri="{FF2B5EF4-FFF2-40B4-BE49-F238E27FC236}">
+                  <a16:creationId xmlns:a16="http://schemas.microsoft.com/office/drawing/2014/main" id="{8B6881D3-6E72-6BD5-52E6-32B773633E6C}"/>
+                </a:ext>
+              </a:extLst>
+            </p:cNvPr>
+            <p:cNvPicPr>
+              <a:picLocks noChangeAspect="1"/>
+            </p:cNvPicPr>
+            <p:nvPr/>
+          </p:nvPicPr>
+          <p:blipFill>
+            <a:blip r:embed="rId10"/>
+            <a:stretch>
+              <a:fillRect/>
+            </a:stretch>
+          </p:blipFill>
+          <p:spPr>
+            <a:xfrm>
+              <a:off x="5870975" y="2553782"/>
+              <a:ext cx="4391025" cy="3152775"/>
+            </a:xfrm>
+            <a:prstGeom prst="rect">
+              <a:avLst/>
+            </a:prstGeom>
+            <a:ln w="38100">
+              <a:solidFill>
+                <a:schemeClr val="accent6">
                   <a:lumMod val="75000"/>
                 </a:schemeClr>
               </a:solidFill>
@@ -9471,20 +11221,20 @@
     </p:spTree>
     <p:extLst>
       <p:ext uri="{BB962C8B-B14F-4D97-AF65-F5344CB8AC3E}">
-        <p14:creationId xmlns:p14="http://schemas.microsoft.com/office/powerpoint/2010/main" val="3087606340"/>
+        <p14:creationId xmlns:p14="http://schemas.microsoft.com/office/powerpoint/2010/main" val="4016916479"/>
       </p:ext>
     </p:extLst>
   </p:cSld>
   <p:clrMapOvr>
     <a:masterClrMapping/>
   </p:clrMapOvr>
-  <mc:AlternateContent xmlns:mc="http://schemas.openxmlformats.org/markup-compatibility/2006">
-    <mc:Choice xmlns:p159="http://schemas.microsoft.com/office/powerpoint/2015/09/main" Requires="p159">
+  <mc:AlternateContent xmlns:mc="http://schemas.openxmlformats.org/markup-compatibility/2006" xmlns:p159="http://schemas.microsoft.com/office/powerpoint/2015/09/main">
+    <mc:Choice Requires="p159">
       <p:transition xmlns:p14="http://schemas.microsoft.com/office/powerpoint/2010/main" spd="slow" p14:dur="2000">
         <p159:morph option="byObject"/>
       </p:transition>
     </mc:Choice>
-    <mc:Fallback>
+    <mc:Fallback xmlns="">
       <p:transition spd="slow">
         <p:fade/>
       </p:transition>
@@ -9563,10 +11313,10 @@
       </p:sp>
       <p:grpSp>
         <p:nvGrpSpPr>
-          <p:cNvPr id="26" name="Group 25">
+          <p:cNvPr id="101" name="Group 100">
             <a:extLst>
               <a:ext uri="{FF2B5EF4-FFF2-40B4-BE49-F238E27FC236}">
-                <a16:creationId xmlns:a16="http://schemas.microsoft.com/office/drawing/2014/main" id="{5EE8B9DE-F188-35FD-2F88-ADDF64AD9006}"/>
+                <a16:creationId xmlns:a16="http://schemas.microsoft.com/office/drawing/2014/main" id="{3BC66274-B6CC-E06A-6B61-AF37B4CAD6D2}"/>
               </a:ext>
             </a:extLst>
           </p:cNvPr>
@@ -9575,10 +11325,10 @@
         </p:nvGrpSpPr>
         <p:grpSpPr>
           <a:xfrm>
-            <a:off x="662581" y="-9248678"/>
-            <a:ext cx="4753079" cy="27126339"/>
-            <a:chOff x="575888" y="-2623578"/>
-            <a:chExt cx="4753079" cy="27126339"/>
+            <a:off x="575889" y="-15271962"/>
+            <a:ext cx="4753084" cy="39464494"/>
+            <a:chOff x="575889" y="3429000"/>
+            <a:chExt cx="4753084" cy="39464494"/>
           </a:xfrm>
         </p:grpSpPr>
         <p:sp>
@@ -9589,7 +11339,7 @@
           </p:nvSpPr>
           <p:spPr>
             <a:xfrm>
-              <a:off x="575888" y="3655352"/>
+              <a:off x="575894" y="9707930"/>
               <a:ext cx="4753079" cy="1415742"/>
             </a:xfrm>
             <a:prstGeom prst="rect">
@@ -9622,7 +11372,7 @@
                   <a:cs typeface="Gill Sans"/>
                   <a:sym typeface="Gill Sans"/>
                 </a:rPr>
-                <a:t>Regression Module</a:t>
+                <a:t>Regression Model</a:t>
               </a:r>
             </a:p>
             <a:p>
@@ -9661,7 +11411,7 @@
           </p:nvSpPr>
           <p:spPr>
             <a:xfrm>
-              <a:off x="575889" y="10339752"/>
+              <a:off x="575895" y="16392330"/>
               <a:ext cx="4114689" cy="1415742"/>
             </a:xfrm>
             <a:prstGeom prst="rect">
@@ -9694,7 +11444,7 @@
                   <a:cs typeface="Gill Sans"/>
                   <a:sym typeface="Gill Sans"/>
                 </a:rPr>
-                <a:t>Decision Tree Module</a:t>
+                <a:t>Decision Tree Model</a:t>
               </a:r>
             </a:p>
           </p:txBody>
@@ -9713,7 +11463,7 @@
           </p:nvSpPr>
           <p:spPr>
             <a:xfrm>
-              <a:off x="575888" y="16605354"/>
+              <a:off x="575892" y="28935041"/>
               <a:ext cx="4114689" cy="1415742"/>
             </a:xfrm>
             <a:prstGeom prst="rect">
@@ -9746,7 +11496,7 @@
                   <a:cs typeface="Gill Sans"/>
                   <a:sym typeface="Gill Sans"/>
                 </a:rPr>
-                <a:t>Predictions Module</a:t>
+                <a:t>Neural Network Model</a:t>
               </a:r>
             </a:p>
           </p:txBody>
@@ -9765,7 +11515,7 @@
           </p:nvSpPr>
           <p:spPr>
             <a:xfrm>
-              <a:off x="575888" y="23087019"/>
+              <a:off x="575890" y="35213971"/>
               <a:ext cx="4114689" cy="1415742"/>
             </a:xfrm>
             <a:prstGeom prst="rect">
@@ -9798,7 +11548,7 @@
                   <a:cs typeface="Gill Sans"/>
                   <a:sym typeface="Gill Sans"/>
                 </a:rPr>
-                <a:t>Random Forest Module</a:t>
+                <a:t>Random Forest Model</a:t>
               </a:r>
               <a:endParaRPr sz="4000" b="1" dirty="0">
                 <a:latin typeface="Gill Sans"/>
@@ -9823,7 +11573,7 @@
           </p:nvSpPr>
           <p:spPr>
             <a:xfrm>
-              <a:off x="575888" y="-2623578"/>
+              <a:off x="575894" y="3429000"/>
               <a:ext cx="4753079" cy="1415742"/>
             </a:xfrm>
             <a:prstGeom prst="rect">
@@ -9856,7 +11606,7 @@
                   <a:cs typeface="Gill Sans"/>
                   <a:sym typeface="Gill Sans"/>
                 </a:rPr>
-                <a:t>Regression Module</a:t>
+                <a:t>Regression Model</a:t>
               </a:r>
             </a:p>
             <a:p>
@@ -9881,13 +11631,123 @@
             </a:p>
           </p:txBody>
         </p:sp>
+        <p:sp>
+          <p:nvSpPr>
+            <p:cNvPr id="2" name="Google Shape;110;g24f2da4f33f_0_0">
+              <a:extLst>
+                <a:ext uri="{FF2B5EF4-FFF2-40B4-BE49-F238E27FC236}">
+                  <a16:creationId xmlns:a16="http://schemas.microsoft.com/office/drawing/2014/main" id="{2014FF7A-53BD-460A-CE08-AF241996C372}"/>
+                </a:ext>
+              </a:extLst>
+            </p:cNvPr>
+            <p:cNvSpPr txBox="1"/>
+            <p:nvPr/>
+          </p:nvSpPr>
+          <p:spPr>
+            <a:xfrm>
+              <a:off x="575891" y="22250641"/>
+              <a:ext cx="4114689" cy="1415742"/>
+            </a:xfrm>
+            <a:prstGeom prst="rect">
+              <a:avLst/>
+            </a:prstGeom>
+            <a:noFill/>
+            <a:ln>
+              <a:noFill/>
+            </a:ln>
+          </p:spPr>
+          <p:txBody>
+            <a:bodyPr spcFirstLastPara="1" wrap="square" lIns="91425" tIns="91425" rIns="91425" bIns="91425" anchor="t" anchorCtr="0">
+              <a:spAutoFit/>
+            </a:bodyPr>
+            <a:lstStyle/>
+            <a:p>
+              <a:pPr marL="0" lvl="0" indent="0" algn="l" rtl="0">
+                <a:spcBef>
+                  <a:spcPts val="0"/>
+                </a:spcBef>
+                <a:spcAft>
+                  <a:spcPts val="0"/>
+                </a:spcAft>
+                <a:buNone/>
+              </a:pPr>
+              <a:r>
+                <a:rPr lang="en-US" sz="4000" b="1" dirty="0">
+                  <a:latin typeface="Gill Sans"/>
+                  <a:ea typeface="Gill Sans"/>
+                  <a:cs typeface="Gill Sans"/>
+                  <a:sym typeface="Gill Sans"/>
+                </a:rPr>
+                <a:t>Decision Tree Oversample</a:t>
+              </a:r>
+            </a:p>
+          </p:txBody>
+        </p:sp>
+        <p:sp>
+          <p:nvSpPr>
+            <p:cNvPr id="6" name="Google Shape;110;g24f2da4f33f_0_0">
+              <a:extLst>
+                <a:ext uri="{FF2B5EF4-FFF2-40B4-BE49-F238E27FC236}">
+                  <a16:creationId xmlns:a16="http://schemas.microsoft.com/office/drawing/2014/main" id="{56E47BA0-6CF1-69C8-A878-2D6039CD08A2}"/>
+                </a:ext>
+              </a:extLst>
+            </p:cNvPr>
+            <p:cNvSpPr txBox="1"/>
+            <p:nvPr/>
+          </p:nvSpPr>
+          <p:spPr>
+            <a:xfrm>
+              <a:off x="575889" y="41477752"/>
+              <a:ext cx="4114689" cy="1415742"/>
+            </a:xfrm>
+            <a:prstGeom prst="rect">
+              <a:avLst/>
+            </a:prstGeom>
+            <a:noFill/>
+            <a:ln>
+              <a:noFill/>
+            </a:ln>
+          </p:spPr>
+          <p:txBody>
+            <a:bodyPr spcFirstLastPara="1" wrap="square" lIns="91425" tIns="91425" rIns="91425" bIns="91425" anchor="t" anchorCtr="0">
+              <a:spAutoFit/>
+            </a:bodyPr>
+            <a:lstStyle/>
+            <a:p>
+              <a:pPr marL="0" lvl="0" indent="0" algn="l" rtl="0">
+                <a:spcBef>
+                  <a:spcPts val="0"/>
+                </a:spcBef>
+                <a:spcAft>
+                  <a:spcPts val="0"/>
+                </a:spcAft>
+                <a:buNone/>
+              </a:pPr>
+              <a:r>
+                <a:rPr lang="en-US" sz="4000" b="1" dirty="0">
+                  <a:latin typeface="Gill Sans"/>
+                  <a:ea typeface="Gill Sans"/>
+                  <a:cs typeface="Gill Sans"/>
+                  <a:sym typeface="Gill Sans"/>
+                </a:rPr>
+                <a:t>Random Forest Oversample</a:t>
+              </a:r>
+              <a:endParaRPr sz="4000" b="1" dirty="0">
+                <a:latin typeface="Gill Sans"/>
+                <a:ea typeface="Gill Sans"/>
+                <a:cs typeface="Gill Sans"/>
+                <a:sym typeface="Gill Sans"/>
+              </a:endParaRPr>
+            </a:p>
+          </p:txBody>
+        </p:sp>
       </p:grpSp>
       <p:grpSp>
         <p:nvGrpSpPr>
-          <p:cNvPr id="27" name="Group 26">
+          <p:cNvPr id="100" name="Group 99">
             <a:extLst>
               <a:ext uri="{FF2B5EF4-FFF2-40B4-BE49-F238E27FC236}">
-                <a16:creationId xmlns:a16="http://schemas.microsoft.com/office/drawing/2014/main" id="{F2147185-075D-21CD-6804-D815B797AF7C}"/>
+                <a16:creationId xmlns:a16="http://schemas.microsoft.com/office/drawing/2014/main" id="{0B67DAF7-9142-2DBF-2A13-E8F40578A7F6}"/>
               </a:ext>
             </a:extLst>
           </p:cNvPr>
@@ -9896,18 +11756,18 @@
         </p:nvGrpSpPr>
         <p:grpSpPr>
           <a:xfrm>
-            <a:off x="6047228" y="-10042501"/>
-            <a:ext cx="5558166" cy="28930047"/>
-            <a:chOff x="6086031" y="-3501620"/>
-            <a:chExt cx="5558166" cy="28930047"/>
+            <a:off x="6090644" y="-16076575"/>
+            <a:ext cx="5757862" cy="41208228"/>
+            <a:chOff x="5870975" y="2553782"/>
+            <a:chExt cx="5757862" cy="41208228"/>
           </a:xfrm>
         </p:grpSpPr>
         <p:pic>
           <p:nvPicPr>
-            <p:cNvPr id="13" name="Picture 12">
+            <p:cNvPr id="10" name="Picture 9">
               <a:extLst>
                 <a:ext uri="{FF2B5EF4-FFF2-40B4-BE49-F238E27FC236}">
-                  <a16:creationId xmlns:a16="http://schemas.microsoft.com/office/drawing/2014/main" id="{1A4543CD-D5B4-B7E1-90BA-F2D15E8B9905}"/>
+                  <a16:creationId xmlns:a16="http://schemas.microsoft.com/office/drawing/2014/main" id="{D212A4B1-8282-15D3-C6AC-867AEEE0FA33}"/>
                 </a:ext>
               </a:extLst>
             </p:cNvPr>
@@ -9924,15 +11784,15 @@
           </p:blipFill>
           <p:spPr>
             <a:xfrm>
-              <a:off x="6096000" y="15522525"/>
-              <a:ext cx="4919158" cy="3581400"/>
+              <a:off x="5951937" y="8839413"/>
+              <a:ext cx="4505325" cy="3152775"/>
             </a:xfrm>
             <a:prstGeom prst="rect">
               <a:avLst/>
             </a:prstGeom>
-            <a:ln w="25400">
+            <a:ln w="38100">
               <a:solidFill>
-                <a:schemeClr val="accent3">
+                <a:schemeClr val="accent6">
                   <a:lumMod val="75000"/>
                 </a:schemeClr>
               </a:solidFill>
@@ -9941,10 +11801,10 @@
         </p:pic>
         <p:pic>
           <p:nvPicPr>
-            <p:cNvPr id="15" name="Picture 14">
+            <p:cNvPr id="14" name="Picture 13">
               <a:extLst>
                 <a:ext uri="{FF2B5EF4-FFF2-40B4-BE49-F238E27FC236}">
-                  <a16:creationId xmlns:a16="http://schemas.microsoft.com/office/drawing/2014/main" id="{21FBE637-01C3-9879-2630-900D491943F2}"/>
+                  <a16:creationId xmlns:a16="http://schemas.microsoft.com/office/drawing/2014/main" id="{6F378B71-8CA6-4222-4BC8-EAAD59AA3C29}"/>
                 </a:ext>
               </a:extLst>
             </p:cNvPr>
@@ -9961,15 +11821,15 @@
           </p:blipFill>
           <p:spPr>
             <a:xfrm>
-              <a:off x="6096000" y="22161352"/>
-              <a:ext cx="4371975" cy="3267075"/>
+              <a:off x="5937650" y="21358312"/>
+              <a:ext cx="4438650" cy="3200400"/>
             </a:xfrm>
             <a:prstGeom prst="rect">
               <a:avLst/>
             </a:prstGeom>
-            <a:ln w="25400">
+            <a:ln w="38100">
               <a:solidFill>
-                <a:schemeClr val="accent3">
+                <a:schemeClr val="accent6">
                   <a:lumMod val="75000"/>
                 </a:schemeClr>
               </a:solidFill>
@@ -9978,10 +11838,10 @@
         </p:pic>
         <p:pic>
           <p:nvPicPr>
-            <p:cNvPr id="17" name="Picture 16">
+            <p:cNvPr id="18" name="Picture 17">
               <a:extLst>
                 <a:ext uri="{FF2B5EF4-FFF2-40B4-BE49-F238E27FC236}">
-                  <a16:creationId xmlns:a16="http://schemas.microsoft.com/office/drawing/2014/main" id="{CDE2BC67-5425-7DF1-A815-E9681F750A50}"/>
+                  <a16:creationId xmlns:a16="http://schemas.microsoft.com/office/drawing/2014/main" id="{22B2BB36-FD2F-EE2E-CA0B-9D79DC418169}"/>
                 </a:ext>
               </a:extLst>
             </p:cNvPr>
@@ -9998,15 +11858,15 @@
           </p:blipFill>
           <p:spPr>
             <a:xfrm>
-              <a:off x="6090644" y="9466473"/>
-              <a:ext cx="4305300" cy="3162300"/>
+              <a:off x="5951937" y="16329427"/>
+              <a:ext cx="5676900" cy="495300"/>
             </a:xfrm>
             <a:prstGeom prst="rect">
               <a:avLst/>
             </a:prstGeom>
-            <a:ln w="25400">
+            <a:ln w="38100">
               <a:solidFill>
-                <a:schemeClr val="accent3">
+                <a:schemeClr val="accent6">
                   <a:lumMod val="75000"/>
                 </a:schemeClr>
               </a:solidFill>
@@ -10015,10 +11875,10 @@
         </p:pic>
         <p:pic>
           <p:nvPicPr>
-            <p:cNvPr id="19" name="Picture 18">
+            <p:cNvPr id="22" name="Picture 21">
               <a:extLst>
                 <a:ext uri="{FF2B5EF4-FFF2-40B4-BE49-F238E27FC236}">
-                  <a16:creationId xmlns:a16="http://schemas.microsoft.com/office/drawing/2014/main" id="{8DC9C4C1-B5BF-C56B-F038-9D06B684BDC1}"/>
+                  <a16:creationId xmlns:a16="http://schemas.microsoft.com/office/drawing/2014/main" id="{5EE30E18-A0EC-2519-0730-B0A8120A4973}"/>
                 </a:ext>
               </a:extLst>
             </p:cNvPr>
@@ -10035,15 +11895,15 @@
           </p:blipFill>
           <p:spPr>
             <a:xfrm>
-              <a:off x="6086031" y="3655352"/>
-              <a:ext cx="5438775" cy="447675"/>
+              <a:off x="5937650" y="17275504"/>
+              <a:ext cx="5600700" cy="504825"/>
             </a:xfrm>
             <a:prstGeom prst="rect">
               <a:avLst/>
             </a:prstGeom>
-            <a:ln w="25400">
+            <a:ln w="38100">
               <a:solidFill>
-                <a:schemeClr val="accent3">
+                <a:schemeClr val="accent6">
                   <a:lumMod val="75000"/>
                 </a:schemeClr>
               </a:solidFill>
@@ -10052,10 +11912,10 @@
         </p:pic>
         <p:pic>
           <p:nvPicPr>
-            <p:cNvPr id="21" name="Picture 20">
+            <p:cNvPr id="25" name="Picture 24">
               <a:extLst>
                 <a:ext uri="{FF2B5EF4-FFF2-40B4-BE49-F238E27FC236}">
-                  <a16:creationId xmlns:a16="http://schemas.microsoft.com/office/drawing/2014/main" id="{42409790-B537-45B9-8D7A-F1DF9054689E}"/>
+                  <a16:creationId xmlns:a16="http://schemas.microsoft.com/office/drawing/2014/main" id="{2327405B-5570-3A9C-A515-3F53AFD67A6D}"/>
                 </a:ext>
               </a:extLst>
             </p:cNvPr>
@@ -10072,15 +11932,15 @@
           </p:blipFill>
           <p:spPr>
             <a:xfrm>
-              <a:off x="6129222" y="4790107"/>
-              <a:ext cx="5514975" cy="504825"/>
+              <a:off x="5870975" y="28136695"/>
+              <a:ext cx="4467225" cy="3190875"/>
             </a:xfrm>
             <a:prstGeom prst="rect">
               <a:avLst/>
             </a:prstGeom>
-            <a:ln w="25400">
+            <a:ln w="38100">
               <a:solidFill>
-                <a:schemeClr val="accent3">
+                <a:schemeClr val="accent6">
                   <a:lumMod val="75000"/>
                 </a:schemeClr>
               </a:solidFill>
@@ -10089,10 +11949,10 @@
         </p:pic>
         <p:pic>
           <p:nvPicPr>
-            <p:cNvPr id="23" name="Picture 22">
+            <p:cNvPr id="31" name="Picture 30">
               <a:extLst>
                 <a:ext uri="{FF2B5EF4-FFF2-40B4-BE49-F238E27FC236}">
-                  <a16:creationId xmlns:a16="http://schemas.microsoft.com/office/drawing/2014/main" id="{1319B4D1-936C-C561-E688-2EACA7C269B0}"/>
+                  <a16:creationId xmlns:a16="http://schemas.microsoft.com/office/drawing/2014/main" id="{CC4B41D3-17B4-188A-B28D-D7350E5C347B}"/>
                 </a:ext>
               </a:extLst>
             </p:cNvPr>
@@ -10109,15 +11969,89 @@
           </p:blipFill>
           <p:spPr>
             <a:xfrm>
-              <a:off x="6086031" y="-3501620"/>
-              <a:ext cx="4267200" cy="3171825"/>
+              <a:off x="5937650" y="40609235"/>
+              <a:ext cx="4400550" cy="3152775"/>
             </a:xfrm>
             <a:prstGeom prst="rect">
               <a:avLst/>
             </a:prstGeom>
-            <a:ln w="25400">
+            <a:ln w="38100">
               <a:solidFill>
-                <a:schemeClr val="accent3">
+                <a:schemeClr val="accent6">
+                  <a:lumMod val="75000"/>
+                </a:schemeClr>
+              </a:solidFill>
+            </a:ln>
+          </p:spPr>
+        </p:pic>
+        <p:pic>
+          <p:nvPicPr>
+            <p:cNvPr id="97" name="Picture 96">
+              <a:extLst>
+                <a:ext uri="{FF2B5EF4-FFF2-40B4-BE49-F238E27FC236}">
+                  <a16:creationId xmlns:a16="http://schemas.microsoft.com/office/drawing/2014/main" id="{759573BD-DB52-B3EB-01B3-70068F088F75}"/>
+                </a:ext>
+              </a:extLst>
+            </p:cNvPr>
+            <p:cNvPicPr>
+              <a:picLocks noChangeAspect="1"/>
+            </p:cNvPicPr>
+            <p:nvPr/>
+          </p:nvPicPr>
+          <p:blipFill>
+            <a:blip r:embed="rId9"/>
+            <a:stretch>
+              <a:fillRect/>
+            </a:stretch>
+          </p:blipFill>
+          <p:spPr>
+            <a:xfrm>
+              <a:off x="5937650" y="34440508"/>
+              <a:ext cx="4352925" cy="3133725"/>
+            </a:xfrm>
+            <a:prstGeom prst="rect">
+              <a:avLst/>
+            </a:prstGeom>
+            <a:ln w="38100">
+              <a:solidFill>
+                <a:schemeClr val="accent6">
+                  <a:lumMod val="75000"/>
+                </a:schemeClr>
+              </a:solidFill>
+            </a:ln>
+          </p:spPr>
+        </p:pic>
+        <p:pic>
+          <p:nvPicPr>
+            <p:cNvPr id="99" name="Picture 98">
+              <a:extLst>
+                <a:ext uri="{FF2B5EF4-FFF2-40B4-BE49-F238E27FC236}">
+                  <a16:creationId xmlns:a16="http://schemas.microsoft.com/office/drawing/2014/main" id="{8B6881D3-6E72-6BD5-52E6-32B773633E6C}"/>
+                </a:ext>
+              </a:extLst>
+            </p:cNvPr>
+            <p:cNvPicPr>
+              <a:picLocks noChangeAspect="1"/>
+            </p:cNvPicPr>
+            <p:nvPr/>
+          </p:nvPicPr>
+          <p:blipFill>
+            <a:blip r:embed="rId10"/>
+            <a:stretch>
+              <a:fillRect/>
+            </a:stretch>
+          </p:blipFill>
+          <p:spPr>
+            <a:xfrm>
+              <a:off x="5870975" y="2553782"/>
+              <a:ext cx="4391025" cy="3152775"/>
+            </a:xfrm>
+            <a:prstGeom prst="rect">
+              <a:avLst/>
+            </a:prstGeom>
+            <a:ln w="38100">
+              <a:solidFill>
+                <a:schemeClr val="accent6">
                   <a:lumMod val="75000"/>
                 </a:schemeClr>
               </a:solidFill>
@@ -10128,20 +12062,20 @@
     </p:spTree>
     <p:extLst>
       <p:ext uri="{BB962C8B-B14F-4D97-AF65-F5344CB8AC3E}">
-        <p14:creationId xmlns:p14="http://schemas.microsoft.com/office/powerpoint/2010/main" val="1259766254"/>
+        <p14:creationId xmlns:p14="http://schemas.microsoft.com/office/powerpoint/2010/main" val="1002683183"/>
       </p:ext>
     </p:extLst>
   </p:cSld>
   <p:clrMapOvr>
     <a:masterClrMapping/>
   </p:clrMapOvr>
-  <mc:AlternateContent xmlns:mc="http://schemas.openxmlformats.org/markup-compatibility/2006">
-    <mc:Choice xmlns:p159="http://schemas.microsoft.com/office/powerpoint/2015/09/main" Requires="p159">
+  <mc:AlternateContent xmlns:mc="http://schemas.openxmlformats.org/markup-compatibility/2006" xmlns:p159="http://schemas.microsoft.com/office/powerpoint/2015/09/main">
+    <mc:Choice Requires="p159">
       <p:transition xmlns:p14="http://schemas.microsoft.com/office/powerpoint/2010/main" spd="slow" p14:dur="2000">
         <p159:morph option="byObject"/>
       </p:transition>
     </mc:Choice>
-    <mc:Fallback>
+    <mc:Fallback xmlns="">
       <p:transition spd="slow">
         <p:fade/>
       </p:transition>
@@ -10220,10 +12154,10 @@
       </p:sp>
       <p:grpSp>
         <p:nvGrpSpPr>
-          <p:cNvPr id="26" name="Group 25">
+          <p:cNvPr id="101" name="Group 100">
             <a:extLst>
               <a:ext uri="{FF2B5EF4-FFF2-40B4-BE49-F238E27FC236}">
-                <a16:creationId xmlns:a16="http://schemas.microsoft.com/office/drawing/2014/main" id="{5EE8B9DE-F188-35FD-2F88-ADDF64AD9006}"/>
+                <a16:creationId xmlns:a16="http://schemas.microsoft.com/office/drawing/2014/main" id="{3BC66274-B6CC-E06A-6B61-AF37B4CAD6D2}"/>
               </a:ext>
             </a:extLst>
           </p:cNvPr>
@@ -10232,10 +12166,10 @@
         </p:nvGrpSpPr>
         <p:grpSpPr>
           <a:xfrm>
-            <a:off x="662582" y="-15725678"/>
-            <a:ext cx="4753079" cy="27126339"/>
-            <a:chOff x="575888" y="-2623578"/>
-            <a:chExt cx="4753079" cy="27126339"/>
+            <a:off x="575889" y="-21908743"/>
+            <a:ext cx="4753084" cy="39464494"/>
+            <a:chOff x="575889" y="3429000"/>
+            <a:chExt cx="4753084" cy="39464494"/>
           </a:xfrm>
         </p:grpSpPr>
         <p:sp>
@@ -10246,7 +12180,7 @@
           </p:nvSpPr>
           <p:spPr>
             <a:xfrm>
-              <a:off x="575888" y="3655352"/>
+              <a:off x="575894" y="9707930"/>
               <a:ext cx="4753079" cy="1415742"/>
             </a:xfrm>
             <a:prstGeom prst="rect">
@@ -10279,7 +12213,7 @@
                   <a:cs typeface="Gill Sans"/>
                   <a:sym typeface="Gill Sans"/>
                 </a:rPr>
-                <a:t>Regression Module</a:t>
+                <a:t>Regression Model</a:t>
               </a:r>
             </a:p>
             <a:p>
@@ -10318,7 +12252,7 @@
           </p:nvSpPr>
           <p:spPr>
             <a:xfrm>
-              <a:off x="575889" y="10339752"/>
+              <a:off x="575895" y="16392330"/>
               <a:ext cx="4114689" cy="1415742"/>
             </a:xfrm>
             <a:prstGeom prst="rect">
@@ -10351,7 +12285,7 @@
                   <a:cs typeface="Gill Sans"/>
                   <a:sym typeface="Gill Sans"/>
                 </a:rPr>
-                <a:t>Decision Tree Module</a:t>
+                <a:t>Decision Tree Model</a:t>
               </a:r>
             </a:p>
           </p:txBody>
@@ -10370,7 +12304,7 @@
           </p:nvSpPr>
           <p:spPr>
             <a:xfrm>
-              <a:off x="575888" y="16605354"/>
+              <a:off x="575892" y="28935041"/>
               <a:ext cx="4114689" cy="1415742"/>
             </a:xfrm>
             <a:prstGeom prst="rect">
@@ -10403,7 +12337,7 @@
                   <a:cs typeface="Gill Sans"/>
                   <a:sym typeface="Gill Sans"/>
                 </a:rPr>
-                <a:t>Predictions Module</a:t>
+                <a:t>Neural Network Model</a:t>
               </a:r>
             </a:p>
           </p:txBody>
@@ -10422,7 +12356,7 @@
           </p:nvSpPr>
           <p:spPr>
             <a:xfrm>
-              <a:off x="575888" y="23087019"/>
+              <a:off x="575890" y="35213971"/>
               <a:ext cx="4114689" cy="1415742"/>
             </a:xfrm>
             <a:prstGeom prst="rect">
@@ -10455,7 +12389,7 @@
                   <a:cs typeface="Gill Sans"/>
                   <a:sym typeface="Gill Sans"/>
                 </a:rPr>
-                <a:t>Random Forest Module</a:t>
+                <a:t>Random Forest Model</a:t>
               </a:r>
               <a:endParaRPr sz="4000" b="1" dirty="0">
                 <a:latin typeface="Gill Sans"/>
@@ -10480,7 +12414,7 @@
           </p:nvSpPr>
           <p:spPr>
             <a:xfrm>
-              <a:off x="575888" y="-2623578"/>
+              <a:off x="575894" y="3429000"/>
               <a:ext cx="4753079" cy="1415742"/>
             </a:xfrm>
             <a:prstGeom prst="rect">
@@ -10513,7 +12447,7 @@
                   <a:cs typeface="Gill Sans"/>
                   <a:sym typeface="Gill Sans"/>
                 </a:rPr>
-                <a:t>Regression Module</a:t>
+                <a:t>Regression Model</a:t>
               </a:r>
             </a:p>
             <a:p>
@@ -10538,13 +12472,123 @@
             </a:p>
           </p:txBody>
         </p:sp>
+        <p:sp>
+          <p:nvSpPr>
+            <p:cNvPr id="2" name="Google Shape;110;g24f2da4f33f_0_0">
+              <a:extLst>
+                <a:ext uri="{FF2B5EF4-FFF2-40B4-BE49-F238E27FC236}">
+                  <a16:creationId xmlns:a16="http://schemas.microsoft.com/office/drawing/2014/main" id="{2014FF7A-53BD-460A-CE08-AF241996C372}"/>
+                </a:ext>
+              </a:extLst>
+            </p:cNvPr>
+            <p:cNvSpPr txBox="1"/>
+            <p:nvPr/>
+          </p:nvSpPr>
+          <p:spPr>
+            <a:xfrm>
+              <a:off x="575891" y="22250641"/>
+              <a:ext cx="4114689" cy="1415742"/>
+            </a:xfrm>
+            <a:prstGeom prst="rect">
+              <a:avLst/>
+            </a:prstGeom>
+            <a:noFill/>
+            <a:ln>
+              <a:noFill/>
+            </a:ln>
+          </p:spPr>
+          <p:txBody>
+            <a:bodyPr spcFirstLastPara="1" wrap="square" lIns="91425" tIns="91425" rIns="91425" bIns="91425" anchor="t" anchorCtr="0">
+              <a:spAutoFit/>
+            </a:bodyPr>
+            <a:lstStyle/>
+            <a:p>
+              <a:pPr marL="0" lvl="0" indent="0" algn="l" rtl="0">
+                <a:spcBef>
+                  <a:spcPts val="0"/>
+                </a:spcBef>
+                <a:spcAft>
+                  <a:spcPts val="0"/>
+                </a:spcAft>
+                <a:buNone/>
+              </a:pPr>
+              <a:r>
+                <a:rPr lang="en-US" sz="4000" b="1" dirty="0">
+                  <a:latin typeface="Gill Sans"/>
+                  <a:ea typeface="Gill Sans"/>
+                  <a:cs typeface="Gill Sans"/>
+                  <a:sym typeface="Gill Sans"/>
+                </a:rPr>
+                <a:t>Decision Tree Oversample</a:t>
+              </a:r>
+            </a:p>
+          </p:txBody>
+        </p:sp>
+        <p:sp>
+          <p:nvSpPr>
+            <p:cNvPr id="6" name="Google Shape;110;g24f2da4f33f_0_0">
+              <a:extLst>
+                <a:ext uri="{FF2B5EF4-FFF2-40B4-BE49-F238E27FC236}">
+                  <a16:creationId xmlns:a16="http://schemas.microsoft.com/office/drawing/2014/main" id="{56E47BA0-6CF1-69C8-A878-2D6039CD08A2}"/>
+                </a:ext>
+              </a:extLst>
+            </p:cNvPr>
+            <p:cNvSpPr txBox="1"/>
+            <p:nvPr/>
+          </p:nvSpPr>
+          <p:spPr>
+            <a:xfrm>
+              <a:off x="575889" y="41477752"/>
+              <a:ext cx="4114689" cy="1415742"/>
+            </a:xfrm>
+            <a:prstGeom prst="rect">
+              <a:avLst/>
+            </a:prstGeom>
+            <a:noFill/>
+            <a:ln>
+              <a:noFill/>
+            </a:ln>
+          </p:spPr>
+          <p:txBody>
+            <a:bodyPr spcFirstLastPara="1" wrap="square" lIns="91425" tIns="91425" rIns="91425" bIns="91425" anchor="t" anchorCtr="0">
+              <a:spAutoFit/>
+            </a:bodyPr>
+            <a:lstStyle/>
+            <a:p>
+              <a:pPr marL="0" lvl="0" indent="0" algn="l" rtl="0">
+                <a:spcBef>
+                  <a:spcPts val="0"/>
+                </a:spcBef>
+                <a:spcAft>
+                  <a:spcPts val="0"/>
+                </a:spcAft>
+                <a:buNone/>
+              </a:pPr>
+              <a:r>
+                <a:rPr lang="en-US" sz="4000" b="1" dirty="0">
+                  <a:latin typeface="Gill Sans"/>
+                  <a:ea typeface="Gill Sans"/>
+                  <a:cs typeface="Gill Sans"/>
+                  <a:sym typeface="Gill Sans"/>
+                </a:rPr>
+                <a:t>Random Forest Oversample</a:t>
+              </a:r>
+              <a:endParaRPr sz="4000" b="1" dirty="0">
+                <a:latin typeface="Gill Sans"/>
+                <a:ea typeface="Gill Sans"/>
+                <a:cs typeface="Gill Sans"/>
+                <a:sym typeface="Gill Sans"/>
+              </a:endParaRPr>
+            </a:p>
+          </p:txBody>
+        </p:sp>
       </p:grpSp>
       <p:grpSp>
         <p:nvGrpSpPr>
-          <p:cNvPr id="27" name="Group 26">
+          <p:cNvPr id="100" name="Group 99">
             <a:extLst>
               <a:ext uri="{FF2B5EF4-FFF2-40B4-BE49-F238E27FC236}">
-                <a16:creationId xmlns:a16="http://schemas.microsoft.com/office/drawing/2014/main" id="{F2147185-075D-21CD-6804-D815B797AF7C}"/>
+                <a16:creationId xmlns:a16="http://schemas.microsoft.com/office/drawing/2014/main" id="{0B67DAF7-9142-2DBF-2A13-E8F40578A7F6}"/>
               </a:ext>
             </a:extLst>
           </p:cNvPr>
@@ -10553,18 +12597,18 @@
         </p:nvGrpSpPr>
         <p:grpSpPr>
           <a:xfrm>
-            <a:off x="6047228" y="-3772234"/>
-            <a:ext cx="5558166" cy="28930047"/>
-            <a:chOff x="6086031" y="-3501620"/>
-            <a:chExt cx="5558166" cy="28930047"/>
+            <a:off x="6090644" y="-10088727"/>
+            <a:ext cx="5757862" cy="41208228"/>
+            <a:chOff x="5870975" y="2553782"/>
+            <a:chExt cx="5757862" cy="41208228"/>
           </a:xfrm>
         </p:grpSpPr>
         <p:pic>
           <p:nvPicPr>
-            <p:cNvPr id="13" name="Picture 12">
+            <p:cNvPr id="10" name="Picture 9">
               <a:extLst>
                 <a:ext uri="{FF2B5EF4-FFF2-40B4-BE49-F238E27FC236}">
-                  <a16:creationId xmlns:a16="http://schemas.microsoft.com/office/drawing/2014/main" id="{1A4543CD-D5B4-B7E1-90BA-F2D15E8B9905}"/>
+                  <a16:creationId xmlns:a16="http://schemas.microsoft.com/office/drawing/2014/main" id="{D212A4B1-8282-15D3-C6AC-867AEEE0FA33}"/>
                 </a:ext>
               </a:extLst>
             </p:cNvPr>
@@ -10581,15 +12625,15 @@
           </p:blipFill>
           <p:spPr>
             <a:xfrm>
-              <a:off x="6096000" y="15522525"/>
-              <a:ext cx="4919158" cy="3581400"/>
+              <a:off x="5951937" y="8839413"/>
+              <a:ext cx="4505325" cy="3152775"/>
             </a:xfrm>
             <a:prstGeom prst="rect">
               <a:avLst/>
             </a:prstGeom>
-            <a:ln w="25400">
+            <a:ln w="38100">
               <a:solidFill>
-                <a:schemeClr val="accent3">
+                <a:schemeClr val="accent6">
                   <a:lumMod val="75000"/>
                 </a:schemeClr>
               </a:solidFill>
@@ -10598,10 +12642,10 @@
         </p:pic>
         <p:pic>
           <p:nvPicPr>
-            <p:cNvPr id="15" name="Picture 14">
+            <p:cNvPr id="14" name="Picture 13">
               <a:extLst>
                 <a:ext uri="{FF2B5EF4-FFF2-40B4-BE49-F238E27FC236}">
-                  <a16:creationId xmlns:a16="http://schemas.microsoft.com/office/drawing/2014/main" id="{21FBE637-01C3-9879-2630-900D491943F2}"/>
+                  <a16:creationId xmlns:a16="http://schemas.microsoft.com/office/drawing/2014/main" id="{6F378B71-8CA6-4222-4BC8-EAAD59AA3C29}"/>
                 </a:ext>
               </a:extLst>
             </p:cNvPr>
@@ -10618,15 +12662,15 @@
           </p:blipFill>
           <p:spPr>
             <a:xfrm>
-              <a:off x="6096000" y="22161352"/>
-              <a:ext cx="4371975" cy="3267075"/>
+              <a:off x="5937650" y="21358312"/>
+              <a:ext cx="4438650" cy="3200400"/>
             </a:xfrm>
             <a:prstGeom prst="rect">
               <a:avLst/>
             </a:prstGeom>
-            <a:ln w="25400">
+            <a:ln w="38100">
               <a:solidFill>
-                <a:schemeClr val="accent3">
+                <a:schemeClr val="accent6">
                   <a:lumMod val="75000"/>
                 </a:schemeClr>
               </a:solidFill>
@@ -10635,10 +12679,10 @@
         </p:pic>
         <p:pic>
           <p:nvPicPr>
-            <p:cNvPr id="17" name="Picture 16">
+            <p:cNvPr id="18" name="Picture 17">
               <a:extLst>
                 <a:ext uri="{FF2B5EF4-FFF2-40B4-BE49-F238E27FC236}">
-                  <a16:creationId xmlns:a16="http://schemas.microsoft.com/office/drawing/2014/main" id="{CDE2BC67-5425-7DF1-A815-E9681F750A50}"/>
+                  <a16:creationId xmlns:a16="http://schemas.microsoft.com/office/drawing/2014/main" id="{22B2BB36-FD2F-EE2E-CA0B-9D79DC418169}"/>
                 </a:ext>
               </a:extLst>
             </p:cNvPr>
@@ -10655,15 +12699,15 @@
           </p:blipFill>
           <p:spPr>
             <a:xfrm>
-              <a:off x="6090644" y="9466473"/>
-              <a:ext cx="4305300" cy="3162300"/>
+              <a:off x="5951937" y="16329427"/>
+              <a:ext cx="5676900" cy="495300"/>
             </a:xfrm>
             <a:prstGeom prst="rect">
               <a:avLst/>
             </a:prstGeom>
-            <a:ln w="25400">
+            <a:ln w="38100">
               <a:solidFill>
-                <a:schemeClr val="accent3">
+                <a:schemeClr val="accent6">
                   <a:lumMod val="75000"/>
                 </a:schemeClr>
               </a:solidFill>
@@ -10672,10 +12716,10 @@
         </p:pic>
         <p:pic>
           <p:nvPicPr>
-            <p:cNvPr id="19" name="Picture 18">
+            <p:cNvPr id="22" name="Picture 21">
               <a:extLst>
                 <a:ext uri="{FF2B5EF4-FFF2-40B4-BE49-F238E27FC236}">
-                  <a16:creationId xmlns:a16="http://schemas.microsoft.com/office/drawing/2014/main" id="{8DC9C4C1-B5BF-C56B-F038-9D06B684BDC1}"/>
+                  <a16:creationId xmlns:a16="http://schemas.microsoft.com/office/drawing/2014/main" id="{5EE30E18-A0EC-2519-0730-B0A8120A4973}"/>
                 </a:ext>
               </a:extLst>
             </p:cNvPr>
@@ -10692,15 +12736,15 @@
           </p:blipFill>
           <p:spPr>
             <a:xfrm>
-              <a:off x="6086031" y="3655352"/>
-              <a:ext cx="5438775" cy="447675"/>
+              <a:off x="5937650" y="17275504"/>
+              <a:ext cx="5600700" cy="504825"/>
             </a:xfrm>
             <a:prstGeom prst="rect">
               <a:avLst/>
             </a:prstGeom>
-            <a:ln w="25400">
+            <a:ln w="38100">
               <a:solidFill>
-                <a:schemeClr val="accent3">
+                <a:schemeClr val="accent6">
                   <a:lumMod val="75000"/>
                 </a:schemeClr>
               </a:solidFill>
@@ -10709,10 +12753,10 @@
         </p:pic>
         <p:pic>
           <p:nvPicPr>
-            <p:cNvPr id="21" name="Picture 20">
+            <p:cNvPr id="25" name="Picture 24">
               <a:extLst>
                 <a:ext uri="{FF2B5EF4-FFF2-40B4-BE49-F238E27FC236}">
-                  <a16:creationId xmlns:a16="http://schemas.microsoft.com/office/drawing/2014/main" id="{42409790-B537-45B9-8D7A-F1DF9054689E}"/>
+                  <a16:creationId xmlns:a16="http://schemas.microsoft.com/office/drawing/2014/main" id="{2327405B-5570-3A9C-A515-3F53AFD67A6D}"/>
                 </a:ext>
               </a:extLst>
             </p:cNvPr>
@@ -10729,15 +12773,15 @@
           </p:blipFill>
           <p:spPr>
             <a:xfrm>
-              <a:off x="6129222" y="4790107"/>
-              <a:ext cx="5514975" cy="504825"/>
+              <a:off x="5870975" y="28136695"/>
+              <a:ext cx="4467225" cy="3190875"/>
             </a:xfrm>
             <a:prstGeom prst="rect">
               <a:avLst/>
             </a:prstGeom>
-            <a:ln w="25400">
+            <a:ln w="38100">
               <a:solidFill>
-                <a:schemeClr val="accent3">
+                <a:schemeClr val="accent6">
                   <a:lumMod val="75000"/>
                 </a:schemeClr>
               </a:solidFill>
@@ -10746,10 +12790,10 @@
         </p:pic>
         <p:pic>
           <p:nvPicPr>
-            <p:cNvPr id="23" name="Picture 22">
+            <p:cNvPr id="31" name="Picture 30">
               <a:extLst>
                 <a:ext uri="{FF2B5EF4-FFF2-40B4-BE49-F238E27FC236}">
-                  <a16:creationId xmlns:a16="http://schemas.microsoft.com/office/drawing/2014/main" id="{1319B4D1-936C-C561-E688-2EACA7C269B0}"/>
+                  <a16:creationId xmlns:a16="http://schemas.microsoft.com/office/drawing/2014/main" id="{CC4B41D3-17B4-188A-B28D-D7350E5C347B}"/>
                 </a:ext>
               </a:extLst>
             </p:cNvPr>
@@ -10766,15 +12810,89 @@
           </p:blipFill>
           <p:spPr>
             <a:xfrm>
-              <a:off x="6086031" y="-3501620"/>
-              <a:ext cx="4267200" cy="3171825"/>
+              <a:off x="5937650" y="40609235"/>
+              <a:ext cx="4400550" cy="3152775"/>
             </a:xfrm>
             <a:prstGeom prst="rect">
               <a:avLst/>
             </a:prstGeom>
-            <a:ln w="25400">
+            <a:ln w="38100">
               <a:solidFill>
-                <a:schemeClr val="accent3">
+                <a:schemeClr val="accent6">
+                  <a:lumMod val="75000"/>
+                </a:schemeClr>
+              </a:solidFill>
+            </a:ln>
+          </p:spPr>
+        </p:pic>
+        <p:pic>
+          <p:nvPicPr>
+            <p:cNvPr id="97" name="Picture 96">
+              <a:extLst>
+                <a:ext uri="{FF2B5EF4-FFF2-40B4-BE49-F238E27FC236}">
+                  <a16:creationId xmlns:a16="http://schemas.microsoft.com/office/drawing/2014/main" id="{759573BD-DB52-B3EB-01B3-70068F088F75}"/>
+                </a:ext>
+              </a:extLst>
+            </p:cNvPr>
+            <p:cNvPicPr>
+              <a:picLocks noChangeAspect="1"/>
+            </p:cNvPicPr>
+            <p:nvPr/>
+          </p:nvPicPr>
+          <p:blipFill>
+            <a:blip r:embed="rId9"/>
+            <a:stretch>
+              <a:fillRect/>
+            </a:stretch>
+          </p:blipFill>
+          <p:spPr>
+            <a:xfrm>
+              <a:off x="5937650" y="34440508"/>
+              <a:ext cx="4352925" cy="3133725"/>
+            </a:xfrm>
+            <a:prstGeom prst="rect">
+              <a:avLst/>
+            </a:prstGeom>
+            <a:ln w="38100">
+              <a:solidFill>
+                <a:schemeClr val="accent6">
+                  <a:lumMod val="75000"/>
+                </a:schemeClr>
+              </a:solidFill>
+            </a:ln>
+          </p:spPr>
+        </p:pic>
+        <p:pic>
+          <p:nvPicPr>
+            <p:cNvPr id="99" name="Picture 98">
+              <a:extLst>
+                <a:ext uri="{FF2B5EF4-FFF2-40B4-BE49-F238E27FC236}">
+                  <a16:creationId xmlns:a16="http://schemas.microsoft.com/office/drawing/2014/main" id="{8B6881D3-6E72-6BD5-52E6-32B773633E6C}"/>
+                </a:ext>
+              </a:extLst>
+            </p:cNvPr>
+            <p:cNvPicPr>
+              <a:picLocks noChangeAspect="1"/>
+            </p:cNvPicPr>
+            <p:nvPr/>
+          </p:nvPicPr>
+          <p:blipFill>
+            <a:blip r:embed="rId10"/>
+            <a:stretch>
+              <a:fillRect/>
+            </a:stretch>
+          </p:blipFill>
+          <p:spPr>
+            <a:xfrm>
+              <a:off x="5870975" y="2553782"/>
+              <a:ext cx="4391025" cy="3152775"/>
+            </a:xfrm>
+            <a:prstGeom prst="rect">
+              <a:avLst/>
+            </a:prstGeom>
+            <a:ln w="38100">
+              <a:solidFill>
+                <a:schemeClr val="accent6">
                   <a:lumMod val="75000"/>
                 </a:schemeClr>
               </a:solidFill>
@@ -10785,20 +12903,20 @@
     </p:spTree>
     <p:extLst>
       <p:ext uri="{BB962C8B-B14F-4D97-AF65-F5344CB8AC3E}">
-        <p14:creationId xmlns:p14="http://schemas.microsoft.com/office/powerpoint/2010/main" val="4279223579"/>
+        <p14:creationId xmlns:p14="http://schemas.microsoft.com/office/powerpoint/2010/main" val="2337497692"/>
       </p:ext>
     </p:extLst>
   </p:cSld>
   <p:clrMapOvr>
     <a:masterClrMapping/>
   </p:clrMapOvr>
-  <mc:AlternateContent xmlns:mc="http://schemas.openxmlformats.org/markup-compatibility/2006">
-    <mc:Choice xmlns:p159="http://schemas.microsoft.com/office/powerpoint/2015/09/main" Requires="p159">
+  <mc:AlternateContent xmlns:mc="http://schemas.openxmlformats.org/markup-compatibility/2006" xmlns:p159="http://schemas.microsoft.com/office/powerpoint/2015/09/main">
+    <mc:Choice Requires="p159">
       <p:transition xmlns:p14="http://schemas.microsoft.com/office/powerpoint/2010/main" spd="slow" p14:dur="2000">
         <p159:morph option="byObject"/>
       </p:transition>
     </mc:Choice>
-    <mc:Fallback>
+    <mc:Fallback xmlns="">
       <p:transition spd="slow">
         <p:fade/>
       </p:transition>
@@ -10877,10 +12995,10 @@
       </p:sp>
       <p:grpSp>
         <p:nvGrpSpPr>
-          <p:cNvPr id="26" name="Group 25">
+          <p:cNvPr id="101" name="Group 100">
             <a:extLst>
               <a:ext uri="{FF2B5EF4-FFF2-40B4-BE49-F238E27FC236}">
-                <a16:creationId xmlns:a16="http://schemas.microsoft.com/office/drawing/2014/main" id="{5EE8B9DE-F188-35FD-2F88-ADDF64AD9006}"/>
+                <a16:creationId xmlns:a16="http://schemas.microsoft.com/office/drawing/2014/main" id="{3BC66274-B6CC-E06A-6B61-AF37B4CAD6D2}"/>
               </a:ext>
             </a:extLst>
           </p:cNvPr>
@@ -10889,10 +13007,10 @@
         </p:nvGrpSpPr>
         <p:grpSpPr>
           <a:xfrm>
-            <a:off x="705773" y="-22354434"/>
-            <a:ext cx="4753079" cy="27126339"/>
-            <a:chOff x="575888" y="-2623578"/>
-            <a:chExt cx="4753079" cy="27126339"/>
+            <a:off x="575889" y="-28221059"/>
+            <a:ext cx="4753084" cy="39464494"/>
+            <a:chOff x="575889" y="3429000"/>
+            <a:chExt cx="4753084" cy="39464494"/>
           </a:xfrm>
         </p:grpSpPr>
         <p:sp>
@@ -10903,7 +13021,7 @@
           </p:nvSpPr>
           <p:spPr>
             <a:xfrm>
-              <a:off x="575888" y="3655352"/>
+              <a:off x="575894" y="9707930"/>
               <a:ext cx="4753079" cy="1415742"/>
             </a:xfrm>
             <a:prstGeom prst="rect">
@@ -10936,7 +13054,7 @@
                   <a:cs typeface="Gill Sans"/>
                   <a:sym typeface="Gill Sans"/>
                 </a:rPr>
-                <a:t>Regression Module</a:t>
+                <a:t>Regression Model</a:t>
               </a:r>
             </a:p>
             <a:p>
@@ -10975,7 +13093,7 @@
           </p:nvSpPr>
           <p:spPr>
             <a:xfrm>
-              <a:off x="575889" y="10339752"/>
+              <a:off x="575895" y="16392330"/>
               <a:ext cx="4114689" cy="1415742"/>
             </a:xfrm>
             <a:prstGeom prst="rect">
@@ -11008,7 +13126,7 @@
                   <a:cs typeface="Gill Sans"/>
                   <a:sym typeface="Gill Sans"/>
                 </a:rPr>
-                <a:t>Decision Tree Module</a:t>
+                <a:t>Decision Tree Model</a:t>
               </a:r>
             </a:p>
           </p:txBody>
@@ -11027,7 +13145,7 @@
           </p:nvSpPr>
           <p:spPr>
             <a:xfrm>
-              <a:off x="575888" y="16605354"/>
+              <a:off x="575892" y="28935041"/>
               <a:ext cx="4114689" cy="1415742"/>
             </a:xfrm>
             <a:prstGeom prst="rect">
@@ -11060,7 +13178,7 @@
                   <a:cs typeface="Gill Sans"/>
                   <a:sym typeface="Gill Sans"/>
                 </a:rPr>
-                <a:t>Predictions Module</a:t>
+                <a:t>Neural Network Model</a:t>
               </a:r>
             </a:p>
           </p:txBody>
@@ -11079,7 +13197,7 @@
           </p:nvSpPr>
           <p:spPr>
             <a:xfrm>
-              <a:off x="575888" y="23087019"/>
+              <a:off x="575890" y="35213971"/>
               <a:ext cx="4114689" cy="1415742"/>
             </a:xfrm>
             <a:prstGeom prst="rect">
@@ -11112,7 +13230,7 @@
                   <a:cs typeface="Gill Sans"/>
                   <a:sym typeface="Gill Sans"/>
                 </a:rPr>
-                <a:t>Random Forest Module</a:t>
+                <a:t>Random Forest Model</a:t>
               </a:r>
               <a:endParaRPr sz="4000" b="1" dirty="0">
                 <a:latin typeface="Gill Sans"/>
@@ -11137,7 +13255,7 @@
           </p:nvSpPr>
           <p:spPr>
             <a:xfrm>
-              <a:off x="575888" y="-2623578"/>
+              <a:off x="575894" y="3429000"/>
               <a:ext cx="4753079" cy="1415742"/>
             </a:xfrm>
             <a:prstGeom prst="rect">
@@ -11170,7 +13288,7 @@
                   <a:cs typeface="Gill Sans"/>
                   <a:sym typeface="Gill Sans"/>
                 </a:rPr>
-                <a:t>Regression Module</a:t>
+                <a:t>Regression Model</a:t>
               </a:r>
             </a:p>
             <a:p>
@@ -11195,13 +13313,123 @@
             </a:p>
           </p:txBody>
         </p:sp>
+        <p:sp>
+          <p:nvSpPr>
+            <p:cNvPr id="2" name="Google Shape;110;g24f2da4f33f_0_0">
+              <a:extLst>
+                <a:ext uri="{FF2B5EF4-FFF2-40B4-BE49-F238E27FC236}">
+                  <a16:creationId xmlns:a16="http://schemas.microsoft.com/office/drawing/2014/main" id="{2014FF7A-53BD-460A-CE08-AF241996C372}"/>
+                </a:ext>
+              </a:extLst>
+            </p:cNvPr>
+            <p:cNvSpPr txBox="1"/>
+            <p:nvPr/>
+          </p:nvSpPr>
+          <p:spPr>
+            <a:xfrm>
+              <a:off x="575891" y="22250641"/>
+              <a:ext cx="4114689" cy="1415742"/>
+            </a:xfrm>
+            <a:prstGeom prst="rect">
+              <a:avLst/>
+            </a:prstGeom>
+            <a:noFill/>
+            <a:ln>
+              <a:noFill/>
+            </a:ln>
+          </p:spPr>
+          <p:txBody>
+            <a:bodyPr spcFirstLastPara="1" wrap="square" lIns="91425" tIns="91425" rIns="91425" bIns="91425" anchor="t" anchorCtr="0">
+              <a:spAutoFit/>
+            </a:bodyPr>
+            <a:lstStyle/>
+            <a:p>
+              <a:pPr marL="0" lvl="0" indent="0" algn="l" rtl="0">
+                <a:spcBef>
+                  <a:spcPts val="0"/>
+                </a:spcBef>
+                <a:spcAft>
+                  <a:spcPts val="0"/>
+                </a:spcAft>
+                <a:buNone/>
+              </a:pPr>
+              <a:r>
+                <a:rPr lang="en-US" sz="4000" b="1" dirty="0">
+                  <a:latin typeface="Gill Sans"/>
+                  <a:ea typeface="Gill Sans"/>
+                  <a:cs typeface="Gill Sans"/>
+                  <a:sym typeface="Gill Sans"/>
+                </a:rPr>
+                <a:t>Decision Tree Oversample</a:t>
+              </a:r>
+            </a:p>
+          </p:txBody>
+        </p:sp>
+        <p:sp>
+          <p:nvSpPr>
+            <p:cNvPr id="6" name="Google Shape;110;g24f2da4f33f_0_0">
+              <a:extLst>
+                <a:ext uri="{FF2B5EF4-FFF2-40B4-BE49-F238E27FC236}">
+                  <a16:creationId xmlns:a16="http://schemas.microsoft.com/office/drawing/2014/main" id="{56E47BA0-6CF1-69C8-A878-2D6039CD08A2}"/>
+                </a:ext>
+              </a:extLst>
+            </p:cNvPr>
+            <p:cNvSpPr txBox="1"/>
+            <p:nvPr/>
+          </p:nvSpPr>
+          <p:spPr>
+            <a:xfrm>
+              <a:off x="575889" y="41477752"/>
+              <a:ext cx="4114689" cy="1415742"/>
+            </a:xfrm>
+            <a:prstGeom prst="rect">
+              <a:avLst/>
+            </a:prstGeom>
+            <a:noFill/>
+            <a:ln>
+              <a:noFill/>
+            </a:ln>
+          </p:spPr>
+          <p:txBody>
+            <a:bodyPr spcFirstLastPara="1" wrap="square" lIns="91425" tIns="91425" rIns="91425" bIns="91425" anchor="t" anchorCtr="0">
+              <a:spAutoFit/>
+            </a:bodyPr>
+            <a:lstStyle/>
+            <a:p>
+              <a:pPr marL="0" lvl="0" indent="0" algn="l" rtl="0">
+                <a:spcBef>
+                  <a:spcPts val="0"/>
+                </a:spcBef>
+                <a:spcAft>
+                  <a:spcPts val="0"/>
+                </a:spcAft>
+                <a:buNone/>
+              </a:pPr>
+              <a:r>
+                <a:rPr lang="en-US" sz="4000" b="1" dirty="0">
+                  <a:latin typeface="Gill Sans"/>
+                  <a:ea typeface="Gill Sans"/>
+                  <a:cs typeface="Gill Sans"/>
+                  <a:sym typeface="Gill Sans"/>
+                </a:rPr>
+                <a:t>Random Forest Oversample</a:t>
+              </a:r>
+              <a:endParaRPr sz="4000" b="1" dirty="0">
+                <a:latin typeface="Gill Sans"/>
+                <a:ea typeface="Gill Sans"/>
+                <a:cs typeface="Gill Sans"/>
+                <a:sym typeface="Gill Sans"/>
+              </a:endParaRPr>
+            </a:p>
+          </p:txBody>
+        </p:sp>
       </p:grpSp>
       <p:grpSp>
         <p:nvGrpSpPr>
-          <p:cNvPr id="27" name="Group 26">
+          <p:cNvPr id="100" name="Group 99">
             <a:extLst>
               <a:ext uri="{FF2B5EF4-FFF2-40B4-BE49-F238E27FC236}">
-                <a16:creationId xmlns:a16="http://schemas.microsoft.com/office/drawing/2014/main" id="{F2147185-075D-21CD-6804-D815B797AF7C}"/>
+                <a16:creationId xmlns:a16="http://schemas.microsoft.com/office/drawing/2014/main" id="{0B67DAF7-9142-2DBF-2A13-E8F40578A7F6}"/>
               </a:ext>
             </a:extLst>
           </p:cNvPr>
@@ -11210,18 +13438,18 @@
         </p:nvGrpSpPr>
         <p:grpSpPr>
           <a:xfrm>
-            <a:off x="6047228" y="2642254"/>
-            <a:ext cx="5558166" cy="28930047"/>
-            <a:chOff x="6086031" y="-3501620"/>
-            <a:chExt cx="5558166" cy="28930047"/>
+            <a:off x="6090644" y="-3215976"/>
+            <a:ext cx="5757862" cy="41208228"/>
+            <a:chOff x="5870975" y="2553782"/>
+            <a:chExt cx="5757862" cy="41208228"/>
           </a:xfrm>
         </p:grpSpPr>
         <p:pic>
           <p:nvPicPr>
-            <p:cNvPr id="13" name="Picture 12">
+            <p:cNvPr id="10" name="Picture 9">
               <a:extLst>
                 <a:ext uri="{FF2B5EF4-FFF2-40B4-BE49-F238E27FC236}">
-                  <a16:creationId xmlns:a16="http://schemas.microsoft.com/office/drawing/2014/main" id="{1A4543CD-D5B4-B7E1-90BA-F2D15E8B9905}"/>
+                  <a16:creationId xmlns:a16="http://schemas.microsoft.com/office/drawing/2014/main" id="{D212A4B1-8282-15D3-C6AC-867AEEE0FA33}"/>
                 </a:ext>
               </a:extLst>
             </p:cNvPr>
@@ -11238,15 +13466,15 @@
           </p:blipFill>
           <p:spPr>
             <a:xfrm>
-              <a:off x="6096000" y="15522525"/>
-              <a:ext cx="4919158" cy="3581400"/>
+              <a:off x="5951937" y="8839413"/>
+              <a:ext cx="4505325" cy="3152775"/>
             </a:xfrm>
             <a:prstGeom prst="rect">
               <a:avLst/>
             </a:prstGeom>
-            <a:ln w="25400">
+            <a:ln w="38100">
               <a:solidFill>
-                <a:schemeClr val="accent3">
+                <a:schemeClr val="accent6">
                   <a:lumMod val="75000"/>
                 </a:schemeClr>
               </a:solidFill>
@@ -11255,10 +13483,10 @@
         </p:pic>
         <p:pic>
           <p:nvPicPr>
-            <p:cNvPr id="15" name="Picture 14">
+            <p:cNvPr id="14" name="Picture 13">
               <a:extLst>
                 <a:ext uri="{FF2B5EF4-FFF2-40B4-BE49-F238E27FC236}">
-                  <a16:creationId xmlns:a16="http://schemas.microsoft.com/office/drawing/2014/main" id="{21FBE637-01C3-9879-2630-900D491943F2}"/>
+                  <a16:creationId xmlns:a16="http://schemas.microsoft.com/office/drawing/2014/main" id="{6F378B71-8CA6-4222-4BC8-EAAD59AA3C29}"/>
                 </a:ext>
               </a:extLst>
             </p:cNvPr>
@@ -11275,15 +13503,15 @@
           </p:blipFill>
           <p:spPr>
             <a:xfrm>
-              <a:off x="6096000" y="22161352"/>
-              <a:ext cx="4371975" cy="3267075"/>
+              <a:off x="5937650" y="21358312"/>
+              <a:ext cx="4438650" cy="3200400"/>
             </a:xfrm>
             <a:prstGeom prst="rect">
               <a:avLst/>
             </a:prstGeom>
-            <a:ln w="25400">
+            <a:ln w="38100">
               <a:solidFill>
-                <a:schemeClr val="accent3">
+                <a:schemeClr val="accent6">
                   <a:lumMod val="75000"/>
                 </a:schemeClr>
               </a:solidFill>
@@ -11292,10 +13520,10 @@
         </p:pic>
         <p:pic>
           <p:nvPicPr>
-            <p:cNvPr id="17" name="Picture 16">
+            <p:cNvPr id="18" name="Picture 17">
               <a:extLst>
                 <a:ext uri="{FF2B5EF4-FFF2-40B4-BE49-F238E27FC236}">
-                  <a16:creationId xmlns:a16="http://schemas.microsoft.com/office/drawing/2014/main" id="{CDE2BC67-5425-7DF1-A815-E9681F750A50}"/>
+                  <a16:creationId xmlns:a16="http://schemas.microsoft.com/office/drawing/2014/main" id="{22B2BB36-FD2F-EE2E-CA0B-9D79DC418169}"/>
                 </a:ext>
               </a:extLst>
             </p:cNvPr>
@@ -11312,15 +13540,15 @@
           </p:blipFill>
           <p:spPr>
             <a:xfrm>
-              <a:off x="6090644" y="9466473"/>
-              <a:ext cx="4305300" cy="3162300"/>
+              <a:off x="5951937" y="16329427"/>
+              <a:ext cx="5676900" cy="495300"/>
             </a:xfrm>
             <a:prstGeom prst="rect">
               <a:avLst/>
             </a:prstGeom>
-            <a:ln w="25400">
+            <a:ln w="38100">
               <a:solidFill>
-                <a:schemeClr val="accent3">
+                <a:schemeClr val="accent6">
                   <a:lumMod val="75000"/>
                 </a:schemeClr>
               </a:solidFill>
@@ -11329,10 +13557,10 @@
         </p:pic>
         <p:pic>
           <p:nvPicPr>
-            <p:cNvPr id="19" name="Picture 18">
+            <p:cNvPr id="22" name="Picture 21">
               <a:extLst>
                 <a:ext uri="{FF2B5EF4-FFF2-40B4-BE49-F238E27FC236}">
-                  <a16:creationId xmlns:a16="http://schemas.microsoft.com/office/drawing/2014/main" id="{8DC9C4C1-B5BF-C56B-F038-9D06B684BDC1}"/>
+                  <a16:creationId xmlns:a16="http://schemas.microsoft.com/office/drawing/2014/main" id="{5EE30E18-A0EC-2519-0730-B0A8120A4973}"/>
                 </a:ext>
               </a:extLst>
             </p:cNvPr>
@@ -11349,15 +13577,15 @@
           </p:blipFill>
           <p:spPr>
             <a:xfrm>
-              <a:off x="6086031" y="3655352"/>
-              <a:ext cx="5438775" cy="447675"/>
+              <a:off x="5937650" y="17275504"/>
+              <a:ext cx="5600700" cy="504825"/>
             </a:xfrm>
             <a:prstGeom prst="rect">
               <a:avLst/>
             </a:prstGeom>
-            <a:ln w="25400">
+            <a:ln w="38100">
               <a:solidFill>
-                <a:schemeClr val="accent3">
+                <a:schemeClr val="accent6">
                   <a:lumMod val="75000"/>
                 </a:schemeClr>
               </a:solidFill>
@@ -11366,10 +13594,10 @@
         </p:pic>
         <p:pic>
           <p:nvPicPr>
-            <p:cNvPr id="21" name="Picture 20">
+            <p:cNvPr id="25" name="Picture 24">
               <a:extLst>
                 <a:ext uri="{FF2B5EF4-FFF2-40B4-BE49-F238E27FC236}">
-                  <a16:creationId xmlns:a16="http://schemas.microsoft.com/office/drawing/2014/main" id="{42409790-B537-45B9-8D7A-F1DF9054689E}"/>
+                  <a16:creationId xmlns:a16="http://schemas.microsoft.com/office/drawing/2014/main" id="{2327405B-5570-3A9C-A515-3F53AFD67A6D}"/>
                 </a:ext>
               </a:extLst>
             </p:cNvPr>
@@ -11386,15 +13614,15 @@
           </p:blipFill>
           <p:spPr>
             <a:xfrm>
-              <a:off x="6129222" y="4790107"/>
-              <a:ext cx="5514975" cy="504825"/>
+              <a:off x="5870975" y="28136695"/>
+              <a:ext cx="4467225" cy="3190875"/>
             </a:xfrm>
             <a:prstGeom prst="rect">
               <a:avLst/>
             </a:prstGeom>
-            <a:ln w="25400">
+            <a:ln w="38100">
               <a:solidFill>
-                <a:schemeClr val="accent3">
+                <a:schemeClr val="accent6">
                   <a:lumMod val="75000"/>
                 </a:schemeClr>
               </a:solidFill>
@@ -11403,10 +13631,10 @@
         </p:pic>
         <p:pic>
           <p:nvPicPr>
-            <p:cNvPr id="23" name="Picture 22">
+            <p:cNvPr id="31" name="Picture 30">
               <a:extLst>
                 <a:ext uri="{FF2B5EF4-FFF2-40B4-BE49-F238E27FC236}">
-                  <a16:creationId xmlns:a16="http://schemas.microsoft.com/office/drawing/2014/main" id="{1319B4D1-936C-C561-E688-2EACA7C269B0}"/>
+                  <a16:creationId xmlns:a16="http://schemas.microsoft.com/office/drawing/2014/main" id="{CC4B41D3-17B4-188A-B28D-D7350E5C347B}"/>
                 </a:ext>
               </a:extLst>
             </p:cNvPr>
@@ -11423,15 +13651,89 @@
           </p:blipFill>
           <p:spPr>
             <a:xfrm>
-              <a:off x="6086031" y="-3501620"/>
-              <a:ext cx="4267200" cy="3171825"/>
+              <a:off x="5937650" y="40609235"/>
+              <a:ext cx="4400550" cy="3152775"/>
             </a:xfrm>
             <a:prstGeom prst="rect">
               <a:avLst/>
             </a:prstGeom>
-            <a:ln w="25400">
+            <a:ln w="38100">
               <a:solidFill>
-                <a:schemeClr val="accent3">
+                <a:schemeClr val="accent6">
+                  <a:lumMod val="75000"/>
+                </a:schemeClr>
+              </a:solidFill>
+            </a:ln>
+          </p:spPr>
+        </p:pic>
+        <p:pic>
+          <p:nvPicPr>
+            <p:cNvPr id="97" name="Picture 96">
+              <a:extLst>
+                <a:ext uri="{FF2B5EF4-FFF2-40B4-BE49-F238E27FC236}">
+                  <a16:creationId xmlns:a16="http://schemas.microsoft.com/office/drawing/2014/main" id="{759573BD-DB52-B3EB-01B3-70068F088F75}"/>
+                </a:ext>
+              </a:extLst>
+            </p:cNvPr>
+            <p:cNvPicPr>
+              <a:picLocks noChangeAspect="1"/>
+            </p:cNvPicPr>
+            <p:nvPr/>
+          </p:nvPicPr>
+          <p:blipFill>
+            <a:blip r:embed="rId9"/>
+            <a:stretch>
+              <a:fillRect/>
+            </a:stretch>
+          </p:blipFill>
+          <p:spPr>
+            <a:xfrm>
+              <a:off x="5937650" y="34440508"/>
+              <a:ext cx="4352925" cy="3133725"/>
+            </a:xfrm>
+            <a:prstGeom prst="rect">
+              <a:avLst/>
+            </a:prstGeom>
+            <a:ln w="38100">
+              <a:solidFill>
+                <a:schemeClr val="accent6">
+                  <a:lumMod val="75000"/>
+                </a:schemeClr>
+              </a:solidFill>
+            </a:ln>
+          </p:spPr>
+        </p:pic>
+        <p:pic>
+          <p:nvPicPr>
+            <p:cNvPr id="99" name="Picture 98">
+              <a:extLst>
+                <a:ext uri="{FF2B5EF4-FFF2-40B4-BE49-F238E27FC236}">
+                  <a16:creationId xmlns:a16="http://schemas.microsoft.com/office/drawing/2014/main" id="{8B6881D3-6E72-6BD5-52E6-32B773633E6C}"/>
+                </a:ext>
+              </a:extLst>
+            </p:cNvPr>
+            <p:cNvPicPr>
+              <a:picLocks noChangeAspect="1"/>
+            </p:cNvPicPr>
+            <p:nvPr/>
+          </p:nvPicPr>
+          <p:blipFill>
+            <a:blip r:embed="rId10"/>
+            <a:stretch>
+              <a:fillRect/>
+            </a:stretch>
+          </p:blipFill>
+          <p:spPr>
+            <a:xfrm>
+              <a:off x="5870975" y="2553782"/>
+              <a:ext cx="4391025" cy="3152775"/>
+            </a:xfrm>
+            <a:prstGeom prst="rect">
+              <a:avLst/>
+            </a:prstGeom>
+            <a:ln w="38100">
+              <a:solidFill>
+                <a:schemeClr val="accent6">
                   <a:lumMod val="75000"/>
                 </a:schemeClr>
               </a:solidFill>
@@ -11442,20 +13744,20 @@
     </p:spTree>
     <p:extLst>
       <p:ext uri="{BB962C8B-B14F-4D97-AF65-F5344CB8AC3E}">
-        <p14:creationId xmlns:p14="http://schemas.microsoft.com/office/powerpoint/2010/main" val="3999496861"/>
+        <p14:creationId xmlns:p14="http://schemas.microsoft.com/office/powerpoint/2010/main" val="1213608698"/>
       </p:ext>
     </p:extLst>
   </p:cSld>
   <p:clrMapOvr>
     <a:masterClrMapping/>
   </p:clrMapOvr>
-  <mc:AlternateContent xmlns:mc="http://schemas.openxmlformats.org/markup-compatibility/2006">
-    <mc:Choice xmlns:p159="http://schemas.microsoft.com/office/powerpoint/2015/09/main" Requires="p159">
+  <mc:AlternateContent xmlns:mc="http://schemas.openxmlformats.org/markup-compatibility/2006" xmlns:p159="http://schemas.microsoft.com/office/powerpoint/2015/09/main">
+    <mc:Choice Requires="p159">
       <p:transition xmlns:p14="http://schemas.microsoft.com/office/powerpoint/2010/main" spd="slow" p14:dur="2000">
         <p159:morph option="byObject"/>
       </p:transition>
     </mc:Choice>
-    <mc:Fallback>
+    <mc:Fallback xmlns="">
       <p:transition spd="slow">
         <p:fade/>
       </p:transition>
@@ -11467,7 +13769,7 @@
 <file path=ppt/theme/theme1.xml><?xml version="1.0" encoding="utf-8"?>
 <a:theme xmlns:a="http://schemas.openxmlformats.org/drawingml/2006/main" name="Dividend">
   <a:themeElements>
-    <a:clrScheme name="Dividend">
+    <a:clrScheme name="Custom 3">
       <a:dk1>
         <a:sysClr val="windowText" lastClr="000000"/>
       </a:dk1>
@@ -11475,28 +13777,28 @@
         <a:sysClr val="window" lastClr="FFFFFF"/>
       </a:lt1>
       <a:dk2>
-        <a:srgbClr val="3D3D3D"/>
+        <a:srgbClr val="969FA7"/>
       </a:dk2>
       <a:lt2>
         <a:srgbClr val="EBEBEB"/>
       </a:lt2>
       <a:accent1>
-        <a:srgbClr val="4D1434"/>
+        <a:srgbClr val="1A3260"/>
       </a:accent1>
       <a:accent2>
-        <a:srgbClr val="903163"/>
+        <a:srgbClr val="990000"/>
       </a:accent2>
       <a:accent3>
-        <a:srgbClr val="B2324B"/>
+        <a:srgbClr val="F9CFD9"/>
       </a:accent3>
       <a:accent4>
-        <a:srgbClr val="969FA7"/>
+        <a:srgbClr val="EE708E"/>
       </a:accent4>
       <a:accent5>
-        <a:srgbClr val="66B1CE"/>
+        <a:srgbClr val="990000"/>
       </a:accent5>
       <a:accent6>
-        <a:srgbClr val="40619D"/>
+        <a:srgbClr val="DD1948"/>
       </a:accent6>
       <a:hlink>
         <a:srgbClr val="828282"/>
@@ -11505,16 +13807,18 @@
         <a:srgbClr val="A5A5A5"/>
       </a:folHlink>
     </a:clrScheme>
-    <a:fontScheme name="Arial-Times New Roman">
+    <a:fontScheme name="Dividend">
       <a:majorFont>
-        <a:latin typeface="Arial" panose="020B0604020202020204"/>
+        <a:latin typeface="Gill Sans MT" panose="020B0502020104020203"/>
         <a:ea typeface=""/>
         <a:cs typeface=""/>
-        <a:font script="Jpan" typeface="ＭＳ Ｐゴシック"/>
-        <a:font script="Hang" typeface="굴림"/>
-        <a:font script="Hans" typeface="黑体"/>
+        <a:font script="Grek" typeface="Corbel"/>
+        <a:font script="Cyrl" typeface="Corbel"/>
+        <a:font script="Jpan" typeface="HGｺﾞｼｯｸE"/>
+        <a:font script="Hang" typeface="휴먼매직체"/>
+        <a:font script="Hans" typeface="华文中宋"/>
         <a:font script="Hant" typeface="微軟正黑體"/>
-        <a:font script="Arab" typeface="Arial"/>
+        <a:font script="Arab" typeface="Majalla UI"/>
         <a:font script="Hebr" typeface="Arial"/>
         <a:font script="Thai" typeface="Cordia New"/>
         <a:font script="Ethi" typeface="Nyala"/>
@@ -11537,25 +13841,27 @@
         <a:font script="Laoo" typeface="DokChampa"/>
         <a:font script="Sinh" typeface="Iskoola Pota"/>
         <a:font script="Mong" typeface="Mongolian Baiti"/>
-        <a:font script="Viet" typeface="Arial"/>
+        <a:font script="Viet" typeface="Tahoma"/>
         <a:font script="Uigh" typeface="Microsoft Uighur"/>
         <a:font script="Geor" typeface="Sylfaen"/>
       </a:majorFont>
       <a:minorFont>
-        <a:latin typeface="Times New Roman" panose="02020603050405020304"/>
+        <a:latin typeface="Gill Sans MT" panose="020B0502020104020203"/>
         <a:ea typeface=""/>
         <a:cs typeface=""/>
-        <a:font script="Jpan" typeface="ＭＳ Ｐ明朝"/>
-        <a:font script="Hang" typeface="바탕"/>
-        <a:font script="Hans" typeface="宋体"/>
-        <a:font script="Hant" typeface="新細明體"/>
-        <a:font script="Arab" typeface="Times New Roman"/>
-        <a:font script="Hebr" typeface="Times New Roman"/>
-        <a:font script="Thai" typeface="Angsana New"/>
+        <a:font script="Grek" typeface="Corbel"/>
+        <a:font script="Cyrl" typeface="Corbel"/>
+        <a:font script="Jpan" typeface="HGｺﾞｼｯｸE"/>
+        <a:font script="Hang" typeface="휴먼매직체"/>
+        <a:font script="Hans" typeface="华文中宋"/>
+        <a:font script="Hant" typeface="微軟正黑體"/>
+        <a:font script="Arab" typeface="Majalla UI"/>
+        <a:font script="Hebr" typeface="Arial"/>
+        <a:font script="Thai" typeface="Cordia New"/>
         <a:font script="Ethi" typeface="Nyala"/>
         <a:font script="Beng" typeface="Vrinda"/>
         <a:font script="Gujr" typeface="Shruti"/>
-        <a:font script="Khmr" typeface="MoolBoran"/>
+        <a:font script="Khmr" typeface="DaunPenh"/>
         <a:font script="Knda" typeface="Tunga"/>
         <a:font script="Guru" typeface="Raavi"/>
         <a:font script="Cans" typeface="Euphemia"/>
@@ -11572,7 +13878,7 @@
         <a:font script="Laoo" typeface="DokChampa"/>
         <a:font script="Sinh" typeface="Iskoola Pota"/>
         <a:font script="Mong" typeface="Mongolian Baiti"/>
-        <a:font script="Viet" typeface="Times New Roman"/>
+        <a:font script="Viet" typeface="Tahoma"/>
         <a:font script="Uigh" typeface="Microsoft Uighur"/>
         <a:font script="Geor" typeface="Sylfaen"/>
       </a:minorFont>
@@ -11723,7 +14029,7 @@
   <a:extraClrSchemeLst/>
   <a:extLst>
     <a:ext uri="{05A4C25C-085E-4340-85A3-A5531E510DB2}">
-      <thm15:themeFamily xmlns:thm15="http://schemas.microsoft.com/office/thememl/2012/main" name="Dividend" id="{9697A71B-4AB7-4A1A-BD5B-BB2D22835B57}" vid="{C21699FF-00E4-43C8-BBCC-D7E5536C3717}"/>
+      <thm15:themeFamily xmlns:thm15="http://schemas.microsoft.com/office/thememl/2012/main" name="Dividend" id="{9697A71B-4AB7-4A1A-BD5B-BB2D22835B57}" vid="{66F1C100-1D2B-4BEA-AD01-C4F230B3B965}"/>
     </a:ext>
   </a:extLst>
 </a:theme>

--- a/Brain_Stroke_PP.pptx
+++ b/Brain_Stroke_PP.pptx
@@ -18,7 +18,7 @@
     <p:sldId id="278" r:id="rId9"/>
     <p:sldId id="279" r:id="rId10"/>
     <p:sldId id="280" r:id="rId11"/>
-    <p:sldId id="274" r:id="rId12"/>
+    <p:sldId id="281" r:id="rId12"/>
     <p:sldId id="273" r:id="rId13"/>
     <p:sldId id="263" r:id="rId14"/>
     <p:sldId id="259" r:id="rId15"/>
@@ -144,7 +144,7 @@
       <p15:sldGuideLst xmlns:p15="http://schemas.microsoft.com/office/powerpoint/2012/main"/>
     </p:ext>
     <p:ext uri="GoogleSlidesCustomDataVersion2">
-      <go:slidesCustomData xmlns:go="http://customooxmlschemas.google.com/" xmlns:ahyp="http://schemas.microsoft.com/office/drawing/2018/hyperlinkcolor" xmlns:p15="http://schemas.microsoft.com/office/powerpoint/2012/main" xmlns:p14="http://schemas.microsoft.com/office/powerpoint/2010/main" xmlns:com="http://schemas.openxmlformats.org/drawingml/2006/compatibility" xmlns:pvml="urn:schemas-microsoft-com:office:powerpoint" xmlns:v="urn:schemas-microsoft-com:vml" xmlns:o="urn:schemas-microsoft-com:office:office" xmlns:dgm="http://schemas.openxmlformats.org/drawingml/2006/diagram" xmlns:c="http://schemas.openxmlformats.org/drawingml/2006/chart" xmlns:mv="urn:schemas-microsoft-com:mac:vml" xmlns:mc="http://schemas.openxmlformats.org/markup-compatibility/2006" xmlns="" r:id="rId25" roundtripDataSignature="AMtx7mjbGxrVGqeYPl04eDJZvsznUofUZg=="/>
+      <go:slidesCustomData xmlns="" xmlns:mc="http://schemas.openxmlformats.org/markup-compatibility/2006" xmlns:mv="urn:schemas-microsoft-com:mac:vml" xmlns:c="http://schemas.openxmlformats.org/drawingml/2006/chart" xmlns:dgm="http://schemas.openxmlformats.org/drawingml/2006/diagram" xmlns:o="urn:schemas-microsoft-com:office:office" xmlns:v="urn:schemas-microsoft-com:vml" xmlns:pvml="urn:schemas-microsoft-com:office:powerpoint" xmlns:com="http://schemas.openxmlformats.org/drawingml/2006/compatibility" xmlns:p14="http://schemas.microsoft.com/office/powerpoint/2010/main" xmlns:p15="http://schemas.microsoft.com/office/powerpoint/2012/main" xmlns:ahyp="http://schemas.microsoft.com/office/drawing/2018/hyperlinkcolor" xmlns:go="http://customooxmlschemas.google.com/" r:id="rId25" roundtripDataSignature="AMtx7mjbGxrVGqeYPl04eDJZvsznUofUZg=="/>
     </p:ext>
   </p:extLst>
 </p:presentation>
@@ -643,10 +643,10 @@
               <a:buNone/>
             </a:pPr>
             <a:r>
-              <a:rPr lang="en-US"/>
-              <a:t>All?</a:t>
+              <a:rPr lang="en-US" dirty="0"/>
+              <a:t>W</a:t>
             </a:r>
-            <a:endParaRPr/>
+            <a:endParaRPr dirty="0"/>
           </a:p>
         </p:txBody>
       </p:sp>
@@ -750,6 +750,10 @@
               </a:spcAft>
               <a:buNone/>
             </a:pPr>
+            <a:r>
+              <a:rPr lang="en-US" dirty="0"/>
+              <a:t>CM</a:t>
+            </a:r>
             <a:endParaRPr dirty="0"/>
           </a:p>
         </p:txBody>
@@ -809,6 +813,222 @@
 </file>
 
 <file path=ppt/notesSlides/notesSlide11.xml><?xml version="1.0" encoding="utf-8"?>
+<p:notes xmlns:a="http://schemas.openxmlformats.org/drawingml/2006/main" xmlns:r="http://schemas.openxmlformats.org/officeDocument/2006/relationships" xmlns:p="http://schemas.openxmlformats.org/presentationml/2006/main">
+  <p:cSld>
+    <p:spTree>
+      <p:nvGrpSpPr>
+        <p:cNvPr id="1" name=""/>
+        <p:cNvGrpSpPr/>
+        <p:nvPr/>
+      </p:nvGrpSpPr>
+      <p:grpSpPr>
+        <a:xfrm>
+          <a:off x="0" y="0"/>
+          <a:ext cx="0" cy="0"/>
+          <a:chOff x="0" y="0"/>
+          <a:chExt cx="0" cy="0"/>
+        </a:xfrm>
+      </p:grpSpPr>
+      <p:sp>
+        <p:nvSpPr>
+          <p:cNvPr id="2" name="Slide Image Placeholder 1"/>
+          <p:cNvSpPr>
+            <a:spLocks noGrp="1" noRot="1" noChangeAspect="1"/>
+          </p:cNvSpPr>
+          <p:nvPr>
+            <p:ph type="sldImg"/>
+          </p:nvPr>
+        </p:nvSpPr>
+        <p:spPr>
+          <a:xfrm>
+            <a:off x="381000" y="685800"/>
+            <a:ext cx="6096000" cy="3429000"/>
+          </a:xfrm>
+        </p:spPr>
+      </p:sp>
+      <p:sp>
+        <p:nvSpPr>
+          <p:cNvPr id="3" name="Notes Placeholder 2"/>
+          <p:cNvSpPr>
+            <a:spLocks noGrp="1"/>
+          </p:cNvSpPr>
+          <p:nvPr>
+            <p:ph type="body" idx="1"/>
+          </p:nvPr>
+        </p:nvSpPr>
+        <p:spPr/>
+        <p:txBody>
+          <a:bodyPr/>
+          <a:lstStyle/>
+          <a:p>
+            <a:pPr marL="158750" indent="0">
+              <a:buNone/>
+            </a:pPr>
+            <a:r>
+              <a:rPr lang="en-US" dirty="0"/>
+              <a:t>CL</a:t>
+            </a:r>
+          </a:p>
+        </p:txBody>
+      </p:sp>
+    </p:spTree>
+    <p:extLst>
+      <p:ext uri="{BB962C8B-B14F-4D97-AF65-F5344CB8AC3E}">
+        <p14:creationId xmlns:p14="http://schemas.microsoft.com/office/powerpoint/2010/main" val="1051239060"/>
+      </p:ext>
+    </p:extLst>
+  </p:cSld>
+  <p:clrMapOvr>
+    <a:masterClrMapping/>
+  </p:clrMapOvr>
+</p:notes>
+</file>
+
+<file path=ppt/notesSlides/notesSlide12.xml><?xml version="1.0" encoding="utf-8"?>
+<p:notes xmlns:a="http://schemas.openxmlformats.org/drawingml/2006/main" xmlns:r="http://schemas.openxmlformats.org/officeDocument/2006/relationships" xmlns:p="http://schemas.openxmlformats.org/presentationml/2006/main">
+  <p:cSld>
+    <p:spTree>
+      <p:nvGrpSpPr>
+        <p:cNvPr id="1" name=""/>
+        <p:cNvGrpSpPr/>
+        <p:nvPr/>
+      </p:nvGrpSpPr>
+      <p:grpSpPr>
+        <a:xfrm>
+          <a:off x="0" y="0"/>
+          <a:ext cx="0" cy="0"/>
+          <a:chOff x="0" y="0"/>
+          <a:chExt cx="0" cy="0"/>
+        </a:xfrm>
+      </p:grpSpPr>
+      <p:sp>
+        <p:nvSpPr>
+          <p:cNvPr id="2" name="Slide Image Placeholder 1"/>
+          <p:cNvSpPr>
+            <a:spLocks noGrp="1" noRot="1" noChangeAspect="1"/>
+          </p:cNvSpPr>
+          <p:nvPr>
+            <p:ph type="sldImg"/>
+          </p:nvPr>
+        </p:nvSpPr>
+        <p:spPr>
+          <a:xfrm>
+            <a:off x="381000" y="685800"/>
+            <a:ext cx="6096000" cy="3429000"/>
+          </a:xfrm>
+        </p:spPr>
+      </p:sp>
+      <p:sp>
+        <p:nvSpPr>
+          <p:cNvPr id="3" name="Notes Placeholder 2"/>
+          <p:cNvSpPr>
+            <a:spLocks noGrp="1"/>
+          </p:cNvSpPr>
+          <p:nvPr>
+            <p:ph type="body" idx="1"/>
+          </p:nvPr>
+        </p:nvSpPr>
+        <p:spPr/>
+        <p:txBody>
+          <a:bodyPr/>
+          <a:lstStyle/>
+          <a:p>
+            <a:pPr marL="158750" indent="0">
+              <a:buNone/>
+            </a:pPr>
+            <a:r>
+              <a:rPr lang="en-US" dirty="0"/>
+              <a:t>CL</a:t>
+            </a:r>
+          </a:p>
+        </p:txBody>
+      </p:sp>
+    </p:spTree>
+    <p:extLst>
+      <p:ext uri="{BB962C8B-B14F-4D97-AF65-F5344CB8AC3E}">
+        <p14:creationId xmlns:p14="http://schemas.microsoft.com/office/powerpoint/2010/main" val="2909453364"/>
+      </p:ext>
+    </p:extLst>
+  </p:cSld>
+  <p:clrMapOvr>
+    <a:masterClrMapping/>
+  </p:clrMapOvr>
+</p:notes>
+</file>
+
+<file path=ppt/notesSlides/notesSlide13.xml><?xml version="1.0" encoding="utf-8"?>
+<p:notes xmlns:a="http://schemas.openxmlformats.org/drawingml/2006/main" xmlns:r="http://schemas.openxmlformats.org/officeDocument/2006/relationships" xmlns:p="http://schemas.openxmlformats.org/presentationml/2006/main">
+  <p:cSld>
+    <p:spTree>
+      <p:nvGrpSpPr>
+        <p:cNvPr id="1" name=""/>
+        <p:cNvGrpSpPr/>
+        <p:nvPr/>
+      </p:nvGrpSpPr>
+      <p:grpSpPr>
+        <a:xfrm>
+          <a:off x="0" y="0"/>
+          <a:ext cx="0" cy="0"/>
+          <a:chOff x="0" y="0"/>
+          <a:chExt cx="0" cy="0"/>
+        </a:xfrm>
+      </p:grpSpPr>
+      <p:sp>
+        <p:nvSpPr>
+          <p:cNvPr id="2" name="Slide Image Placeholder 1"/>
+          <p:cNvSpPr>
+            <a:spLocks noGrp="1" noRot="1" noChangeAspect="1"/>
+          </p:cNvSpPr>
+          <p:nvPr>
+            <p:ph type="sldImg"/>
+          </p:nvPr>
+        </p:nvSpPr>
+        <p:spPr>
+          <a:xfrm>
+            <a:off x="381000" y="685800"/>
+            <a:ext cx="6096000" cy="3429000"/>
+          </a:xfrm>
+        </p:spPr>
+      </p:sp>
+      <p:sp>
+        <p:nvSpPr>
+          <p:cNvPr id="3" name="Notes Placeholder 2"/>
+          <p:cNvSpPr>
+            <a:spLocks noGrp="1"/>
+          </p:cNvSpPr>
+          <p:nvPr>
+            <p:ph type="body" idx="1"/>
+          </p:nvPr>
+        </p:nvSpPr>
+        <p:spPr/>
+        <p:txBody>
+          <a:bodyPr/>
+          <a:lstStyle/>
+          <a:p>
+            <a:pPr marL="158750" indent="0">
+              <a:buNone/>
+            </a:pPr>
+            <a:r>
+              <a:rPr lang="en-US" dirty="0"/>
+              <a:t>J</a:t>
+            </a:r>
+          </a:p>
+        </p:txBody>
+      </p:sp>
+    </p:spTree>
+    <p:extLst>
+      <p:ext uri="{BB962C8B-B14F-4D97-AF65-F5344CB8AC3E}">
+        <p14:creationId xmlns:p14="http://schemas.microsoft.com/office/powerpoint/2010/main" val="3113938649"/>
+      </p:ext>
+    </p:extLst>
+  </p:cSld>
+  <p:clrMapOvr>
+    <a:masterClrMapping/>
+  </p:clrMapOvr>
+</p:notes>
+</file>
+
+<file path=ppt/notesSlides/notesSlide14.xml><?xml version="1.0" encoding="utf-8"?>
 <p:notes xmlns:a="http://schemas.openxmlformats.org/drawingml/2006/main" xmlns:r="http://schemas.openxmlformats.org/officeDocument/2006/relationships" xmlns:p="http://schemas.openxmlformats.org/presentationml/2006/main" showMasterSp="0" showMasterPhAnim="0">
   <p:cSld>
     <p:spTree>
@@ -859,7 +1079,11 @@
               </a:spcAft>
               <a:buNone/>
             </a:pPr>
-            <a:endParaRPr/>
+            <a:r>
+              <a:rPr lang="en-US" dirty="0"/>
+              <a:t>J&amp;W</a:t>
+            </a:r>
+            <a:endParaRPr dirty="0"/>
           </a:p>
         </p:txBody>
       </p:sp>
@@ -912,7 +1136,7 @@
 </p:notes>
 </file>
 
-<file path=ppt/notesSlides/notesSlide12.xml><?xml version="1.0" encoding="utf-8"?>
+<file path=ppt/notesSlides/notesSlide15.xml><?xml version="1.0" encoding="utf-8"?>
 <p:notes xmlns:a="http://schemas.openxmlformats.org/drawingml/2006/main" xmlns:r="http://schemas.openxmlformats.org/officeDocument/2006/relationships" xmlns:p="http://schemas.openxmlformats.org/presentationml/2006/main" showMasterSp="0" showMasterPhAnim="0">
   <p:cSld>
     <p:spTree>
@@ -963,7 +1187,11 @@
               </a:spcAft>
               <a:buNone/>
             </a:pPr>
-            <a:endParaRPr/>
+            <a:r>
+              <a:rPr lang="en-US" dirty="0"/>
+              <a:t>W</a:t>
+            </a:r>
+            <a:endParaRPr dirty="0"/>
           </a:p>
         </p:txBody>
       </p:sp>
@@ -1067,7 +1295,11 @@
               </a:spcAft>
               <a:buNone/>
             </a:pPr>
-            <a:endParaRPr/>
+            <a:r>
+              <a:rPr lang="en-US" dirty="0"/>
+              <a:t>W</a:t>
+            </a:r>
+            <a:endParaRPr dirty="0"/>
           </a:p>
         </p:txBody>
       </p:sp>
@@ -1171,7 +1403,11 @@
               </a:spcAft>
               <a:buNone/>
             </a:pPr>
-            <a:endParaRPr/>
+            <a:r>
+              <a:rPr lang="en-US" dirty="0"/>
+              <a:t>W</a:t>
+            </a:r>
+            <a:endParaRPr dirty="0"/>
           </a:p>
         </p:txBody>
       </p:sp>
@@ -1280,6 +1516,10 @@
               </a:spcAft>
               <a:buNone/>
             </a:pPr>
+            <a:r>
+              <a:rPr lang="en-US" dirty="0"/>
+              <a:t>CL</a:t>
+            </a:r>
             <a:endParaRPr dirty="0"/>
           </a:p>
         </p:txBody>
@@ -1384,6 +1624,10 @@
               </a:spcAft>
               <a:buNone/>
             </a:pPr>
+            <a:r>
+              <a:rPr lang="en-US" dirty="0"/>
+              <a:t>CL</a:t>
+            </a:r>
             <a:endParaRPr dirty="0"/>
           </a:p>
         </p:txBody>
@@ -1493,6 +1737,10 @@
               </a:spcAft>
               <a:buNone/>
             </a:pPr>
+            <a:r>
+              <a:rPr lang="en-US" dirty="0"/>
+              <a:t>J</a:t>
+            </a:r>
             <a:endParaRPr dirty="0"/>
           </a:p>
         </p:txBody>
@@ -1602,6 +1850,10 @@
               </a:spcAft>
               <a:buNone/>
             </a:pPr>
+            <a:r>
+              <a:rPr lang="en-US" dirty="0"/>
+              <a:t>J</a:t>
+            </a:r>
             <a:endParaRPr dirty="0"/>
           </a:p>
         </p:txBody>
@@ -1711,6 +1963,10 @@
               </a:spcAft>
               <a:buNone/>
             </a:pPr>
+            <a:r>
+              <a:rPr lang="en-US" dirty="0"/>
+              <a:t>CM</a:t>
+            </a:r>
             <a:endParaRPr dirty="0"/>
           </a:p>
         </p:txBody>
@@ -1820,6 +2076,10 @@
               </a:spcAft>
               <a:buNone/>
             </a:pPr>
+            <a:r>
+              <a:rPr lang="en-US" dirty="0"/>
+              <a:t>CM</a:t>
+            </a:r>
             <a:endParaRPr dirty="0"/>
           </a:p>
         </p:txBody>
@@ -6908,31 +7168,147 @@
           <a:chExt cx="0" cy="0"/>
         </a:xfrm>
       </p:grpSpPr>
-      <p:sp>
-        <p:nvSpPr>
-          <p:cNvPr id="2" name="Title 1">
+      <p:pic>
+        <p:nvPicPr>
+          <p:cNvPr id="2" name="Picture 1">
             <a:extLst>
               <a:ext uri="{FF2B5EF4-FFF2-40B4-BE49-F238E27FC236}">
-                <a16:creationId xmlns:a16="http://schemas.microsoft.com/office/drawing/2014/main" id="{4AC40AC2-46D8-EC52-C33A-C43DF26D42B5}"/>
+                <a16:creationId xmlns:a16="http://schemas.microsoft.com/office/drawing/2014/main" id="{3A409041-2443-4BAC-D4E9-8D90BB866345}"/>
               </a:ext>
             </a:extLst>
           </p:cNvPr>
-          <p:cNvSpPr>
-            <a:spLocks noGrp="1"/>
+          <p:cNvPicPr>
+            <a:picLocks noChangeAspect="1"/>
+          </p:cNvPicPr>
+          <p:nvPr/>
+        </p:nvPicPr>
+        <p:blipFill>
+          <a:blip r:embed="rId3"/>
+          <a:stretch>
+            <a:fillRect/>
+          </a:stretch>
+        </p:blipFill>
+        <p:spPr>
+          <a:xfrm>
+            <a:off x="5983265" y="706903"/>
+            <a:ext cx="5032015" cy="6072809"/>
+          </a:xfrm>
+          <a:prstGeom prst="rect">
+            <a:avLst/>
+          </a:prstGeom>
+          <a:ln w="38100">
+            <a:solidFill>
+              <a:schemeClr val="accent1"/>
+            </a:solidFill>
+          </a:ln>
+        </p:spPr>
+      </p:pic>
+      <p:sp>
+        <p:nvSpPr>
+          <p:cNvPr id="3" name="Title 1">
+            <a:extLst>
+              <a:ext uri="{FF2B5EF4-FFF2-40B4-BE49-F238E27FC236}">
+                <a16:creationId xmlns:a16="http://schemas.microsoft.com/office/drawing/2014/main" id="{FAD9F360-1981-F286-C4C3-207D32B11954}"/>
+              </a:ext>
+            </a:extLst>
+          </p:cNvPr>
+          <p:cNvSpPr txBox="1">
+            <a:spLocks/>
           </p:cNvSpPr>
-          <p:nvPr>
-            <p:ph type="title"/>
-          </p:nvPr>
+          <p:nvPr/>
         </p:nvSpPr>
-        <p:spPr/>
+        <p:spPr>
+          <a:xfrm>
+            <a:off x="1063985" y="2632967"/>
+            <a:ext cx="5664450" cy="1592066"/>
+          </a:xfrm>
+          <a:prstGeom prst="rect">
+            <a:avLst/>
+          </a:prstGeom>
+        </p:spPr>
         <p:txBody>
           <a:bodyPr>
-            <a:normAutofit/>
+            <a:noAutofit/>
           </a:bodyPr>
-          <a:lstStyle/>
+          <a:lstStyle>
+            <a:lvl1pPr algn="l" defTabSz="457200" rtl="0" eaLnBrk="1" latinLnBrk="0" hangingPunct="1">
+              <a:spcBef>
+                <a:spcPct val="0"/>
+              </a:spcBef>
+              <a:buNone/>
+              <a:defRPr sz="2800" b="0" kern="1200" cap="all">
+                <a:solidFill>
+                  <a:schemeClr val="bg1"/>
+                </a:solidFill>
+                <a:latin typeface="+mj-lt"/>
+                <a:ea typeface="+mj-ea"/>
+                <a:cs typeface="+mj-cs"/>
+              </a:defRPr>
+            </a:lvl1pPr>
+            <a:lvl2pPr eaLnBrk="1" hangingPunct="1">
+              <a:defRPr>
+                <a:solidFill>
+                  <a:schemeClr val="tx2"/>
+                </a:solidFill>
+              </a:defRPr>
+            </a:lvl2pPr>
+            <a:lvl3pPr eaLnBrk="1" hangingPunct="1">
+              <a:defRPr>
+                <a:solidFill>
+                  <a:schemeClr val="tx2"/>
+                </a:solidFill>
+              </a:defRPr>
+            </a:lvl3pPr>
+            <a:lvl4pPr eaLnBrk="1" hangingPunct="1">
+              <a:defRPr>
+                <a:solidFill>
+                  <a:schemeClr val="tx2"/>
+                </a:solidFill>
+              </a:defRPr>
+            </a:lvl4pPr>
+            <a:lvl5pPr eaLnBrk="1" hangingPunct="1">
+              <a:defRPr>
+                <a:solidFill>
+                  <a:schemeClr val="tx2"/>
+                </a:solidFill>
+              </a:defRPr>
+            </a:lvl5pPr>
+            <a:lvl6pPr eaLnBrk="1" hangingPunct="1">
+              <a:defRPr>
+                <a:solidFill>
+                  <a:schemeClr val="tx2"/>
+                </a:solidFill>
+              </a:defRPr>
+            </a:lvl6pPr>
+            <a:lvl7pPr eaLnBrk="1" hangingPunct="1">
+              <a:defRPr>
+                <a:solidFill>
+                  <a:schemeClr val="tx2"/>
+                </a:solidFill>
+              </a:defRPr>
+            </a:lvl7pPr>
+            <a:lvl8pPr eaLnBrk="1" hangingPunct="1">
+              <a:defRPr>
+                <a:solidFill>
+                  <a:schemeClr val="tx2"/>
+                </a:solidFill>
+              </a:defRPr>
+            </a:lvl8pPr>
+            <a:lvl9pPr eaLnBrk="1" hangingPunct="1">
+              <a:defRPr>
+                <a:solidFill>
+                  <a:schemeClr val="tx2"/>
+                </a:solidFill>
+              </a:defRPr>
+            </a:lvl9pPr>
+          </a:lstStyle>
           <a:p>
             <a:r>
-              <a:rPr lang="en-US" sz="4400" dirty="0"/>
+              <a:rPr lang="en-US" sz="4400" dirty="0">
+                <a:solidFill>
+                  <a:schemeClr val="accent1"/>
+                </a:solidFill>
+              </a:rPr>
               <a:t>Features importance</a:t>
             </a:r>
           </a:p>
@@ -6941,7 +7317,7 @@
     </p:spTree>
     <p:extLst>
       <p:ext uri="{BB962C8B-B14F-4D97-AF65-F5344CB8AC3E}">
-        <p14:creationId xmlns:p14="http://schemas.microsoft.com/office/powerpoint/2010/main" val="1509637931"/>
+        <p14:creationId xmlns:p14="http://schemas.microsoft.com/office/powerpoint/2010/main" val="2576979641"/>
       </p:ext>
     </p:extLst>
   </p:cSld>
@@ -7013,7 +7389,7 @@
           <p:nvPr/>
         </p:nvPicPr>
         <p:blipFill rotWithShape="1">
-          <a:blip r:embed="rId2"/>
+          <a:blip r:embed="rId3"/>
           <a:srcRect l="616" t="949" r="1033" b="1316"/>
           <a:stretch/>
         </p:blipFill>
@@ -7027,9 +7403,7 @@
           </a:prstGeom>
           <a:ln w="38100">
             <a:solidFill>
-              <a:schemeClr val="accent6">
-                <a:lumMod val="75000"/>
-              </a:schemeClr>
+              <a:schemeClr val="accent1"/>
             </a:solidFill>
           </a:ln>
         </p:spPr>
@@ -7313,10 +7687,10 @@
             <p:nvPr/>
           </p:nvPicPr>
           <p:blipFill>
-            <a:blip r:embed="rId2">
+            <a:blip r:embed="rId3">
               <a:extLst>
                 <a:ext uri="{96DAC541-7B7A-43D3-8B79-37D633B846F1}">
-                  <asvg:svgBlip xmlns:asvg="http://schemas.microsoft.com/office/drawing/2016/SVG/main" r:embed="rId3"/>
+                  <asvg:svgBlip xmlns:asvg="http://schemas.microsoft.com/office/drawing/2016/SVG/main" r:embed="rId4"/>
                 </a:ext>
               </a:extLst>
             </a:blip>
